--- a/createsp.pptx
+++ b/createsp.pptx
@@ -3192,677 +3192,6 @@
           </a:p>
         </p:txBody>
       </p:sp>
-      <p:graphicFrame>
-        <p:nvGraphicFramePr>
-          <p:cNvPr id="4" name="Table 3"/>
-          <p:cNvGraphicFramePr>
-            <a:graphicFrameLocks noGrp="1"/>
-          </p:cNvGraphicFramePr>
-          <p:nvPr/>
-        </p:nvGraphicFramePr>
-        <p:xfrm>
-          <a:off x="274320" y="1371600"/>
-          <a:ext cx="8778240" cy="731520"/>
-        </p:xfrm>
-        <a:graphic>
-          <a:graphicData uri="http://schemas.openxmlformats.org/drawingml/2006/table">
-            <a:tbl>
-              <a:tblPr firstRow="1" bandRow="1">
-                <a:tableStyleId>{5C22544A-7EE6-4342-B048-85BDC9FD1C3A}</a:tableStyleId>
-              </a:tblPr>
-              <a:tblGrid>
-                <a:gridCol w="914400"/>
-                <a:gridCol w="2011680"/>
-                <a:gridCol w="914400"/>
-                <a:gridCol w="2011680"/>
-                <a:gridCol w="914400"/>
-                <a:gridCol w="2011680"/>
-              </a:tblGrid>
-              <a:tr h="104502">
-                <a:tc>
-                  <a:txBody>
-                    <a:bodyPr/>
-                    <a:lstStyle/>
-                    <a:p/>
-                  </a:txBody>
-                  <a:tcPr/>
-                </a:tc>
-                <a:tc>
-                  <a:txBody>
-                    <a:bodyPr/>
-                    <a:lstStyle/>
-                    <a:p>
-                      <a:r>
-                        <a:rPr sz="1000"/>
-                        <a:t>1st Line</a:t>
-                      </a:r>
-                    </a:p>
-                  </a:txBody>
-                  <a:tcPr/>
-                </a:tc>
-                <a:tc>
-                  <a:txBody>
-                    <a:bodyPr/>
-                    <a:lstStyle/>
-                    <a:p/>
-                  </a:txBody>
-                  <a:tcPr/>
-                </a:tc>
-                <a:tc>
-                  <a:txBody>
-                    <a:bodyPr/>
-                    <a:lstStyle/>
-                    <a:p>
-                      <a:r>
-                        <a:rPr sz="1000"/>
-                        <a:t>2nd Line</a:t>
-                      </a:r>
-                    </a:p>
-                  </a:txBody>
-                  <a:tcPr/>
-                </a:tc>
-                <a:tc>
-                  <a:txBody>
-                    <a:bodyPr/>
-                    <a:lstStyle/>
-                    <a:p/>
-                  </a:txBody>
-                  <a:tcPr/>
-                </a:tc>
-                <a:tc>
-                  <a:txBody>
-                    <a:bodyPr/>
-                    <a:lstStyle/>
-                    <a:p>
-                      <a:r>
-                        <a:rPr sz="1000"/>
-                        <a:t>3rd Line</a:t>
-                      </a:r>
-                    </a:p>
-                  </a:txBody>
-                  <a:tcPr/>
-                </a:tc>
-              </a:tr>
-              <a:tr h="104502">
-                <a:tc>
-                  <a:txBody>
-                    <a:bodyPr/>
-                    <a:lstStyle/>
-                    <a:p/>
-                  </a:txBody>
-                  <a:tcPr/>
-                </a:tc>
-                <a:tc>
-                  <a:txBody>
-                    <a:bodyPr/>
-                    <a:lstStyle/>
-                    <a:p>
-                      <a:r>
-                        <a:rPr sz="1000"/>
-                        <a:t>Lim Li Ping (G10, CT)</a:t>
-                      </a:r>
-                    </a:p>
-                    <a:p>
-                      <a:r>
-                        <a:rPr sz="1000"/>
-                        <a:t>Head (Commercial Malaysia), Commercial Malaysia, Commercial, Strategy &amp; Commercial, PCSB, Upstream Business</a:t>
-                      </a:r>
-                    </a:p>
-                    <a:p>
-                      <a:r>
-                        <a:rPr sz="1000"/>
-                        <a:t>Retire: 03/02/2034,   Age: 45</a:t>
-                      </a:r>
-                    </a:p>
-                    <a:p>
-                      <a:r>
-                        <a:rPr sz="1000"/>
-                        <a:t>PPA: 2, 2, 1, 2, SDP</a:t>
-                      </a:r>
-                    </a:p>
-                  </a:txBody>
-                  <a:tcPr/>
-                </a:tc>
-                <a:tc>
-                  <a:txBody>
-                    <a:bodyPr/>
-                    <a:lstStyle/>
-                    <a:p/>
-                  </a:txBody>
-                  <a:tcPr/>
-                </a:tc>
-                <a:tc>
-                  <a:txBody>
-                    <a:bodyPr/>
-                    <a:lstStyle/>
-                    <a:p>
-                      <a:r>
-                        <a:rPr sz="1000"/>
-                        <a:t>Abdul Aziz bin Othman (G11, CT)</a:t>
-                      </a:r>
-                    </a:p>
-                    <a:p>
-                      <a:r>
-                        <a:rPr sz="1000"/>
-                        <a:t>VP, Strategy &amp; New Ventures, Strategy &amp; Corporate Development, International Assets, PCSB, Upstream Business</a:t>
-                      </a:r>
-                    </a:p>
-                    <a:p>
-                      <a:r>
-                        <a:rPr sz="1000"/>
-                        <a:t>Retire: 06/08/2020,   Age: 54</a:t>
-                      </a:r>
-                    </a:p>
-                    <a:p>
-                      <a:r>
-                        <a:rPr sz="1000"/>
-                        <a:t>PPA: 2, 1, 2, 1, 2</a:t>
-                      </a:r>
-                    </a:p>
-                  </a:txBody>
-                  <a:tcPr/>
-                </a:tc>
-                <a:tc>
-                  <a:txBody>
-                    <a:bodyPr/>
-                    <a:lstStyle/>
-                    <a:p/>
-                  </a:txBody>
-                  <a:tcPr/>
-                </a:tc>
-                <a:tc>
-                  <a:txBody>
-                    <a:bodyPr/>
-                    <a:lstStyle/>
-                    <a:p>
-                      <a:r>
-                        <a:rPr sz="1000"/>
-                        <a:t>Abang Jimmy bin Abang Mordian (G10, CT)</a:t>
-                      </a:r>
-                    </a:p>
-                    <a:p>
-                      <a:r>
-                        <a:rPr sz="1000"/>
-                        <a:t>Head (Leadership &amp; Capability Dev.), Leadership &amp; Capability Development, Human Capital Development, Group Human Resource Management, PETRONAS </a:t>
-                      </a:r>
-                    </a:p>
-                    <a:p>
-                      <a:r>
-                        <a:rPr sz="1000"/>
-                        <a:t>Retire: 23/05/2036,   Age: 43</a:t>
-                      </a:r>
-                    </a:p>
-                    <a:p>
-                      <a:r>
-                        <a:rPr sz="1000"/>
-                        <a:t>PPA: 2, 3S, 2, SDP, 3H</a:t>
-                      </a:r>
-                    </a:p>
-                  </a:txBody>
-                  <a:tcPr/>
-                </a:tc>
-              </a:tr>
-              <a:tr h="104502">
-                <a:tc>
-                  <a:txBody>
-                    <a:bodyPr/>
-                    <a:lstStyle/>
-                    <a:p/>
-                  </a:txBody>
-                  <a:tcPr/>
-                </a:tc>
-                <a:tc>
-                  <a:txBody>
-                    <a:bodyPr/>
-                    <a:lstStyle/>
-                    <a:p>
-                      <a:r>
-                        <a:rPr sz="1000"/>
-                        <a:t>Izwan bin Ismail (G11, CT)</a:t>
-                      </a:r>
-                    </a:p>
-                    <a:p>
-                      <a:r>
-                        <a:rPr sz="1000"/>
-                        <a:t>Head (Executive Assistant), Executive Assistant, President Special Assistant Unit, PETRONAS </a:t>
-                      </a:r>
-                    </a:p>
-                    <a:p>
-                      <a:r>
-                        <a:rPr sz="1000"/>
-                        <a:t>Retire: 25/08/2035,   Age: 44</a:t>
-                      </a:r>
-                    </a:p>
-                    <a:p>
-                      <a:r>
-                        <a:rPr sz="1000"/>
-                        <a:t>PPA: 1, 2, 2, 2, 2</a:t>
-                      </a:r>
-                    </a:p>
-                  </a:txBody>
-                  <a:tcPr/>
-                </a:tc>
-                <a:tc>
-                  <a:txBody>
-                    <a:bodyPr/>
-                    <a:lstStyle/>
-                    <a:p/>
-                  </a:txBody>
-                  <a:tcPr/>
-                </a:tc>
-                <a:tc>
-                  <a:txBody>
-                    <a:bodyPr/>
-                    <a:lstStyle/>
-                    <a:p>
-                      <a:r>
-                        <a:rPr sz="1000"/>
-                        <a:t>Hezlinn Fariss Idris (G11, CT)</a:t>
-                      </a:r>
-                    </a:p>
-                    <a:p>
-                      <a:r>
-                        <a:rPr sz="1000"/>
-                        <a:t>Chief Group Strat. &amp; Transf. Officer, PETRONAS Lubricant International SB, Marketing, Downstream Corporate Office, PETRONAS </a:t>
-                      </a:r>
-                    </a:p>
-                    <a:p>
-                      <a:r>
-                        <a:rPr sz="1000"/>
-                        <a:t>Retire: 19/02/2033,   Age: 46</a:t>
-                      </a:r>
-                    </a:p>
-                    <a:p>
-                      <a:r>
-                        <a:rPr sz="1000"/>
-                        <a:t>PPA: 2, 2, 1, 3H, 2</a:t>
-                      </a:r>
-                    </a:p>
-                  </a:txBody>
-                  <a:tcPr/>
-                </a:tc>
-                <a:tc>
-                  <a:txBody>
-                    <a:bodyPr/>
-                    <a:lstStyle/>
-                    <a:p/>
-                  </a:txBody>
-                  <a:tcPr/>
-                </a:tc>
-                <a:tc>
-                  <a:txBody>
-                    <a:bodyPr/>
-                    <a:lstStyle/>
-                    <a:p>
-                      <a:r>
-                        <a:rPr sz="1000"/>
-                        <a:t>Abdullah Ayman bin Awaluddin (G08, CT)</a:t>
-                      </a:r>
-                    </a:p>
-                    <a:p>
-                      <a:r>
-                        <a:rPr sz="1000"/>
-                        <a:t>Head (Venture Architect), Venture Architect, Venture Builder, Marketing, PDB, Downstream Business</a:t>
-                      </a:r>
-                    </a:p>
-                    <a:p>
-                      <a:r>
-                        <a:rPr sz="1000"/>
-                        <a:t>Retire: 30/07/2041,   Age: 38</a:t>
-                      </a:r>
-                    </a:p>
-                    <a:p>
-                      <a:r>
-                        <a:rPr sz="1000"/>
-                        <a:t>PPA: 3H, 2, 1, 1, 3H</a:t>
-                      </a:r>
-                    </a:p>
-                  </a:txBody>
-                  <a:tcPr/>
-                </a:tc>
-              </a:tr>
-              <a:tr h="104502">
-                <a:tc>
-                  <a:txBody>
-                    <a:bodyPr/>
-                    <a:lstStyle/>
-                    <a:p/>
-                  </a:txBody>
-                  <a:tcPr/>
-                </a:tc>
-                <a:tc>
-                  <a:txBody>
-                    <a:bodyPr/>
-                    <a:lstStyle/>
-                    <a:p>
-                      <a:r>
-                        <a:rPr sz="1000"/>
-                        <a:t>Jazlinawati binti Osman (G11, CT)</a:t>
-                      </a:r>
-                    </a:p>
-                    <a:p>
-                      <a:r>
-                        <a:rPr sz="1000"/>
-                        <a:t>Head (Transformation Office), Transformation Office, President Special Assistant Unit, PETRONAS </a:t>
-                      </a:r>
-                    </a:p>
-                    <a:p>
-                      <a:r>
-                        <a:rPr sz="1000"/>
-                        <a:t>Retire: 23/02/2034,   Age: 45</a:t>
-                      </a:r>
-                    </a:p>
-                    <a:p>
-                      <a:r>
-                        <a:rPr sz="1000"/>
-                        <a:t>PPA: 1, 2, 2, 2, 3H</a:t>
-                      </a:r>
-                    </a:p>
-                  </a:txBody>
-                  <a:tcPr/>
-                </a:tc>
-                <a:tc>
-                  <a:txBody>
-                    <a:bodyPr/>
-                    <a:lstStyle/>
-                    <a:p/>
-                  </a:txBody>
-                  <a:tcPr/>
-                </a:tc>
-                <a:tc>
-                  <a:txBody>
-                    <a:bodyPr/>
-                    <a:lstStyle/>
-                    <a:p>
-                      <a:r>
-                        <a:rPr sz="1000"/>
-                        <a:t>Adiana Mastura binti Mohamed Idris (G09, CT)</a:t>
-                      </a:r>
-                    </a:p>
-                    <a:p>
-                      <a:r>
-                        <a:rPr sz="1000"/>
-                        <a:t>Head (Commercial MPM), Commercial MPM, Commercial, Strategy &amp; Commercial, PETRONAS Upstream</a:t>
-                      </a:r>
-                    </a:p>
-                    <a:p>
-                      <a:r>
-                        <a:rPr sz="1000"/>
-                        <a:t>Retire: 30/08/2036,   Age: 43</a:t>
-                      </a:r>
-                    </a:p>
-                    <a:p>
-                      <a:r>
-                        <a:rPr sz="1000"/>
-                        <a:t>PPA: 2, 3H, 2, 2, 3H</a:t>
-                      </a:r>
-                    </a:p>
-                  </a:txBody>
-                  <a:tcPr/>
-                </a:tc>
-                <a:tc>
-                  <a:txBody>
-                    <a:bodyPr/>
-                    <a:lstStyle/>
-                    <a:p/>
-                  </a:txBody>
-                  <a:tcPr/>
-                </a:tc>
-                <a:tc>
-                  <a:txBody>
-                    <a:bodyPr/>
-                    <a:lstStyle/>
-                    <a:p>
-                      <a:r>
-                        <a:rPr sz="1000"/>
-                        <a:t>Izmir bin Kamarudin (G09, CT)</a:t>
-                      </a:r>
-                    </a:p>
-                    <a:p>
-                      <a:r>
-                        <a:rPr sz="1000"/>
-                        <a:t>Head (BD - USA), Business Development, Strategy &amp; Commercial, PCSB, Upstream Business</a:t>
-                      </a:r>
-                    </a:p>
-                    <a:p>
-                      <a:r>
-                        <a:rPr sz="1000"/>
-                        <a:t>Retire: 29/10/2029,   Age: 45</a:t>
-                      </a:r>
-                    </a:p>
-                    <a:p>
-                      <a:r>
-                        <a:rPr sz="1000"/>
-                        <a:t>PPA: 3H, 2, 3H, 2, 3L</a:t>
-                      </a:r>
-                    </a:p>
-                  </a:txBody>
-                  <a:tcPr/>
-                </a:tc>
-              </a:tr>
-              <a:tr h="104502">
-                <a:tc>
-                  <a:txBody>
-                    <a:bodyPr/>
-                    <a:lstStyle/>
-                    <a:p/>
-                  </a:txBody>
-                  <a:tcPr/>
-                </a:tc>
-                <a:tc>
-                  <a:txBody>
-                    <a:bodyPr/>
-                    <a:lstStyle/>
-                    <a:p/>
-                  </a:txBody>
-                  <a:tcPr/>
-                </a:tc>
-                <a:tc>
-                  <a:txBody>
-                    <a:bodyPr/>
-                    <a:lstStyle/>
-                    <a:p/>
-                  </a:txBody>
-                  <a:tcPr/>
-                </a:tc>
-                <a:tc>
-                  <a:txBody>
-                    <a:bodyPr/>
-                    <a:lstStyle/>
-                    <a:p/>
-                  </a:txBody>
-                  <a:tcPr/>
-                </a:tc>
-                <a:tc>
-                  <a:txBody>
-                    <a:bodyPr/>
-                    <a:lstStyle/>
-                    <a:p/>
-                  </a:txBody>
-                  <a:tcPr/>
-                </a:tc>
-                <a:tc>
-                  <a:txBody>
-                    <a:bodyPr/>
-                    <a:lstStyle/>
-                    <a:p>
-                      <a:r>
-                        <a:rPr sz="1000"/>
-                        <a:t>Muhammad Huzaini bin Ghazali (G09, CT)</a:t>
-                      </a:r>
-                    </a:p>
-                    <a:p>
-                      <a:r>
-                        <a:rPr sz="1000"/>
-                        <a:t>Director (Strategy &amp; Commercial), Strategy &amp; Corporate Development, International Assets, PCSB, Upstream Business</a:t>
-                      </a:r>
-                    </a:p>
-                    <a:p>
-                      <a:r>
-                        <a:rPr sz="1000"/>
-                        <a:t>Retire: 27/06/2031,   Age: 43</a:t>
-                      </a:r>
-                    </a:p>
-                    <a:p>
-                      <a:r>
-                        <a:rPr sz="1000"/>
-                        <a:t>PPA: 3H, 2, 2, 1, 2</a:t>
-                      </a:r>
-                    </a:p>
-                  </a:txBody>
-                  <a:tcPr/>
-                </a:tc>
-              </a:tr>
-              <a:tr h="104502">
-                <a:tc>
-                  <a:txBody>
-                    <a:bodyPr/>
-                    <a:lstStyle/>
-                    <a:p/>
-                  </a:txBody>
-                  <a:tcPr/>
-                </a:tc>
-                <a:tc>
-                  <a:txBody>
-                    <a:bodyPr/>
-                    <a:lstStyle/>
-                    <a:p/>
-                  </a:txBody>
-                  <a:tcPr/>
-                </a:tc>
-                <a:tc>
-                  <a:txBody>
-                    <a:bodyPr/>
-                    <a:lstStyle/>
-                    <a:p/>
-                  </a:txBody>
-                  <a:tcPr/>
-                </a:tc>
-                <a:tc>
-                  <a:txBody>
-                    <a:bodyPr/>
-                    <a:lstStyle/>
-                    <a:p/>
-                  </a:txBody>
-                  <a:tcPr/>
-                </a:tc>
-                <a:tc>
-                  <a:txBody>
-                    <a:bodyPr/>
-                    <a:lstStyle/>
-                    <a:p/>
-                  </a:txBody>
-                  <a:tcPr/>
-                </a:tc>
-                <a:tc>
-                  <a:txBody>
-                    <a:bodyPr/>
-                    <a:lstStyle/>
-                    <a:p>
-                      <a:r>
-                        <a:rPr sz="1000"/>
-                        <a:t>Norzaileen binti Shamsul Kamar (G07, CT)</a:t>
-                      </a:r>
-                    </a:p>
-                    <a:p>
-                      <a:r>
-                        <a:rPr sz="1000"/>
-                        <a:t>Manager (LMT Planning &amp; Performance), LMT Planning &amp; Performance, Finance &amp; Risk, LNG Marketing &amp; Trading, PLSB, Gas &amp; New Energy</a:t>
-                      </a:r>
-                    </a:p>
-                    <a:p>
-                      <a:r>
-                        <a:rPr sz="1000"/>
-                        <a:t>Retire: 29/10/2041,   Age: 38</a:t>
-                      </a:r>
-                    </a:p>
-                    <a:p>
-                      <a:r>
-                        <a:rPr sz="1000"/>
-                        <a:t>PPA: 3H, 2, 2, 2, 2</a:t>
-                      </a:r>
-                    </a:p>
-                  </a:txBody>
-                  <a:tcPr/>
-                </a:tc>
-              </a:tr>
-              <a:tr h="104508">
-                <a:tc>
-                  <a:txBody>
-                    <a:bodyPr/>
-                    <a:lstStyle/>
-                    <a:p/>
-                  </a:txBody>
-                  <a:tcPr/>
-                </a:tc>
-                <a:tc>
-                  <a:txBody>
-                    <a:bodyPr/>
-                    <a:lstStyle/>
-                    <a:p/>
-                  </a:txBody>
-                  <a:tcPr/>
-                </a:tc>
-                <a:tc>
-                  <a:txBody>
-                    <a:bodyPr/>
-                    <a:lstStyle/>
-                    <a:p/>
-                  </a:txBody>
-                  <a:tcPr/>
-                </a:tc>
-                <a:tc>
-                  <a:txBody>
-                    <a:bodyPr/>
-                    <a:lstStyle/>
-                    <a:p/>
-                  </a:txBody>
-                  <a:tcPr/>
-                </a:tc>
-                <a:tc>
-                  <a:txBody>
-                    <a:bodyPr/>
-                    <a:lstStyle/>
-                    <a:p/>
-                  </a:txBody>
-                  <a:tcPr/>
-                </a:tc>
-                <a:tc>
-                  <a:txBody>
-                    <a:bodyPr/>
-                    <a:lstStyle/>
-                    <a:p>
-                      <a:r>
-                        <a:rPr sz="1000"/>
-                        <a:t>Muhammad Farid bin Hussin (G07, CT)</a:t>
-                      </a:r>
-                    </a:p>
-                    <a:p>
-                      <a:r>
-                        <a:rPr sz="1000"/>
-                        <a:t>Manager (Commercial &amp; Pricing), Commercial &amp; Pricing, Energy &amp; Gas Trading, Gas &amp; Power, PEGT, Gas &amp; New Energy</a:t>
-                      </a:r>
-                    </a:p>
-                    <a:p>
-                      <a:r>
-                        <a:rPr sz="1000"/>
-                        <a:t>Retire: 07/06/2043,   Age: 36</a:t>
-                      </a:r>
-                    </a:p>
-                    <a:p>
-                      <a:r>
-                        <a:rPr sz="1000"/>
-                        <a:t>PPA: 3H, 2, 3S, 3S, 2</a:t>
-                      </a:r>
-                    </a:p>
-                  </a:txBody>
-                  <a:tcPr/>
-                </a:tc>
-              </a:tr>
-            </a:tbl>
-          </a:graphicData>
-        </a:graphic>
-      </p:graphicFrame>
     </p:spTree>
   </p:cSld>
   <p:clrMapOvr>
@@ -3925,435 +3254,6 @@
           </a:p>
         </p:txBody>
       </p:sp>
-      <p:graphicFrame>
-        <p:nvGraphicFramePr>
-          <p:cNvPr id="4" name="Table 3"/>
-          <p:cNvGraphicFramePr>
-            <a:graphicFrameLocks noGrp="1"/>
-          </p:cNvGraphicFramePr>
-          <p:nvPr/>
-        </p:nvGraphicFramePr>
-        <p:xfrm>
-          <a:off x="274320" y="1371600"/>
-          <a:ext cx="8778240" cy="731520"/>
-        </p:xfrm>
-        <a:graphic>
-          <a:graphicData uri="http://schemas.openxmlformats.org/drawingml/2006/table">
-            <a:tbl>
-              <a:tblPr firstRow="1" bandRow="1">
-                <a:tableStyleId>{5C22544A-7EE6-4342-B048-85BDC9FD1C3A}</a:tableStyleId>
-              </a:tblPr>
-              <a:tblGrid>
-                <a:gridCol w="914400"/>
-                <a:gridCol w="2011680"/>
-                <a:gridCol w="914400"/>
-                <a:gridCol w="2011680"/>
-                <a:gridCol w="914400"/>
-                <a:gridCol w="2011680"/>
-              </a:tblGrid>
-              <a:tr h="182880">
-                <a:tc>
-                  <a:txBody>
-                    <a:bodyPr/>
-                    <a:lstStyle/>
-                    <a:p/>
-                  </a:txBody>
-                  <a:tcPr/>
-                </a:tc>
-                <a:tc>
-                  <a:txBody>
-                    <a:bodyPr/>
-                    <a:lstStyle/>
-                    <a:p>
-                      <a:r>
-                        <a:rPr sz="1000"/>
-                        <a:t>1st Line</a:t>
-                      </a:r>
-                    </a:p>
-                  </a:txBody>
-                  <a:tcPr/>
-                </a:tc>
-                <a:tc>
-                  <a:txBody>
-                    <a:bodyPr/>
-                    <a:lstStyle/>
-                    <a:p/>
-                  </a:txBody>
-                  <a:tcPr/>
-                </a:tc>
-                <a:tc>
-                  <a:txBody>
-                    <a:bodyPr/>
-                    <a:lstStyle/>
-                    <a:p>
-                      <a:r>
-                        <a:rPr sz="1000"/>
-                        <a:t>2nd Line</a:t>
-                      </a:r>
-                    </a:p>
-                  </a:txBody>
-                  <a:tcPr/>
-                </a:tc>
-                <a:tc>
-                  <a:txBody>
-                    <a:bodyPr/>
-                    <a:lstStyle/>
-                    <a:p/>
-                  </a:txBody>
-                  <a:tcPr/>
-                </a:tc>
-                <a:tc>
-                  <a:txBody>
-                    <a:bodyPr/>
-                    <a:lstStyle/>
-                    <a:p>
-                      <a:r>
-                        <a:rPr sz="1000"/>
-                        <a:t>3rd Line</a:t>
-                      </a:r>
-                    </a:p>
-                  </a:txBody>
-                  <a:tcPr/>
-                </a:tc>
-              </a:tr>
-              <a:tr h="182880">
-                <a:tc>
-                  <a:txBody>
-                    <a:bodyPr/>
-                    <a:lstStyle/>
-                    <a:p/>
-                  </a:txBody>
-                  <a:tcPr/>
-                </a:tc>
-                <a:tc>
-                  <a:txBody>
-                    <a:bodyPr/>
-                    <a:lstStyle/>
-                    <a:p>
-                      <a:r>
-                        <a:rPr sz="1000"/>
-                        <a:t>Izwan bin Ismail (G11, CT)</a:t>
-                      </a:r>
-                    </a:p>
-                    <a:p>
-                      <a:r>
-                        <a:rPr sz="1000"/>
-                        <a:t>Head (Executive Assistant), Executive Assistant, President Special Assistant Unit, PETRONAS </a:t>
-                      </a:r>
-                    </a:p>
-                    <a:p>
-                      <a:r>
-                        <a:rPr sz="1000"/>
-                        <a:t>Retire: 25/08/2035,   Age: 44</a:t>
-                      </a:r>
-                    </a:p>
-                    <a:p>
-                      <a:r>
-                        <a:rPr sz="1000"/>
-                        <a:t>PPA: 1, 2, 2, 2, 2</a:t>
-                      </a:r>
-                    </a:p>
-                  </a:txBody>
-                  <a:tcPr/>
-                </a:tc>
-                <a:tc>
-                  <a:txBody>
-                    <a:bodyPr/>
-                    <a:lstStyle/>
-                    <a:p/>
-                  </a:txBody>
-                  <a:tcPr/>
-                </a:tc>
-                <a:tc>
-                  <a:txBody>
-                    <a:bodyPr/>
-                    <a:lstStyle/>
-                    <a:p>
-                      <a:r>
-                        <a:rPr sz="1000"/>
-                        <a:t>Sani Zuhairi bin Zainudin (G10, CT)</a:t>
-                      </a:r>
-                    </a:p>
-                    <a:p>
-                      <a:r>
-                        <a:rPr sz="1000"/>
-                        <a:t>Head (Business Development &amp; Commercial), Business Development &amp; Commercial, Strategy &amp; Business Development, PETRONAS Gas &amp; New Energy</a:t>
-                      </a:r>
-                    </a:p>
-                    <a:p>
-                      <a:r>
-                        <a:rPr sz="1000"/>
-                        <a:t>Retire: 10/10/2031,   Age: 43</a:t>
-                      </a:r>
-                    </a:p>
-                    <a:p>
-                      <a:r>
-                        <a:rPr sz="1000"/>
-                        <a:t>PPA: 2, 2, 2, 2, 2</a:t>
-                      </a:r>
-                    </a:p>
-                  </a:txBody>
-                  <a:tcPr/>
-                </a:tc>
-                <a:tc>
-                  <a:txBody>
-                    <a:bodyPr/>
-                    <a:lstStyle/>
-                    <a:p/>
-                  </a:txBody>
-                  <a:tcPr/>
-                </a:tc>
-                <a:tc>
-                  <a:txBody>
-                    <a:bodyPr/>
-                    <a:lstStyle/>
-                    <a:p>
-                      <a:r>
-                        <a:rPr sz="1000"/>
-                        <a:t>Mohd Faizal bin Mohamed Sulaiman (G08, CT)</a:t>
-                      </a:r>
-                    </a:p>
-                    <a:p>
-                      <a:r>
-                        <a:rPr sz="1000"/>
-                        <a:t>Head (Marketing – South East Asia), Marketing - South East Asia, Marketing &amp; Trading, LNG Marketing &amp; Trading, PLL, Gas &amp; New Energy</a:t>
-                      </a:r>
-                    </a:p>
-                    <a:p>
-                      <a:r>
-                        <a:rPr sz="1000"/>
-                        <a:t>Retire: 26/04/2042,   Age: 37</a:t>
-                      </a:r>
-                    </a:p>
-                    <a:p>
-                      <a:r>
-                        <a:rPr sz="1000"/>
-                        <a:t>PPA: 3H, 1, 2, 2, 1</a:t>
-                      </a:r>
-                    </a:p>
-                  </a:txBody>
-                  <a:tcPr/>
-                </a:tc>
-              </a:tr>
-              <a:tr h="182880">
-                <a:tc>
-                  <a:txBody>
-                    <a:bodyPr/>
-                    <a:lstStyle/>
-                    <a:p/>
-                  </a:txBody>
-                  <a:tcPr/>
-                </a:tc>
-                <a:tc>
-                  <a:txBody>
-                    <a:bodyPr/>
-                    <a:lstStyle/>
-                    <a:p>
-                      <a:r>
-                        <a:rPr sz="1000"/>
-                        <a:t>Azrul bin Osman Rani (G12, CT)</a:t>
-                      </a:r>
-                    </a:p>
-                    <a:p>
-                      <a:r>
-                        <a:rPr sz="1000"/>
-                        <a:t>Managing Director/CEO, MD/CEO Office, Marketing, PDB, Downstream Business</a:t>
-                      </a:r>
-                    </a:p>
-                    <a:p>
-                      <a:r>
-                        <a:rPr sz="1000"/>
-                        <a:t>Retire: 13/11/2033,   Age: 46</a:t>
-                      </a:r>
-                    </a:p>
-                    <a:p>
-                      <a:r>
-                        <a:rPr sz="1000"/>
-                        <a:t>PPA: 2, 1, 2, 1, 2</a:t>
-                      </a:r>
-                    </a:p>
-                  </a:txBody>
-                  <a:tcPr/>
-                </a:tc>
-                <a:tc>
-                  <a:txBody>
-                    <a:bodyPr/>
-                    <a:lstStyle/>
-                    <a:p/>
-                  </a:txBody>
-                  <a:tcPr/>
-                </a:tc>
-                <a:tc>
-                  <a:txBody>
-                    <a:bodyPr/>
-                    <a:lstStyle/>
-                    <a:p>
-                      <a:r>
-                        <a:rPr sz="1000"/>
-                        <a:t>Ezran bin Mahadzir (G11, CT)</a:t>
-                      </a:r>
-                    </a:p>
-                    <a:p>
-                      <a:r>
-                        <a:rPr sz="1000"/>
-                        <a:t>Head (Energy &amp; Gas Trading), Energy &amp; Gas Trading, Gas &amp; Power, PEGT, Gas &amp; New Energy</a:t>
-                      </a:r>
-                    </a:p>
-                    <a:p>
-                      <a:r>
-                        <a:rPr sz="1000"/>
-                        <a:t>Retire: 24/04/2030,   Age: 44</a:t>
-                      </a:r>
-                    </a:p>
-                    <a:p>
-                      <a:r>
-                        <a:rPr sz="1000"/>
-                        <a:t>PPA: 1, 1, 2, 2, 2</a:t>
-                      </a:r>
-                    </a:p>
-                  </a:txBody>
-                  <a:tcPr/>
-                </a:tc>
-                <a:tc>
-                  <a:txBody>
-                    <a:bodyPr/>
-                    <a:lstStyle/>
-                    <a:p/>
-                  </a:txBody>
-                  <a:tcPr/>
-                </a:tc>
-                <a:tc>
-                  <a:txBody>
-                    <a:bodyPr/>
-                    <a:lstStyle/>
-                    <a:p>
-                      <a:r>
-                        <a:rPr sz="1000"/>
-                        <a:t>Abdullah Ayman bin Awaluddin (G08, CT)</a:t>
-                      </a:r>
-                    </a:p>
-                    <a:p>
-                      <a:r>
-                        <a:rPr sz="1000"/>
-                        <a:t>Head (Venture Architect), Venture Architect, Venture Builder, Marketing, PDB, Downstream Business</a:t>
-                      </a:r>
-                    </a:p>
-                    <a:p>
-                      <a:r>
-                        <a:rPr sz="1000"/>
-                        <a:t>Retire: 30/07/2041,   Age: 38</a:t>
-                      </a:r>
-                    </a:p>
-                    <a:p>
-                      <a:r>
-                        <a:rPr sz="1000"/>
-                        <a:t>PPA: 3H, 2, 1, 1, 3H</a:t>
-                      </a:r>
-                    </a:p>
-                  </a:txBody>
-                  <a:tcPr/>
-                </a:tc>
-              </a:tr>
-              <a:tr h="182880">
-                <a:tc>
-                  <a:txBody>
-                    <a:bodyPr/>
-                    <a:lstStyle/>
-                    <a:p/>
-                  </a:txBody>
-                  <a:tcPr/>
-                </a:tc>
-                <a:tc>
-                  <a:txBody>
-                    <a:bodyPr/>
-                    <a:lstStyle/>
-                    <a:p/>
-                  </a:txBody>
-                  <a:tcPr/>
-                </a:tc>
-                <a:tc>
-                  <a:txBody>
-                    <a:bodyPr/>
-                    <a:lstStyle/>
-                    <a:p/>
-                  </a:txBody>
-                  <a:tcPr/>
-                </a:tc>
-                <a:tc>
-                  <a:txBody>
-                    <a:bodyPr/>
-                    <a:lstStyle/>
-                    <a:p>
-                      <a:r>
-                        <a:rPr sz="1000"/>
-                        <a:t>Mazlin Erawati binti Ab Manan (G10, CT)</a:t>
-                      </a:r>
-                    </a:p>
-                    <a:p>
-                      <a:r>
-                        <a:rPr sz="1000"/>
-                        <a:t>Head (CEO Office), RC &amp; Petrochemical, Project, PRPC, Downstream Business</a:t>
-                      </a:r>
-                    </a:p>
-                    <a:p>
-                      <a:r>
-                        <a:rPr sz="1000"/>
-                        <a:t>Retire: 17/01/2040,   Age: 40</a:t>
-                      </a:r>
-                    </a:p>
-                    <a:p>
-                      <a:r>
-                        <a:rPr sz="1000"/>
-                        <a:t>PPA: 2, 2, 2, 2, 1</a:t>
-                      </a:r>
-                    </a:p>
-                  </a:txBody>
-                  <a:tcPr/>
-                </a:tc>
-                <a:tc>
-                  <a:txBody>
-                    <a:bodyPr/>
-                    <a:lstStyle/>
-                    <a:p/>
-                  </a:txBody>
-                  <a:tcPr/>
-                </a:tc>
-                <a:tc>
-                  <a:txBody>
-                    <a:bodyPr/>
-                    <a:lstStyle/>
-                    <a:p>
-                      <a:r>
-                        <a:rPr sz="1000"/>
-                        <a:t>Nazri Idzlan bin Abdul Malek (G08, CT)</a:t>
-                      </a:r>
-                    </a:p>
-                    <a:p>
-                      <a:r>
-                        <a:rPr sz="1000"/>
-                        <a:t>Head, Strategic Planning &amp; Buss Dev, Strategic Planning &amp; Buss Development, Refining &amp; Trading, Downstream Corporate Office, PETRONAS </a:t>
-                      </a:r>
-                    </a:p>
-                    <a:p>
-                      <a:r>
-                        <a:rPr sz="1000"/>
-                        <a:t>Retire: 21/12/2041,   Age: 38</a:t>
-                      </a:r>
-                    </a:p>
-                    <a:p>
-                      <a:r>
-                        <a:rPr sz="1000"/>
-                        <a:t>PPA: SDP, SDP, 3S, 3H, 2</a:t>
-                      </a:r>
-                    </a:p>
-                  </a:txBody>
-                  <a:tcPr/>
-                </a:tc>
-              </a:tr>
-            </a:tbl>
-          </a:graphicData>
-        </a:graphic>
-      </p:graphicFrame>
     </p:spTree>
   </p:cSld>
   <p:clrMapOvr>
@@ -4416,531 +3316,6 @@
           </a:p>
         </p:txBody>
       </p:sp>
-      <p:graphicFrame>
-        <p:nvGraphicFramePr>
-          <p:cNvPr id="4" name="Table 3"/>
-          <p:cNvGraphicFramePr>
-            <a:graphicFrameLocks noGrp="1"/>
-          </p:cNvGraphicFramePr>
-          <p:nvPr/>
-        </p:nvGraphicFramePr>
-        <p:xfrm>
-          <a:off x="274320" y="1371600"/>
-          <a:ext cx="8778240" cy="731520"/>
-        </p:xfrm>
-        <a:graphic>
-          <a:graphicData uri="http://schemas.openxmlformats.org/drawingml/2006/table">
-            <a:tbl>
-              <a:tblPr firstRow="1" bandRow="1">
-                <a:tableStyleId>{5C22544A-7EE6-4342-B048-85BDC9FD1C3A}</a:tableStyleId>
-              </a:tblPr>
-              <a:tblGrid>
-                <a:gridCol w="914400"/>
-                <a:gridCol w="2011680"/>
-                <a:gridCol w="914400"/>
-                <a:gridCol w="2011680"/>
-                <a:gridCol w="914400"/>
-                <a:gridCol w="2011680"/>
-              </a:tblGrid>
-              <a:tr h="146304">
-                <a:tc>
-                  <a:txBody>
-                    <a:bodyPr/>
-                    <a:lstStyle/>
-                    <a:p/>
-                  </a:txBody>
-                  <a:tcPr/>
-                </a:tc>
-                <a:tc>
-                  <a:txBody>
-                    <a:bodyPr/>
-                    <a:lstStyle/>
-                    <a:p>
-                      <a:r>
-                        <a:rPr sz="1000"/>
-                        <a:t>1st Line</a:t>
-                      </a:r>
-                    </a:p>
-                  </a:txBody>
-                  <a:tcPr/>
-                </a:tc>
-                <a:tc>
-                  <a:txBody>
-                    <a:bodyPr/>
-                    <a:lstStyle/>
-                    <a:p/>
-                  </a:txBody>
-                  <a:tcPr/>
-                </a:tc>
-                <a:tc>
-                  <a:txBody>
-                    <a:bodyPr/>
-                    <a:lstStyle/>
-                    <a:p>
-                      <a:r>
-                        <a:rPr sz="1000"/>
-                        <a:t>2nd Line</a:t>
-                      </a:r>
-                    </a:p>
-                  </a:txBody>
-                  <a:tcPr/>
-                </a:tc>
-                <a:tc>
-                  <a:txBody>
-                    <a:bodyPr/>
-                    <a:lstStyle/>
-                    <a:p/>
-                  </a:txBody>
-                  <a:tcPr/>
-                </a:tc>
-                <a:tc>
-                  <a:txBody>
-                    <a:bodyPr/>
-                    <a:lstStyle/>
-                    <a:p>
-                      <a:r>
-                        <a:rPr sz="1000"/>
-                        <a:t>3rd Line</a:t>
-                      </a:r>
-                    </a:p>
-                  </a:txBody>
-                  <a:tcPr/>
-                </a:tc>
-              </a:tr>
-              <a:tr h="146304">
-                <a:tc>
-                  <a:txBody>
-                    <a:bodyPr/>
-                    <a:lstStyle/>
-                    <a:p/>
-                  </a:txBody>
-                  <a:tcPr/>
-                </a:tc>
-                <a:tc>
-                  <a:txBody>
-                    <a:bodyPr/>
-                    <a:lstStyle/>
-                    <a:p>
-                      <a:r>
-                        <a:rPr sz="1000"/>
-                        <a:t>Azrul bin Osman Rani (G12, CT)</a:t>
-                      </a:r>
-                    </a:p>
-                    <a:p>
-                      <a:r>
-                        <a:rPr sz="1000"/>
-                        <a:t>Managing Director/CEO, MD/CEO Office, Marketing, PDB, Downstream Business</a:t>
-                      </a:r>
-                    </a:p>
-                    <a:p>
-                      <a:r>
-                        <a:rPr sz="1000"/>
-                        <a:t>Retire: 13/11/2033,   Age: 46</a:t>
-                      </a:r>
-                    </a:p>
-                    <a:p>
-                      <a:r>
-                        <a:rPr sz="1000"/>
-                        <a:t>PPA: 2, 1, 2, 1, 2</a:t>
-                      </a:r>
-                    </a:p>
-                  </a:txBody>
-                  <a:tcPr/>
-                </a:tc>
-                <a:tc>
-                  <a:txBody>
-                    <a:bodyPr/>
-                    <a:lstStyle/>
-                    <a:p/>
-                  </a:txBody>
-                  <a:tcPr/>
-                </a:tc>
-                <a:tc>
-                  <a:txBody>
-                    <a:bodyPr/>
-                    <a:lstStyle/>
-                    <a:p>
-                      <a:r>
-                        <a:rPr sz="1000"/>
-                        <a:t>Norliana Aida binti Ramli (G09, CT)</a:t>
-                      </a:r>
-                    </a:p>
-                    <a:p>
-                      <a:r>
-                        <a:rPr sz="1000"/>
-                        <a:t>Head (Project Development), Project Development, Strategic Planning &amp; Ventures Department, PCGB, Downstream Business</a:t>
-                      </a:r>
-                    </a:p>
-                    <a:p>
-                      <a:r>
-                        <a:rPr sz="1000"/>
-                        <a:t>Retire: 17/08/2036,   Age: 43</a:t>
-                      </a:r>
-                    </a:p>
-                    <a:p>
-                      <a:r>
-                        <a:rPr sz="1000"/>
-                        <a:t>PPA: 2, 2, 2, 1, 2</a:t>
-                      </a:r>
-                    </a:p>
-                  </a:txBody>
-                  <a:tcPr/>
-                </a:tc>
-                <a:tc>
-                  <a:txBody>
-                    <a:bodyPr/>
-                    <a:lstStyle/>
-                    <a:p/>
-                  </a:txBody>
-                  <a:tcPr/>
-                </a:tc>
-                <a:tc>
-                  <a:txBody>
-                    <a:bodyPr/>
-                    <a:lstStyle/>
-                    <a:p>
-                      <a:r>
-                        <a:rPr sz="1000"/>
-                        <a:t>Muhammad Fahmi bin Ismail (G08, CT)</a:t>
-                      </a:r>
-                    </a:p>
-                    <a:p>
-                      <a:r>
-                        <a:rPr sz="1000"/>
-                        <a:t>Head (Project Development &amp; Formation), Project Development, Strategic Planning &amp; Ventures Department, PCGB, Downstream Business</a:t>
-                      </a:r>
-                    </a:p>
-                    <a:p>
-                      <a:r>
-                        <a:rPr sz="1000"/>
-                        <a:t>Retire: 27/12/2031,   Age: 43</a:t>
-                      </a:r>
-                    </a:p>
-                    <a:p>
-                      <a:r>
-                        <a:rPr sz="1000"/>
-                        <a:t>PPA: 2, 2, 2, 3H, 3S</a:t>
-                      </a:r>
-                    </a:p>
-                  </a:txBody>
-                  <a:tcPr/>
-                </a:tc>
-              </a:tr>
-              <a:tr h="146304">
-                <a:tc>
-                  <a:txBody>
-                    <a:bodyPr/>
-                    <a:lstStyle/>
-                    <a:p/>
-                  </a:txBody>
-                  <a:tcPr/>
-                </a:tc>
-                <a:tc>
-                  <a:txBody>
-                    <a:bodyPr/>
-                    <a:lstStyle/>
-                    <a:p>
-                      <a:r>
-                        <a:rPr sz="1000"/>
-                        <a:t>Ruslan Halim bin Islahudin (G10, CT)</a:t>
-                      </a:r>
-                    </a:p>
-                    <a:p>
-                      <a:r>
-                        <a:rPr sz="1000"/>
-                        <a:t>Head (Human Capital Strategy), Human Capital Strategy, Group Human Resource Management, PETRONAS </a:t>
-                      </a:r>
-                    </a:p>
-                    <a:p>
-                      <a:r>
-                        <a:rPr sz="1000"/>
-                        <a:t>Retire: 24/04/2030,   Age: 44</a:t>
-                      </a:r>
-                    </a:p>
-                    <a:p>
-                      <a:r>
-                        <a:rPr sz="1000"/>
-                        <a:t>PPA: 2, 1, 1, 1, 2</a:t>
-                      </a:r>
-                    </a:p>
-                  </a:txBody>
-                  <a:tcPr/>
-                </a:tc>
-                <a:tc>
-                  <a:txBody>
-                    <a:bodyPr/>
-                    <a:lstStyle/>
-                    <a:p/>
-                  </a:txBody>
-                  <a:tcPr/>
-                </a:tc>
-                <a:tc>
-                  <a:txBody>
-                    <a:bodyPr/>
-                    <a:lstStyle/>
-                    <a:p>
-                      <a:r>
-                        <a:rPr sz="1000"/>
-                        <a:t>Wan Sayuti bin Wan Hussin (G09, CT)</a:t>
-                      </a:r>
-                    </a:p>
-                    <a:p>
-                      <a:r>
-                        <a:rPr sz="1000"/>
-                        <a:t>Head (Project), Strategic Research, Corporate Strategy, PETRONAS </a:t>
-                      </a:r>
-                    </a:p>
-                    <a:p>
-                      <a:r>
-                        <a:rPr sz="1000"/>
-                        <a:t>Retire: 27/09/2039,   Age: 40</a:t>
-                      </a:r>
-                    </a:p>
-                    <a:p>
-                      <a:r>
-                        <a:rPr sz="1000"/>
-                        <a:t>PPA: 1, 2, 3H, UL, 2</a:t>
-                      </a:r>
-                    </a:p>
-                  </a:txBody>
-                  <a:tcPr/>
-                </a:tc>
-                <a:tc>
-                  <a:txBody>
-                    <a:bodyPr/>
-                    <a:lstStyle/>
-                    <a:p/>
-                  </a:txBody>
-                  <a:tcPr/>
-                </a:tc>
-                <a:tc>
-                  <a:txBody>
-                    <a:bodyPr/>
-                    <a:lstStyle/>
-                    <a:p>
-                      <a:r>
-                        <a:rPr sz="1000"/>
-                        <a:t>Shahrom Muhammad bin Yusuf (G09, CT)</a:t>
-                      </a:r>
-                    </a:p>
-                    <a:p>
-                      <a:r>
-                        <a:rPr sz="1000"/>
-                        <a:t>Head(Mktg &amp; Sls Methanol, Aro &amp; MTBE), Mktg &amp; Sls(Methanol,Aromatics &amp; MTBE), PCML, Downstream Business</a:t>
-                      </a:r>
-                    </a:p>
-                    <a:p>
-                      <a:r>
-                        <a:rPr sz="1000"/>
-                        <a:t>Retire: 02/08/2035,   Age: 44</a:t>
-                      </a:r>
-                    </a:p>
-                    <a:p>
-                      <a:r>
-                        <a:rPr sz="1000"/>
-                        <a:t>PPA: 2, 1, 2, 2, 2</a:t>
-                      </a:r>
-                    </a:p>
-                  </a:txBody>
-                  <a:tcPr/>
-                </a:tc>
-              </a:tr>
-              <a:tr h="146304">
-                <a:tc>
-                  <a:txBody>
-                    <a:bodyPr/>
-                    <a:lstStyle/>
-                    <a:p/>
-                  </a:txBody>
-                  <a:tcPr/>
-                </a:tc>
-                <a:tc>
-                  <a:txBody>
-                    <a:bodyPr/>
-                    <a:lstStyle/>
-                    <a:p>
-                      <a:r>
-                        <a:rPr sz="1000"/>
-                        <a:t>Lim Li Ping (G10, CT)</a:t>
-                      </a:r>
-                    </a:p>
-                    <a:p>
-                      <a:r>
-                        <a:rPr sz="1000"/>
-                        <a:t>Head (Commercial Malaysia), Commercial Malaysia, Commercial, Strategy &amp; Commercial, PCSB, Upstream Business</a:t>
-                      </a:r>
-                    </a:p>
-                    <a:p>
-                      <a:r>
-                        <a:rPr sz="1000"/>
-                        <a:t>Retire: 03/02/2034,   Age: 45</a:t>
-                      </a:r>
-                    </a:p>
-                    <a:p>
-                      <a:r>
-                        <a:rPr sz="1000"/>
-                        <a:t>PPA: 2, 2, 1, 2, SDP</a:t>
-                      </a:r>
-                    </a:p>
-                  </a:txBody>
-                  <a:tcPr/>
-                </a:tc>
-                <a:tc>
-                  <a:txBody>
-                    <a:bodyPr/>
-                    <a:lstStyle/>
-                    <a:p/>
-                  </a:txBody>
-                  <a:tcPr/>
-                </a:tc>
-                <a:tc>
-                  <a:txBody>
-                    <a:bodyPr/>
-                    <a:lstStyle/>
-                    <a:p>
-                      <a:r>
-                        <a:rPr sz="1000"/>
-                        <a:t>Yaacob bin Salim (G10, CT)</a:t>
-                      </a:r>
-                    </a:p>
-                    <a:p>
-                      <a:r>
-                        <a:rPr sz="1000"/>
-                        <a:t>Deputy Project Director (Petchem), Deputy Project (Petchem), Petchem, Project, PRPC, Downstream Business</a:t>
-                      </a:r>
-                    </a:p>
-                    <a:p>
-                      <a:r>
-                        <a:rPr sz="1000"/>
-                        <a:t>Retire: 03/02/2027,   Age: 52</a:t>
-                      </a:r>
-                    </a:p>
-                    <a:p>
-                      <a:r>
-                        <a:rPr sz="1000"/>
-                        <a:t>PPA: 1, 2, 2, 2, 2</a:t>
-                      </a:r>
-                    </a:p>
-                  </a:txBody>
-                  <a:tcPr/>
-                </a:tc>
-                <a:tc>
-                  <a:txBody>
-                    <a:bodyPr/>
-                    <a:lstStyle/>
-                    <a:p/>
-                  </a:txBody>
-                  <a:tcPr/>
-                </a:tc>
-                <a:tc>
-                  <a:txBody>
-                    <a:bodyPr/>
-                    <a:lstStyle/>
-                    <a:p>
-                      <a:r>
-                        <a:rPr sz="1000"/>
-                        <a:t>Bahrin bin Asmawi (G09, CT)</a:t>
-                      </a:r>
-                    </a:p>
-                    <a:p>
-                      <a:r>
-                        <a:rPr sz="1000"/>
-                        <a:t>Head (EVP &amp; CEO Downstream Office), EVP &amp; CEO Downstream Office, Downstream Corporate Office, PETRONAS </a:t>
-                      </a:r>
-                    </a:p>
-                    <a:p>
-                      <a:r>
-                        <a:rPr sz="1000"/>
-                        <a:t>Retire: 14/10/2028,   Age: 46</a:t>
-                      </a:r>
-                    </a:p>
-                    <a:p>
-                      <a:r>
-                        <a:rPr sz="1000"/>
-                        <a:t>PPA: 2, 2, 2, 2, 2</a:t>
-                      </a:r>
-                    </a:p>
-                  </a:txBody>
-                  <a:tcPr/>
-                </a:tc>
-              </a:tr>
-              <a:tr h="146304">
-                <a:tc>
-                  <a:txBody>
-                    <a:bodyPr/>
-                    <a:lstStyle/>
-                    <a:p/>
-                  </a:txBody>
-                  <a:tcPr/>
-                </a:tc>
-                <a:tc>
-                  <a:txBody>
-                    <a:bodyPr/>
-                    <a:lstStyle/>
-                    <a:p/>
-                  </a:txBody>
-                  <a:tcPr/>
-                </a:tc>
-                <a:tc>
-                  <a:txBody>
-                    <a:bodyPr/>
-                    <a:lstStyle/>
-                    <a:p/>
-                  </a:txBody>
-                  <a:tcPr/>
-                </a:tc>
-                <a:tc>
-                  <a:txBody>
-                    <a:bodyPr/>
-                    <a:lstStyle/>
-                    <a:p/>
-                  </a:txBody>
-                  <a:tcPr/>
-                </a:tc>
-                <a:tc>
-                  <a:txBody>
-                    <a:bodyPr/>
-                    <a:lstStyle/>
-                    <a:p/>
-                  </a:txBody>
-                  <a:tcPr/>
-                </a:tc>
-                <a:tc>
-                  <a:txBody>
-                    <a:bodyPr/>
-                    <a:lstStyle/>
-                    <a:p>
-                      <a:r>
-                        <a:rPr sz="1000"/>
-                        <a:t>Vimal Rao A/L Veerasamy (G05, )</a:t>
-                      </a:r>
-                    </a:p>
-                    <a:p>
-                      <a:r>
-                        <a:rPr sz="1000"/>
-                        <a:t>Head (Communications International), Communications Planning, Communications Management, Group Strategic Communications, PETRONAS </a:t>
-                      </a:r>
-                    </a:p>
-                    <a:p>
-                      <a:r>
-                        <a:rPr sz="1000"/>
-                        <a:t>Retire: 15/05/2041,   Age: 38</a:t>
-                      </a:r>
-                    </a:p>
-                    <a:p>
-                      <a:r>
-                        <a:rPr sz="1000"/>
-                        <a:t>PPA: 3H, 3H, 2, 1, 3H</a:t>
-                      </a:r>
-                    </a:p>
-                  </a:txBody>
-                  <a:tcPr/>
-                </a:tc>
-              </a:tr>
-            </a:tbl>
-          </a:graphicData>
-        </a:graphic>
-      </p:graphicFrame>
     </p:spTree>
   </p:cSld>
   <p:clrMapOvr>

--- a/createsp.pptx
+++ b/createsp.pptx
@@ -10,6 +10,9 @@
     <p:sldId id="258" r:id="rId9"/>
     <p:sldId id="259" r:id="rId10"/>
     <p:sldId id="260" r:id="rId11"/>
+    <p:sldId id="261" r:id="rId12"/>
+    <p:sldId id="262" r:id="rId13"/>
+    <p:sldId id="263" r:id="rId14"/>
   </p:sldIdLst>
   <p:sldSz cx="11887200" cy="6686550" type="screen4x3"/>
   <p:notesSz cx="6858000" cy="9144000"/>
@@ -3325,6 +3328,192 @@
 </file>
 
 <file path=ppt/slides/slide5.xml><?xml version="1.0" encoding="utf-8"?>
+<p:sld xmlns:a="http://schemas.openxmlformats.org/drawingml/2006/main" xmlns:p="http://schemas.openxmlformats.org/presentationml/2006/main" xmlns:r="http://schemas.openxmlformats.org/officeDocument/2006/relationships">
+  <p:cSld>
+    <p:spTree>
+      <p:nvGrpSpPr>
+        <p:cNvPr id="1" name=""/>
+        <p:cNvGrpSpPr/>
+        <p:nvPr/>
+      </p:nvGrpSpPr>
+      <p:grpSpPr/>
+      <p:sp>
+        <p:nvSpPr>
+          <p:cNvPr id="2" name="Title 1"/>
+          <p:cNvSpPr>
+            <a:spLocks noGrp="1"/>
+          </p:cNvSpPr>
+          <p:nvPr>
+            <p:ph type="title"/>
+          </p:nvPr>
+        </p:nvSpPr>
+        <p:spPr/>
+        <p:txBody>
+          <a:bodyPr/>
+          <a:lstStyle/>
+          <a:p>
+            <a:pPr algn="l"/>
+            <a:r>
+              <a:t>HOD .....</a:t>
+            </a:r>
+          </a:p>
+        </p:txBody>
+      </p:sp>
+      <p:sp>
+        <p:nvSpPr>
+          <p:cNvPr id="3" name="Content Placeholder 2"/>
+          <p:cNvSpPr>
+            <a:spLocks noGrp="1"/>
+          </p:cNvSpPr>
+          <p:nvPr>
+            <p:ph idx="1"/>
+          </p:nvPr>
+        </p:nvSpPr>
+        <p:spPr/>
+        <p:txBody>
+          <a:bodyPr/>
+          <a:lstStyle/>
+          <a:p>
+            <a:pPr algn="l"/>
+            <a:r>
+              <a:t>HOD .....</a:t>
+            </a:r>
+          </a:p>
+        </p:txBody>
+      </p:sp>
+    </p:spTree>
+  </p:cSld>
+  <p:clrMapOvr>
+    <a:masterClrMapping/>
+  </p:clrMapOvr>
+</p:sld>
+</file>
+
+<file path=ppt/slides/slide6.xml><?xml version="1.0" encoding="utf-8"?>
+<p:sld xmlns:a="http://schemas.openxmlformats.org/drawingml/2006/main" xmlns:p="http://schemas.openxmlformats.org/presentationml/2006/main" xmlns:r="http://schemas.openxmlformats.org/officeDocument/2006/relationships">
+  <p:cSld>
+    <p:spTree>
+      <p:nvGrpSpPr>
+        <p:cNvPr id="1" name=""/>
+        <p:cNvGrpSpPr/>
+        <p:nvPr/>
+      </p:nvGrpSpPr>
+      <p:grpSpPr/>
+      <p:sp>
+        <p:nvSpPr>
+          <p:cNvPr id="2" name="Title 1"/>
+          <p:cNvSpPr>
+            <a:spLocks noGrp="1"/>
+          </p:cNvSpPr>
+          <p:nvPr>
+            <p:ph type="title"/>
+          </p:nvPr>
+        </p:nvSpPr>
+        <p:spPr/>
+        <p:txBody>
+          <a:bodyPr/>
+          <a:lstStyle/>
+          <a:p>
+            <a:pPr algn="l"/>
+            <a:r>
+              <a:t>HOD .....</a:t>
+            </a:r>
+          </a:p>
+        </p:txBody>
+      </p:sp>
+      <p:sp>
+        <p:nvSpPr>
+          <p:cNvPr id="3" name="Content Placeholder 2"/>
+          <p:cNvSpPr>
+            <a:spLocks noGrp="1"/>
+          </p:cNvSpPr>
+          <p:nvPr>
+            <p:ph idx="1"/>
+          </p:nvPr>
+        </p:nvSpPr>
+        <p:spPr/>
+        <p:txBody>
+          <a:bodyPr/>
+          <a:lstStyle/>
+          <a:p>
+            <a:pPr algn="l"/>
+            <a:r>
+              <a:t>HOD .....</a:t>
+            </a:r>
+          </a:p>
+        </p:txBody>
+      </p:sp>
+    </p:spTree>
+  </p:cSld>
+  <p:clrMapOvr>
+    <a:masterClrMapping/>
+  </p:clrMapOvr>
+</p:sld>
+</file>
+
+<file path=ppt/slides/slide7.xml><?xml version="1.0" encoding="utf-8"?>
+<p:sld xmlns:a="http://schemas.openxmlformats.org/drawingml/2006/main" xmlns:p="http://schemas.openxmlformats.org/presentationml/2006/main" xmlns:r="http://schemas.openxmlformats.org/officeDocument/2006/relationships">
+  <p:cSld>
+    <p:spTree>
+      <p:nvGrpSpPr>
+        <p:cNvPr id="1" name=""/>
+        <p:cNvGrpSpPr/>
+        <p:nvPr/>
+      </p:nvGrpSpPr>
+      <p:grpSpPr/>
+      <p:sp>
+        <p:nvSpPr>
+          <p:cNvPr id="2" name="Title 1"/>
+          <p:cNvSpPr>
+            <a:spLocks noGrp="1"/>
+          </p:cNvSpPr>
+          <p:nvPr>
+            <p:ph type="title"/>
+          </p:nvPr>
+        </p:nvSpPr>
+        <p:spPr/>
+        <p:txBody>
+          <a:bodyPr/>
+          <a:lstStyle/>
+          <a:p>
+            <a:pPr algn="l"/>
+            <a:r>
+              <a:t>HOD .....</a:t>
+            </a:r>
+          </a:p>
+        </p:txBody>
+      </p:sp>
+      <p:sp>
+        <p:nvSpPr>
+          <p:cNvPr id="3" name="Content Placeholder 2"/>
+          <p:cNvSpPr>
+            <a:spLocks noGrp="1"/>
+          </p:cNvSpPr>
+          <p:nvPr>
+            <p:ph idx="1"/>
+          </p:nvPr>
+        </p:nvSpPr>
+        <p:spPr/>
+        <p:txBody>
+          <a:bodyPr/>
+          <a:lstStyle/>
+          <a:p>
+            <a:pPr algn="l"/>
+            <a:r>
+              <a:t>HOD .....</a:t>
+            </a:r>
+          </a:p>
+        </p:txBody>
+      </p:sp>
+    </p:spTree>
+  </p:cSld>
+  <p:clrMapOvr>
+    <a:masterClrMapping/>
+  </p:clrMapOvr>
+</p:sld>
+</file>
+
+<file path=ppt/slides/slide8.xml><?xml version="1.0" encoding="utf-8"?>
 <p:sld xmlns:a="http://schemas.openxmlformats.org/drawingml/2006/main" xmlns:p="http://schemas.openxmlformats.org/presentationml/2006/main" xmlns:r="http://schemas.openxmlformats.org/officeDocument/2006/relationships">
   <p:cSld>
     <p:spTree>

--- a/createsp.pptx
+++ b/createsp.pptx
@@ -3166,7 +3166,6 @@
           <a:bodyPr/>
           <a:lstStyle/>
           <a:p>
-            <a:pPr algn="l"/>
             <a:r>
               <a:t>HOD .....</a:t>
             </a:r>
@@ -3188,13 +3187,604 @@
           <a:bodyPr/>
           <a:lstStyle/>
           <a:p>
-            <a:pPr algn="l"/>
             <a:r>
               <a:t>HOD .....</a:t>
             </a:r>
           </a:p>
         </p:txBody>
       </p:sp>
+      <p:graphicFrame>
+        <p:nvGraphicFramePr>
+          <p:cNvPr id="4" name="Table 3"/>
+          <p:cNvGraphicFramePr>
+            <a:graphicFrameLocks noGrp="1"/>
+          </p:cNvGraphicFramePr>
+          <p:nvPr/>
+        </p:nvGraphicFramePr>
+        <p:xfrm>
+          <a:off x="137160" y="1371600"/>
+          <a:ext cx="11704320" cy="731520"/>
+        </p:xfrm>
+        <a:graphic>
+          <a:graphicData uri="http://schemas.openxmlformats.org/drawingml/2006/table">
+            <a:tbl>
+              <a:tblPr firstRow="1" bandRow="1">
+                <a:tableStyleId>{5C22544A-7EE6-4342-B048-85BDC9FD1C3A}</a:tableStyleId>
+              </a:tblPr>
+              <a:tblGrid>
+                <a:gridCol w="914400"/>
+                <a:gridCol w="2011680"/>
+                <a:gridCol w="914400"/>
+                <a:gridCol w="2011680"/>
+                <a:gridCol w="914400"/>
+                <a:gridCol w="2011680"/>
+                <a:gridCol w="914400"/>
+                <a:gridCol w="2011680"/>
+              </a:tblGrid>
+              <a:tr h="182880">
+                <a:tc gridSpan="2">
+                  <a:txBody>
+                    <a:bodyPr/>
+                    <a:lstStyle/>
+                    <a:p>
+                      <a:r>
+                        <a:rPr sz="1000"/>
+                        <a:t>0</a:t>
+                      </a:r>
+                    </a:p>
+                  </a:txBody>
+                  <a:tcPr/>
+                </a:tc>
+                <a:tc hMerge="1">
+                  <a:txBody>
+                    <a:bodyPr/>
+                    <a:lstStyle/>
+                    <a:p/>
+                  </a:txBody>
+                  <a:tcPr/>
+                </a:tc>
+                <a:tc gridSpan="2">
+                  <a:txBody>
+                    <a:bodyPr/>
+                    <a:lstStyle/>
+                    <a:p>
+                      <a:r>
+                        <a:rPr sz="1000"/>
+                        <a:t>1</a:t>
+                      </a:r>
+                    </a:p>
+                  </a:txBody>
+                  <a:tcPr/>
+                </a:tc>
+                <a:tc hMerge="1">
+                  <a:txBody>
+                    <a:bodyPr/>
+                    <a:lstStyle/>
+                    <a:p/>
+                  </a:txBody>
+                  <a:tcPr/>
+                </a:tc>
+                <a:tc gridSpan="2">
+                  <a:txBody>
+                    <a:bodyPr/>
+                    <a:lstStyle/>
+                    <a:p>
+                      <a:r>
+                        <a:rPr sz="1000"/>
+                        <a:t>2</a:t>
+                      </a:r>
+                    </a:p>
+                  </a:txBody>
+                  <a:tcPr/>
+                </a:tc>
+                <a:tc hMerge="1">
+                  <a:txBody>
+                    <a:bodyPr/>
+                    <a:lstStyle/>
+                    <a:p/>
+                  </a:txBody>
+                  <a:tcPr/>
+                </a:tc>
+                <a:tc gridSpan="2">
+                  <a:txBody>
+                    <a:bodyPr/>
+                    <a:lstStyle/>
+                    <a:p>
+                      <a:r>
+                        <a:rPr sz="1000"/>
+                        <a:t>2</a:t>
+                      </a:r>
+                    </a:p>
+                  </a:txBody>
+                  <a:tcPr/>
+                </a:tc>
+                <a:tc hMerge="1">
+                  <a:txBody>
+                    <a:bodyPr/>
+                    <a:lstStyle/>
+                    <a:p/>
+                  </a:txBody>
+                  <a:tcPr/>
+                </a:tc>
+              </a:tr>
+              <a:tr h="182880">
+                <a:tc>
+                  <a:txBody>
+                    <a:bodyPr/>
+                    <a:lstStyle/>
+                    <a:p/>
+                  </a:txBody>
+                  <a:tcPr/>
+                </a:tc>
+                <a:tc>
+                  <a:txBody>
+                    <a:bodyPr/>
+                    <a:lstStyle/>
+                    <a:p>
+                      <a:r>
+                        <a:rPr sz="1000"/>
+                        <a:t>Lim Li Ping (G10, CT)</a:t>
+                      </a:r>
+                    </a:p>
+                    <a:p>
+                      <a:r>
+                        <a:rPr sz="1000"/>
+                        <a:t>Head (Commercial Malaysia), Commercial Malaysia, Commercial, Strategy &amp; Commercial, PCSB, Upstream Business</a:t>
+                      </a:r>
+                    </a:p>
+                    <a:p>
+                      <a:r>
+                        <a:rPr sz="1000"/>
+                        <a:t>Retire: 03/02/2034,   Age: 46</a:t>
+                      </a:r>
+                    </a:p>
+                    <a:p>
+                      <a:r>
+                        <a:rPr sz="1000"/>
+                        <a:t>PPA: 1, 2, 2, 1, 2</a:t>
+                      </a:r>
+                    </a:p>
+                  </a:txBody>
+                  <a:tcPr/>
+                </a:tc>
+                <a:tc>
+                  <a:txBody>
+                    <a:bodyPr/>
+                    <a:lstStyle/>
+                    <a:p/>
+                  </a:txBody>
+                  <a:tcPr/>
+                </a:tc>
+                <a:tc>
+                  <a:txBody>
+                    <a:bodyPr/>
+                    <a:lstStyle/>
+                    <a:p>
+                      <a:r>
+                        <a:rPr sz="1000"/>
+                        <a:t>Abdul Aziz bin Othman (G12, CT)</a:t>
+                      </a:r>
+                    </a:p>
+                    <a:p>
+                      <a:r>
+                        <a:rPr sz="1000"/>
+                        <a:t>VP, Strategy &amp; New Ventures, Strategy &amp; Corporate Development, International Assets, PCSB, Upstream Business</a:t>
+                      </a:r>
+                    </a:p>
+                    <a:p>
+                      <a:r>
+                        <a:rPr sz="1000"/>
+                        <a:t>Retire: 06/08/2020,   Age: 54</a:t>
+                      </a:r>
+                    </a:p>
+                    <a:p>
+                      <a:r>
+                        <a:rPr sz="1000"/>
+                        <a:t>PPA: 2, 2, 1, 2, 1</a:t>
+                      </a:r>
+                    </a:p>
+                  </a:txBody>
+                  <a:tcPr/>
+                </a:tc>
+                <a:tc>
+                  <a:txBody>
+                    <a:bodyPr/>
+                    <a:lstStyle/>
+                    <a:p/>
+                  </a:txBody>
+                  <a:tcPr/>
+                </a:tc>
+                <a:tc>
+                  <a:txBody>
+                    <a:bodyPr/>
+                    <a:lstStyle/>
+                    <a:p>
+                      <a:r>
+                        <a:rPr sz="1000"/>
+                        <a:t>Abang Jimmy bin Abang Mordian (G10, CT)</a:t>
+                      </a:r>
+                    </a:p>
+                    <a:p>
+                      <a:r>
+                        <a:rPr sz="1000"/>
+                        <a:t>Head (Leadership &amp; Capability Dev.), Leadership &amp; Capability Development, Human Capital Development, Group Human Resource Management, PETRONAS </a:t>
+                      </a:r>
+                    </a:p>
+                    <a:p>
+                      <a:r>
+                        <a:rPr sz="1000"/>
+                        <a:t>Retire: 23/05/2036,   Age: 43</a:t>
+                      </a:r>
+                    </a:p>
+                    <a:p>
+                      <a:r>
+                        <a:rPr sz="1000"/>
+                        <a:t>PPA: 2, 2, 3S, 2, SDP</a:t>
+                      </a:r>
+                    </a:p>
+                  </a:txBody>
+                  <a:tcPr/>
+                </a:tc>
+                <a:tc>
+                  <a:txBody>
+                    <a:bodyPr/>
+                    <a:lstStyle/>
+                    <a:p/>
+                  </a:txBody>
+                  <a:tcPr/>
+                </a:tc>
+                <a:tc>
+                  <a:txBody>
+                    <a:bodyPr/>
+                    <a:lstStyle/>
+                    <a:p>
+                      <a:r>
+                        <a:rPr sz="1000"/>
+                        <a:t>Muhammad Huzaini bin Ghazali (G09, CT)</a:t>
+                      </a:r>
+                    </a:p>
+                    <a:p>
+                      <a:r>
+                        <a:rPr sz="1000"/>
+                        <a:t>Director (Strategy &amp; Commercial), Strategy &amp; Corporate Development, International Assets, PCSB, Upstream Business</a:t>
+                      </a:r>
+                    </a:p>
+                    <a:p>
+                      <a:r>
+                        <a:rPr sz="1000"/>
+                        <a:t>Retire: 27/06/2031,   Age: 43</a:t>
+                      </a:r>
+                    </a:p>
+                    <a:p>
+                      <a:r>
+                        <a:rPr sz="1000"/>
+                        <a:t>PPA: 2, 3H, 2, 2, 1</a:t>
+                      </a:r>
+                    </a:p>
+                  </a:txBody>
+                  <a:tcPr/>
+                </a:tc>
+              </a:tr>
+              <a:tr h="182880">
+                <a:tc>
+                  <a:txBody>
+                    <a:bodyPr/>
+                    <a:lstStyle/>
+                    <a:p/>
+                  </a:txBody>
+                  <a:tcPr/>
+                </a:tc>
+                <a:tc>
+                  <a:txBody>
+                    <a:bodyPr/>
+                    <a:lstStyle/>
+                    <a:p>
+                      <a:r>
+                        <a:rPr sz="1000"/>
+                        <a:t>Izwan bin Ismail (G11, CT)</a:t>
+                      </a:r>
+                    </a:p>
+                    <a:p>
+                      <a:r>
+                        <a:rPr sz="1000"/>
+                        <a:t>Head (Executive Assistant), Executive Assistant, President Special Assistant Unit, PETRONAS </a:t>
+                      </a:r>
+                    </a:p>
+                    <a:p>
+                      <a:r>
+                        <a:rPr sz="1000"/>
+                        <a:t>Retire: 25/08/2035,   Age: 44</a:t>
+                      </a:r>
+                    </a:p>
+                    <a:p>
+                      <a:r>
+                        <a:rPr sz="1000"/>
+                        <a:t>PPA: 1, 1, 2, 2, 2</a:t>
+                      </a:r>
+                    </a:p>
+                  </a:txBody>
+                  <a:tcPr/>
+                </a:tc>
+                <a:tc>
+                  <a:txBody>
+                    <a:bodyPr/>
+                    <a:lstStyle/>
+                    <a:p/>
+                  </a:txBody>
+                  <a:tcPr/>
+                </a:tc>
+                <a:tc>
+                  <a:txBody>
+                    <a:bodyPr/>
+                    <a:lstStyle/>
+                    <a:p>
+                      <a:r>
+                        <a:rPr sz="1000"/>
+                        <a:t>Hezlinn Fariss Idris (G11, CT)</a:t>
+                      </a:r>
+                    </a:p>
+                    <a:p>
+                      <a:r>
+                        <a:rPr sz="1000"/>
+                        <a:t>Chief Group Strat. &amp; Transf. Officer, PETRONAS Lubricant International SB, Marketing, Downstream Corporate Office, PETRONAS </a:t>
+                      </a:r>
+                    </a:p>
+                    <a:p>
+                      <a:r>
+                        <a:rPr sz="1000"/>
+                        <a:t>Retire: 19/02/2033,   Age: 47</a:t>
+                      </a:r>
+                    </a:p>
+                    <a:p>
+                      <a:r>
+                        <a:rPr sz="1000"/>
+                        <a:t>PPA: 2, 2, 2, 1, 3H</a:t>
+                      </a:r>
+                    </a:p>
+                  </a:txBody>
+                  <a:tcPr/>
+                </a:tc>
+                <a:tc>
+                  <a:txBody>
+                    <a:bodyPr/>
+                    <a:lstStyle/>
+                    <a:p/>
+                  </a:txBody>
+                  <a:tcPr/>
+                </a:tc>
+                <a:tc>
+                  <a:txBody>
+                    <a:bodyPr/>
+                    <a:lstStyle/>
+                    <a:p>
+                      <a:r>
+                        <a:rPr sz="1000"/>
+                        <a:t>Abdullah Ayman bin Awaluddin (G08, CT)</a:t>
+                      </a:r>
+                    </a:p>
+                    <a:p>
+                      <a:r>
+                        <a:rPr sz="1000"/>
+                        <a:t>Head (Venture Architect), Venture Architect, Venture Builder, Marketing, PDB, Downstream Business</a:t>
+                      </a:r>
+                    </a:p>
+                    <a:p>
+                      <a:r>
+                        <a:rPr sz="1000"/>
+                        <a:t>Retire: 30/07/2041,   Age: 38</a:t>
+                      </a:r>
+                    </a:p>
+                    <a:p>
+                      <a:r>
+                        <a:rPr sz="1000"/>
+                        <a:t>PPA: 2, 3H, 2, 1, 1</a:t>
+                      </a:r>
+                    </a:p>
+                  </a:txBody>
+                  <a:tcPr/>
+                </a:tc>
+                <a:tc>
+                  <a:txBody>
+                    <a:bodyPr/>
+                    <a:lstStyle/>
+                    <a:p/>
+                  </a:txBody>
+                  <a:tcPr/>
+                </a:tc>
+                <a:tc>
+                  <a:txBody>
+                    <a:bodyPr/>
+                    <a:lstStyle/>
+                    <a:p>
+                      <a:r>
+                        <a:rPr sz="1000"/>
+                        <a:t>Norzaileen binti Shamsul Kamar (G07, CT)</a:t>
+                      </a:r>
+                    </a:p>
+                    <a:p>
+                      <a:r>
+                        <a:rPr sz="1000"/>
+                        <a:t>Manager (LMT Planning &amp; Performance), LMT Planning &amp; Performance, Finance &amp; Risk, LNG Marketing &amp; Trading, PLSB, Gas &amp; New Energy</a:t>
+                      </a:r>
+                    </a:p>
+                    <a:p>
+                      <a:r>
+                        <a:rPr sz="1000"/>
+                        <a:t>Retire: 29/10/2041,   Age: 38</a:t>
+                      </a:r>
+                    </a:p>
+                    <a:p>
+                      <a:r>
+                        <a:rPr sz="1000"/>
+                        <a:t>PPA: 2, 3H, 2, 2, 2</a:t>
+                      </a:r>
+                    </a:p>
+                  </a:txBody>
+                  <a:tcPr/>
+                </a:tc>
+              </a:tr>
+              <a:tr h="182880">
+                <a:tc>
+                  <a:txBody>
+                    <a:bodyPr/>
+                    <a:lstStyle/>
+                    <a:p/>
+                  </a:txBody>
+                  <a:tcPr/>
+                </a:tc>
+                <a:tc>
+                  <a:txBody>
+                    <a:bodyPr/>
+                    <a:lstStyle/>
+                    <a:p>
+                      <a:r>
+                        <a:rPr sz="1000"/>
+                        <a:t>Jazlinawati binti Osman (G11, CT)</a:t>
+                      </a:r>
+                    </a:p>
+                    <a:p>
+                      <a:r>
+                        <a:rPr sz="1000"/>
+                        <a:t>Head (Transformation Office), Transformation Office, President Special Assistant Unit, PETRONAS </a:t>
+                      </a:r>
+                    </a:p>
+                    <a:p>
+                      <a:r>
+                        <a:rPr sz="1000"/>
+                        <a:t>Retire: 23/02/2034,   Age: 46</a:t>
+                      </a:r>
+                    </a:p>
+                    <a:p>
+                      <a:r>
+                        <a:rPr sz="1000"/>
+                        <a:t>PPA: 2, 1, 2, 2, 2</a:t>
+                      </a:r>
+                    </a:p>
+                  </a:txBody>
+                  <a:tcPr/>
+                </a:tc>
+                <a:tc>
+                  <a:txBody>
+                    <a:bodyPr/>
+                    <a:lstStyle/>
+                    <a:p/>
+                  </a:txBody>
+                  <a:tcPr/>
+                </a:tc>
+                <a:tc>
+                  <a:txBody>
+                    <a:bodyPr/>
+                    <a:lstStyle/>
+                    <a:p>
+                      <a:r>
+                        <a:rPr sz="1000"/>
+                        <a:t>Adiana Mastura binti Mohamed Idris (G09, CT)</a:t>
+                      </a:r>
+                    </a:p>
+                    <a:p>
+                      <a:r>
+                        <a:rPr sz="1000"/>
+                        <a:t>Head (Commercial MPM), Commercial MPM, Commercial, Strategy &amp; Commercial, PETRONAS Upstream</a:t>
+                      </a:r>
+                    </a:p>
+                    <a:p>
+                      <a:r>
+                        <a:rPr sz="1000"/>
+                        <a:t>Retire: 30/08/2036,   Age: 43</a:t>
+                      </a:r>
+                    </a:p>
+                    <a:p>
+                      <a:r>
+                        <a:rPr sz="1000"/>
+                        <a:t>PPA: 2, 2, 3H, 2, 2</a:t>
+                      </a:r>
+                    </a:p>
+                  </a:txBody>
+                  <a:tcPr/>
+                </a:tc>
+                <a:tc>
+                  <a:txBody>
+                    <a:bodyPr/>
+                    <a:lstStyle/>
+                    <a:p/>
+                  </a:txBody>
+                  <a:tcPr/>
+                </a:tc>
+                <a:tc>
+                  <a:txBody>
+                    <a:bodyPr/>
+                    <a:lstStyle/>
+                    <a:p>
+                      <a:r>
+                        <a:rPr sz="1000"/>
+                        <a:t>Izmir bin Kamarudin (G09, CT)</a:t>
+                      </a:r>
+                    </a:p>
+                    <a:p>
+                      <a:r>
+                        <a:rPr sz="1000"/>
+                        <a:t>Head (BD - USA), Business Development, Strategy &amp; Commercial, PCSB, Upstream Business</a:t>
+                      </a:r>
+                    </a:p>
+                    <a:p>
+                      <a:r>
+                        <a:rPr sz="1000"/>
+                        <a:t>Retire: 29/10/2029,   Age: 45</a:t>
+                      </a:r>
+                    </a:p>
+                    <a:p>
+                      <a:r>
+                        <a:rPr sz="1000"/>
+                        <a:t>PPA: 3H, 3H, 2, 3H, 2</a:t>
+                      </a:r>
+                    </a:p>
+                  </a:txBody>
+                  <a:tcPr/>
+                </a:tc>
+                <a:tc>
+                  <a:txBody>
+                    <a:bodyPr/>
+                    <a:lstStyle/>
+                    <a:p/>
+                  </a:txBody>
+                  <a:tcPr/>
+                </a:tc>
+                <a:tc>
+                  <a:txBody>
+                    <a:bodyPr/>
+                    <a:lstStyle/>
+                    <a:p>
+                      <a:r>
+                        <a:rPr sz="1000"/>
+                        <a:t>Muhammad Farid bin Hussin (G07, CT)</a:t>
+                      </a:r>
+                    </a:p>
+                    <a:p>
+                      <a:r>
+                        <a:rPr sz="1000"/>
+                        <a:t>Head (Commercial Optimization), Commercial Optimization, Gas &amp; Power, PEGT, Gas &amp; New Energy</a:t>
+                      </a:r>
+                    </a:p>
+                    <a:p>
+                      <a:r>
+                        <a:rPr sz="1000"/>
+                        <a:t>Retire: 07/06/2043,   Age: 36</a:t>
+                      </a:r>
+                    </a:p>
+                    <a:p>
+                      <a:r>
+                        <a:rPr sz="1000"/>
+                        <a:t>PPA: 2, 3H, 2, 3S, 3S</a:t>
+                      </a:r>
+                    </a:p>
+                  </a:txBody>
+                  <a:tcPr/>
+                </a:tc>
+              </a:tr>
+            </a:tbl>
+          </a:graphicData>
+        </a:graphic>
+      </p:graphicFrame>
     </p:spTree>
   </p:cSld>
   <p:clrMapOvr>
@@ -3228,7 +3818,6 @@
           <a:bodyPr/>
           <a:lstStyle/>
           <a:p>
-            <a:pPr algn="l"/>
             <a:r>
               <a:t>HOD .....</a:t>
             </a:r>
@@ -3250,13 +3839,441 @@
           <a:bodyPr/>
           <a:lstStyle/>
           <a:p>
-            <a:pPr algn="l"/>
             <a:r>
               <a:t>HOD .....</a:t>
             </a:r>
           </a:p>
         </p:txBody>
       </p:sp>
+      <p:graphicFrame>
+        <p:nvGraphicFramePr>
+          <p:cNvPr id="4" name="Table 3"/>
+          <p:cNvGraphicFramePr>
+            <a:graphicFrameLocks noGrp="1"/>
+          </p:cNvGraphicFramePr>
+          <p:nvPr/>
+        </p:nvGraphicFramePr>
+        <p:xfrm>
+          <a:off x="137160" y="1371600"/>
+          <a:ext cx="8778240" cy="731520"/>
+        </p:xfrm>
+        <a:graphic>
+          <a:graphicData uri="http://schemas.openxmlformats.org/drawingml/2006/table">
+            <a:tbl>
+              <a:tblPr firstRow="1" bandRow="1">
+                <a:tableStyleId>{5C22544A-7EE6-4342-B048-85BDC9FD1C3A}</a:tableStyleId>
+              </a:tblPr>
+              <a:tblGrid>
+                <a:gridCol w="914400"/>
+                <a:gridCol w="2011680"/>
+                <a:gridCol w="914400"/>
+                <a:gridCol w="2011680"/>
+                <a:gridCol w="914400"/>
+                <a:gridCol w="2011680"/>
+              </a:tblGrid>
+              <a:tr h="182880">
+                <a:tc gridSpan="2">
+                  <a:txBody>
+                    <a:bodyPr/>
+                    <a:lstStyle/>
+                    <a:p>
+                      <a:r>
+                        <a:rPr sz="1000"/>
+                        <a:t>0</a:t>
+                      </a:r>
+                    </a:p>
+                  </a:txBody>
+                  <a:tcPr/>
+                </a:tc>
+                <a:tc hMerge="1">
+                  <a:txBody>
+                    <a:bodyPr/>
+                    <a:lstStyle/>
+                    <a:p/>
+                  </a:txBody>
+                  <a:tcPr/>
+                </a:tc>
+                <a:tc gridSpan="2">
+                  <a:txBody>
+                    <a:bodyPr/>
+                    <a:lstStyle/>
+                    <a:p>
+                      <a:r>
+                        <a:rPr sz="1000"/>
+                        <a:t>1</a:t>
+                      </a:r>
+                    </a:p>
+                  </a:txBody>
+                  <a:tcPr/>
+                </a:tc>
+                <a:tc hMerge="1">
+                  <a:txBody>
+                    <a:bodyPr/>
+                    <a:lstStyle/>
+                    <a:p/>
+                  </a:txBody>
+                  <a:tcPr/>
+                </a:tc>
+                <a:tc gridSpan="2">
+                  <a:txBody>
+                    <a:bodyPr/>
+                    <a:lstStyle/>
+                    <a:p>
+                      <a:r>
+                        <a:rPr sz="1000"/>
+                        <a:t>2</a:t>
+                      </a:r>
+                    </a:p>
+                  </a:txBody>
+                  <a:tcPr/>
+                </a:tc>
+                <a:tc hMerge="1">
+                  <a:txBody>
+                    <a:bodyPr/>
+                    <a:lstStyle/>
+                    <a:p/>
+                  </a:txBody>
+                  <a:tcPr/>
+                </a:tc>
+              </a:tr>
+              <a:tr h="182880">
+                <a:tc>
+                  <a:txBody>
+                    <a:bodyPr/>
+                    <a:lstStyle/>
+                    <a:p/>
+                  </a:txBody>
+                  <a:tcPr/>
+                </a:tc>
+                <a:tc>
+                  <a:txBody>
+                    <a:bodyPr/>
+                    <a:lstStyle/>
+                    <a:p>
+                      <a:r>
+                        <a:rPr sz="1000"/>
+                        <a:t>Izwan bin Ismail (G11, CT)</a:t>
+                      </a:r>
+                    </a:p>
+                    <a:p>
+                      <a:r>
+                        <a:rPr sz="1000"/>
+                        <a:t>Head (Executive Assistant), Executive Assistant, President Special Assistant Unit, PETRONAS </a:t>
+                      </a:r>
+                    </a:p>
+                    <a:p>
+                      <a:r>
+                        <a:rPr sz="1000"/>
+                        <a:t>Retire: 25/08/2035,   Age: 44</a:t>
+                      </a:r>
+                    </a:p>
+                    <a:p>
+                      <a:r>
+                        <a:rPr sz="1000"/>
+                        <a:t>PPA: 1, 1, 2, 2, 2</a:t>
+                      </a:r>
+                    </a:p>
+                  </a:txBody>
+                  <a:tcPr/>
+                </a:tc>
+                <a:tc>
+                  <a:txBody>
+                    <a:bodyPr/>
+                    <a:lstStyle/>
+                    <a:p/>
+                  </a:txBody>
+                  <a:tcPr/>
+                </a:tc>
+                <a:tc>
+                  <a:txBody>
+                    <a:bodyPr/>
+                    <a:lstStyle/>
+                    <a:p>
+                      <a:r>
+                        <a:rPr sz="1000"/>
+                        <a:t>Sani Zuhairi bin Zainudin (G10, CT)</a:t>
+                      </a:r>
+                    </a:p>
+                    <a:p>
+                      <a:r>
+                        <a:rPr sz="1000"/>
+                        <a:t>Head (Business Development &amp; Commercial), Business Development &amp; Commercial, Strategy &amp; Business Development, PETRONAS Gas &amp; New Energy</a:t>
+                      </a:r>
+                    </a:p>
+                    <a:p>
+                      <a:r>
+                        <a:rPr sz="1000"/>
+                        <a:t>Retire: 10/10/2031,   Age: 43</a:t>
+                      </a:r>
+                    </a:p>
+                    <a:p>
+                      <a:r>
+                        <a:rPr sz="1000"/>
+                        <a:t>PPA: 2, 2, 2, 2, 2</a:t>
+                      </a:r>
+                    </a:p>
+                  </a:txBody>
+                  <a:tcPr/>
+                </a:tc>
+                <a:tc>
+                  <a:txBody>
+                    <a:bodyPr/>
+                    <a:lstStyle/>
+                    <a:p/>
+                  </a:txBody>
+                  <a:tcPr/>
+                </a:tc>
+                <a:tc>
+                  <a:txBody>
+                    <a:bodyPr/>
+                    <a:lstStyle/>
+                    <a:p>
+                      <a:r>
+                        <a:rPr sz="1000"/>
+                        <a:t>Mohd Faizal bin Mohamed Sulaiman (G08, CT)</a:t>
+                      </a:r>
+                    </a:p>
+                    <a:p>
+                      <a:r>
+                        <a:rPr sz="1000"/>
+                        <a:t>Head (Marketing – South East Asia), Marketing - South East Asia, Marketing &amp; Trading, LNG Marketing &amp; Trading, PLL, Gas &amp; New Energy</a:t>
+                      </a:r>
+                    </a:p>
+                    <a:p>
+                      <a:r>
+                        <a:rPr sz="1000"/>
+                        <a:t>Retire: 26/04/2042,   Age: 37</a:t>
+                      </a:r>
+                    </a:p>
+                    <a:p>
+                      <a:r>
+                        <a:rPr sz="1000"/>
+                        <a:t>PPA: SDP, 3H, 1, 2, 2</a:t>
+                      </a:r>
+                    </a:p>
+                  </a:txBody>
+                  <a:tcPr/>
+                </a:tc>
+              </a:tr>
+              <a:tr h="182880">
+                <a:tc>
+                  <a:txBody>
+                    <a:bodyPr/>
+                    <a:lstStyle/>
+                    <a:p/>
+                  </a:txBody>
+                  <a:tcPr/>
+                </a:tc>
+                <a:tc>
+                  <a:txBody>
+                    <a:bodyPr/>
+                    <a:lstStyle/>
+                    <a:p>
+                      <a:r>
+                        <a:rPr sz="1000"/>
+                        <a:t>Azrul bin Osman Rani (G12, CT)</a:t>
+                      </a:r>
+                    </a:p>
+                    <a:p>
+                      <a:r>
+                        <a:rPr sz="1000"/>
+                        <a:t>Managing Director/CEO, MD/CEO Office, Marketing, PDB, Downstream Business</a:t>
+                      </a:r>
+                    </a:p>
+                    <a:p>
+                      <a:r>
+                        <a:rPr sz="1000"/>
+                        <a:t>Retire: 13/11/2033,   Age: 46</a:t>
+                      </a:r>
+                    </a:p>
+                    <a:p>
+                      <a:r>
+                        <a:rPr sz="1000"/>
+                        <a:t>PPA: 2, 2, 1, 2, 1</a:t>
+                      </a:r>
+                    </a:p>
+                  </a:txBody>
+                  <a:tcPr/>
+                </a:tc>
+                <a:tc>
+                  <a:txBody>
+                    <a:bodyPr/>
+                    <a:lstStyle/>
+                    <a:p/>
+                  </a:txBody>
+                  <a:tcPr/>
+                </a:tc>
+                <a:tc>
+                  <a:txBody>
+                    <a:bodyPr/>
+                    <a:lstStyle/>
+                    <a:p>
+                      <a:r>
+                        <a:rPr sz="1000"/>
+                        <a:t>Ezran bin Mahadzir (G11, CT)</a:t>
+                      </a:r>
+                    </a:p>
+                    <a:p>
+                      <a:r>
+                        <a:rPr sz="1000"/>
+                        <a:t>Head (Energy &amp; Gas Trading), Energy &amp; Gas Trading, Gas &amp; Power, PEGT, Gas &amp; New Energy</a:t>
+                      </a:r>
+                    </a:p>
+                    <a:p>
+                      <a:r>
+                        <a:rPr sz="1000"/>
+                        <a:t>Retire: 24/04/2030,   Age: 44</a:t>
+                      </a:r>
+                    </a:p>
+                    <a:p>
+                      <a:r>
+                        <a:rPr sz="1000"/>
+                        <a:t>PPA: 2, 1, 1, 2, 2</a:t>
+                      </a:r>
+                    </a:p>
+                  </a:txBody>
+                  <a:tcPr/>
+                </a:tc>
+                <a:tc>
+                  <a:txBody>
+                    <a:bodyPr/>
+                    <a:lstStyle/>
+                    <a:p/>
+                  </a:txBody>
+                  <a:tcPr/>
+                </a:tc>
+                <a:tc>
+                  <a:txBody>
+                    <a:bodyPr/>
+                    <a:lstStyle/>
+                    <a:p>
+                      <a:r>
+                        <a:rPr sz="1000"/>
+                        <a:t>Abdullah Ayman bin Awaluddin (G08, CT)</a:t>
+                      </a:r>
+                    </a:p>
+                    <a:p>
+                      <a:r>
+                        <a:rPr sz="1000"/>
+                        <a:t>Head (Venture Architect), Venture Architect, Venture Builder, Marketing, PDB, Downstream Business</a:t>
+                      </a:r>
+                    </a:p>
+                    <a:p>
+                      <a:r>
+                        <a:rPr sz="1000"/>
+                        <a:t>Retire: 30/07/2041,   Age: 38</a:t>
+                      </a:r>
+                    </a:p>
+                    <a:p>
+                      <a:r>
+                        <a:rPr sz="1000"/>
+                        <a:t>PPA: 2, 3H, 2, 1, 1</a:t>
+                      </a:r>
+                    </a:p>
+                  </a:txBody>
+                  <a:tcPr/>
+                </a:tc>
+              </a:tr>
+              <a:tr h="182880">
+                <a:tc>
+                  <a:txBody>
+                    <a:bodyPr/>
+                    <a:lstStyle/>
+                    <a:p/>
+                  </a:txBody>
+                  <a:tcPr/>
+                </a:tc>
+                <a:tc>
+                  <a:txBody>
+                    <a:bodyPr/>
+                    <a:lstStyle/>
+                    <a:p/>
+                  </a:txBody>
+                  <a:tcPr/>
+                </a:tc>
+                <a:tc>
+                  <a:txBody>
+                    <a:bodyPr/>
+                    <a:lstStyle/>
+                    <a:p/>
+                  </a:txBody>
+                  <a:tcPr/>
+                </a:tc>
+                <a:tc>
+                  <a:txBody>
+                    <a:bodyPr/>
+                    <a:lstStyle/>
+                    <a:p>
+                      <a:r>
+                        <a:rPr sz="1000"/>
+                        <a:t>Mazlin Erawati binti Ab Manan (G10, CT)</a:t>
+                      </a:r>
+                    </a:p>
+                    <a:p>
+                      <a:r>
+                        <a:rPr sz="1000"/>
+                        <a:t>Head (CEO Office), RC &amp; Petrochemical, Project, PRPC, Downstream Business</a:t>
+                      </a:r>
+                    </a:p>
+                    <a:p>
+                      <a:r>
+                        <a:rPr sz="1000"/>
+                        <a:t>Retire: 17/01/2040,   Age: 40</a:t>
+                      </a:r>
+                    </a:p>
+                    <a:p>
+                      <a:r>
+                        <a:rPr sz="1000"/>
+                        <a:t>PPA: 2, 2, 2, 2, 2</a:t>
+                      </a:r>
+                    </a:p>
+                  </a:txBody>
+                  <a:tcPr/>
+                </a:tc>
+                <a:tc>
+                  <a:txBody>
+                    <a:bodyPr/>
+                    <a:lstStyle/>
+                    <a:p/>
+                  </a:txBody>
+                  <a:tcPr/>
+                </a:tc>
+                <a:tc>
+                  <a:txBody>
+                    <a:bodyPr/>
+                    <a:lstStyle/>
+                    <a:p>
+                      <a:r>
+                        <a:rPr sz="1000"/>
+                        <a:t>Nazri Idzlan bin Abdul Malek (G08, CT)</a:t>
+                      </a:r>
+                    </a:p>
+                    <a:p>
+                      <a:r>
+                        <a:rPr sz="1000"/>
+                        <a:t>Head, Strategic Planning &amp; Buss Dev, Strategic Planning &amp; Buss Development, Refining &amp; Trading, Downstream Corporate Office, PETRONAS </a:t>
+                      </a:r>
+                    </a:p>
+                    <a:p>
+                      <a:r>
+                        <a:rPr sz="1000"/>
+                        <a:t>Retire: 21/12/2041,   Age: 38</a:t>
+                      </a:r>
+                    </a:p>
+                    <a:p>
+                      <a:r>
+                        <a:rPr sz="1000"/>
+                        <a:t>PPA: 3H, SDP, SDP, 3S, 3H</a:t>
+                      </a:r>
+                    </a:p>
+                  </a:txBody>
+                  <a:tcPr/>
+                </a:tc>
+              </a:tr>
+            </a:tbl>
+          </a:graphicData>
+        </a:graphic>
+      </p:graphicFrame>
     </p:spTree>
   </p:cSld>
   <p:clrMapOvr>
@@ -3290,7 +4307,6 @@
           <a:bodyPr/>
           <a:lstStyle/>
           <a:p>
-            <a:pPr algn="l"/>
             <a:r>
               <a:t>HOD .....</a:t>
             </a:r>
@@ -3312,13 +4328,514 @@
           <a:bodyPr/>
           <a:lstStyle/>
           <a:p>
-            <a:pPr algn="l"/>
             <a:r>
               <a:t>HOD .....</a:t>
             </a:r>
           </a:p>
         </p:txBody>
       </p:sp>
+      <p:graphicFrame>
+        <p:nvGraphicFramePr>
+          <p:cNvPr id="4" name="Table 3"/>
+          <p:cNvGraphicFramePr>
+            <a:graphicFrameLocks noGrp="1"/>
+          </p:cNvGraphicFramePr>
+          <p:nvPr/>
+        </p:nvGraphicFramePr>
+        <p:xfrm>
+          <a:off x="137160" y="1371600"/>
+          <a:ext cx="8778240" cy="731520"/>
+        </p:xfrm>
+        <a:graphic>
+          <a:graphicData uri="http://schemas.openxmlformats.org/drawingml/2006/table">
+            <a:tbl>
+              <a:tblPr firstRow="1" bandRow="1">
+                <a:tableStyleId>{5C22544A-7EE6-4342-B048-85BDC9FD1C3A}</a:tableStyleId>
+              </a:tblPr>
+              <a:tblGrid>
+                <a:gridCol w="914400"/>
+                <a:gridCol w="2011680"/>
+                <a:gridCol w="914400"/>
+                <a:gridCol w="2011680"/>
+                <a:gridCol w="914400"/>
+                <a:gridCol w="2011680"/>
+              </a:tblGrid>
+              <a:tr h="146304">
+                <a:tc gridSpan="2">
+                  <a:txBody>
+                    <a:bodyPr/>
+                    <a:lstStyle/>
+                    <a:p>
+                      <a:r>
+                        <a:rPr sz="1000"/>
+                        <a:t>0</a:t>
+                      </a:r>
+                    </a:p>
+                  </a:txBody>
+                  <a:tcPr/>
+                </a:tc>
+                <a:tc hMerge="1">
+                  <a:txBody>
+                    <a:bodyPr/>
+                    <a:lstStyle/>
+                    <a:p/>
+                  </a:txBody>
+                  <a:tcPr/>
+                </a:tc>
+                <a:tc gridSpan="2">
+                  <a:txBody>
+                    <a:bodyPr/>
+                    <a:lstStyle/>
+                    <a:p>
+                      <a:r>
+                        <a:rPr sz="1000"/>
+                        <a:t>1</a:t>
+                      </a:r>
+                    </a:p>
+                  </a:txBody>
+                  <a:tcPr/>
+                </a:tc>
+                <a:tc hMerge="1">
+                  <a:txBody>
+                    <a:bodyPr/>
+                    <a:lstStyle/>
+                    <a:p/>
+                  </a:txBody>
+                  <a:tcPr/>
+                </a:tc>
+                <a:tc gridSpan="2">
+                  <a:txBody>
+                    <a:bodyPr/>
+                    <a:lstStyle/>
+                    <a:p>
+                      <a:r>
+                        <a:rPr sz="1000"/>
+                        <a:t>2</a:t>
+                      </a:r>
+                    </a:p>
+                  </a:txBody>
+                  <a:tcPr/>
+                </a:tc>
+                <a:tc hMerge="1">
+                  <a:txBody>
+                    <a:bodyPr/>
+                    <a:lstStyle/>
+                    <a:p/>
+                  </a:txBody>
+                  <a:tcPr/>
+                </a:tc>
+              </a:tr>
+              <a:tr h="146304">
+                <a:tc>
+                  <a:txBody>
+                    <a:bodyPr/>
+                    <a:lstStyle/>
+                    <a:p/>
+                  </a:txBody>
+                  <a:tcPr/>
+                </a:tc>
+                <a:tc>
+                  <a:txBody>
+                    <a:bodyPr/>
+                    <a:lstStyle/>
+                    <a:p>
+                      <a:r>
+                        <a:rPr sz="1000"/>
+                        <a:t>Mohd Redhani bin Abdul Rahman (G12, CT)</a:t>
+                      </a:r>
+                    </a:p>
+                    <a:p>
+                      <a:r>
+                        <a:rPr sz="1000"/>
+                        <a:t>Head (Iraq), Iraq, International Assets, PCSB, Upstream Business</a:t>
+                      </a:r>
+                    </a:p>
+                    <a:p>
+                      <a:r>
+                        <a:rPr sz="1000"/>
+                        <a:t>Retire: 07/04/2035,   Age: 44</a:t>
+                      </a:r>
+                    </a:p>
+                    <a:p>
+                      <a:r>
+                        <a:rPr sz="1000"/>
+                        <a:t>PPA: 2, 1, 1, 2, 2</a:t>
+                      </a:r>
+                    </a:p>
+                  </a:txBody>
+                  <a:tcPr/>
+                </a:tc>
+                <a:tc>
+                  <a:txBody>
+                    <a:bodyPr/>
+                    <a:lstStyle/>
+                    <a:p/>
+                  </a:txBody>
+                  <a:tcPr/>
+                </a:tc>
+                <a:tc>
+                  <a:txBody>
+                    <a:bodyPr/>
+                    <a:lstStyle/>
+                    <a:p>
+                      <a:r>
+                        <a:rPr sz="1000"/>
+                        <a:t>Christian Brinzer (G08, OT)</a:t>
+                      </a:r>
+                    </a:p>
+                    <a:p>
+                      <a:r>
+                        <a:rPr sz="1000"/>
+                        <a:t>Head (Exploration), Mexico Ventures, International Ventures, Exploration, PCSB, Upstream Business</a:t>
+                      </a:r>
+                    </a:p>
+                    <a:p>
+                      <a:r>
+                        <a:rPr sz="1000"/>
+                        <a:t>Retire: 29/03/2033,   Age: 46</a:t>
+                      </a:r>
+                    </a:p>
+                    <a:p>
+                      <a:r>
+                        <a:rPr sz="1000"/>
+                        <a:t>PPA: 2, 3H, 2, 3H, -</a:t>
+                      </a:r>
+                    </a:p>
+                  </a:txBody>
+                  <a:tcPr/>
+                </a:tc>
+                <a:tc>
+                  <a:txBody>
+                    <a:bodyPr/>
+                    <a:lstStyle/>
+                    <a:p/>
+                  </a:txBody>
+                  <a:tcPr/>
+                </a:tc>
+                <a:tc>
+                  <a:txBody>
+                    <a:bodyPr/>
+                    <a:lstStyle/>
+                    <a:p>
+                      <a:r>
+                        <a:rPr sz="1000"/>
+                        <a:t>Ahmad Shamsul Kamal bin Zakaria (G07, CT)</a:t>
+                      </a:r>
+                    </a:p>
+                    <a:p>
+                      <a:r>
+                        <a:rPr sz="1000"/>
+                        <a:t>Head (Suriname Ventures), Suriname Ventures, MECA &amp; Americas Ventures, International Ventures, Exploration, PCSB, Upstream Business</a:t>
+                      </a:r>
+                    </a:p>
+                    <a:p>
+                      <a:r>
+                        <a:rPr sz="1000"/>
+                        <a:t>Retire: 02/01/2035,   Age: 45</a:t>
+                      </a:r>
+                    </a:p>
+                    <a:p>
+                      <a:r>
+                        <a:rPr sz="1000"/>
+                        <a:t>PPA: 3H, 2, 2, 2, 3H</a:t>
+                      </a:r>
+                    </a:p>
+                  </a:txBody>
+                  <a:tcPr/>
+                </a:tc>
+              </a:tr>
+              <a:tr h="146304">
+                <a:tc>
+                  <a:txBody>
+                    <a:bodyPr/>
+                    <a:lstStyle/>
+                    <a:p/>
+                  </a:txBody>
+                  <a:tcPr/>
+                </a:tc>
+                <a:tc>
+                  <a:txBody>
+                    <a:bodyPr/>
+                    <a:lstStyle/>
+                    <a:p>
+                      <a:r>
+                        <a:rPr sz="1000"/>
+                        <a:t>Azli bin Abu Bakar (G09, CT)</a:t>
+                      </a:r>
+                    </a:p>
+                    <a:p>
+                      <a:r>
+                        <a:rPr sz="1000"/>
+                        <a:t>Head (Asia Pacific Basin), Asia Pacific Basin, Basin &amp; Petroleum System, Exploration, PCSB, Upstream Business</a:t>
+                      </a:r>
+                    </a:p>
+                    <a:p>
+                      <a:r>
+                        <a:rPr sz="1000"/>
+                        <a:t>Retire: 16/11/2031,   Age: 43</a:t>
+                      </a:r>
+                    </a:p>
+                    <a:p>
+                      <a:r>
+                        <a:rPr sz="1000"/>
+                        <a:t>PPA: 3H, 3H, 2, 2, SDP</a:t>
+                      </a:r>
+                    </a:p>
+                  </a:txBody>
+                  <a:tcPr/>
+                </a:tc>
+                <a:tc>
+                  <a:txBody>
+                    <a:bodyPr/>
+                    <a:lstStyle/>
+                    <a:p/>
+                  </a:txBody>
+                  <a:tcPr/>
+                </a:tc>
+                <a:tc>
+                  <a:txBody>
+                    <a:bodyPr/>
+                    <a:lstStyle/>
+                    <a:p>
+                      <a:r>
+                        <a:rPr sz="1000"/>
+                        <a:t>Ahmad Faisal bin Bakar (G07, CT)</a:t>
+                      </a:r>
+                    </a:p>
+                    <a:p>
+                      <a:r>
+                        <a:rPr sz="1000"/>
+                        <a:t>Head (Central Luconia), Central Luconia, Borneo Shallow Water &amp; Onshore, Malaysia Ventures, Exploration, PCSB, Upstream Business</a:t>
+                      </a:r>
+                    </a:p>
+                    <a:p>
+                      <a:r>
+                        <a:rPr sz="1000"/>
+                        <a:t>Retire: 17/07/2038,   Age: 41</a:t>
+                      </a:r>
+                    </a:p>
+                    <a:p>
+                      <a:r>
+                        <a:rPr sz="1000"/>
+                        <a:t>PPA: 1, 2, 2, 3H, 1</a:t>
+                      </a:r>
+                    </a:p>
+                  </a:txBody>
+                  <a:tcPr/>
+                </a:tc>
+                <a:tc>
+                  <a:txBody>
+                    <a:bodyPr/>
+                    <a:lstStyle/>
+                    <a:p/>
+                  </a:txBody>
+                  <a:tcPr/>
+                </a:tc>
+                <a:tc>
+                  <a:txBody>
+                    <a:bodyPr/>
+                    <a:lstStyle/>
+                    <a:p>
+                      <a:r>
+                        <a:rPr sz="1000"/>
+                        <a:t>Muhamad Amar bin Amir (G05, OT)</a:t>
+                      </a:r>
+                    </a:p>
+                    <a:p>
+                      <a:r>
+                        <a:rPr sz="1000"/>
+                        <a:t>Manager (Geoscience), Myanmar Ventures, Asia Pacific Ventures, International Ventures, Exploration, PCSB, Upstream Business</a:t>
+                      </a:r>
+                    </a:p>
+                    <a:p>
+                      <a:r>
+                        <a:rPr sz="1000"/>
+                        <a:t>Retire: 17/07/2047,   Age: 32</a:t>
+                      </a:r>
+                    </a:p>
+                    <a:p>
+                      <a:r>
+                        <a:rPr sz="1000"/>
+                        <a:t>PPA: 2, 2, 2, 2, 2</a:t>
+                      </a:r>
+                    </a:p>
+                  </a:txBody>
+                  <a:tcPr/>
+                </a:tc>
+              </a:tr>
+              <a:tr h="146304">
+                <a:tc>
+                  <a:txBody>
+                    <a:bodyPr/>
+                    <a:lstStyle/>
+                    <a:p/>
+                  </a:txBody>
+                  <a:tcPr/>
+                </a:tc>
+                <a:tc>
+                  <a:txBody>
+                    <a:bodyPr/>
+                    <a:lstStyle/>
+                    <a:p>
+                      <a:r>
+                        <a:rPr sz="1000"/>
+                        <a:t>Liau Min Hoe (G10, CT)</a:t>
+                      </a:r>
+                    </a:p>
+                    <a:p>
+                      <a:r>
+                        <a:rPr sz="1000"/>
+                        <a:t>Head (Myanmar), Myanmar, International Assets, PCSB, Upstream Business</a:t>
+                      </a:r>
+                    </a:p>
+                    <a:p>
+                      <a:r>
+                        <a:rPr sz="1000"/>
+                        <a:t>Retire: 04/03/2036,   Age: 43</a:t>
+                      </a:r>
+                    </a:p>
+                    <a:p>
+                      <a:r>
+                        <a:rPr sz="1000"/>
+                        <a:t>PPA: 3H, 3H, 2, 3H, 1</a:t>
+                      </a:r>
+                    </a:p>
+                  </a:txBody>
+                  <a:tcPr/>
+                </a:tc>
+                <a:tc>
+                  <a:txBody>
+                    <a:bodyPr/>
+                    <a:lstStyle/>
+                    <a:p/>
+                  </a:txBody>
+                  <a:tcPr/>
+                </a:tc>
+                <a:tc>
+                  <a:txBody>
+                    <a:bodyPr/>
+                    <a:lstStyle/>
+                    <a:p/>
+                  </a:txBody>
+                  <a:tcPr/>
+                </a:tc>
+                <a:tc>
+                  <a:txBody>
+                    <a:bodyPr/>
+                    <a:lstStyle/>
+                    <a:p/>
+                  </a:txBody>
+                  <a:tcPr/>
+                </a:tc>
+                <a:tc>
+                  <a:txBody>
+                    <a:bodyPr/>
+                    <a:lstStyle/>
+                    <a:p>
+                      <a:r>
+                        <a:rPr sz="1000"/>
+                        <a:t>Eadie Noor Fadzly bin Mohd Saleh (G07, CT)</a:t>
+                      </a:r>
+                    </a:p>
+                    <a:p>
+                      <a:r>
+                        <a:rPr sz="1000"/>
+                        <a:t>Head (Exploration), US Ventures, MECA &amp; Americas Ventures, International Ventures, Exploration, PCSB, Upstream Business</a:t>
+                      </a:r>
+                    </a:p>
+                    <a:p>
+                      <a:r>
+                        <a:rPr sz="1000"/>
+                        <a:t>Retire: 22/09/2042,   Age: 37</a:t>
+                      </a:r>
+                    </a:p>
+                    <a:p>
+                      <a:r>
+                        <a:rPr sz="1000"/>
+                        <a:t>PPA: 1, 2, 2, 2, 2</a:t>
+                      </a:r>
+                    </a:p>
+                  </a:txBody>
+                  <a:tcPr/>
+                </a:tc>
+              </a:tr>
+              <a:tr h="146304">
+                <a:tc>
+                  <a:txBody>
+                    <a:bodyPr/>
+                    <a:lstStyle/>
+                    <a:p/>
+                  </a:txBody>
+                  <a:tcPr/>
+                </a:tc>
+                <a:tc>
+                  <a:txBody>
+                    <a:bodyPr/>
+                    <a:lstStyle/>
+                    <a:p/>
+                  </a:txBody>
+                  <a:tcPr/>
+                </a:tc>
+                <a:tc>
+                  <a:txBody>
+                    <a:bodyPr/>
+                    <a:lstStyle/>
+                    <a:p/>
+                  </a:txBody>
+                  <a:tcPr/>
+                </a:tc>
+                <a:tc>
+                  <a:txBody>
+                    <a:bodyPr/>
+                    <a:lstStyle/>
+                    <a:p/>
+                  </a:txBody>
+                  <a:tcPr/>
+                </a:tc>
+                <a:tc>
+                  <a:txBody>
+                    <a:bodyPr/>
+                    <a:lstStyle/>
+                    <a:p/>
+                  </a:txBody>
+                  <a:tcPr/>
+                </a:tc>
+                <a:tc>
+                  <a:txBody>
+                    <a:bodyPr/>
+                    <a:lstStyle/>
+                    <a:p>
+                      <a:r>
+                        <a:rPr sz="1000"/>
+                        <a:t>Muhamad Danni Mulya bin Ramlan (G05, CT)</a:t>
+                      </a:r>
+                    </a:p>
+                    <a:p>
+                      <a:r>
+                        <a:rPr sz="1000"/>
+                        <a:t>Staff (Petroleum Geosciences), Americas Basin, Basin &amp; Petroleum System, Exploration, PCSB, Upstream Business</a:t>
+                      </a:r>
+                    </a:p>
+                    <a:p>
+                      <a:r>
+                        <a:rPr sz="1000"/>
+                        <a:t>Retire: 03/09/2048,   Age: 31</a:t>
+                      </a:r>
+                    </a:p>
+                    <a:p>
+                      <a:r>
+                        <a:rPr sz="1000"/>
+                        <a:t>PPA: 2, 2, 2, 2, 2</a:t>
+                      </a:r>
+                    </a:p>
+                  </a:txBody>
+                  <a:tcPr/>
+                </a:tc>
+              </a:tr>
+            </a:tbl>
+          </a:graphicData>
+        </a:graphic>
+      </p:graphicFrame>
     </p:spTree>
   </p:cSld>
   <p:clrMapOvr>
@@ -3352,7 +4869,6 @@
           <a:bodyPr/>
           <a:lstStyle/>
           <a:p>
-            <a:pPr algn="l"/>
             <a:r>
               <a:t>HOD .....</a:t>
             </a:r>
@@ -3374,13 +4890,537 @@
           <a:bodyPr/>
           <a:lstStyle/>
           <a:p>
-            <a:pPr algn="l"/>
             <a:r>
               <a:t>HOD .....</a:t>
             </a:r>
           </a:p>
         </p:txBody>
       </p:sp>
+      <p:graphicFrame>
+        <p:nvGraphicFramePr>
+          <p:cNvPr id="4" name="Table 3"/>
+          <p:cNvGraphicFramePr>
+            <a:graphicFrameLocks noGrp="1"/>
+          </p:cNvGraphicFramePr>
+          <p:nvPr/>
+        </p:nvGraphicFramePr>
+        <p:xfrm>
+          <a:off x="137160" y="1371600"/>
+          <a:ext cx="8778240" cy="731520"/>
+        </p:xfrm>
+        <a:graphic>
+          <a:graphicData uri="http://schemas.openxmlformats.org/drawingml/2006/table">
+            <a:tbl>
+              <a:tblPr firstRow="1" bandRow="1">
+                <a:tableStyleId>{5C22544A-7EE6-4342-B048-85BDC9FD1C3A}</a:tableStyleId>
+              </a:tblPr>
+              <a:tblGrid>
+                <a:gridCol w="914400"/>
+                <a:gridCol w="2011680"/>
+                <a:gridCol w="914400"/>
+                <a:gridCol w="2011680"/>
+                <a:gridCol w="914400"/>
+                <a:gridCol w="2011680"/>
+              </a:tblGrid>
+              <a:tr h="146304">
+                <a:tc gridSpan="2">
+                  <a:txBody>
+                    <a:bodyPr/>
+                    <a:lstStyle/>
+                    <a:p>
+                      <a:r>
+                        <a:rPr sz="1000"/>
+                        <a:t>0</a:t>
+                      </a:r>
+                    </a:p>
+                  </a:txBody>
+                  <a:tcPr/>
+                </a:tc>
+                <a:tc hMerge="1">
+                  <a:txBody>
+                    <a:bodyPr/>
+                    <a:lstStyle/>
+                    <a:p/>
+                  </a:txBody>
+                  <a:tcPr/>
+                </a:tc>
+                <a:tc gridSpan="2">
+                  <a:txBody>
+                    <a:bodyPr/>
+                    <a:lstStyle/>
+                    <a:p>
+                      <a:r>
+                        <a:rPr sz="1000"/>
+                        <a:t>1</a:t>
+                      </a:r>
+                    </a:p>
+                  </a:txBody>
+                  <a:tcPr/>
+                </a:tc>
+                <a:tc hMerge="1">
+                  <a:txBody>
+                    <a:bodyPr/>
+                    <a:lstStyle/>
+                    <a:p/>
+                  </a:txBody>
+                  <a:tcPr/>
+                </a:tc>
+                <a:tc gridSpan="2">
+                  <a:txBody>
+                    <a:bodyPr/>
+                    <a:lstStyle/>
+                    <a:p>
+                      <a:r>
+                        <a:rPr sz="1000"/>
+                        <a:t>2</a:t>
+                      </a:r>
+                    </a:p>
+                  </a:txBody>
+                  <a:tcPr/>
+                </a:tc>
+                <a:tc hMerge="1">
+                  <a:txBody>
+                    <a:bodyPr/>
+                    <a:lstStyle/>
+                    <a:p/>
+                  </a:txBody>
+                  <a:tcPr/>
+                </a:tc>
+              </a:tr>
+              <a:tr h="146304">
+                <a:tc>
+                  <a:txBody>
+                    <a:bodyPr/>
+                    <a:lstStyle/>
+                    <a:p/>
+                  </a:txBody>
+                  <a:tcPr/>
+                </a:tc>
+                <a:tc>
+                  <a:txBody>
+                    <a:bodyPr/>
+                    <a:lstStyle/>
+                    <a:p>
+                      <a:r>
+                        <a:rPr sz="1000"/>
+                        <a:t>Liau Min Hoe (G10, CT)</a:t>
+                      </a:r>
+                    </a:p>
+                    <a:p>
+                      <a:r>
+                        <a:rPr sz="1000"/>
+                        <a:t>Head (Myanmar), Myanmar, International Assets, PCSB, Upstream Business</a:t>
+                      </a:r>
+                    </a:p>
+                    <a:p>
+                      <a:r>
+                        <a:rPr sz="1000"/>
+                        <a:t>Retire: 04/03/2036,   Age: 43</a:t>
+                      </a:r>
+                    </a:p>
+                    <a:p>
+                      <a:r>
+                        <a:rPr sz="1000"/>
+                        <a:t>PPA: 3H, 3H, 2, 3H, 1</a:t>
+                      </a:r>
+                    </a:p>
+                  </a:txBody>
+                  <a:tcPr/>
+                </a:tc>
+                <a:tc>
+                  <a:txBody>
+                    <a:bodyPr/>
+                    <a:lstStyle/>
+                    <a:p/>
+                  </a:txBody>
+                  <a:tcPr/>
+                </a:tc>
+                <a:tc>
+                  <a:txBody>
+                    <a:bodyPr/>
+                    <a:lstStyle/>
+                    <a:p>
+                      <a:r>
+                        <a:rPr sz="1000"/>
+                        <a:t>Christian Brinzer (G08, OT)</a:t>
+                      </a:r>
+                    </a:p>
+                    <a:p>
+                      <a:r>
+                        <a:rPr sz="1000"/>
+                        <a:t>Head (Exploration), Mexico Ventures, International Ventures, Exploration, PCSB, Upstream Business</a:t>
+                      </a:r>
+                    </a:p>
+                    <a:p>
+                      <a:r>
+                        <a:rPr sz="1000"/>
+                        <a:t>Retire: 29/03/2033,   Age: 46</a:t>
+                      </a:r>
+                    </a:p>
+                    <a:p>
+                      <a:r>
+                        <a:rPr sz="1000"/>
+                        <a:t>PPA: 2, 3H, 2, 3H, -</a:t>
+                      </a:r>
+                    </a:p>
+                  </a:txBody>
+                  <a:tcPr/>
+                </a:tc>
+                <a:tc>
+                  <a:txBody>
+                    <a:bodyPr/>
+                    <a:lstStyle/>
+                    <a:p/>
+                  </a:txBody>
+                  <a:tcPr/>
+                </a:tc>
+                <a:tc>
+                  <a:txBody>
+                    <a:bodyPr/>
+                    <a:lstStyle/>
+                    <a:p>
+                      <a:r>
+                        <a:rPr sz="1000"/>
+                        <a:t>Harris Saifi bin Hakimi (G07, CT)</a:t>
+                      </a:r>
+                    </a:p>
+                    <a:p>
+                      <a:r>
+                        <a:rPr sz="1000"/>
+                        <a:t>Head (Internal Audit-Downstream), Internal Audit - Downstream, Group Internal Audit, PETRONAS </a:t>
+                      </a:r>
+                    </a:p>
+                    <a:p>
+                      <a:r>
+                        <a:rPr sz="1000"/>
+                        <a:t>Retire: 22/08/2039,   Age: 40</a:t>
+                      </a:r>
+                    </a:p>
+                    <a:p>
+                      <a:r>
+                        <a:rPr sz="1000"/>
+                        <a:t>PPA: 3H, 3H, 3H, 3H, 2</a:t>
+                      </a:r>
+                    </a:p>
+                  </a:txBody>
+                  <a:tcPr/>
+                </a:tc>
+              </a:tr>
+              <a:tr h="146304">
+                <a:tc>
+                  <a:txBody>
+                    <a:bodyPr/>
+                    <a:lstStyle/>
+                    <a:p/>
+                  </a:txBody>
+                  <a:tcPr/>
+                </a:tc>
+                <a:tc>
+                  <a:txBody>
+                    <a:bodyPr/>
+                    <a:lstStyle/>
+                    <a:p>
+                      <a:r>
+                        <a:rPr sz="1000"/>
+                        <a:t>Ramlee bin Abdul Rahman (G10, OT)</a:t>
+                      </a:r>
+                    </a:p>
+                    <a:p>
+                      <a:r>
+                        <a:rPr sz="1000"/>
+                        <a:t>Head (Asia Pacific Ventures), Asia Pacific Ventures, International Ventures, Exploration, PCSB, Upstream Business</a:t>
+                      </a:r>
+                    </a:p>
+                    <a:p>
+                      <a:r>
+                        <a:rPr sz="1000"/>
+                        <a:t>Retire: 01/10/2021,   Age: 53</a:t>
+                      </a:r>
+                    </a:p>
+                    <a:p>
+                      <a:r>
+                        <a:rPr sz="1000"/>
+                        <a:t>PPA: 3H, 3S, 3H, 2, 3H</a:t>
+                      </a:r>
+                    </a:p>
+                  </a:txBody>
+                  <a:tcPr/>
+                </a:tc>
+                <a:tc>
+                  <a:txBody>
+                    <a:bodyPr/>
+                    <a:lstStyle/>
+                    <a:p/>
+                  </a:txBody>
+                  <a:tcPr/>
+                </a:tc>
+                <a:tc>
+                  <a:txBody>
+                    <a:bodyPr/>
+                    <a:lstStyle/>
+                    <a:p>
+                      <a:r>
+                        <a:rPr sz="1000"/>
+                        <a:t>Eadie Noor Fadzly bin Mohd Saleh (G07, CT)</a:t>
+                      </a:r>
+                    </a:p>
+                    <a:p>
+                      <a:r>
+                        <a:rPr sz="1000"/>
+                        <a:t>Head (Exploration), US Ventures, MECA &amp; Americas Ventures, International Ventures, Exploration, PCSB, Upstream Business</a:t>
+                      </a:r>
+                    </a:p>
+                    <a:p>
+                      <a:r>
+                        <a:rPr sz="1000"/>
+                        <a:t>Retire: 22/09/2042,   Age: 37</a:t>
+                      </a:r>
+                    </a:p>
+                    <a:p>
+                      <a:r>
+                        <a:rPr sz="1000"/>
+                        <a:t>PPA: 1, 2, 2, 2, 2</a:t>
+                      </a:r>
+                    </a:p>
+                  </a:txBody>
+                  <a:tcPr/>
+                </a:tc>
+                <a:tc>
+                  <a:txBody>
+                    <a:bodyPr/>
+                    <a:lstStyle/>
+                    <a:p/>
+                  </a:txBody>
+                  <a:tcPr/>
+                </a:tc>
+                <a:tc>
+                  <a:txBody>
+                    <a:bodyPr/>
+                    <a:lstStyle/>
+                    <a:p>
+                      <a:r>
+                        <a:rPr sz="1000"/>
+                        <a:t>Muhamad Amar bin Amir (G05, OT)</a:t>
+                      </a:r>
+                    </a:p>
+                    <a:p>
+                      <a:r>
+                        <a:rPr sz="1000"/>
+                        <a:t>Manager (Geoscience), Myanmar Ventures, Asia Pacific Ventures, International Ventures, Exploration, PCSB, Upstream Business</a:t>
+                      </a:r>
+                    </a:p>
+                    <a:p>
+                      <a:r>
+                        <a:rPr sz="1000"/>
+                        <a:t>Retire: 17/07/2047,   Age: 32</a:t>
+                      </a:r>
+                    </a:p>
+                    <a:p>
+                      <a:r>
+                        <a:rPr sz="1000"/>
+                        <a:t>PPA: 2, 2, 2, 2, 2</a:t>
+                      </a:r>
+                    </a:p>
+                  </a:txBody>
+                  <a:tcPr/>
+                </a:tc>
+              </a:tr>
+              <a:tr h="146304">
+                <a:tc>
+                  <a:txBody>
+                    <a:bodyPr/>
+                    <a:lstStyle/>
+                    <a:p/>
+                  </a:txBody>
+                  <a:tcPr/>
+                </a:tc>
+                <a:tc>
+                  <a:txBody>
+                    <a:bodyPr/>
+                    <a:lstStyle/>
+                    <a:p>
+                      <a:r>
+                        <a:rPr sz="1000"/>
+                        <a:t>Ahmad Faisal bin Bakar (G07, CT)</a:t>
+                      </a:r>
+                    </a:p>
+                    <a:p>
+                      <a:r>
+                        <a:rPr sz="1000"/>
+                        <a:t>Head (Central Luconia), Central Luconia, Borneo Shallow Water &amp; Onshore, Malaysia Ventures, Exploration, PCSB, Upstream Business</a:t>
+                      </a:r>
+                    </a:p>
+                    <a:p>
+                      <a:r>
+                        <a:rPr sz="1000"/>
+                        <a:t>Retire: 17/07/2038,   Age: 41</a:t>
+                      </a:r>
+                    </a:p>
+                    <a:p>
+                      <a:r>
+                        <a:rPr sz="1000"/>
+                        <a:t>PPA: 1, 2, 2, 3H, 1</a:t>
+                      </a:r>
+                    </a:p>
+                  </a:txBody>
+                  <a:tcPr/>
+                </a:tc>
+                <a:tc>
+                  <a:txBody>
+                    <a:bodyPr/>
+                    <a:lstStyle/>
+                    <a:p/>
+                  </a:txBody>
+                  <a:tcPr/>
+                </a:tc>
+                <a:tc>
+                  <a:txBody>
+                    <a:bodyPr/>
+                    <a:lstStyle/>
+                    <a:p>
+                      <a:r>
+                        <a:rPr sz="1000"/>
+                        <a:t>Meor Shahrin bin Mahmood (G09, CT)</a:t>
+                      </a:r>
+                    </a:p>
+                    <a:p>
+                      <a:r>
+                        <a:rPr sz="1000"/>
+                        <a:t>Manager (Gabon Ventures), Gabon Ventures, Africa Ventures, International Ventures, Exploration, PCSB, Upstream Business</a:t>
+                      </a:r>
+                    </a:p>
+                    <a:p>
+                      <a:r>
+                        <a:rPr sz="1000"/>
+                        <a:t>Retire: 19/07/2026,   Age: 48</a:t>
+                      </a:r>
+                    </a:p>
+                    <a:p>
+                      <a:r>
+                        <a:rPr sz="1000"/>
+                        <a:t>PPA: 3H, 3H, 3H, 3H, 3H</a:t>
+                      </a:r>
+                    </a:p>
+                  </a:txBody>
+                  <a:tcPr/>
+                </a:tc>
+                <a:tc>
+                  <a:txBody>
+                    <a:bodyPr/>
+                    <a:lstStyle/>
+                    <a:p/>
+                  </a:txBody>
+                  <a:tcPr/>
+                </a:tc>
+                <a:tc>
+                  <a:txBody>
+                    <a:bodyPr/>
+                    <a:lstStyle/>
+                    <a:p>
+                      <a:r>
+                        <a:rPr sz="1000"/>
+                        <a:t>Puteri Nurlina binti Mokhtar (G06, BT)</a:t>
+                      </a:r>
+                    </a:p>
+                    <a:p>
+                      <a:r>
+                        <a:rPr sz="1000"/>
+                        <a:t>Staff (Petroleum Geosciences), Operations, Mexico Ventures, International Ventures, Exploration, PCSB, Upstream Business</a:t>
+                      </a:r>
+                    </a:p>
+                    <a:p>
+                      <a:r>
+                        <a:rPr sz="1000"/>
+                        <a:t>Retire: 25/02/2040,   Age: 40</a:t>
+                      </a:r>
+                    </a:p>
+                    <a:p>
+                      <a:r>
+                        <a:rPr sz="1000"/>
+                        <a:t>PPA: 3H, 3H, 3H, 3H, 3H</a:t>
+                      </a:r>
+                    </a:p>
+                  </a:txBody>
+                  <a:tcPr/>
+                </a:tc>
+              </a:tr>
+              <a:tr h="146304">
+                <a:tc>
+                  <a:txBody>
+                    <a:bodyPr/>
+                    <a:lstStyle/>
+                    <a:p/>
+                  </a:txBody>
+                  <a:tcPr/>
+                </a:tc>
+                <a:tc>
+                  <a:txBody>
+                    <a:bodyPr/>
+                    <a:lstStyle/>
+                    <a:p/>
+                  </a:txBody>
+                  <a:tcPr/>
+                </a:tc>
+                <a:tc>
+                  <a:txBody>
+                    <a:bodyPr/>
+                    <a:lstStyle/>
+                    <a:p/>
+                  </a:txBody>
+                  <a:tcPr/>
+                </a:tc>
+                <a:tc>
+                  <a:txBody>
+                    <a:bodyPr/>
+                    <a:lstStyle/>
+                    <a:p/>
+                  </a:txBody>
+                  <a:tcPr/>
+                </a:tc>
+                <a:tc>
+                  <a:txBody>
+                    <a:bodyPr/>
+                    <a:lstStyle/>
+                    <a:p/>
+                  </a:txBody>
+                  <a:tcPr/>
+                </a:tc>
+                <a:tc>
+                  <a:txBody>
+                    <a:bodyPr/>
+                    <a:lstStyle/>
+                    <a:p>
+                      <a:r>
+                        <a:rPr sz="1000"/>
+                        <a:t>Yusma Bazleigh bin Mohd Yusoff (G06, BT)</a:t>
+                      </a:r>
+                    </a:p>
+                    <a:p>
+                      <a:r>
+                        <a:rPr sz="1000"/>
+                        <a:t>Staff (Petroleum Geociences), Operations, Mexico Ventures, International Ventures, Exploration, PCSB, Upstream Business</a:t>
+                      </a:r>
+                    </a:p>
+                    <a:p>
+                      <a:r>
+                        <a:rPr sz="1000"/>
+                        <a:t>Retire: 29/09/2044,   Age: 35</a:t>
+                      </a:r>
+                    </a:p>
+                    <a:p>
+                      <a:r>
+                        <a:rPr sz="1000"/>
+                        <a:t>PPA: 2, 3H, 3H, 2, 3H</a:t>
+                      </a:r>
+                    </a:p>
+                  </a:txBody>
+                  <a:tcPr/>
+                </a:tc>
+              </a:tr>
+            </a:tbl>
+          </a:graphicData>
+        </a:graphic>
+      </p:graphicFrame>
     </p:spTree>
   </p:cSld>
   <p:clrMapOvr>
@@ -3414,7 +5454,6 @@
           <a:bodyPr/>
           <a:lstStyle/>
           <a:p>
-            <a:pPr algn="l"/>
             <a:r>
               <a:t>HOD .....</a:t>
             </a:r>
@@ -3436,13 +5475,537 @@
           <a:bodyPr/>
           <a:lstStyle/>
           <a:p>
-            <a:pPr algn="l"/>
             <a:r>
               <a:t>HOD .....</a:t>
             </a:r>
           </a:p>
         </p:txBody>
       </p:sp>
+      <p:graphicFrame>
+        <p:nvGraphicFramePr>
+          <p:cNvPr id="4" name="Table 3"/>
+          <p:cNvGraphicFramePr>
+            <a:graphicFrameLocks noGrp="1"/>
+          </p:cNvGraphicFramePr>
+          <p:nvPr/>
+        </p:nvGraphicFramePr>
+        <p:xfrm>
+          <a:off x="137160" y="1371600"/>
+          <a:ext cx="8778240" cy="731520"/>
+        </p:xfrm>
+        <a:graphic>
+          <a:graphicData uri="http://schemas.openxmlformats.org/drawingml/2006/table">
+            <a:tbl>
+              <a:tblPr firstRow="1" bandRow="1">
+                <a:tableStyleId>{5C22544A-7EE6-4342-B048-85BDC9FD1C3A}</a:tableStyleId>
+              </a:tblPr>
+              <a:tblGrid>
+                <a:gridCol w="914400"/>
+                <a:gridCol w="2011680"/>
+                <a:gridCol w="914400"/>
+                <a:gridCol w="2011680"/>
+                <a:gridCol w="914400"/>
+                <a:gridCol w="2011680"/>
+              </a:tblGrid>
+              <a:tr h="146304">
+                <a:tc gridSpan="2">
+                  <a:txBody>
+                    <a:bodyPr/>
+                    <a:lstStyle/>
+                    <a:p>
+                      <a:r>
+                        <a:rPr sz="1000"/>
+                        <a:t>0</a:t>
+                      </a:r>
+                    </a:p>
+                  </a:txBody>
+                  <a:tcPr/>
+                </a:tc>
+                <a:tc hMerge="1">
+                  <a:txBody>
+                    <a:bodyPr/>
+                    <a:lstStyle/>
+                    <a:p/>
+                  </a:txBody>
+                  <a:tcPr/>
+                </a:tc>
+                <a:tc gridSpan="2">
+                  <a:txBody>
+                    <a:bodyPr/>
+                    <a:lstStyle/>
+                    <a:p>
+                      <a:r>
+                        <a:rPr sz="1000"/>
+                        <a:t>1</a:t>
+                      </a:r>
+                    </a:p>
+                  </a:txBody>
+                  <a:tcPr/>
+                </a:tc>
+                <a:tc hMerge="1">
+                  <a:txBody>
+                    <a:bodyPr/>
+                    <a:lstStyle/>
+                    <a:p/>
+                  </a:txBody>
+                  <a:tcPr/>
+                </a:tc>
+                <a:tc gridSpan="2">
+                  <a:txBody>
+                    <a:bodyPr/>
+                    <a:lstStyle/>
+                    <a:p>
+                      <a:r>
+                        <a:rPr sz="1000"/>
+                        <a:t>2</a:t>
+                      </a:r>
+                    </a:p>
+                  </a:txBody>
+                  <a:tcPr/>
+                </a:tc>
+                <a:tc hMerge="1">
+                  <a:txBody>
+                    <a:bodyPr/>
+                    <a:lstStyle/>
+                    <a:p/>
+                  </a:txBody>
+                  <a:tcPr/>
+                </a:tc>
+              </a:tr>
+              <a:tr h="146304">
+                <a:tc>
+                  <a:txBody>
+                    <a:bodyPr/>
+                    <a:lstStyle/>
+                    <a:p/>
+                  </a:txBody>
+                  <a:tcPr/>
+                </a:tc>
+                <a:tc>
+                  <a:txBody>
+                    <a:bodyPr/>
+                    <a:lstStyle/>
+                    <a:p>
+                      <a:r>
+                        <a:rPr sz="1000"/>
+                        <a:t>Liau Min Hoe (G10, CT)</a:t>
+                      </a:r>
+                    </a:p>
+                    <a:p>
+                      <a:r>
+                        <a:rPr sz="1000"/>
+                        <a:t>Head (Myanmar), Myanmar, International Assets, PCSB, Upstream Business</a:t>
+                      </a:r>
+                    </a:p>
+                    <a:p>
+                      <a:r>
+                        <a:rPr sz="1000"/>
+                        <a:t>Retire: 04/03/2036,   Age: 43</a:t>
+                      </a:r>
+                    </a:p>
+                    <a:p>
+                      <a:r>
+                        <a:rPr sz="1000"/>
+                        <a:t>PPA: 3H, 3H, 2, 3H, 1</a:t>
+                      </a:r>
+                    </a:p>
+                  </a:txBody>
+                  <a:tcPr/>
+                </a:tc>
+                <a:tc>
+                  <a:txBody>
+                    <a:bodyPr/>
+                    <a:lstStyle/>
+                    <a:p/>
+                  </a:txBody>
+                  <a:tcPr/>
+                </a:tc>
+                <a:tc>
+                  <a:txBody>
+                    <a:bodyPr/>
+                    <a:lstStyle/>
+                    <a:p>
+                      <a:r>
+                        <a:rPr sz="1000"/>
+                        <a:t>Christian Brinzer (G08, OT)</a:t>
+                      </a:r>
+                    </a:p>
+                    <a:p>
+                      <a:r>
+                        <a:rPr sz="1000"/>
+                        <a:t>Head (Exploration), Mexico Ventures, International Ventures, Exploration, PCSB, Upstream Business</a:t>
+                      </a:r>
+                    </a:p>
+                    <a:p>
+                      <a:r>
+                        <a:rPr sz="1000"/>
+                        <a:t>Retire: 29/03/2033,   Age: 46</a:t>
+                      </a:r>
+                    </a:p>
+                    <a:p>
+                      <a:r>
+                        <a:rPr sz="1000"/>
+                        <a:t>PPA: 2, 3H, 2, 3H, -</a:t>
+                      </a:r>
+                    </a:p>
+                  </a:txBody>
+                  <a:tcPr/>
+                </a:tc>
+                <a:tc>
+                  <a:txBody>
+                    <a:bodyPr/>
+                    <a:lstStyle/>
+                    <a:p/>
+                  </a:txBody>
+                  <a:tcPr/>
+                </a:tc>
+                <a:tc>
+                  <a:txBody>
+                    <a:bodyPr/>
+                    <a:lstStyle/>
+                    <a:p>
+                      <a:r>
+                        <a:rPr sz="1000"/>
+                        <a:t>Harris Saifi bin Hakimi (G07, CT)</a:t>
+                      </a:r>
+                    </a:p>
+                    <a:p>
+                      <a:r>
+                        <a:rPr sz="1000"/>
+                        <a:t>Head (Internal Audit-Downstream), Internal Audit - Downstream, Group Internal Audit, PETRONAS </a:t>
+                      </a:r>
+                    </a:p>
+                    <a:p>
+                      <a:r>
+                        <a:rPr sz="1000"/>
+                        <a:t>Retire: 22/08/2039,   Age: 40</a:t>
+                      </a:r>
+                    </a:p>
+                    <a:p>
+                      <a:r>
+                        <a:rPr sz="1000"/>
+                        <a:t>PPA: 3H, 3H, 3H, 3H, 2</a:t>
+                      </a:r>
+                    </a:p>
+                  </a:txBody>
+                  <a:tcPr/>
+                </a:tc>
+              </a:tr>
+              <a:tr h="146304">
+                <a:tc>
+                  <a:txBody>
+                    <a:bodyPr/>
+                    <a:lstStyle/>
+                    <a:p/>
+                  </a:txBody>
+                  <a:tcPr/>
+                </a:tc>
+                <a:tc>
+                  <a:txBody>
+                    <a:bodyPr/>
+                    <a:lstStyle/>
+                    <a:p>
+                      <a:r>
+                        <a:rPr sz="1000"/>
+                        <a:t>Ramlee bin Abdul Rahman (G10, OT)</a:t>
+                      </a:r>
+                    </a:p>
+                    <a:p>
+                      <a:r>
+                        <a:rPr sz="1000"/>
+                        <a:t>Head (Asia Pacific Ventures), Asia Pacific Ventures, International Ventures, Exploration, PCSB, Upstream Business</a:t>
+                      </a:r>
+                    </a:p>
+                    <a:p>
+                      <a:r>
+                        <a:rPr sz="1000"/>
+                        <a:t>Retire: 01/10/2021,   Age: 53</a:t>
+                      </a:r>
+                    </a:p>
+                    <a:p>
+                      <a:r>
+                        <a:rPr sz="1000"/>
+                        <a:t>PPA: 3H, 3S, 3H, 2, 3H</a:t>
+                      </a:r>
+                    </a:p>
+                  </a:txBody>
+                  <a:tcPr/>
+                </a:tc>
+                <a:tc>
+                  <a:txBody>
+                    <a:bodyPr/>
+                    <a:lstStyle/>
+                    <a:p/>
+                  </a:txBody>
+                  <a:tcPr/>
+                </a:tc>
+                <a:tc>
+                  <a:txBody>
+                    <a:bodyPr/>
+                    <a:lstStyle/>
+                    <a:p>
+                      <a:r>
+                        <a:rPr sz="1000"/>
+                        <a:t>Eadie Noor Fadzly bin Mohd Saleh (G07, CT)</a:t>
+                      </a:r>
+                    </a:p>
+                    <a:p>
+                      <a:r>
+                        <a:rPr sz="1000"/>
+                        <a:t>Head (Exploration), US Ventures, MECA &amp; Americas Ventures, International Ventures, Exploration, PCSB, Upstream Business</a:t>
+                      </a:r>
+                    </a:p>
+                    <a:p>
+                      <a:r>
+                        <a:rPr sz="1000"/>
+                        <a:t>Retire: 22/09/2042,   Age: 37</a:t>
+                      </a:r>
+                    </a:p>
+                    <a:p>
+                      <a:r>
+                        <a:rPr sz="1000"/>
+                        <a:t>PPA: 1, 2, 2, 2, 2</a:t>
+                      </a:r>
+                    </a:p>
+                  </a:txBody>
+                  <a:tcPr/>
+                </a:tc>
+                <a:tc>
+                  <a:txBody>
+                    <a:bodyPr/>
+                    <a:lstStyle/>
+                    <a:p/>
+                  </a:txBody>
+                  <a:tcPr/>
+                </a:tc>
+                <a:tc>
+                  <a:txBody>
+                    <a:bodyPr/>
+                    <a:lstStyle/>
+                    <a:p>
+                      <a:r>
+                        <a:rPr sz="1000"/>
+                        <a:t>Ali Andrea bin Hashim (G06, OT)</a:t>
+                      </a:r>
+                    </a:p>
+                    <a:p>
+                      <a:r>
+                        <a:rPr sz="1000"/>
+                        <a:t>Head (Exploration), Brazil Ventures, MECA &amp; Americas Ventures, International Ventures, Exploration, PCSB, Upstream Business</a:t>
+                      </a:r>
+                    </a:p>
+                    <a:p>
+                      <a:r>
+                        <a:rPr sz="1000"/>
+                        <a:t>Retire: 30/11/2042,   Age: 37</a:t>
+                      </a:r>
+                    </a:p>
+                    <a:p>
+                      <a:r>
+                        <a:rPr sz="1000"/>
+                        <a:t>PPA: 2, 2, 2, 2, 2</a:t>
+                      </a:r>
+                    </a:p>
+                  </a:txBody>
+                  <a:tcPr/>
+                </a:tc>
+              </a:tr>
+              <a:tr h="146304">
+                <a:tc>
+                  <a:txBody>
+                    <a:bodyPr/>
+                    <a:lstStyle/>
+                    <a:p/>
+                  </a:txBody>
+                  <a:tcPr/>
+                </a:tc>
+                <a:tc>
+                  <a:txBody>
+                    <a:bodyPr/>
+                    <a:lstStyle/>
+                    <a:p>
+                      <a:r>
+                        <a:rPr sz="1000"/>
+                        <a:t>Ahmad Faisal bin Bakar (G07, CT)</a:t>
+                      </a:r>
+                    </a:p>
+                    <a:p>
+                      <a:r>
+                        <a:rPr sz="1000"/>
+                        <a:t>Head (Central Luconia), Central Luconia, Borneo Shallow Water &amp; Onshore, Malaysia Ventures, Exploration, PCSB, Upstream Business</a:t>
+                      </a:r>
+                    </a:p>
+                    <a:p>
+                      <a:r>
+                        <a:rPr sz="1000"/>
+                        <a:t>Retire: 17/07/2038,   Age: 41</a:t>
+                      </a:r>
+                    </a:p>
+                    <a:p>
+                      <a:r>
+                        <a:rPr sz="1000"/>
+                        <a:t>PPA: 1, 2, 2, 3H, 1</a:t>
+                      </a:r>
+                    </a:p>
+                  </a:txBody>
+                  <a:tcPr/>
+                </a:tc>
+                <a:tc>
+                  <a:txBody>
+                    <a:bodyPr/>
+                    <a:lstStyle/>
+                    <a:p/>
+                  </a:txBody>
+                  <a:tcPr/>
+                </a:tc>
+                <a:tc>
+                  <a:txBody>
+                    <a:bodyPr/>
+                    <a:lstStyle/>
+                    <a:p>
+                      <a:r>
+                        <a:rPr sz="1000"/>
+                        <a:t>Meor Shahrin bin Mahmood (G09, CT)</a:t>
+                      </a:r>
+                    </a:p>
+                    <a:p>
+                      <a:r>
+                        <a:rPr sz="1000"/>
+                        <a:t>Manager (Gabon Ventures), Gabon Ventures, Africa Ventures, International Ventures, Exploration, PCSB, Upstream Business</a:t>
+                      </a:r>
+                    </a:p>
+                    <a:p>
+                      <a:r>
+                        <a:rPr sz="1000"/>
+                        <a:t>Retire: 19/07/2026,   Age: 48</a:t>
+                      </a:r>
+                    </a:p>
+                    <a:p>
+                      <a:r>
+                        <a:rPr sz="1000"/>
+                        <a:t>PPA: 3H, 3H, 3H, 3H, 3H</a:t>
+                      </a:r>
+                    </a:p>
+                  </a:txBody>
+                  <a:tcPr/>
+                </a:tc>
+                <a:tc>
+                  <a:txBody>
+                    <a:bodyPr/>
+                    <a:lstStyle/>
+                    <a:p/>
+                  </a:txBody>
+                  <a:tcPr/>
+                </a:tc>
+                <a:tc>
+                  <a:txBody>
+                    <a:bodyPr/>
+                    <a:lstStyle/>
+                    <a:p>
+                      <a:r>
+                        <a:rPr sz="1000"/>
+                        <a:t>Mohamad Faiz bin Rasli (G05, OT)</a:t>
+                      </a:r>
+                    </a:p>
+                    <a:p>
+                      <a:r>
+                        <a:rPr sz="1000"/>
+                        <a:t>Manager (Business Analysis), Business Development, Strategy &amp; Commercial, PCSB, Upstream Business</a:t>
+                      </a:r>
+                    </a:p>
+                    <a:p>
+                      <a:r>
+                        <a:rPr sz="1000"/>
+                        <a:t>Retire: 22/05/2047,   Age: 32</a:t>
+                      </a:r>
+                    </a:p>
+                    <a:p>
+                      <a:r>
+                        <a:rPr sz="1000"/>
+                        <a:t>PPA: 2, 2, 3H, 2, 2</a:t>
+                      </a:r>
+                    </a:p>
+                  </a:txBody>
+                  <a:tcPr/>
+                </a:tc>
+              </a:tr>
+              <a:tr h="146304">
+                <a:tc>
+                  <a:txBody>
+                    <a:bodyPr/>
+                    <a:lstStyle/>
+                    <a:p/>
+                  </a:txBody>
+                  <a:tcPr/>
+                </a:tc>
+                <a:tc>
+                  <a:txBody>
+                    <a:bodyPr/>
+                    <a:lstStyle/>
+                    <a:p/>
+                  </a:txBody>
+                  <a:tcPr/>
+                </a:tc>
+                <a:tc>
+                  <a:txBody>
+                    <a:bodyPr/>
+                    <a:lstStyle/>
+                    <a:p/>
+                  </a:txBody>
+                  <a:tcPr/>
+                </a:tc>
+                <a:tc>
+                  <a:txBody>
+                    <a:bodyPr/>
+                    <a:lstStyle/>
+                    <a:p/>
+                  </a:txBody>
+                  <a:tcPr/>
+                </a:tc>
+                <a:tc>
+                  <a:txBody>
+                    <a:bodyPr/>
+                    <a:lstStyle/>
+                    <a:p/>
+                  </a:txBody>
+                  <a:tcPr/>
+                </a:tc>
+                <a:tc>
+                  <a:txBody>
+                    <a:bodyPr/>
+                    <a:lstStyle/>
+                    <a:p>
+                      <a:r>
+                        <a:rPr sz="1000"/>
+                        <a:t>Mohd Hafizan bin Abdul Wahab (G06, OT)</a:t>
+                      </a:r>
+                    </a:p>
+                    <a:p>
+                      <a:r>
+                        <a:rPr sz="1000"/>
+                        <a:t>Staff (Petroleum Geosciences), Technical Assurance &amp; Capability, Exploration, PCSB, Upstream Business</a:t>
+                      </a:r>
+                    </a:p>
+                    <a:p>
+                      <a:r>
+                        <a:rPr sz="1000"/>
+                        <a:t>Retire: 15/06/2046,   Age: 33</a:t>
+                      </a:r>
+                    </a:p>
+                    <a:p>
+                      <a:r>
+                        <a:rPr sz="1000"/>
+                        <a:t>PPA: 1, 2, 2, 2, 3H</a:t>
+                      </a:r>
+                    </a:p>
+                  </a:txBody>
+                  <a:tcPr/>
+                </a:tc>
+              </a:tr>
+            </a:tbl>
+          </a:graphicData>
+        </a:graphic>
+      </p:graphicFrame>
     </p:spTree>
   </p:cSld>
   <p:clrMapOvr>
@@ -3476,7 +6039,6 @@
           <a:bodyPr/>
           <a:lstStyle/>
           <a:p>
-            <a:pPr algn="l"/>
             <a:r>
               <a:t>HOD .....</a:t>
             </a:r>
@@ -3498,13 +6060,537 @@
           <a:bodyPr/>
           <a:lstStyle/>
           <a:p>
-            <a:pPr algn="l"/>
             <a:r>
               <a:t>HOD .....</a:t>
             </a:r>
           </a:p>
         </p:txBody>
       </p:sp>
+      <p:graphicFrame>
+        <p:nvGraphicFramePr>
+          <p:cNvPr id="4" name="Table 3"/>
+          <p:cNvGraphicFramePr>
+            <a:graphicFrameLocks noGrp="1"/>
+          </p:cNvGraphicFramePr>
+          <p:nvPr/>
+        </p:nvGraphicFramePr>
+        <p:xfrm>
+          <a:off x="137160" y="1371600"/>
+          <a:ext cx="8778240" cy="731520"/>
+        </p:xfrm>
+        <a:graphic>
+          <a:graphicData uri="http://schemas.openxmlformats.org/drawingml/2006/table">
+            <a:tbl>
+              <a:tblPr firstRow="1" bandRow="1">
+                <a:tableStyleId>{5C22544A-7EE6-4342-B048-85BDC9FD1C3A}</a:tableStyleId>
+              </a:tblPr>
+              <a:tblGrid>
+                <a:gridCol w="914400"/>
+                <a:gridCol w="2011680"/>
+                <a:gridCol w="914400"/>
+                <a:gridCol w="2011680"/>
+                <a:gridCol w="914400"/>
+                <a:gridCol w="2011680"/>
+              </a:tblGrid>
+              <a:tr h="146304">
+                <a:tc gridSpan="2">
+                  <a:txBody>
+                    <a:bodyPr/>
+                    <a:lstStyle/>
+                    <a:p>
+                      <a:r>
+                        <a:rPr sz="1000"/>
+                        <a:t>0</a:t>
+                      </a:r>
+                    </a:p>
+                  </a:txBody>
+                  <a:tcPr/>
+                </a:tc>
+                <a:tc hMerge="1">
+                  <a:txBody>
+                    <a:bodyPr/>
+                    <a:lstStyle/>
+                    <a:p/>
+                  </a:txBody>
+                  <a:tcPr/>
+                </a:tc>
+                <a:tc gridSpan="2">
+                  <a:txBody>
+                    <a:bodyPr/>
+                    <a:lstStyle/>
+                    <a:p>
+                      <a:r>
+                        <a:rPr sz="1000"/>
+                        <a:t>1</a:t>
+                      </a:r>
+                    </a:p>
+                  </a:txBody>
+                  <a:tcPr/>
+                </a:tc>
+                <a:tc hMerge="1">
+                  <a:txBody>
+                    <a:bodyPr/>
+                    <a:lstStyle/>
+                    <a:p/>
+                  </a:txBody>
+                  <a:tcPr/>
+                </a:tc>
+                <a:tc gridSpan="2">
+                  <a:txBody>
+                    <a:bodyPr/>
+                    <a:lstStyle/>
+                    <a:p>
+                      <a:r>
+                        <a:rPr sz="1000"/>
+                        <a:t>2</a:t>
+                      </a:r>
+                    </a:p>
+                  </a:txBody>
+                  <a:tcPr/>
+                </a:tc>
+                <a:tc hMerge="1">
+                  <a:txBody>
+                    <a:bodyPr/>
+                    <a:lstStyle/>
+                    <a:p/>
+                  </a:txBody>
+                  <a:tcPr/>
+                </a:tc>
+              </a:tr>
+              <a:tr h="146304">
+                <a:tc>
+                  <a:txBody>
+                    <a:bodyPr/>
+                    <a:lstStyle/>
+                    <a:p/>
+                  </a:txBody>
+                  <a:tcPr/>
+                </a:tc>
+                <a:tc>
+                  <a:txBody>
+                    <a:bodyPr/>
+                    <a:lstStyle/>
+                    <a:p>
+                      <a:r>
+                        <a:rPr sz="1000"/>
+                        <a:t>Mohd Redhani bin Abdul Rahman (G12, CT)</a:t>
+                      </a:r>
+                    </a:p>
+                    <a:p>
+                      <a:r>
+                        <a:rPr sz="1000"/>
+                        <a:t>Head (Iraq), Iraq, International Assets, PCSB, Upstream Business</a:t>
+                      </a:r>
+                    </a:p>
+                    <a:p>
+                      <a:r>
+                        <a:rPr sz="1000"/>
+                        <a:t>Retire: 07/04/2035,   Age: 44</a:t>
+                      </a:r>
+                    </a:p>
+                    <a:p>
+                      <a:r>
+                        <a:rPr sz="1000"/>
+                        <a:t>PPA: 2, 1, 1, 2, 2</a:t>
+                      </a:r>
+                    </a:p>
+                  </a:txBody>
+                  <a:tcPr/>
+                </a:tc>
+                <a:tc>
+                  <a:txBody>
+                    <a:bodyPr/>
+                    <a:lstStyle/>
+                    <a:p/>
+                  </a:txBody>
+                  <a:tcPr/>
+                </a:tc>
+                <a:tc>
+                  <a:txBody>
+                    <a:bodyPr/>
+                    <a:lstStyle/>
+                    <a:p>
+                      <a:r>
+                        <a:rPr sz="1000"/>
+                        <a:t>Azli bin Abu Bakar (G09, CT)</a:t>
+                      </a:r>
+                    </a:p>
+                    <a:p>
+                      <a:r>
+                        <a:rPr sz="1000"/>
+                        <a:t>Head (Asia Pacific Basin), Asia Pacific Basin, Basin &amp; Petroleum System, Exploration, PCSB, Upstream Business</a:t>
+                      </a:r>
+                    </a:p>
+                    <a:p>
+                      <a:r>
+                        <a:rPr sz="1000"/>
+                        <a:t>Retire: 16/11/2031,   Age: 43</a:t>
+                      </a:r>
+                    </a:p>
+                    <a:p>
+                      <a:r>
+                        <a:rPr sz="1000"/>
+                        <a:t>PPA: 3H, 3H, 2, 2, SDP</a:t>
+                      </a:r>
+                    </a:p>
+                  </a:txBody>
+                  <a:tcPr/>
+                </a:tc>
+                <a:tc>
+                  <a:txBody>
+                    <a:bodyPr/>
+                    <a:lstStyle/>
+                    <a:p/>
+                  </a:txBody>
+                  <a:tcPr/>
+                </a:tc>
+                <a:tc>
+                  <a:txBody>
+                    <a:bodyPr/>
+                    <a:lstStyle/>
+                    <a:p>
+                      <a:r>
+                        <a:rPr sz="1000"/>
+                        <a:t>Marc De Urreiztieta (G08, OT)</a:t>
+                      </a:r>
+                    </a:p>
+                    <a:p>
+                      <a:r>
+                        <a:rPr sz="1000"/>
+                        <a:t>Principal (Petroleum Geosciences), Technical Assurance, Technical Assurance &amp; Capability, Exploration, PCSB, Upstream Business</a:t>
+                      </a:r>
+                    </a:p>
+                    <a:p>
+                      <a:r>
+                        <a:rPr sz="1000"/>
+                        <a:t>Retire: 06/08/2026,   Age: 53</a:t>
+                      </a:r>
+                    </a:p>
+                    <a:p>
+                      <a:r>
+                        <a:rPr sz="1000"/>
+                        <a:t>PPA: 3S, 3H, 2, 2, 3H</a:t>
+                      </a:r>
+                    </a:p>
+                  </a:txBody>
+                  <a:tcPr/>
+                </a:tc>
+              </a:tr>
+              <a:tr h="146304">
+                <a:tc>
+                  <a:txBody>
+                    <a:bodyPr/>
+                    <a:lstStyle/>
+                    <a:p/>
+                  </a:txBody>
+                  <a:tcPr/>
+                </a:tc>
+                <a:tc>
+                  <a:txBody>
+                    <a:bodyPr/>
+                    <a:lstStyle/>
+                    <a:p>
+                      <a:r>
+                        <a:rPr sz="1000"/>
+                        <a:t>Liau Min Hoe (G10, CT)</a:t>
+                      </a:r>
+                    </a:p>
+                    <a:p>
+                      <a:r>
+                        <a:rPr sz="1000"/>
+                        <a:t>Head (Myanmar), Myanmar, International Assets, PCSB, Upstream Business</a:t>
+                      </a:r>
+                    </a:p>
+                    <a:p>
+                      <a:r>
+                        <a:rPr sz="1000"/>
+                        <a:t>Retire: 04/03/2036,   Age: 43</a:t>
+                      </a:r>
+                    </a:p>
+                    <a:p>
+                      <a:r>
+                        <a:rPr sz="1000"/>
+                        <a:t>PPA: 3H, 3H, 2, 3H, 1</a:t>
+                      </a:r>
+                    </a:p>
+                  </a:txBody>
+                  <a:tcPr/>
+                </a:tc>
+                <a:tc>
+                  <a:txBody>
+                    <a:bodyPr/>
+                    <a:lstStyle/>
+                    <a:p/>
+                  </a:txBody>
+                  <a:tcPr/>
+                </a:tc>
+                <a:tc>
+                  <a:txBody>
+                    <a:bodyPr/>
+                    <a:lstStyle/>
+                    <a:p>
+                      <a:r>
+                        <a:rPr sz="1000"/>
+                        <a:t>Christian Brinzer (G08, OT)</a:t>
+                      </a:r>
+                    </a:p>
+                    <a:p>
+                      <a:r>
+                        <a:rPr sz="1000"/>
+                        <a:t>Head (Exploration), Mexico Ventures, International Ventures, Exploration, PCSB, Upstream Business</a:t>
+                      </a:r>
+                    </a:p>
+                    <a:p>
+                      <a:r>
+                        <a:rPr sz="1000"/>
+                        <a:t>Retire: 29/03/2033,   Age: 46</a:t>
+                      </a:r>
+                    </a:p>
+                    <a:p>
+                      <a:r>
+                        <a:rPr sz="1000"/>
+                        <a:t>PPA: 2, 3H, 2, 3H, -</a:t>
+                      </a:r>
+                    </a:p>
+                  </a:txBody>
+                  <a:tcPr/>
+                </a:tc>
+                <a:tc>
+                  <a:txBody>
+                    <a:bodyPr/>
+                    <a:lstStyle/>
+                    <a:p/>
+                  </a:txBody>
+                  <a:tcPr/>
+                </a:tc>
+                <a:tc>
+                  <a:txBody>
+                    <a:bodyPr/>
+                    <a:lstStyle/>
+                    <a:p>
+                      <a:r>
+                        <a:rPr sz="1000"/>
+                        <a:t>Brianne Gillian Tracey Alleyne (EXPAT, OT)</a:t>
+                      </a:r>
+                    </a:p>
+                    <a:p>
+                      <a:r>
+                        <a:rPr sz="1000"/>
+                        <a:t>Staff (Petroleum Geosciences), Asia Pacific Basin, Basin &amp; Petroleum System, Exploration, PCSB, Upstream Business</a:t>
+                      </a:r>
+                    </a:p>
+                    <a:p>
+                      <a:r>
+                        <a:rPr sz="1000"/>
+                        <a:t>Retire: 15/08/2020,   Age: 39</a:t>
+                      </a:r>
+                    </a:p>
+                    <a:p>
+                      <a:r>
+                        <a:rPr sz="1000"/>
+                        <a:t>PPA: 3H, 2, 2, 3H, 3S</a:t>
+                      </a:r>
+                    </a:p>
+                  </a:txBody>
+                  <a:tcPr/>
+                </a:tc>
+              </a:tr>
+              <a:tr h="146304">
+                <a:tc>
+                  <a:txBody>
+                    <a:bodyPr/>
+                    <a:lstStyle/>
+                    <a:p/>
+                  </a:txBody>
+                  <a:tcPr/>
+                </a:tc>
+                <a:tc>
+                  <a:txBody>
+                    <a:bodyPr/>
+                    <a:lstStyle/>
+                    <a:p>
+                      <a:r>
+                        <a:rPr sz="1000"/>
+                        <a:t>Suhaileen binti Shahar (G10, BT)</a:t>
+                      </a:r>
+                    </a:p>
+                    <a:p>
+                      <a:r>
+                        <a:rPr sz="1000"/>
+                        <a:t>Head (Basin &amp; Petroleum System), Basin &amp; Petroleum System, Exploration, PCSB, Upstream Business</a:t>
+                      </a:r>
+                    </a:p>
+                    <a:p>
+                      <a:r>
+                        <a:rPr sz="1000"/>
+                        <a:t>Retire: 13/05/2034,   Age: 45</a:t>
+                      </a:r>
+                    </a:p>
+                    <a:p>
+                      <a:r>
+                        <a:rPr sz="1000"/>
+                        <a:t>PPA: 3H, 1, 3H, 2, 2</a:t>
+                      </a:r>
+                    </a:p>
+                  </a:txBody>
+                  <a:tcPr/>
+                </a:tc>
+                <a:tc>
+                  <a:txBody>
+                    <a:bodyPr/>
+                    <a:lstStyle/>
+                    <a:p/>
+                  </a:txBody>
+                  <a:tcPr/>
+                </a:tc>
+                <a:tc>
+                  <a:txBody>
+                    <a:bodyPr/>
+                    <a:lstStyle/>
+                    <a:p>
+                      <a:r>
+                        <a:rPr sz="1000"/>
+                        <a:t>Sandeep Kumar Chandola (G10, OT)</a:t>
+                      </a:r>
+                    </a:p>
+                    <a:p>
+                      <a:r>
+                        <a:rPr sz="1000"/>
+                        <a:t>Custodian (Acquisition), Technical Assurance &amp; Capability, Exploration, PCSB, Upstream Business</a:t>
+                      </a:r>
+                    </a:p>
+                    <a:p>
+                      <a:r>
+                        <a:rPr sz="1000"/>
+                        <a:t>Retire: 16/08/2025,   Age: 54</a:t>
+                      </a:r>
+                    </a:p>
+                    <a:p>
+                      <a:r>
+                        <a:rPr sz="1000"/>
+                        <a:t>PPA: 2, 2, 2, 2, 2</a:t>
+                      </a:r>
+                    </a:p>
+                  </a:txBody>
+                  <a:tcPr/>
+                </a:tc>
+                <a:tc>
+                  <a:txBody>
+                    <a:bodyPr/>
+                    <a:lstStyle/>
+                    <a:p/>
+                  </a:txBody>
+                  <a:tcPr/>
+                </a:tc>
+                <a:tc>
+                  <a:txBody>
+                    <a:bodyPr/>
+                    <a:lstStyle/>
+                    <a:p>
+                      <a:r>
+                        <a:rPr sz="1000"/>
+                        <a:t>Muhamad Amar bin Amir (G05, OT)</a:t>
+                      </a:r>
+                    </a:p>
+                    <a:p>
+                      <a:r>
+                        <a:rPr sz="1000"/>
+                        <a:t>Manager (Geoscience), Myanmar Ventures, Asia Pacific Ventures, International Ventures, Exploration, PCSB, Upstream Business</a:t>
+                      </a:r>
+                    </a:p>
+                    <a:p>
+                      <a:r>
+                        <a:rPr sz="1000"/>
+                        <a:t>Retire: 17/07/2047,   Age: 32</a:t>
+                      </a:r>
+                    </a:p>
+                    <a:p>
+                      <a:r>
+                        <a:rPr sz="1000"/>
+                        <a:t>PPA: 2, 2, 2, 2, 2</a:t>
+                      </a:r>
+                    </a:p>
+                  </a:txBody>
+                  <a:tcPr/>
+                </a:tc>
+              </a:tr>
+              <a:tr h="146304">
+                <a:tc>
+                  <a:txBody>
+                    <a:bodyPr/>
+                    <a:lstStyle/>
+                    <a:p/>
+                  </a:txBody>
+                  <a:tcPr/>
+                </a:tc>
+                <a:tc>
+                  <a:txBody>
+                    <a:bodyPr/>
+                    <a:lstStyle/>
+                    <a:p/>
+                  </a:txBody>
+                  <a:tcPr/>
+                </a:tc>
+                <a:tc>
+                  <a:txBody>
+                    <a:bodyPr/>
+                    <a:lstStyle/>
+                    <a:p/>
+                  </a:txBody>
+                  <a:tcPr/>
+                </a:tc>
+                <a:tc>
+                  <a:txBody>
+                    <a:bodyPr/>
+                    <a:lstStyle/>
+                    <a:p/>
+                  </a:txBody>
+                  <a:tcPr/>
+                </a:tc>
+                <a:tc>
+                  <a:txBody>
+                    <a:bodyPr/>
+                    <a:lstStyle/>
+                    <a:p/>
+                  </a:txBody>
+                  <a:tcPr/>
+                </a:tc>
+                <a:tc>
+                  <a:txBody>
+                    <a:bodyPr/>
+                    <a:lstStyle/>
+                    <a:p>
+                      <a:r>
+                        <a:rPr sz="1000"/>
+                        <a:t>Ong Swee Keong (G07, BT)</a:t>
+                      </a:r>
+                    </a:p>
+                    <a:p>
+                      <a:r>
+                        <a:rPr sz="1000"/>
+                        <a:t>Principal (Petroleum Geosciences), Technical Assurance, Technical Assurance &amp; Capability, Exploration, PCSB, Upstream Business</a:t>
+                      </a:r>
+                    </a:p>
+                    <a:p>
+                      <a:r>
+                        <a:rPr sz="1000"/>
+                        <a:t>Retire: 20/04/2041,   Age: 38</a:t>
+                      </a:r>
+                    </a:p>
+                    <a:p>
+                      <a:r>
+                        <a:rPr sz="1000"/>
+                        <a:t>PPA: 2, 3H, 2, 2, 2</a:t>
+                      </a:r>
+                    </a:p>
+                  </a:txBody>
+                  <a:tcPr/>
+                </a:tc>
+              </a:tr>
+            </a:tbl>
+          </a:graphicData>
+        </a:graphic>
+      </p:graphicFrame>
     </p:spTree>
   </p:cSld>
   <p:clrMapOvr>

--- a/createsp.pptx
+++ b/createsp.pptx
@@ -3166,8 +3166,9 @@
           <a:bodyPr/>
           <a:lstStyle/>
           <a:p>
+            <a:pPr algn="l"/>
             <a:r>
-              <a:t>HOD .....</a:t>
+              <a:t>HEAD (CSP)</a:t>
             </a:r>
           </a:p>
         </p:txBody>
@@ -3187,8 +3188,9 @@
           <a:bodyPr/>
           <a:lstStyle/>
           <a:p>
+            <a:pPr algn="l"/>
             <a:r>
-              <a:t>HOD .....</a:t>
+              <a:t>HEAD (CSP)</a:t>
             </a:r>
           </a:p>
         </p:txBody>
@@ -3233,7 +3235,11 @@
                       </a:r>
                     </a:p>
                   </a:txBody>
-                  <a:tcPr/>
+                  <a:tcPr>
+                    <a:solidFill>
+                      <a:srgbClr val="00B1A9"/>
+                    </a:solidFill>
+                  </a:tcPr>
                 </a:tc>
                 <a:tc hMerge="1">
                   <a:txBody>
@@ -3241,7 +3247,11 @@
                     <a:lstStyle/>
                     <a:p/>
                   </a:txBody>
-                  <a:tcPr/>
+                  <a:tcPr>
+                    <a:solidFill>
+                      <a:srgbClr val="F2F2F2"/>
+                    </a:solidFill>
+                  </a:tcPr>
                 </a:tc>
                 <a:tc gridSpan="2">
                   <a:txBody>
@@ -3254,7 +3264,11 @@
                       </a:r>
                     </a:p>
                   </a:txBody>
-                  <a:tcPr/>
+                  <a:tcPr>
+                    <a:solidFill>
+                      <a:srgbClr val="00B1A9"/>
+                    </a:solidFill>
+                  </a:tcPr>
                 </a:tc>
                 <a:tc hMerge="1">
                   <a:txBody>
@@ -3262,7 +3276,11 @@
                     <a:lstStyle/>
                     <a:p/>
                   </a:txBody>
-                  <a:tcPr/>
+                  <a:tcPr>
+                    <a:solidFill>
+                      <a:srgbClr val="F2F2F2"/>
+                    </a:solidFill>
+                  </a:tcPr>
                 </a:tc>
                 <a:tc gridSpan="2">
                   <a:txBody>
@@ -3275,7 +3293,11 @@
                       </a:r>
                     </a:p>
                   </a:txBody>
-                  <a:tcPr/>
+                  <a:tcPr>
+                    <a:solidFill>
+                      <a:srgbClr val="00B1A9"/>
+                    </a:solidFill>
+                  </a:tcPr>
                 </a:tc>
                 <a:tc hMerge="1">
                   <a:txBody>
@@ -3283,7 +3305,11 @@
                     <a:lstStyle/>
                     <a:p/>
                   </a:txBody>
-                  <a:tcPr/>
+                  <a:tcPr>
+                    <a:solidFill>
+                      <a:srgbClr val="F2F2F2"/>
+                    </a:solidFill>
+                  </a:tcPr>
                 </a:tc>
                 <a:tc gridSpan="2">
                   <a:txBody>
@@ -3296,7 +3322,11 @@
                       </a:r>
                     </a:p>
                   </a:txBody>
-                  <a:tcPr/>
+                  <a:tcPr>
+                    <a:solidFill>
+                      <a:srgbClr val="00B1A9"/>
+                    </a:solidFill>
+                  </a:tcPr>
                 </a:tc>
                 <a:tc hMerge="1">
                   <a:txBody>
@@ -3304,7 +3334,11 @@
                     <a:lstStyle/>
                     <a:p/>
                   </a:txBody>
-                  <a:tcPr/>
+                  <a:tcPr>
+                    <a:solidFill>
+                      <a:srgbClr val="F2F2F2"/>
+                    </a:solidFill>
+                  </a:tcPr>
                 </a:tc>
               </a:tr>
               <a:tr h="182880">
@@ -3314,7 +3348,11 @@
                     <a:lstStyle/>
                     <a:p/>
                   </a:txBody>
-                  <a:tcPr/>
+                  <a:tcPr>
+                    <a:solidFill>
+                      <a:srgbClr val="F2F2F2"/>
+                    </a:solidFill>
+                  </a:tcPr>
                 </a:tc>
                 <a:tc>
                   <a:txBody>
@@ -3345,15 +3383,23 @@
                       </a:r>
                     </a:p>
                   </a:txBody>
-                  <a:tcPr/>
-                </a:tc>
-                <a:tc>
-                  <a:txBody>
-                    <a:bodyPr/>
-                    <a:lstStyle/>
-                    <a:p/>
-                  </a:txBody>
-                  <a:tcPr/>
+                  <a:tcPr>
+                    <a:solidFill>
+                      <a:srgbClr val="F2F2F2"/>
+                    </a:solidFill>
+                  </a:tcPr>
+                </a:tc>
+                <a:tc>
+                  <a:txBody>
+                    <a:bodyPr/>
+                    <a:lstStyle/>
+                    <a:p/>
+                  </a:txBody>
+                  <a:tcPr>
+                    <a:solidFill>
+                      <a:srgbClr val="F2F2F2"/>
+                    </a:solidFill>
+                  </a:tcPr>
                 </a:tc>
                 <a:tc>
                   <a:txBody>
@@ -3384,15 +3430,23 @@
                       </a:r>
                     </a:p>
                   </a:txBody>
-                  <a:tcPr/>
-                </a:tc>
-                <a:tc>
-                  <a:txBody>
-                    <a:bodyPr/>
-                    <a:lstStyle/>
-                    <a:p/>
-                  </a:txBody>
-                  <a:tcPr/>
+                  <a:tcPr>
+                    <a:solidFill>
+                      <a:srgbClr val="F2F2F2"/>
+                    </a:solidFill>
+                  </a:tcPr>
+                </a:tc>
+                <a:tc>
+                  <a:txBody>
+                    <a:bodyPr/>
+                    <a:lstStyle/>
+                    <a:p/>
+                  </a:txBody>
+                  <a:tcPr>
+                    <a:solidFill>
+                      <a:srgbClr val="F2F2F2"/>
+                    </a:solidFill>
+                  </a:tcPr>
                 </a:tc>
                 <a:tc>
                   <a:txBody>
@@ -3423,15 +3477,23 @@
                       </a:r>
                     </a:p>
                   </a:txBody>
-                  <a:tcPr/>
-                </a:tc>
-                <a:tc>
-                  <a:txBody>
-                    <a:bodyPr/>
-                    <a:lstStyle/>
-                    <a:p/>
-                  </a:txBody>
-                  <a:tcPr/>
+                  <a:tcPr>
+                    <a:solidFill>
+                      <a:srgbClr val="F2F2F2"/>
+                    </a:solidFill>
+                  </a:tcPr>
+                </a:tc>
+                <a:tc>
+                  <a:txBody>
+                    <a:bodyPr/>
+                    <a:lstStyle/>
+                    <a:p/>
+                  </a:txBody>
+                  <a:tcPr>
+                    <a:solidFill>
+                      <a:srgbClr val="F2F2F2"/>
+                    </a:solidFill>
+                  </a:tcPr>
                 </a:tc>
                 <a:tc>
                   <a:txBody>
@@ -3462,7 +3524,11 @@
                       </a:r>
                     </a:p>
                   </a:txBody>
-                  <a:tcPr/>
+                  <a:tcPr>
+                    <a:solidFill>
+                      <a:srgbClr val="F2F2F2"/>
+                    </a:solidFill>
+                  </a:tcPr>
                 </a:tc>
               </a:tr>
               <a:tr h="182880">
@@ -3472,7 +3538,11 @@
                     <a:lstStyle/>
                     <a:p/>
                   </a:txBody>
-                  <a:tcPr/>
+                  <a:tcPr>
+                    <a:solidFill>
+                      <a:srgbClr val="F2F2F2"/>
+                    </a:solidFill>
+                  </a:tcPr>
                 </a:tc>
                 <a:tc>
                   <a:txBody>
@@ -3503,15 +3573,23 @@
                       </a:r>
                     </a:p>
                   </a:txBody>
-                  <a:tcPr/>
-                </a:tc>
-                <a:tc>
-                  <a:txBody>
-                    <a:bodyPr/>
-                    <a:lstStyle/>
-                    <a:p/>
-                  </a:txBody>
-                  <a:tcPr/>
+                  <a:tcPr>
+                    <a:solidFill>
+                      <a:srgbClr val="F2F2F2"/>
+                    </a:solidFill>
+                  </a:tcPr>
+                </a:tc>
+                <a:tc>
+                  <a:txBody>
+                    <a:bodyPr/>
+                    <a:lstStyle/>
+                    <a:p/>
+                  </a:txBody>
+                  <a:tcPr>
+                    <a:solidFill>
+                      <a:srgbClr val="F2F2F2"/>
+                    </a:solidFill>
+                  </a:tcPr>
                 </a:tc>
                 <a:tc>
                   <a:txBody>
@@ -3542,15 +3620,23 @@
                       </a:r>
                     </a:p>
                   </a:txBody>
-                  <a:tcPr/>
-                </a:tc>
-                <a:tc>
-                  <a:txBody>
-                    <a:bodyPr/>
-                    <a:lstStyle/>
-                    <a:p/>
-                  </a:txBody>
-                  <a:tcPr/>
+                  <a:tcPr>
+                    <a:solidFill>
+                      <a:srgbClr val="F2F2F2"/>
+                    </a:solidFill>
+                  </a:tcPr>
+                </a:tc>
+                <a:tc>
+                  <a:txBody>
+                    <a:bodyPr/>
+                    <a:lstStyle/>
+                    <a:p/>
+                  </a:txBody>
+                  <a:tcPr>
+                    <a:solidFill>
+                      <a:srgbClr val="F2F2F2"/>
+                    </a:solidFill>
+                  </a:tcPr>
                 </a:tc>
                 <a:tc>
                   <a:txBody>
@@ -3581,15 +3667,23 @@
                       </a:r>
                     </a:p>
                   </a:txBody>
-                  <a:tcPr/>
-                </a:tc>
-                <a:tc>
-                  <a:txBody>
-                    <a:bodyPr/>
-                    <a:lstStyle/>
-                    <a:p/>
-                  </a:txBody>
-                  <a:tcPr/>
+                  <a:tcPr>
+                    <a:solidFill>
+                      <a:srgbClr val="F2F2F2"/>
+                    </a:solidFill>
+                  </a:tcPr>
+                </a:tc>
+                <a:tc>
+                  <a:txBody>
+                    <a:bodyPr/>
+                    <a:lstStyle/>
+                    <a:p/>
+                  </a:txBody>
+                  <a:tcPr>
+                    <a:solidFill>
+                      <a:srgbClr val="F2F2F2"/>
+                    </a:solidFill>
+                  </a:tcPr>
                 </a:tc>
                 <a:tc>
                   <a:txBody>
@@ -3620,7 +3714,11 @@
                       </a:r>
                     </a:p>
                   </a:txBody>
-                  <a:tcPr/>
+                  <a:tcPr>
+                    <a:solidFill>
+                      <a:srgbClr val="F2F2F2"/>
+                    </a:solidFill>
+                  </a:tcPr>
                 </a:tc>
               </a:tr>
               <a:tr h="182880">
@@ -3630,7 +3728,11 @@
                     <a:lstStyle/>
                     <a:p/>
                   </a:txBody>
-                  <a:tcPr/>
+                  <a:tcPr>
+                    <a:solidFill>
+                      <a:srgbClr val="F2F2F2"/>
+                    </a:solidFill>
+                  </a:tcPr>
                 </a:tc>
                 <a:tc>
                   <a:txBody>
@@ -3661,15 +3763,23 @@
                       </a:r>
                     </a:p>
                   </a:txBody>
-                  <a:tcPr/>
-                </a:tc>
-                <a:tc>
-                  <a:txBody>
-                    <a:bodyPr/>
-                    <a:lstStyle/>
-                    <a:p/>
-                  </a:txBody>
-                  <a:tcPr/>
+                  <a:tcPr>
+                    <a:solidFill>
+                      <a:srgbClr val="F2F2F2"/>
+                    </a:solidFill>
+                  </a:tcPr>
+                </a:tc>
+                <a:tc>
+                  <a:txBody>
+                    <a:bodyPr/>
+                    <a:lstStyle/>
+                    <a:p/>
+                  </a:txBody>
+                  <a:tcPr>
+                    <a:solidFill>
+                      <a:srgbClr val="F2F2F2"/>
+                    </a:solidFill>
+                  </a:tcPr>
                 </a:tc>
                 <a:tc>
                   <a:txBody>
@@ -3700,15 +3810,23 @@
                       </a:r>
                     </a:p>
                   </a:txBody>
-                  <a:tcPr/>
-                </a:tc>
-                <a:tc>
-                  <a:txBody>
-                    <a:bodyPr/>
-                    <a:lstStyle/>
-                    <a:p/>
-                  </a:txBody>
-                  <a:tcPr/>
+                  <a:tcPr>
+                    <a:solidFill>
+                      <a:srgbClr val="F2F2F2"/>
+                    </a:solidFill>
+                  </a:tcPr>
+                </a:tc>
+                <a:tc>
+                  <a:txBody>
+                    <a:bodyPr/>
+                    <a:lstStyle/>
+                    <a:p/>
+                  </a:txBody>
+                  <a:tcPr>
+                    <a:solidFill>
+                      <a:srgbClr val="F2F2F2"/>
+                    </a:solidFill>
+                  </a:tcPr>
                 </a:tc>
                 <a:tc>
                   <a:txBody>
@@ -3739,15 +3857,23 @@
                       </a:r>
                     </a:p>
                   </a:txBody>
-                  <a:tcPr/>
-                </a:tc>
-                <a:tc>
-                  <a:txBody>
-                    <a:bodyPr/>
-                    <a:lstStyle/>
-                    <a:p/>
-                  </a:txBody>
-                  <a:tcPr/>
+                  <a:tcPr>
+                    <a:solidFill>
+                      <a:srgbClr val="F2F2F2"/>
+                    </a:solidFill>
+                  </a:tcPr>
+                </a:tc>
+                <a:tc>
+                  <a:txBody>
+                    <a:bodyPr/>
+                    <a:lstStyle/>
+                    <a:p/>
+                  </a:txBody>
+                  <a:tcPr>
+                    <a:solidFill>
+                      <a:srgbClr val="F2F2F2"/>
+                    </a:solidFill>
+                  </a:tcPr>
                 </a:tc>
                 <a:tc>
                   <a:txBody>
@@ -3778,7 +3904,11 @@
                       </a:r>
                     </a:p>
                   </a:txBody>
-                  <a:tcPr/>
+                  <a:tcPr>
+                    <a:solidFill>
+                      <a:srgbClr val="F2F2F2"/>
+                    </a:solidFill>
+                  </a:tcPr>
                 </a:tc>
               </a:tr>
             </a:tbl>
@@ -3818,8 +3948,9 @@
           <a:bodyPr/>
           <a:lstStyle/>
           <a:p>
+            <a:pPr algn="l"/>
             <a:r>
-              <a:t>HOD .....</a:t>
+              <a:t>HEAD (Mer &amp; Acq)</a:t>
             </a:r>
           </a:p>
         </p:txBody>
@@ -3839,8 +3970,9 @@
           <a:bodyPr/>
           <a:lstStyle/>
           <a:p>
+            <a:pPr algn="l"/>
             <a:r>
-              <a:t>HOD .....</a:t>
+              <a:t>HEAD (Mer &amp; Acq)</a:t>
             </a:r>
           </a:p>
         </p:txBody>
@@ -3883,7 +4015,11 @@
                       </a:r>
                     </a:p>
                   </a:txBody>
-                  <a:tcPr/>
+                  <a:tcPr>
+                    <a:solidFill>
+                      <a:srgbClr val="00B1A9"/>
+                    </a:solidFill>
+                  </a:tcPr>
                 </a:tc>
                 <a:tc hMerge="1">
                   <a:txBody>
@@ -3891,7 +4027,11 @@
                     <a:lstStyle/>
                     <a:p/>
                   </a:txBody>
-                  <a:tcPr/>
+                  <a:tcPr>
+                    <a:solidFill>
+                      <a:srgbClr val="F2F2F2"/>
+                    </a:solidFill>
+                  </a:tcPr>
                 </a:tc>
                 <a:tc gridSpan="2">
                   <a:txBody>
@@ -3904,7 +4044,11 @@
                       </a:r>
                     </a:p>
                   </a:txBody>
-                  <a:tcPr/>
+                  <a:tcPr>
+                    <a:solidFill>
+                      <a:srgbClr val="00B1A9"/>
+                    </a:solidFill>
+                  </a:tcPr>
                 </a:tc>
                 <a:tc hMerge="1">
                   <a:txBody>
@@ -3912,7 +4056,11 @@
                     <a:lstStyle/>
                     <a:p/>
                   </a:txBody>
-                  <a:tcPr/>
+                  <a:tcPr>
+                    <a:solidFill>
+                      <a:srgbClr val="F2F2F2"/>
+                    </a:solidFill>
+                  </a:tcPr>
                 </a:tc>
                 <a:tc gridSpan="2">
                   <a:txBody>
@@ -3925,7 +4073,11 @@
                       </a:r>
                     </a:p>
                   </a:txBody>
-                  <a:tcPr/>
+                  <a:tcPr>
+                    <a:solidFill>
+                      <a:srgbClr val="00B1A9"/>
+                    </a:solidFill>
+                  </a:tcPr>
                 </a:tc>
                 <a:tc hMerge="1">
                   <a:txBody>
@@ -3933,7 +4085,11 @@
                     <a:lstStyle/>
                     <a:p/>
                   </a:txBody>
-                  <a:tcPr/>
+                  <a:tcPr>
+                    <a:solidFill>
+                      <a:srgbClr val="F2F2F2"/>
+                    </a:solidFill>
+                  </a:tcPr>
                 </a:tc>
               </a:tr>
               <a:tr h="182880">
@@ -3943,7 +4099,11 @@
                     <a:lstStyle/>
                     <a:p/>
                   </a:txBody>
-                  <a:tcPr/>
+                  <a:tcPr>
+                    <a:solidFill>
+                      <a:srgbClr val="F2F2F2"/>
+                    </a:solidFill>
+                  </a:tcPr>
                 </a:tc>
                 <a:tc>
                   <a:txBody>
@@ -3974,15 +4134,23 @@
                       </a:r>
                     </a:p>
                   </a:txBody>
-                  <a:tcPr/>
-                </a:tc>
-                <a:tc>
-                  <a:txBody>
-                    <a:bodyPr/>
-                    <a:lstStyle/>
-                    <a:p/>
-                  </a:txBody>
-                  <a:tcPr/>
+                  <a:tcPr>
+                    <a:solidFill>
+                      <a:srgbClr val="F2F2F2"/>
+                    </a:solidFill>
+                  </a:tcPr>
+                </a:tc>
+                <a:tc>
+                  <a:txBody>
+                    <a:bodyPr/>
+                    <a:lstStyle/>
+                    <a:p/>
+                  </a:txBody>
+                  <a:tcPr>
+                    <a:solidFill>
+                      <a:srgbClr val="F2F2F2"/>
+                    </a:solidFill>
+                  </a:tcPr>
                 </a:tc>
                 <a:tc>
                   <a:txBody>
@@ -4013,15 +4181,23 @@
                       </a:r>
                     </a:p>
                   </a:txBody>
-                  <a:tcPr/>
-                </a:tc>
-                <a:tc>
-                  <a:txBody>
-                    <a:bodyPr/>
-                    <a:lstStyle/>
-                    <a:p/>
-                  </a:txBody>
-                  <a:tcPr/>
+                  <a:tcPr>
+                    <a:solidFill>
+                      <a:srgbClr val="F2F2F2"/>
+                    </a:solidFill>
+                  </a:tcPr>
+                </a:tc>
+                <a:tc>
+                  <a:txBody>
+                    <a:bodyPr/>
+                    <a:lstStyle/>
+                    <a:p/>
+                  </a:txBody>
+                  <a:tcPr>
+                    <a:solidFill>
+                      <a:srgbClr val="F2F2F2"/>
+                    </a:solidFill>
+                  </a:tcPr>
                 </a:tc>
                 <a:tc>
                   <a:txBody>
@@ -4052,7 +4228,11 @@
                       </a:r>
                     </a:p>
                   </a:txBody>
-                  <a:tcPr/>
+                  <a:tcPr>
+                    <a:solidFill>
+                      <a:srgbClr val="F2F2F2"/>
+                    </a:solidFill>
+                  </a:tcPr>
                 </a:tc>
               </a:tr>
               <a:tr h="182880">
@@ -4062,7 +4242,11 @@
                     <a:lstStyle/>
                     <a:p/>
                   </a:txBody>
-                  <a:tcPr/>
+                  <a:tcPr>
+                    <a:solidFill>
+                      <a:srgbClr val="F2F2F2"/>
+                    </a:solidFill>
+                  </a:tcPr>
                 </a:tc>
                 <a:tc>
                   <a:txBody>
@@ -4093,15 +4277,23 @@
                       </a:r>
                     </a:p>
                   </a:txBody>
-                  <a:tcPr/>
-                </a:tc>
-                <a:tc>
-                  <a:txBody>
-                    <a:bodyPr/>
-                    <a:lstStyle/>
-                    <a:p/>
-                  </a:txBody>
-                  <a:tcPr/>
+                  <a:tcPr>
+                    <a:solidFill>
+                      <a:srgbClr val="F2F2F2"/>
+                    </a:solidFill>
+                  </a:tcPr>
+                </a:tc>
+                <a:tc>
+                  <a:txBody>
+                    <a:bodyPr/>
+                    <a:lstStyle/>
+                    <a:p/>
+                  </a:txBody>
+                  <a:tcPr>
+                    <a:solidFill>
+                      <a:srgbClr val="F2F2F2"/>
+                    </a:solidFill>
+                  </a:tcPr>
                 </a:tc>
                 <a:tc>
                   <a:txBody>
@@ -4132,15 +4324,23 @@
                       </a:r>
                     </a:p>
                   </a:txBody>
-                  <a:tcPr/>
-                </a:tc>
-                <a:tc>
-                  <a:txBody>
-                    <a:bodyPr/>
-                    <a:lstStyle/>
-                    <a:p/>
-                  </a:txBody>
-                  <a:tcPr/>
+                  <a:tcPr>
+                    <a:solidFill>
+                      <a:srgbClr val="F2F2F2"/>
+                    </a:solidFill>
+                  </a:tcPr>
+                </a:tc>
+                <a:tc>
+                  <a:txBody>
+                    <a:bodyPr/>
+                    <a:lstStyle/>
+                    <a:p/>
+                  </a:txBody>
+                  <a:tcPr>
+                    <a:solidFill>
+                      <a:srgbClr val="F2F2F2"/>
+                    </a:solidFill>
+                  </a:tcPr>
                 </a:tc>
                 <a:tc>
                   <a:txBody>
@@ -4171,7 +4371,11 @@
                       </a:r>
                     </a:p>
                   </a:txBody>
-                  <a:tcPr/>
+                  <a:tcPr>
+                    <a:solidFill>
+                      <a:srgbClr val="F2F2F2"/>
+                    </a:solidFill>
+                  </a:tcPr>
                 </a:tc>
               </a:tr>
               <a:tr h="182880">
@@ -4181,23 +4385,35 @@
                     <a:lstStyle/>
                     <a:p/>
                   </a:txBody>
-                  <a:tcPr/>
-                </a:tc>
-                <a:tc>
-                  <a:txBody>
-                    <a:bodyPr/>
-                    <a:lstStyle/>
-                    <a:p/>
-                  </a:txBody>
-                  <a:tcPr/>
-                </a:tc>
-                <a:tc>
-                  <a:txBody>
-                    <a:bodyPr/>
-                    <a:lstStyle/>
-                    <a:p/>
-                  </a:txBody>
-                  <a:tcPr/>
+                  <a:tcPr>
+                    <a:solidFill>
+                      <a:srgbClr val="F2F2F2"/>
+                    </a:solidFill>
+                  </a:tcPr>
+                </a:tc>
+                <a:tc>
+                  <a:txBody>
+                    <a:bodyPr/>
+                    <a:lstStyle/>
+                    <a:p/>
+                  </a:txBody>
+                  <a:tcPr>
+                    <a:solidFill>
+                      <a:srgbClr val="F2F2F2"/>
+                    </a:solidFill>
+                  </a:tcPr>
+                </a:tc>
+                <a:tc>
+                  <a:txBody>
+                    <a:bodyPr/>
+                    <a:lstStyle/>
+                    <a:p/>
+                  </a:txBody>
+                  <a:tcPr>
+                    <a:solidFill>
+                      <a:srgbClr val="F2F2F2"/>
+                    </a:solidFill>
+                  </a:tcPr>
                 </a:tc>
                 <a:tc>
                   <a:txBody>
@@ -4228,15 +4444,23 @@
                       </a:r>
                     </a:p>
                   </a:txBody>
-                  <a:tcPr/>
-                </a:tc>
-                <a:tc>
-                  <a:txBody>
-                    <a:bodyPr/>
-                    <a:lstStyle/>
-                    <a:p/>
-                  </a:txBody>
-                  <a:tcPr/>
+                  <a:tcPr>
+                    <a:solidFill>
+                      <a:srgbClr val="F2F2F2"/>
+                    </a:solidFill>
+                  </a:tcPr>
+                </a:tc>
+                <a:tc>
+                  <a:txBody>
+                    <a:bodyPr/>
+                    <a:lstStyle/>
+                    <a:p/>
+                  </a:txBody>
+                  <a:tcPr>
+                    <a:solidFill>
+                      <a:srgbClr val="F2F2F2"/>
+                    </a:solidFill>
+                  </a:tcPr>
                 </a:tc>
                 <a:tc>
                   <a:txBody>
@@ -4267,7 +4491,11 @@
                       </a:r>
                     </a:p>
                   </a:txBody>
-                  <a:tcPr/>
+                  <a:tcPr>
+                    <a:solidFill>
+                      <a:srgbClr val="F2F2F2"/>
+                    </a:solidFill>
+                  </a:tcPr>
                 </a:tc>
               </a:tr>
             </a:tbl>
@@ -4307,8 +4535,9 @@
           <a:bodyPr/>
           <a:lstStyle/>
           <a:p>
+            <a:pPr algn="l"/>
             <a:r>
-              <a:t>HOD .....</a:t>
+              <a:t>Head Basin</a:t>
             </a:r>
           </a:p>
         </p:txBody>
@@ -4328,8 +4557,9 @@
           <a:bodyPr/>
           <a:lstStyle/>
           <a:p>
+            <a:pPr algn="l"/>
             <a:r>
-              <a:t>HOD .....</a:t>
+              <a:t>Head Basin</a:t>
             </a:r>
           </a:p>
         </p:txBody>
@@ -4372,7 +4602,11 @@
                       </a:r>
                     </a:p>
                   </a:txBody>
-                  <a:tcPr/>
+                  <a:tcPr>
+                    <a:solidFill>
+                      <a:srgbClr val="00B1A9"/>
+                    </a:solidFill>
+                  </a:tcPr>
                 </a:tc>
                 <a:tc hMerge="1">
                   <a:txBody>
@@ -4380,7 +4614,11 @@
                     <a:lstStyle/>
                     <a:p/>
                   </a:txBody>
-                  <a:tcPr/>
+                  <a:tcPr>
+                    <a:solidFill>
+                      <a:srgbClr val="F2F2F2"/>
+                    </a:solidFill>
+                  </a:tcPr>
                 </a:tc>
                 <a:tc gridSpan="2">
                   <a:txBody>
@@ -4393,7 +4631,11 @@
                       </a:r>
                     </a:p>
                   </a:txBody>
-                  <a:tcPr/>
+                  <a:tcPr>
+                    <a:solidFill>
+                      <a:srgbClr val="00B1A9"/>
+                    </a:solidFill>
+                  </a:tcPr>
                 </a:tc>
                 <a:tc hMerge="1">
                   <a:txBody>
@@ -4401,7 +4643,11 @@
                     <a:lstStyle/>
                     <a:p/>
                   </a:txBody>
-                  <a:tcPr/>
+                  <a:tcPr>
+                    <a:solidFill>
+                      <a:srgbClr val="F2F2F2"/>
+                    </a:solidFill>
+                  </a:tcPr>
                 </a:tc>
                 <a:tc gridSpan="2">
                   <a:txBody>
@@ -4414,7 +4660,11 @@
                       </a:r>
                     </a:p>
                   </a:txBody>
-                  <a:tcPr/>
+                  <a:tcPr>
+                    <a:solidFill>
+                      <a:srgbClr val="00B1A9"/>
+                    </a:solidFill>
+                  </a:tcPr>
                 </a:tc>
                 <a:tc hMerge="1">
                   <a:txBody>
@@ -4422,7 +4672,11 @@
                     <a:lstStyle/>
                     <a:p/>
                   </a:txBody>
-                  <a:tcPr/>
+                  <a:tcPr>
+                    <a:solidFill>
+                      <a:srgbClr val="F2F2F2"/>
+                    </a:solidFill>
+                  </a:tcPr>
                 </a:tc>
               </a:tr>
               <a:tr h="146304">
@@ -4432,7 +4686,11 @@
                     <a:lstStyle/>
                     <a:p/>
                   </a:txBody>
-                  <a:tcPr/>
+                  <a:tcPr>
+                    <a:solidFill>
+                      <a:srgbClr val="F2F2F2"/>
+                    </a:solidFill>
+                  </a:tcPr>
                 </a:tc>
                 <a:tc>
                   <a:txBody>
@@ -4463,15 +4721,23 @@
                       </a:r>
                     </a:p>
                   </a:txBody>
-                  <a:tcPr/>
-                </a:tc>
-                <a:tc>
-                  <a:txBody>
-                    <a:bodyPr/>
-                    <a:lstStyle/>
-                    <a:p/>
-                  </a:txBody>
-                  <a:tcPr/>
+                  <a:tcPr>
+                    <a:solidFill>
+                      <a:srgbClr val="F2F2F2"/>
+                    </a:solidFill>
+                  </a:tcPr>
+                </a:tc>
+                <a:tc>
+                  <a:txBody>
+                    <a:bodyPr/>
+                    <a:lstStyle/>
+                    <a:p/>
+                  </a:txBody>
+                  <a:tcPr>
+                    <a:solidFill>
+                      <a:srgbClr val="F2F2F2"/>
+                    </a:solidFill>
+                  </a:tcPr>
                 </a:tc>
                 <a:tc>
                   <a:txBody>
@@ -4502,15 +4768,23 @@
                       </a:r>
                     </a:p>
                   </a:txBody>
-                  <a:tcPr/>
-                </a:tc>
-                <a:tc>
-                  <a:txBody>
-                    <a:bodyPr/>
-                    <a:lstStyle/>
-                    <a:p/>
-                  </a:txBody>
-                  <a:tcPr/>
+                  <a:tcPr>
+                    <a:solidFill>
+                      <a:srgbClr val="F2F2F2"/>
+                    </a:solidFill>
+                  </a:tcPr>
+                </a:tc>
+                <a:tc>
+                  <a:txBody>
+                    <a:bodyPr/>
+                    <a:lstStyle/>
+                    <a:p/>
+                  </a:txBody>
+                  <a:tcPr>
+                    <a:solidFill>
+                      <a:srgbClr val="F2F2F2"/>
+                    </a:solidFill>
+                  </a:tcPr>
                 </a:tc>
                 <a:tc>
                   <a:txBody>
@@ -4541,7 +4815,11 @@
                       </a:r>
                     </a:p>
                   </a:txBody>
-                  <a:tcPr/>
+                  <a:tcPr>
+                    <a:solidFill>
+                      <a:srgbClr val="F2F2F2"/>
+                    </a:solidFill>
+                  </a:tcPr>
                 </a:tc>
               </a:tr>
               <a:tr h="146304">
@@ -4551,7 +4829,11 @@
                     <a:lstStyle/>
                     <a:p/>
                   </a:txBody>
-                  <a:tcPr/>
+                  <a:tcPr>
+                    <a:solidFill>
+                      <a:srgbClr val="F2F2F2"/>
+                    </a:solidFill>
+                  </a:tcPr>
                 </a:tc>
                 <a:tc>
                   <a:txBody>
@@ -4582,15 +4864,23 @@
                       </a:r>
                     </a:p>
                   </a:txBody>
-                  <a:tcPr/>
-                </a:tc>
-                <a:tc>
-                  <a:txBody>
-                    <a:bodyPr/>
-                    <a:lstStyle/>
-                    <a:p/>
-                  </a:txBody>
-                  <a:tcPr/>
+                  <a:tcPr>
+                    <a:solidFill>
+                      <a:srgbClr val="F2F2F2"/>
+                    </a:solidFill>
+                  </a:tcPr>
+                </a:tc>
+                <a:tc>
+                  <a:txBody>
+                    <a:bodyPr/>
+                    <a:lstStyle/>
+                    <a:p/>
+                  </a:txBody>
+                  <a:tcPr>
+                    <a:solidFill>
+                      <a:srgbClr val="F2F2F2"/>
+                    </a:solidFill>
+                  </a:tcPr>
                 </a:tc>
                 <a:tc>
                   <a:txBody>
@@ -4621,15 +4911,23 @@
                       </a:r>
                     </a:p>
                   </a:txBody>
-                  <a:tcPr/>
-                </a:tc>
-                <a:tc>
-                  <a:txBody>
-                    <a:bodyPr/>
-                    <a:lstStyle/>
-                    <a:p/>
-                  </a:txBody>
-                  <a:tcPr/>
+                  <a:tcPr>
+                    <a:solidFill>
+                      <a:srgbClr val="F2F2F2"/>
+                    </a:solidFill>
+                  </a:tcPr>
+                </a:tc>
+                <a:tc>
+                  <a:txBody>
+                    <a:bodyPr/>
+                    <a:lstStyle/>
+                    <a:p/>
+                  </a:txBody>
+                  <a:tcPr>
+                    <a:solidFill>
+                      <a:srgbClr val="F2F2F2"/>
+                    </a:solidFill>
+                  </a:tcPr>
                 </a:tc>
                 <a:tc>
                   <a:txBody>
@@ -4660,7 +4958,11 @@
                       </a:r>
                     </a:p>
                   </a:txBody>
-                  <a:tcPr/>
+                  <a:tcPr>
+                    <a:solidFill>
+                      <a:srgbClr val="F2F2F2"/>
+                    </a:solidFill>
+                  </a:tcPr>
                 </a:tc>
               </a:tr>
               <a:tr h="146304">
@@ -4670,7 +4972,11 @@
                     <a:lstStyle/>
                     <a:p/>
                   </a:txBody>
-                  <a:tcPr/>
+                  <a:tcPr>
+                    <a:solidFill>
+                      <a:srgbClr val="F2F2F2"/>
+                    </a:solidFill>
+                  </a:tcPr>
                 </a:tc>
                 <a:tc>
                   <a:txBody>
@@ -4701,31 +5007,47 @@
                       </a:r>
                     </a:p>
                   </a:txBody>
-                  <a:tcPr/>
-                </a:tc>
-                <a:tc>
-                  <a:txBody>
-                    <a:bodyPr/>
-                    <a:lstStyle/>
-                    <a:p/>
-                  </a:txBody>
-                  <a:tcPr/>
-                </a:tc>
-                <a:tc>
-                  <a:txBody>
-                    <a:bodyPr/>
-                    <a:lstStyle/>
-                    <a:p/>
-                  </a:txBody>
-                  <a:tcPr/>
-                </a:tc>
-                <a:tc>
-                  <a:txBody>
-                    <a:bodyPr/>
-                    <a:lstStyle/>
-                    <a:p/>
-                  </a:txBody>
-                  <a:tcPr/>
+                  <a:tcPr>
+                    <a:solidFill>
+                      <a:srgbClr val="F2F2F2"/>
+                    </a:solidFill>
+                  </a:tcPr>
+                </a:tc>
+                <a:tc>
+                  <a:txBody>
+                    <a:bodyPr/>
+                    <a:lstStyle/>
+                    <a:p/>
+                  </a:txBody>
+                  <a:tcPr>
+                    <a:solidFill>
+                      <a:srgbClr val="F2F2F2"/>
+                    </a:solidFill>
+                  </a:tcPr>
+                </a:tc>
+                <a:tc>
+                  <a:txBody>
+                    <a:bodyPr/>
+                    <a:lstStyle/>
+                    <a:p/>
+                  </a:txBody>
+                  <a:tcPr>
+                    <a:solidFill>
+                      <a:srgbClr val="F2F2F2"/>
+                    </a:solidFill>
+                  </a:tcPr>
+                </a:tc>
+                <a:tc>
+                  <a:txBody>
+                    <a:bodyPr/>
+                    <a:lstStyle/>
+                    <a:p/>
+                  </a:txBody>
+                  <a:tcPr>
+                    <a:solidFill>
+                      <a:srgbClr val="F2F2F2"/>
+                    </a:solidFill>
+                  </a:tcPr>
                 </a:tc>
                 <a:tc>
                   <a:txBody>
@@ -4756,7 +5078,11 @@
                       </a:r>
                     </a:p>
                   </a:txBody>
-                  <a:tcPr/>
+                  <a:tcPr>
+                    <a:solidFill>
+                      <a:srgbClr val="F2F2F2"/>
+                    </a:solidFill>
+                  </a:tcPr>
                 </a:tc>
               </a:tr>
               <a:tr h="146304">
@@ -4766,39 +5092,59 @@
                     <a:lstStyle/>
                     <a:p/>
                   </a:txBody>
-                  <a:tcPr/>
-                </a:tc>
-                <a:tc>
-                  <a:txBody>
-                    <a:bodyPr/>
-                    <a:lstStyle/>
-                    <a:p/>
-                  </a:txBody>
-                  <a:tcPr/>
-                </a:tc>
-                <a:tc>
-                  <a:txBody>
-                    <a:bodyPr/>
-                    <a:lstStyle/>
-                    <a:p/>
-                  </a:txBody>
-                  <a:tcPr/>
-                </a:tc>
-                <a:tc>
-                  <a:txBody>
-                    <a:bodyPr/>
-                    <a:lstStyle/>
-                    <a:p/>
-                  </a:txBody>
-                  <a:tcPr/>
-                </a:tc>
-                <a:tc>
-                  <a:txBody>
-                    <a:bodyPr/>
-                    <a:lstStyle/>
-                    <a:p/>
-                  </a:txBody>
-                  <a:tcPr/>
+                  <a:tcPr>
+                    <a:solidFill>
+                      <a:srgbClr val="F2F2F2"/>
+                    </a:solidFill>
+                  </a:tcPr>
+                </a:tc>
+                <a:tc>
+                  <a:txBody>
+                    <a:bodyPr/>
+                    <a:lstStyle/>
+                    <a:p/>
+                  </a:txBody>
+                  <a:tcPr>
+                    <a:solidFill>
+                      <a:srgbClr val="F2F2F2"/>
+                    </a:solidFill>
+                  </a:tcPr>
+                </a:tc>
+                <a:tc>
+                  <a:txBody>
+                    <a:bodyPr/>
+                    <a:lstStyle/>
+                    <a:p/>
+                  </a:txBody>
+                  <a:tcPr>
+                    <a:solidFill>
+                      <a:srgbClr val="F2F2F2"/>
+                    </a:solidFill>
+                  </a:tcPr>
+                </a:tc>
+                <a:tc>
+                  <a:txBody>
+                    <a:bodyPr/>
+                    <a:lstStyle/>
+                    <a:p/>
+                  </a:txBody>
+                  <a:tcPr>
+                    <a:solidFill>
+                      <a:srgbClr val="F2F2F2"/>
+                    </a:solidFill>
+                  </a:tcPr>
+                </a:tc>
+                <a:tc>
+                  <a:txBody>
+                    <a:bodyPr/>
+                    <a:lstStyle/>
+                    <a:p/>
+                  </a:txBody>
+                  <a:tcPr>
+                    <a:solidFill>
+                      <a:srgbClr val="F2F2F2"/>
+                    </a:solidFill>
+                  </a:tcPr>
                 </a:tc>
                 <a:tc>
                   <a:txBody>
@@ -4829,7 +5175,11 @@
                       </a:r>
                     </a:p>
                   </a:txBody>
-                  <a:tcPr/>
+                  <a:tcPr>
+                    <a:solidFill>
+                      <a:srgbClr val="F2F2F2"/>
+                    </a:solidFill>
+                  </a:tcPr>
                 </a:tc>
               </a:tr>
             </a:tbl>
@@ -4869,8 +5219,9 @@
           <a:bodyPr/>
           <a:lstStyle/>
           <a:p>
+            <a:pPr algn="l"/>
             <a:r>
-              <a:t>HOD .....</a:t>
+              <a:t>Head International Ventures</a:t>
             </a:r>
           </a:p>
         </p:txBody>
@@ -4890,8 +5241,9 @@
           <a:bodyPr/>
           <a:lstStyle/>
           <a:p>
+            <a:pPr algn="l"/>
             <a:r>
-              <a:t>HOD .....</a:t>
+              <a:t>Head International Ventures</a:t>
             </a:r>
           </a:p>
         </p:txBody>
@@ -4934,7 +5286,11 @@
                       </a:r>
                     </a:p>
                   </a:txBody>
-                  <a:tcPr/>
+                  <a:tcPr>
+                    <a:solidFill>
+                      <a:srgbClr val="00B1A9"/>
+                    </a:solidFill>
+                  </a:tcPr>
                 </a:tc>
                 <a:tc hMerge="1">
                   <a:txBody>
@@ -4942,7 +5298,11 @@
                     <a:lstStyle/>
                     <a:p/>
                   </a:txBody>
-                  <a:tcPr/>
+                  <a:tcPr>
+                    <a:solidFill>
+                      <a:srgbClr val="F2F2F2"/>
+                    </a:solidFill>
+                  </a:tcPr>
                 </a:tc>
                 <a:tc gridSpan="2">
                   <a:txBody>
@@ -4955,7 +5315,11 @@
                       </a:r>
                     </a:p>
                   </a:txBody>
-                  <a:tcPr/>
+                  <a:tcPr>
+                    <a:solidFill>
+                      <a:srgbClr val="00B1A9"/>
+                    </a:solidFill>
+                  </a:tcPr>
                 </a:tc>
                 <a:tc hMerge="1">
                   <a:txBody>
@@ -4963,7 +5327,11 @@
                     <a:lstStyle/>
                     <a:p/>
                   </a:txBody>
-                  <a:tcPr/>
+                  <a:tcPr>
+                    <a:solidFill>
+                      <a:srgbClr val="F2F2F2"/>
+                    </a:solidFill>
+                  </a:tcPr>
                 </a:tc>
                 <a:tc gridSpan="2">
                   <a:txBody>
@@ -4976,7 +5344,11 @@
                       </a:r>
                     </a:p>
                   </a:txBody>
-                  <a:tcPr/>
+                  <a:tcPr>
+                    <a:solidFill>
+                      <a:srgbClr val="00B1A9"/>
+                    </a:solidFill>
+                  </a:tcPr>
                 </a:tc>
                 <a:tc hMerge="1">
                   <a:txBody>
@@ -4984,7 +5356,11 @@
                     <a:lstStyle/>
                     <a:p/>
                   </a:txBody>
-                  <a:tcPr/>
+                  <a:tcPr>
+                    <a:solidFill>
+                      <a:srgbClr val="F2F2F2"/>
+                    </a:solidFill>
+                  </a:tcPr>
                 </a:tc>
               </a:tr>
               <a:tr h="146304">
@@ -4994,7 +5370,11 @@
                     <a:lstStyle/>
                     <a:p/>
                   </a:txBody>
-                  <a:tcPr/>
+                  <a:tcPr>
+                    <a:solidFill>
+                      <a:srgbClr val="F2F2F2"/>
+                    </a:solidFill>
+                  </a:tcPr>
                 </a:tc>
                 <a:tc>
                   <a:txBody>
@@ -5025,15 +5405,23 @@
                       </a:r>
                     </a:p>
                   </a:txBody>
-                  <a:tcPr/>
-                </a:tc>
-                <a:tc>
-                  <a:txBody>
-                    <a:bodyPr/>
-                    <a:lstStyle/>
-                    <a:p/>
-                  </a:txBody>
-                  <a:tcPr/>
+                  <a:tcPr>
+                    <a:solidFill>
+                      <a:srgbClr val="F2F2F2"/>
+                    </a:solidFill>
+                  </a:tcPr>
+                </a:tc>
+                <a:tc>
+                  <a:txBody>
+                    <a:bodyPr/>
+                    <a:lstStyle/>
+                    <a:p/>
+                  </a:txBody>
+                  <a:tcPr>
+                    <a:solidFill>
+                      <a:srgbClr val="F2F2F2"/>
+                    </a:solidFill>
+                  </a:tcPr>
                 </a:tc>
                 <a:tc>
                   <a:txBody>
@@ -5064,15 +5452,23 @@
                       </a:r>
                     </a:p>
                   </a:txBody>
-                  <a:tcPr/>
-                </a:tc>
-                <a:tc>
-                  <a:txBody>
-                    <a:bodyPr/>
-                    <a:lstStyle/>
-                    <a:p/>
-                  </a:txBody>
-                  <a:tcPr/>
+                  <a:tcPr>
+                    <a:solidFill>
+                      <a:srgbClr val="F2F2F2"/>
+                    </a:solidFill>
+                  </a:tcPr>
+                </a:tc>
+                <a:tc>
+                  <a:txBody>
+                    <a:bodyPr/>
+                    <a:lstStyle/>
+                    <a:p/>
+                  </a:txBody>
+                  <a:tcPr>
+                    <a:solidFill>
+                      <a:srgbClr val="F2F2F2"/>
+                    </a:solidFill>
+                  </a:tcPr>
                 </a:tc>
                 <a:tc>
                   <a:txBody>
@@ -5103,7 +5499,11 @@
                       </a:r>
                     </a:p>
                   </a:txBody>
-                  <a:tcPr/>
+                  <a:tcPr>
+                    <a:solidFill>
+                      <a:srgbClr val="F2F2F2"/>
+                    </a:solidFill>
+                  </a:tcPr>
                 </a:tc>
               </a:tr>
               <a:tr h="146304">
@@ -5113,7 +5513,11 @@
                     <a:lstStyle/>
                     <a:p/>
                   </a:txBody>
-                  <a:tcPr/>
+                  <a:tcPr>
+                    <a:solidFill>
+                      <a:srgbClr val="F2F2F2"/>
+                    </a:solidFill>
+                  </a:tcPr>
                 </a:tc>
                 <a:tc>
                   <a:txBody>
@@ -5144,15 +5548,23 @@
                       </a:r>
                     </a:p>
                   </a:txBody>
-                  <a:tcPr/>
-                </a:tc>
-                <a:tc>
-                  <a:txBody>
-                    <a:bodyPr/>
-                    <a:lstStyle/>
-                    <a:p/>
-                  </a:txBody>
-                  <a:tcPr/>
+                  <a:tcPr>
+                    <a:solidFill>
+                      <a:srgbClr val="F2F2F2"/>
+                    </a:solidFill>
+                  </a:tcPr>
+                </a:tc>
+                <a:tc>
+                  <a:txBody>
+                    <a:bodyPr/>
+                    <a:lstStyle/>
+                    <a:p/>
+                  </a:txBody>
+                  <a:tcPr>
+                    <a:solidFill>
+                      <a:srgbClr val="F2F2F2"/>
+                    </a:solidFill>
+                  </a:tcPr>
                 </a:tc>
                 <a:tc>
                   <a:txBody>
@@ -5183,15 +5595,23 @@
                       </a:r>
                     </a:p>
                   </a:txBody>
-                  <a:tcPr/>
-                </a:tc>
-                <a:tc>
-                  <a:txBody>
-                    <a:bodyPr/>
-                    <a:lstStyle/>
-                    <a:p/>
-                  </a:txBody>
-                  <a:tcPr/>
+                  <a:tcPr>
+                    <a:solidFill>
+                      <a:srgbClr val="F2F2F2"/>
+                    </a:solidFill>
+                  </a:tcPr>
+                </a:tc>
+                <a:tc>
+                  <a:txBody>
+                    <a:bodyPr/>
+                    <a:lstStyle/>
+                    <a:p/>
+                  </a:txBody>
+                  <a:tcPr>
+                    <a:solidFill>
+                      <a:srgbClr val="F2F2F2"/>
+                    </a:solidFill>
+                  </a:tcPr>
                 </a:tc>
                 <a:tc>
                   <a:txBody>
@@ -5222,7 +5642,11 @@
                       </a:r>
                     </a:p>
                   </a:txBody>
-                  <a:tcPr/>
+                  <a:tcPr>
+                    <a:solidFill>
+                      <a:srgbClr val="F2F2F2"/>
+                    </a:solidFill>
+                  </a:tcPr>
                 </a:tc>
               </a:tr>
               <a:tr h="146304">
@@ -5232,7 +5656,11 @@
                     <a:lstStyle/>
                     <a:p/>
                   </a:txBody>
-                  <a:tcPr/>
+                  <a:tcPr>
+                    <a:solidFill>
+                      <a:srgbClr val="F2F2F2"/>
+                    </a:solidFill>
+                  </a:tcPr>
                 </a:tc>
                 <a:tc>
                   <a:txBody>
@@ -5263,15 +5691,23 @@
                       </a:r>
                     </a:p>
                   </a:txBody>
-                  <a:tcPr/>
-                </a:tc>
-                <a:tc>
-                  <a:txBody>
-                    <a:bodyPr/>
-                    <a:lstStyle/>
-                    <a:p/>
-                  </a:txBody>
-                  <a:tcPr/>
+                  <a:tcPr>
+                    <a:solidFill>
+                      <a:srgbClr val="F2F2F2"/>
+                    </a:solidFill>
+                  </a:tcPr>
+                </a:tc>
+                <a:tc>
+                  <a:txBody>
+                    <a:bodyPr/>
+                    <a:lstStyle/>
+                    <a:p/>
+                  </a:txBody>
+                  <a:tcPr>
+                    <a:solidFill>
+                      <a:srgbClr val="F2F2F2"/>
+                    </a:solidFill>
+                  </a:tcPr>
                 </a:tc>
                 <a:tc>
                   <a:txBody>
@@ -5302,15 +5738,23 @@
                       </a:r>
                     </a:p>
                   </a:txBody>
-                  <a:tcPr/>
-                </a:tc>
-                <a:tc>
-                  <a:txBody>
-                    <a:bodyPr/>
-                    <a:lstStyle/>
-                    <a:p/>
-                  </a:txBody>
-                  <a:tcPr/>
+                  <a:tcPr>
+                    <a:solidFill>
+                      <a:srgbClr val="F2F2F2"/>
+                    </a:solidFill>
+                  </a:tcPr>
+                </a:tc>
+                <a:tc>
+                  <a:txBody>
+                    <a:bodyPr/>
+                    <a:lstStyle/>
+                    <a:p/>
+                  </a:txBody>
+                  <a:tcPr>
+                    <a:solidFill>
+                      <a:srgbClr val="F2F2F2"/>
+                    </a:solidFill>
+                  </a:tcPr>
                 </a:tc>
                 <a:tc>
                   <a:txBody>
@@ -5341,7 +5785,11 @@
                       </a:r>
                     </a:p>
                   </a:txBody>
-                  <a:tcPr/>
+                  <a:tcPr>
+                    <a:solidFill>
+                      <a:srgbClr val="F2F2F2"/>
+                    </a:solidFill>
+                  </a:tcPr>
                 </a:tc>
               </a:tr>
               <a:tr h="146304">
@@ -5351,39 +5799,59 @@
                     <a:lstStyle/>
                     <a:p/>
                   </a:txBody>
-                  <a:tcPr/>
-                </a:tc>
-                <a:tc>
-                  <a:txBody>
-                    <a:bodyPr/>
-                    <a:lstStyle/>
-                    <a:p/>
-                  </a:txBody>
-                  <a:tcPr/>
-                </a:tc>
-                <a:tc>
-                  <a:txBody>
-                    <a:bodyPr/>
-                    <a:lstStyle/>
-                    <a:p/>
-                  </a:txBody>
-                  <a:tcPr/>
-                </a:tc>
-                <a:tc>
-                  <a:txBody>
-                    <a:bodyPr/>
-                    <a:lstStyle/>
-                    <a:p/>
-                  </a:txBody>
-                  <a:tcPr/>
-                </a:tc>
-                <a:tc>
-                  <a:txBody>
-                    <a:bodyPr/>
-                    <a:lstStyle/>
-                    <a:p/>
-                  </a:txBody>
-                  <a:tcPr/>
+                  <a:tcPr>
+                    <a:solidFill>
+                      <a:srgbClr val="F2F2F2"/>
+                    </a:solidFill>
+                  </a:tcPr>
+                </a:tc>
+                <a:tc>
+                  <a:txBody>
+                    <a:bodyPr/>
+                    <a:lstStyle/>
+                    <a:p/>
+                  </a:txBody>
+                  <a:tcPr>
+                    <a:solidFill>
+                      <a:srgbClr val="F2F2F2"/>
+                    </a:solidFill>
+                  </a:tcPr>
+                </a:tc>
+                <a:tc>
+                  <a:txBody>
+                    <a:bodyPr/>
+                    <a:lstStyle/>
+                    <a:p/>
+                  </a:txBody>
+                  <a:tcPr>
+                    <a:solidFill>
+                      <a:srgbClr val="F2F2F2"/>
+                    </a:solidFill>
+                  </a:tcPr>
+                </a:tc>
+                <a:tc>
+                  <a:txBody>
+                    <a:bodyPr/>
+                    <a:lstStyle/>
+                    <a:p/>
+                  </a:txBody>
+                  <a:tcPr>
+                    <a:solidFill>
+                      <a:srgbClr val="F2F2F2"/>
+                    </a:solidFill>
+                  </a:tcPr>
+                </a:tc>
+                <a:tc>
+                  <a:txBody>
+                    <a:bodyPr/>
+                    <a:lstStyle/>
+                    <a:p/>
+                  </a:txBody>
+                  <a:tcPr>
+                    <a:solidFill>
+                      <a:srgbClr val="F2F2F2"/>
+                    </a:solidFill>
+                  </a:tcPr>
                 </a:tc>
                 <a:tc>
                   <a:txBody>
@@ -5414,7 +5882,11 @@
                       </a:r>
                     </a:p>
                   </a:txBody>
-                  <a:tcPr/>
+                  <a:tcPr>
+                    <a:solidFill>
+                      <a:srgbClr val="F2F2F2"/>
+                    </a:solidFill>
+                  </a:tcPr>
                 </a:tc>
               </a:tr>
             </a:tbl>
@@ -5454,8 +5926,9 @@
           <a:bodyPr/>
           <a:lstStyle/>
           <a:p>
+            <a:pPr algn="l"/>
             <a:r>
-              <a:t>HOD .....</a:t>
+              <a:t>Head Malaysia Ventures</a:t>
             </a:r>
           </a:p>
         </p:txBody>
@@ -5475,8 +5948,9 @@
           <a:bodyPr/>
           <a:lstStyle/>
           <a:p>
+            <a:pPr algn="l"/>
             <a:r>
-              <a:t>HOD .....</a:t>
+              <a:t>Head Malaysia Ventures</a:t>
             </a:r>
           </a:p>
         </p:txBody>
@@ -5519,7 +5993,11 @@
                       </a:r>
                     </a:p>
                   </a:txBody>
-                  <a:tcPr/>
+                  <a:tcPr>
+                    <a:solidFill>
+                      <a:srgbClr val="00B1A9"/>
+                    </a:solidFill>
+                  </a:tcPr>
                 </a:tc>
                 <a:tc hMerge="1">
                   <a:txBody>
@@ -5527,7 +6005,11 @@
                     <a:lstStyle/>
                     <a:p/>
                   </a:txBody>
-                  <a:tcPr/>
+                  <a:tcPr>
+                    <a:solidFill>
+                      <a:srgbClr val="F2F2F2"/>
+                    </a:solidFill>
+                  </a:tcPr>
                 </a:tc>
                 <a:tc gridSpan="2">
                   <a:txBody>
@@ -5540,7 +6022,11 @@
                       </a:r>
                     </a:p>
                   </a:txBody>
-                  <a:tcPr/>
+                  <a:tcPr>
+                    <a:solidFill>
+                      <a:srgbClr val="00B1A9"/>
+                    </a:solidFill>
+                  </a:tcPr>
                 </a:tc>
                 <a:tc hMerge="1">
                   <a:txBody>
@@ -5548,7 +6034,11 @@
                     <a:lstStyle/>
                     <a:p/>
                   </a:txBody>
-                  <a:tcPr/>
+                  <a:tcPr>
+                    <a:solidFill>
+                      <a:srgbClr val="F2F2F2"/>
+                    </a:solidFill>
+                  </a:tcPr>
                 </a:tc>
                 <a:tc gridSpan="2">
                   <a:txBody>
@@ -5561,7 +6051,11 @@
                       </a:r>
                     </a:p>
                   </a:txBody>
-                  <a:tcPr/>
+                  <a:tcPr>
+                    <a:solidFill>
+                      <a:srgbClr val="00B1A9"/>
+                    </a:solidFill>
+                  </a:tcPr>
                 </a:tc>
                 <a:tc hMerge="1">
                   <a:txBody>
@@ -5569,7 +6063,11 @@
                     <a:lstStyle/>
                     <a:p/>
                   </a:txBody>
-                  <a:tcPr/>
+                  <a:tcPr>
+                    <a:solidFill>
+                      <a:srgbClr val="F2F2F2"/>
+                    </a:solidFill>
+                  </a:tcPr>
                 </a:tc>
               </a:tr>
               <a:tr h="146304">
@@ -5579,7 +6077,11 @@
                     <a:lstStyle/>
                     <a:p/>
                   </a:txBody>
-                  <a:tcPr/>
+                  <a:tcPr>
+                    <a:solidFill>
+                      <a:srgbClr val="F2F2F2"/>
+                    </a:solidFill>
+                  </a:tcPr>
                 </a:tc>
                 <a:tc>
                   <a:txBody>
@@ -5610,15 +6112,23 @@
                       </a:r>
                     </a:p>
                   </a:txBody>
-                  <a:tcPr/>
-                </a:tc>
-                <a:tc>
-                  <a:txBody>
-                    <a:bodyPr/>
-                    <a:lstStyle/>
-                    <a:p/>
-                  </a:txBody>
-                  <a:tcPr/>
+                  <a:tcPr>
+                    <a:solidFill>
+                      <a:srgbClr val="F2F2F2"/>
+                    </a:solidFill>
+                  </a:tcPr>
+                </a:tc>
+                <a:tc>
+                  <a:txBody>
+                    <a:bodyPr/>
+                    <a:lstStyle/>
+                    <a:p/>
+                  </a:txBody>
+                  <a:tcPr>
+                    <a:solidFill>
+                      <a:srgbClr val="F2F2F2"/>
+                    </a:solidFill>
+                  </a:tcPr>
                 </a:tc>
                 <a:tc>
                   <a:txBody>
@@ -5649,15 +6159,23 @@
                       </a:r>
                     </a:p>
                   </a:txBody>
-                  <a:tcPr/>
-                </a:tc>
-                <a:tc>
-                  <a:txBody>
-                    <a:bodyPr/>
-                    <a:lstStyle/>
-                    <a:p/>
-                  </a:txBody>
-                  <a:tcPr/>
+                  <a:tcPr>
+                    <a:solidFill>
+                      <a:srgbClr val="F2F2F2"/>
+                    </a:solidFill>
+                  </a:tcPr>
+                </a:tc>
+                <a:tc>
+                  <a:txBody>
+                    <a:bodyPr/>
+                    <a:lstStyle/>
+                    <a:p/>
+                  </a:txBody>
+                  <a:tcPr>
+                    <a:solidFill>
+                      <a:srgbClr val="F2F2F2"/>
+                    </a:solidFill>
+                  </a:tcPr>
                 </a:tc>
                 <a:tc>
                   <a:txBody>
@@ -5688,7 +6206,11 @@
                       </a:r>
                     </a:p>
                   </a:txBody>
-                  <a:tcPr/>
+                  <a:tcPr>
+                    <a:solidFill>
+                      <a:srgbClr val="F2F2F2"/>
+                    </a:solidFill>
+                  </a:tcPr>
                 </a:tc>
               </a:tr>
               <a:tr h="146304">
@@ -5698,7 +6220,11 @@
                     <a:lstStyle/>
                     <a:p/>
                   </a:txBody>
-                  <a:tcPr/>
+                  <a:tcPr>
+                    <a:solidFill>
+                      <a:srgbClr val="F2F2F2"/>
+                    </a:solidFill>
+                  </a:tcPr>
                 </a:tc>
                 <a:tc>
                   <a:txBody>
@@ -5729,15 +6255,23 @@
                       </a:r>
                     </a:p>
                   </a:txBody>
-                  <a:tcPr/>
-                </a:tc>
-                <a:tc>
-                  <a:txBody>
-                    <a:bodyPr/>
-                    <a:lstStyle/>
-                    <a:p/>
-                  </a:txBody>
-                  <a:tcPr/>
+                  <a:tcPr>
+                    <a:solidFill>
+                      <a:srgbClr val="F2F2F2"/>
+                    </a:solidFill>
+                  </a:tcPr>
+                </a:tc>
+                <a:tc>
+                  <a:txBody>
+                    <a:bodyPr/>
+                    <a:lstStyle/>
+                    <a:p/>
+                  </a:txBody>
+                  <a:tcPr>
+                    <a:solidFill>
+                      <a:srgbClr val="F2F2F2"/>
+                    </a:solidFill>
+                  </a:tcPr>
                 </a:tc>
                 <a:tc>
                   <a:txBody>
@@ -5768,15 +6302,23 @@
                       </a:r>
                     </a:p>
                   </a:txBody>
-                  <a:tcPr/>
-                </a:tc>
-                <a:tc>
-                  <a:txBody>
-                    <a:bodyPr/>
-                    <a:lstStyle/>
-                    <a:p/>
-                  </a:txBody>
-                  <a:tcPr/>
+                  <a:tcPr>
+                    <a:solidFill>
+                      <a:srgbClr val="F2F2F2"/>
+                    </a:solidFill>
+                  </a:tcPr>
+                </a:tc>
+                <a:tc>
+                  <a:txBody>
+                    <a:bodyPr/>
+                    <a:lstStyle/>
+                    <a:p/>
+                  </a:txBody>
+                  <a:tcPr>
+                    <a:solidFill>
+                      <a:srgbClr val="F2F2F2"/>
+                    </a:solidFill>
+                  </a:tcPr>
                 </a:tc>
                 <a:tc>
                   <a:txBody>
@@ -5807,7 +6349,11 @@
                       </a:r>
                     </a:p>
                   </a:txBody>
-                  <a:tcPr/>
+                  <a:tcPr>
+                    <a:solidFill>
+                      <a:srgbClr val="F2F2F2"/>
+                    </a:solidFill>
+                  </a:tcPr>
                 </a:tc>
               </a:tr>
               <a:tr h="146304">
@@ -5817,7 +6363,11 @@
                     <a:lstStyle/>
                     <a:p/>
                   </a:txBody>
-                  <a:tcPr/>
+                  <a:tcPr>
+                    <a:solidFill>
+                      <a:srgbClr val="F2F2F2"/>
+                    </a:solidFill>
+                  </a:tcPr>
                 </a:tc>
                 <a:tc>
                   <a:txBody>
@@ -5848,15 +6398,23 @@
                       </a:r>
                     </a:p>
                   </a:txBody>
-                  <a:tcPr/>
-                </a:tc>
-                <a:tc>
-                  <a:txBody>
-                    <a:bodyPr/>
-                    <a:lstStyle/>
-                    <a:p/>
-                  </a:txBody>
-                  <a:tcPr/>
+                  <a:tcPr>
+                    <a:solidFill>
+                      <a:srgbClr val="F2F2F2"/>
+                    </a:solidFill>
+                  </a:tcPr>
+                </a:tc>
+                <a:tc>
+                  <a:txBody>
+                    <a:bodyPr/>
+                    <a:lstStyle/>
+                    <a:p/>
+                  </a:txBody>
+                  <a:tcPr>
+                    <a:solidFill>
+                      <a:srgbClr val="F2F2F2"/>
+                    </a:solidFill>
+                  </a:tcPr>
                 </a:tc>
                 <a:tc>
                   <a:txBody>
@@ -5887,15 +6445,23 @@
                       </a:r>
                     </a:p>
                   </a:txBody>
-                  <a:tcPr/>
-                </a:tc>
-                <a:tc>
-                  <a:txBody>
-                    <a:bodyPr/>
-                    <a:lstStyle/>
-                    <a:p/>
-                  </a:txBody>
-                  <a:tcPr/>
+                  <a:tcPr>
+                    <a:solidFill>
+                      <a:srgbClr val="F2F2F2"/>
+                    </a:solidFill>
+                  </a:tcPr>
+                </a:tc>
+                <a:tc>
+                  <a:txBody>
+                    <a:bodyPr/>
+                    <a:lstStyle/>
+                    <a:p/>
+                  </a:txBody>
+                  <a:tcPr>
+                    <a:solidFill>
+                      <a:srgbClr val="F2F2F2"/>
+                    </a:solidFill>
+                  </a:tcPr>
                 </a:tc>
                 <a:tc>
                   <a:txBody>
@@ -5926,7 +6492,11 @@
                       </a:r>
                     </a:p>
                   </a:txBody>
-                  <a:tcPr/>
+                  <a:tcPr>
+                    <a:solidFill>
+                      <a:srgbClr val="F2F2F2"/>
+                    </a:solidFill>
+                  </a:tcPr>
                 </a:tc>
               </a:tr>
               <a:tr h="146304">
@@ -5936,39 +6506,59 @@
                     <a:lstStyle/>
                     <a:p/>
                   </a:txBody>
-                  <a:tcPr/>
-                </a:tc>
-                <a:tc>
-                  <a:txBody>
-                    <a:bodyPr/>
-                    <a:lstStyle/>
-                    <a:p/>
-                  </a:txBody>
-                  <a:tcPr/>
-                </a:tc>
-                <a:tc>
-                  <a:txBody>
-                    <a:bodyPr/>
-                    <a:lstStyle/>
-                    <a:p/>
-                  </a:txBody>
-                  <a:tcPr/>
-                </a:tc>
-                <a:tc>
-                  <a:txBody>
-                    <a:bodyPr/>
-                    <a:lstStyle/>
-                    <a:p/>
-                  </a:txBody>
-                  <a:tcPr/>
-                </a:tc>
-                <a:tc>
-                  <a:txBody>
-                    <a:bodyPr/>
-                    <a:lstStyle/>
-                    <a:p/>
-                  </a:txBody>
-                  <a:tcPr/>
+                  <a:tcPr>
+                    <a:solidFill>
+                      <a:srgbClr val="F2F2F2"/>
+                    </a:solidFill>
+                  </a:tcPr>
+                </a:tc>
+                <a:tc>
+                  <a:txBody>
+                    <a:bodyPr/>
+                    <a:lstStyle/>
+                    <a:p/>
+                  </a:txBody>
+                  <a:tcPr>
+                    <a:solidFill>
+                      <a:srgbClr val="F2F2F2"/>
+                    </a:solidFill>
+                  </a:tcPr>
+                </a:tc>
+                <a:tc>
+                  <a:txBody>
+                    <a:bodyPr/>
+                    <a:lstStyle/>
+                    <a:p/>
+                  </a:txBody>
+                  <a:tcPr>
+                    <a:solidFill>
+                      <a:srgbClr val="F2F2F2"/>
+                    </a:solidFill>
+                  </a:tcPr>
+                </a:tc>
+                <a:tc>
+                  <a:txBody>
+                    <a:bodyPr/>
+                    <a:lstStyle/>
+                    <a:p/>
+                  </a:txBody>
+                  <a:tcPr>
+                    <a:solidFill>
+                      <a:srgbClr val="F2F2F2"/>
+                    </a:solidFill>
+                  </a:tcPr>
+                </a:tc>
+                <a:tc>
+                  <a:txBody>
+                    <a:bodyPr/>
+                    <a:lstStyle/>
+                    <a:p/>
+                  </a:txBody>
+                  <a:tcPr>
+                    <a:solidFill>
+                      <a:srgbClr val="F2F2F2"/>
+                    </a:solidFill>
+                  </a:tcPr>
                 </a:tc>
                 <a:tc>
                   <a:txBody>
@@ -5999,7 +6589,11 @@
                       </a:r>
                     </a:p>
                   </a:txBody>
-                  <a:tcPr/>
+                  <a:tcPr>
+                    <a:solidFill>
+                      <a:srgbClr val="F2F2F2"/>
+                    </a:solidFill>
+                  </a:tcPr>
                 </a:tc>
               </a:tr>
             </a:tbl>
@@ -6039,8 +6633,9 @@
           <a:bodyPr/>
           <a:lstStyle/>
           <a:p>
+            <a:pPr algn="l"/>
             <a:r>
-              <a:t>HOD .....</a:t>
+              <a:t>Head Technical Assurance</a:t>
             </a:r>
           </a:p>
         </p:txBody>
@@ -6060,8 +6655,9 @@
           <a:bodyPr/>
           <a:lstStyle/>
           <a:p>
+            <a:pPr algn="l"/>
             <a:r>
-              <a:t>HOD .....</a:t>
+              <a:t>Head Technical Assurance</a:t>
             </a:r>
           </a:p>
         </p:txBody>
@@ -6104,7 +6700,11 @@
                       </a:r>
                     </a:p>
                   </a:txBody>
-                  <a:tcPr/>
+                  <a:tcPr>
+                    <a:solidFill>
+                      <a:srgbClr val="00B1A9"/>
+                    </a:solidFill>
+                  </a:tcPr>
                 </a:tc>
                 <a:tc hMerge="1">
                   <a:txBody>
@@ -6112,7 +6712,11 @@
                     <a:lstStyle/>
                     <a:p/>
                   </a:txBody>
-                  <a:tcPr/>
+                  <a:tcPr>
+                    <a:solidFill>
+                      <a:srgbClr val="F2F2F2"/>
+                    </a:solidFill>
+                  </a:tcPr>
                 </a:tc>
                 <a:tc gridSpan="2">
                   <a:txBody>
@@ -6125,7 +6729,11 @@
                       </a:r>
                     </a:p>
                   </a:txBody>
-                  <a:tcPr/>
+                  <a:tcPr>
+                    <a:solidFill>
+                      <a:srgbClr val="00B1A9"/>
+                    </a:solidFill>
+                  </a:tcPr>
                 </a:tc>
                 <a:tc hMerge="1">
                   <a:txBody>
@@ -6133,7 +6741,11 @@
                     <a:lstStyle/>
                     <a:p/>
                   </a:txBody>
-                  <a:tcPr/>
+                  <a:tcPr>
+                    <a:solidFill>
+                      <a:srgbClr val="F2F2F2"/>
+                    </a:solidFill>
+                  </a:tcPr>
                 </a:tc>
                 <a:tc gridSpan="2">
                   <a:txBody>
@@ -6146,7 +6758,11 @@
                       </a:r>
                     </a:p>
                   </a:txBody>
-                  <a:tcPr/>
+                  <a:tcPr>
+                    <a:solidFill>
+                      <a:srgbClr val="00B1A9"/>
+                    </a:solidFill>
+                  </a:tcPr>
                 </a:tc>
                 <a:tc hMerge="1">
                   <a:txBody>
@@ -6154,7 +6770,11 @@
                     <a:lstStyle/>
                     <a:p/>
                   </a:txBody>
-                  <a:tcPr/>
+                  <a:tcPr>
+                    <a:solidFill>
+                      <a:srgbClr val="F2F2F2"/>
+                    </a:solidFill>
+                  </a:tcPr>
                 </a:tc>
               </a:tr>
               <a:tr h="146304">
@@ -6164,7 +6784,11 @@
                     <a:lstStyle/>
                     <a:p/>
                   </a:txBody>
-                  <a:tcPr/>
+                  <a:tcPr>
+                    <a:solidFill>
+                      <a:srgbClr val="F2F2F2"/>
+                    </a:solidFill>
+                  </a:tcPr>
                 </a:tc>
                 <a:tc>
                   <a:txBody>
@@ -6195,15 +6819,23 @@
                       </a:r>
                     </a:p>
                   </a:txBody>
-                  <a:tcPr/>
-                </a:tc>
-                <a:tc>
-                  <a:txBody>
-                    <a:bodyPr/>
-                    <a:lstStyle/>
-                    <a:p/>
-                  </a:txBody>
-                  <a:tcPr/>
+                  <a:tcPr>
+                    <a:solidFill>
+                      <a:srgbClr val="F2F2F2"/>
+                    </a:solidFill>
+                  </a:tcPr>
+                </a:tc>
+                <a:tc>
+                  <a:txBody>
+                    <a:bodyPr/>
+                    <a:lstStyle/>
+                    <a:p/>
+                  </a:txBody>
+                  <a:tcPr>
+                    <a:solidFill>
+                      <a:srgbClr val="F2F2F2"/>
+                    </a:solidFill>
+                  </a:tcPr>
                 </a:tc>
                 <a:tc>
                   <a:txBody>
@@ -6234,15 +6866,23 @@
                       </a:r>
                     </a:p>
                   </a:txBody>
-                  <a:tcPr/>
-                </a:tc>
-                <a:tc>
-                  <a:txBody>
-                    <a:bodyPr/>
-                    <a:lstStyle/>
-                    <a:p/>
-                  </a:txBody>
-                  <a:tcPr/>
+                  <a:tcPr>
+                    <a:solidFill>
+                      <a:srgbClr val="F2F2F2"/>
+                    </a:solidFill>
+                  </a:tcPr>
+                </a:tc>
+                <a:tc>
+                  <a:txBody>
+                    <a:bodyPr/>
+                    <a:lstStyle/>
+                    <a:p/>
+                  </a:txBody>
+                  <a:tcPr>
+                    <a:solidFill>
+                      <a:srgbClr val="F2F2F2"/>
+                    </a:solidFill>
+                  </a:tcPr>
                 </a:tc>
                 <a:tc>
                   <a:txBody>
@@ -6273,7 +6913,11 @@
                       </a:r>
                     </a:p>
                   </a:txBody>
-                  <a:tcPr/>
+                  <a:tcPr>
+                    <a:solidFill>
+                      <a:srgbClr val="F2F2F2"/>
+                    </a:solidFill>
+                  </a:tcPr>
                 </a:tc>
               </a:tr>
               <a:tr h="146304">
@@ -6283,7 +6927,11 @@
                     <a:lstStyle/>
                     <a:p/>
                   </a:txBody>
-                  <a:tcPr/>
+                  <a:tcPr>
+                    <a:solidFill>
+                      <a:srgbClr val="F2F2F2"/>
+                    </a:solidFill>
+                  </a:tcPr>
                 </a:tc>
                 <a:tc>
                   <a:txBody>
@@ -6314,15 +6962,23 @@
                       </a:r>
                     </a:p>
                   </a:txBody>
-                  <a:tcPr/>
-                </a:tc>
-                <a:tc>
-                  <a:txBody>
-                    <a:bodyPr/>
-                    <a:lstStyle/>
-                    <a:p/>
-                  </a:txBody>
-                  <a:tcPr/>
+                  <a:tcPr>
+                    <a:solidFill>
+                      <a:srgbClr val="F2F2F2"/>
+                    </a:solidFill>
+                  </a:tcPr>
+                </a:tc>
+                <a:tc>
+                  <a:txBody>
+                    <a:bodyPr/>
+                    <a:lstStyle/>
+                    <a:p/>
+                  </a:txBody>
+                  <a:tcPr>
+                    <a:solidFill>
+                      <a:srgbClr val="F2F2F2"/>
+                    </a:solidFill>
+                  </a:tcPr>
                 </a:tc>
                 <a:tc>
                   <a:txBody>
@@ -6353,15 +7009,23 @@
                       </a:r>
                     </a:p>
                   </a:txBody>
-                  <a:tcPr/>
-                </a:tc>
-                <a:tc>
-                  <a:txBody>
-                    <a:bodyPr/>
-                    <a:lstStyle/>
-                    <a:p/>
-                  </a:txBody>
-                  <a:tcPr/>
+                  <a:tcPr>
+                    <a:solidFill>
+                      <a:srgbClr val="F2F2F2"/>
+                    </a:solidFill>
+                  </a:tcPr>
+                </a:tc>
+                <a:tc>
+                  <a:txBody>
+                    <a:bodyPr/>
+                    <a:lstStyle/>
+                    <a:p/>
+                  </a:txBody>
+                  <a:tcPr>
+                    <a:solidFill>
+                      <a:srgbClr val="F2F2F2"/>
+                    </a:solidFill>
+                  </a:tcPr>
                 </a:tc>
                 <a:tc>
                   <a:txBody>
@@ -6392,7 +7056,11 @@
                       </a:r>
                     </a:p>
                   </a:txBody>
-                  <a:tcPr/>
+                  <a:tcPr>
+                    <a:solidFill>
+                      <a:srgbClr val="F2F2F2"/>
+                    </a:solidFill>
+                  </a:tcPr>
                 </a:tc>
               </a:tr>
               <a:tr h="146304">
@@ -6402,7 +7070,11 @@
                     <a:lstStyle/>
                     <a:p/>
                   </a:txBody>
-                  <a:tcPr/>
+                  <a:tcPr>
+                    <a:solidFill>
+                      <a:srgbClr val="F2F2F2"/>
+                    </a:solidFill>
+                  </a:tcPr>
                 </a:tc>
                 <a:tc>
                   <a:txBody>
@@ -6433,15 +7105,23 @@
                       </a:r>
                     </a:p>
                   </a:txBody>
-                  <a:tcPr/>
-                </a:tc>
-                <a:tc>
-                  <a:txBody>
-                    <a:bodyPr/>
-                    <a:lstStyle/>
-                    <a:p/>
-                  </a:txBody>
-                  <a:tcPr/>
+                  <a:tcPr>
+                    <a:solidFill>
+                      <a:srgbClr val="F2F2F2"/>
+                    </a:solidFill>
+                  </a:tcPr>
+                </a:tc>
+                <a:tc>
+                  <a:txBody>
+                    <a:bodyPr/>
+                    <a:lstStyle/>
+                    <a:p/>
+                  </a:txBody>
+                  <a:tcPr>
+                    <a:solidFill>
+                      <a:srgbClr val="F2F2F2"/>
+                    </a:solidFill>
+                  </a:tcPr>
                 </a:tc>
                 <a:tc>
                   <a:txBody>
@@ -6472,15 +7152,23 @@
                       </a:r>
                     </a:p>
                   </a:txBody>
-                  <a:tcPr/>
-                </a:tc>
-                <a:tc>
-                  <a:txBody>
-                    <a:bodyPr/>
-                    <a:lstStyle/>
-                    <a:p/>
-                  </a:txBody>
-                  <a:tcPr/>
+                  <a:tcPr>
+                    <a:solidFill>
+                      <a:srgbClr val="F2F2F2"/>
+                    </a:solidFill>
+                  </a:tcPr>
+                </a:tc>
+                <a:tc>
+                  <a:txBody>
+                    <a:bodyPr/>
+                    <a:lstStyle/>
+                    <a:p/>
+                  </a:txBody>
+                  <a:tcPr>
+                    <a:solidFill>
+                      <a:srgbClr val="F2F2F2"/>
+                    </a:solidFill>
+                  </a:tcPr>
                 </a:tc>
                 <a:tc>
                   <a:txBody>
@@ -6511,7 +7199,11 @@
                       </a:r>
                     </a:p>
                   </a:txBody>
-                  <a:tcPr/>
+                  <a:tcPr>
+                    <a:solidFill>
+                      <a:srgbClr val="F2F2F2"/>
+                    </a:solidFill>
+                  </a:tcPr>
                 </a:tc>
               </a:tr>
               <a:tr h="146304">
@@ -6521,39 +7213,59 @@
                     <a:lstStyle/>
                     <a:p/>
                   </a:txBody>
-                  <a:tcPr/>
-                </a:tc>
-                <a:tc>
-                  <a:txBody>
-                    <a:bodyPr/>
-                    <a:lstStyle/>
-                    <a:p/>
-                  </a:txBody>
-                  <a:tcPr/>
-                </a:tc>
-                <a:tc>
-                  <a:txBody>
-                    <a:bodyPr/>
-                    <a:lstStyle/>
-                    <a:p/>
-                  </a:txBody>
-                  <a:tcPr/>
-                </a:tc>
-                <a:tc>
-                  <a:txBody>
-                    <a:bodyPr/>
-                    <a:lstStyle/>
-                    <a:p/>
-                  </a:txBody>
-                  <a:tcPr/>
-                </a:tc>
-                <a:tc>
-                  <a:txBody>
-                    <a:bodyPr/>
-                    <a:lstStyle/>
-                    <a:p/>
-                  </a:txBody>
-                  <a:tcPr/>
+                  <a:tcPr>
+                    <a:solidFill>
+                      <a:srgbClr val="F2F2F2"/>
+                    </a:solidFill>
+                  </a:tcPr>
+                </a:tc>
+                <a:tc>
+                  <a:txBody>
+                    <a:bodyPr/>
+                    <a:lstStyle/>
+                    <a:p/>
+                  </a:txBody>
+                  <a:tcPr>
+                    <a:solidFill>
+                      <a:srgbClr val="F2F2F2"/>
+                    </a:solidFill>
+                  </a:tcPr>
+                </a:tc>
+                <a:tc>
+                  <a:txBody>
+                    <a:bodyPr/>
+                    <a:lstStyle/>
+                    <a:p/>
+                  </a:txBody>
+                  <a:tcPr>
+                    <a:solidFill>
+                      <a:srgbClr val="F2F2F2"/>
+                    </a:solidFill>
+                  </a:tcPr>
+                </a:tc>
+                <a:tc>
+                  <a:txBody>
+                    <a:bodyPr/>
+                    <a:lstStyle/>
+                    <a:p/>
+                  </a:txBody>
+                  <a:tcPr>
+                    <a:solidFill>
+                      <a:srgbClr val="F2F2F2"/>
+                    </a:solidFill>
+                  </a:tcPr>
+                </a:tc>
+                <a:tc>
+                  <a:txBody>
+                    <a:bodyPr/>
+                    <a:lstStyle/>
+                    <a:p/>
+                  </a:txBody>
+                  <a:tcPr>
+                    <a:solidFill>
+                      <a:srgbClr val="F2F2F2"/>
+                    </a:solidFill>
+                  </a:tcPr>
                 </a:tc>
                 <a:tc>
                   <a:txBody>
@@ -6584,7 +7296,11 @@
                       </a:r>
                     </a:p>
                   </a:txBody>
-                  <a:tcPr/>
+                  <a:tcPr>
+                    <a:solidFill>
+                      <a:srgbClr val="F2F2F2"/>
+                    </a:solidFill>
+                  </a:tcPr>
                 </a:tc>
               </a:tr>
             </a:tbl>

--- a/createsp.pptx
+++ b/createsp.pptx
@@ -3111,7 +3111,7 @@
           <a:lstStyle/>
           <a:p>
             <a:r>
-              <a:t>Title</a:t>
+              <a:t>sp-ptc1-2020</a:t>
             </a:r>
           </a:p>
         </p:txBody>
@@ -3231,7 +3231,7 @@
                     <a:p>
                       <a:r>
                         <a:rPr sz="1000"/>
-                        <a:t>0</a:t>
+                        <a:t>1st Line</a:t>
                       </a:r>
                     </a:p>
                   </a:txBody>
@@ -3260,7 +3260,7 @@
                     <a:p>
                       <a:r>
                         <a:rPr sz="1000"/>
-                        <a:t>1</a:t>
+                        <a:t>2nd Line</a:t>
                       </a:r>
                     </a:p>
                   </a:txBody>
@@ -3289,7 +3289,7 @@
                     <a:p>
                       <a:r>
                         <a:rPr sz="1000"/>
-                        <a:t>2</a:t>
+                        <a:t>3rd Line</a:t>
                       </a:r>
                     </a:p>
                   </a:txBody>
@@ -3318,7 +3318,7 @@
                     <a:p>
                       <a:r>
                         <a:rPr sz="1000"/>
-                        <a:t>2</a:t>
+                        <a:t>3rd Line</a:t>
                       </a:r>
                     </a:p>
                   </a:txBody>
@@ -3915,6 +3915,30 @@
           </a:graphicData>
         </a:graphic>
       </p:graphicFrame>
+      <p:pic>
+        <p:nvPicPr>
+          <p:cNvPr id="5" name="Picture 4" descr="image.jpg"/>
+          <p:cNvPicPr>
+            <a:picLocks noChangeAspect="1"/>
+          </p:cNvPicPr>
+          <p:nvPr/>
+        </p:nvPicPr>
+        <p:blipFill>
+          <a:blip r:embed="rId2"/>
+          <a:stretch>
+            <a:fillRect/>
+          </a:stretch>
+        </p:blipFill>
+        <p:spPr>
+          <a:xfrm>
+            <a:off x="914400" y="914400"/>
+            <a:ext cx="1905000" cy="1905000"/>
+          </a:xfrm>
+          <a:prstGeom prst="rect">
+            <a:avLst/>
+          </a:prstGeom>
+        </p:spPr>
+      </p:pic>
     </p:spTree>
   </p:cSld>
   <p:clrMapOvr>
@@ -4011,7 +4035,7 @@
                     <a:p>
                       <a:r>
                         <a:rPr sz="1000"/>
-                        <a:t>0</a:t>
+                        <a:t>1st Line</a:t>
                       </a:r>
                     </a:p>
                   </a:txBody>
@@ -4040,7 +4064,7 @@
                     <a:p>
                       <a:r>
                         <a:rPr sz="1000"/>
-                        <a:t>1</a:t>
+                        <a:t>2nd Line</a:t>
                       </a:r>
                     </a:p>
                   </a:txBody>
@@ -4069,7 +4093,7 @@
                     <a:p>
                       <a:r>
                         <a:rPr sz="1000"/>
-                        <a:t>2</a:t>
+                        <a:t>3rd Line</a:t>
                       </a:r>
                     </a:p>
                   </a:txBody>
@@ -4502,6 +4526,30 @@
           </a:graphicData>
         </a:graphic>
       </p:graphicFrame>
+      <p:pic>
+        <p:nvPicPr>
+          <p:cNvPr id="5" name="Picture 4" descr="image.jpg"/>
+          <p:cNvPicPr>
+            <a:picLocks noChangeAspect="1"/>
+          </p:cNvPicPr>
+          <p:nvPr/>
+        </p:nvPicPr>
+        <p:blipFill>
+          <a:blip r:embed="rId2"/>
+          <a:stretch>
+            <a:fillRect/>
+          </a:stretch>
+        </p:blipFill>
+        <p:spPr>
+          <a:xfrm>
+            <a:off x="914400" y="914400"/>
+            <a:ext cx="1905000" cy="1905000"/>
+          </a:xfrm>
+          <a:prstGeom prst="rect">
+            <a:avLst/>
+          </a:prstGeom>
+        </p:spPr>
+      </p:pic>
     </p:spTree>
   </p:cSld>
   <p:clrMapOvr>
@@ -4598,7 +4646,7 @@
                     <a:p>
                       <a:r>
                         <a:rPr sz="1000"/>
-                        <a:t>0</a:t>
+                        <a:t>1st Line</a:t>
                       </a:r>
                     </a:p>
                   </a:txBody>
@@ -4627,7 +4675,7 @@
                     <a:p>
                       <a:r>
                         <a:rPr sz="1000"/>
-                        <a:t>1</a:t>
+                        <a:t>2nd Line</a:t>
                       </a:r>
                     </a:p>
                   </a:txBody>
@@ -4656,7 +4704,7 @@
                     <a:p>
                       <a:r>
                         <a:rPr sz="1000"/>
-                        <a:t>2</a:t>
+                        <a:t>3rd Line</a:t>
                       </a:r>
                     </a:p>
                   </a:txBody>
@@ -5186,6 +5234,30 @@
           </a:graphicData>
         </a:graphic>
       </p:graphicFrame>
+      <p:pic>
+        <p:nvPicPr>
+          <p:cNvPr id="5" name="Picture 4" descr="image.jpg"/>
+          <p:cNvPicPr>
+            <a:picLocks noChangeAspect="1"/>
+          </p:cNvPicPr>
+          <p:nvPr/>
+        </p:nvPicPr>
+        <p:blipFill>
+          <a:blip r:embed="rId2"/>
+          <a:stretch>
+            <a:fillRect/>
+          </a:stretch>
+        </p:blipFill>
+        <p:spPr>
+          <a:xfrm>
+            <a:off x="914400" y="914400"/>
+            <a:ext cx="1905000" cy="1905000"/>
+          </a:xfrm>
+          <a:prstGeom prst="rect">
+            <a:avLst/>
+          </a:prstGeom>
+        </p:spPr>
+      </p:pic>
     </p:spTree>
   </p:cSld>
   <p:clrMapOvr>
@@ -5282,7 +5354,7 @@
                     <a:p>
                       <a:r>
                         <a:rPr sz="1000"/>
-                        <a:t>0</a:t>
+                        <a:t>1st Line</a:t>
                       </a:r>
                     </a:p>
                   </a:txBody>
@@ -5311,7 +5383,7 @@
                     <a:p>
                       <a:r>
                         <a:rPr sz="1000"/>
-                        <a:t>1</a:t>
+                        <a:t>2nd Line</a:t>
                       </a:r>
                     </a:p>
                   </a:txBody>
@@ -5340,7 +5412,7 @@
                     <a:p>
                       <a:r>
                         <a:rPr sz="1000"/>
-                        <a:t>2</a:t>
+                        <a:t>3rd Line</a:t>
                       </a:r>
                     </a:p>
                   </a:txBody>
@@ -5893,6 +5965,30 @@
           </a:graphicData>
         </a:graphic>
       </p:graphicFrame>
+      <p:pic>
+        <p:nvPicPr>
+          <p:cNvPr id="5" name="Picture 4" descr="image.jpg"/>
+          <p:cNvPicPr>
+            <a:picLocks noChangeAspect="1"/>
+          </p:cNvPicPr>
+          <p:nvPr/>
+        </p:nvPicPr>
+        <p:blipFill>
+          <a:blip r:embed="rId2"/>
+          <a:stretch>
+            <a:fillRect/>
+          </a:stretch>
+        </p:blipFill>
+        <p:spPr>
+          <a:xfrm>
+            <a:off x="914400" y="914400"/>
+            <a:ext cx="1905000" cy="1905000"/>
+          </a:xfrm>
+          <a:prstGeom prst="rect">
+            <a:avLst/>
+          </a:prstGeom>
+        </p:spPr>
+      </p:pic>
     </p:spTree>
   </p:cSld>
   <p:clrMapOvr>
@@ -5989,7 +6085,7 @@
                     <a:p>
                       <a:r>
                         <a:rPr sz="1000"/>
-                        <a:t>0</a:t>
+                        <a:t>1st Line</a:t>
                       </a:r>
                     </a:p>
                   </a:txBody>
@@ -6018,7 +6114,7 @@
                     <a:p>
                       <a:r>
                         <a:rPr sz="1000"/>
-                        <a:t>1</a:t>
+                        <a:t>2nd Line</a:t>
                       </a:r>
                     </a:p>
                   </a:txBody>
@@ -6047,7 +6143,7 @@
                     <a:p>
                       <a:r>
                         <a:rPr sz="1000"/>
-                        <a:t>2</a:t>
+                        <a:t>3rd Line</a:t>
                       </a:r>
                     </a:p>
                   </a:txBody>
@@ -6600,6 +6696,30 @@
           </a:graphicData>
         </a:graphic>
       </p:graphicFrame>
+      <p:pic>
+        <p:nvPicPr>
+          <p:cNvPr id="5" name="Picture 4" descr="image.jpg"/>
+          <p:cNvPicPr>
+            <a:picLocks noChangeAspect="1"/>
+          </p:cNvPicPr>
+          <p:nvPr/>
+        </p:nvPicPr>
+        <p:blipFill>
+          <a:blip r:embed="rId2"/>
+          <a:stretch>
+            <a:fillRect/>
+          </a:stretch>
+        </p:blipFill>
+        <p:spPr>
+          <a:xfrm>
+            <a:off x="914400" y="914400"/>
+            <a:ext cx="1905000" cy="1905000"/>
+          </a:xfrm>
+          <a:prstGeom prst="rect">
+            <a:avLst/>
+          </a:prstGeom>
+        </p:spPr>
+      </p:pic>
     </p:spTree>
   </p:cSld>
   <p:clrMapOvr>
@@ -6696,7 +6816,7 @@
                     <a:p>
                       <a:r>
                         <a:rPr sz="1000"/>
-                        <a:t>0</a:t>
+                        <a:t>1st Line</a:t>
                       </a:r>
                     </a:p>
                   </a:txBody>
@@ -6725,7 +6845,7 @@
                     <a:p>
                       <a:r>
                         <a:rPr sz="1000"/>
-                        <a:t>1</a:t>
+                        <a:t>2nd Line</a:t>
                       </a:r>
                     </a:p>
                   </a:txBody>
@@ -6754,7 +6874,7 @@
                     <a:p>
                       <a:r>
                         <a:rPr sz="1000"/>
-                        <a:t>2</a:t>
+                        <a:t>3rd Line</a:t>
                       </a:r>
                     </a:p>
                   </a:txBody>
@@ -7307,6 +7427,30 @@
           </a:graphicData>
         </a:graphic>
       </p:graphicFrame>
+      <p:pic>
+        <p:nvPicPr>
+          <p:cNvPr id="5" name="Picture 4" descr="image.jpg"/>
+          <p:cNvPicPr>
+            <a:picLocks noChangeAspect="1"/>
+          </p:cNvPicPr>
+          <p:nvPr/>
+        </p:nvPicPr>
+        <p:blipFill>
+          <a:blip r:embed="rId2"/>
+          <a:stretch>
+            <a:fillRect/>
+          </a:stretch>
+        </p:blipFill>
+        <p:spPr>
+          <a:xfrm>
+            <a:off x="914400" y="914400"/>
+            <a:ext cx="1905000" cy="1905000"/>
+          </a:xfrm>
+          <a:prstGeom prst="rect">
+            <a:avLst/>
+          </a:prstGeom>
+        </p:spPr>
+      </p:pic>
     </p:spTree>
   </p:cSld>
   <p:clrMapOvr>

--- a/createsp.pptx
+++ b/createsp.pptx
@@ -5,16 +5,16 @@
     <p:sldMasterId id="2147483648" r:id="rId1"/>
   </p:sldMasterIdLst>
   <p:sldIdLst>
-    <p:sldId id="256" r:id="rId7"/>
-    <p:sldId id="257" r:id="rId8"/>
-    <p:sldId id="258" r:id="rId9"/>
-    <p:sldId id="259" r:id="rId10"/>
-    <p:sldId id="260" r:id="rId11"/>
-    <p:sldId id="261" r:id="rId12"/>
-    <p:sldId id="262" r:id="rId13"/>
-    <p:sldId id="263" r:id="rId14"/>
+    <p:sldId id="256" r:id="rId2"/>
+    <p:sldId id="257" r:id="rId3"/>
+    <p:sldId id="258" r:id="rId4"/>
+    <p:sldId id="259" r:id="rId5"/>
+    <p:sldId id="260" r:id="rId6"/>
+    <p:sldId id="261" r:id="rId7"/>
+    <p:sldId id="262" r:id="rId8"/>
+    <p:sldId id="263" r:id="rId9"/>
   </p:sldIdLst>
-  <p:sldSz cx="11887200" cy="6686550" type="screen4x3"/>
+  <p:sldSz cx="11887200" cy="6686550"/>
   <p:notesSz cx="6858000" cy="9144000"/>
   <p:defaultTextStyle>
     <a:defPPr>
@@ -111,6 +111,22 @@
       </a:defRPr>
     </a:lvl9pPr>
   </p:defaultTextStyle>
+  <p:extLst>
+    <p:ext uri="{EFAFB233-063F-42B5-8137-9DF3F51BA10A}">
+      <p15:sldGuideLst xmlns:p15="http://schemas.microsoft.com/office/powerpoint/2012/main">
+        <p15:guide id="1" orient="horz" pos="2160">
+          <p15:clr>
+            <a:srgbClr val="A4A3A4"/>
+          </p15:clr>
+        </p15:guide>
+        <p15:guide id="2" pos="2880">
+          <p15:clr>
+            <a:srgbClr val="A4A3A4"/>
+          </p15:clr>
+        </p15:guide>
+      </p15:sldGuideLst>
+    </p:ext>
+  </p:extLst>
 </p:presentation>
 </file>
 
@@ -152,10 +168,9 @@
           <a:lstStyle/>
           <a:p>
             <a:r>
-              <a:rPr lang="en-US" smtClean="0"/>
+              <a:rPr lang="en-US"/>
               <a:t>Click to edit Master title style</a:t>
             </a:r>
-            <a:endParaRPr lang="en-US"/>
           </a:p>
         </p:txBody>
       </p:sp>
@@ -271,10 +286,9 @@
           </a:lstStyle>
           <a:p>
             <a:r>
-              <a:rPr lang="en-US" smtClean="0"/>
+              <a:rPr lang="en-US"/>
               <a:t>Click to edit Master subtitle style</a:t>
             </a:r>
-            <a:endParaRPr lang="en-US"/>
           </a:p>
         </p:txBody>
       </p:sp>
@@ -295,7 +309,7 @@
           <a:p>
             <a:fld id="{5BCAD085-E8A6-8845-BD4E-CB4CCA059FC4}" type="datetimeFigureOut">
               <a:rPr lang="en-US" smtClean="0"/>
-              <a:t>1/27/13</a:t>
+              <a:t>3/24/2020</a:t>
             </a:fld>
             <a:endParaRPr lang="en-US"/>
           </a:p>
@@ -389,10 +403,9 @@
           <a:lstStyle/>
           <a:p>
             <a:r>
-              <a:rPr lang="en-US" smtClean="0"/>
+              <a:rPr lang="en-US"/>
               <a:t>Click to edit Master title style</a:t>
             </a:r>
-            <a:endParaRPr lang="en-US"/>
           </a:p>
         </p:txBody>
       </p:sp>
@@ -413,38 +426,37 @@
           <a:p>
             <a:pPr lvl="0"/>
             <a:r>
-              <a:rPr lang="en-US" smtClean="0"/>
+              <a:rPr lang="en-US"/>
               <a:t>Click to edit Master text styles</a:t>
             </a:r>
           </a:p>
           <a:p>
             <a:pPr lvl="1"/>
             <a:r>
-              <a:rPr lang="en-US" smtClean="0"/>
+              <a:rPr lang="en-US"/>
               <a:t>Second level</a:t>
             </a:r>
           </a:p>
           <a:p>
             <a:pPr lvl="2"/>
             <a:r>
-              <a:rPr lang="en-US" smtClean="0"/>
+              <a:rPr lang="en-US"/>
               <a:t>Third level</a:t>
             </a:r>
           </a:p>
           <a:p>
             <a:pPr lvl="3"/>
             <a:r>
-              <a:rPr lang="en-US" smtClean="0"/>
+              <a:rPr lang="en-US"/>
               <a:t>Fourth level</a:t>
             </a:r>
           </a:p>
           <a:p>
             <a:pPr lvl="4"/>
             <a:r>
-              <a:rPr lang="en-US" smtClean="0"/>
+              <a:rPr lang="en-US"/>
               <a:t>Fifth level</a:t>
             </a:r>
-            <a:endParaRPr lang="en-US"/>
           </a:p>
         </p:txBody>
       </p:sp>
@@ -465,7 +477,7 @@
           <a:p>
             <a:fld id="{5BCAD085-E8A6-8845-BD4E-CB4CCA059FC4}" type="datetimeFigureOut">
               <a:rPr lang="en-US" smtClean="0"/>
-              <a:t>1/27/13</a:t>
+              <a:t>3/24/2020</a:t>
             </a:fld>
             <a:endParaRPr lang="en-US"/>
           </a:p>
@@ -564,10 +576,9 @@
           <a:lstStyle/>
           <a:p>
             <a:r>
-              <a:rPr lang="en-US" smtClean="0"/>
+              <a:rPr lang="en-US"/>
               <a:t>Click to edit Master title style</a:t>
             </a:r>
-            <a:endParaRPr lang="en-US"/>
           </a:p>
         </p:txBody>
       </p:sp>
@@ -593,38 +604,37 @@
           <a:p>
             <a:pPr lvl="0"/>
             <a:r>
-              <a:rPr lang="en-US" smtClean="0"/>
+              <a:rPr lang="en-US"/>
               <a:t>Click to edit Master text styles</a:t>
             </a:r>
           </a:p>
           <a:p>
             <a:pPr lvl="1"/>
             <a:r>
-              <a:rPr lang="en-US" smtClean="0"/>
+              <a:rPr lang="en-US"/>
               <a:t>Second level</a:t>
             </a:r>
           </a:p>
           <a:p>
             <a:pPr lvl="2"/>
             <a:r>
-              <a:rPr lang="en-US" smtClean="0"/>
+              <a:rPr lang="en-US"/>
               <a:t>Third level</a:t>
             </a:r>
           </a:p>
           <a:p>
             <a:pPr lvl="3"/>
             <a:r>
-              <a:rPr lang="en-US" smtClean="0"/>
+              <a:rPr lang="en-US"/>
               <a:t>Fourth level</a:t>
             </a:r>
           </a:p>
           <a:p>
             <a:pPr lvl="4"/>
             <a:r>
-              <a:rPr lang="en-US" smtClean="0"/>
+              <a:rPr lang="en-US"/>
               <a:t>Fifth level</a:t>
             </a:r>
-            <a:endParaRPr lang="en-US"/>
           </a:p>
         </p:txBody>
       </p:sp>
@@ -645,7 +655,7 @@
           <a:p>
             <a:fld id="{5BCAD085-E8A6-8845-BD4E-CB4CCA059FC4}" type="datetimeFigureOut">
               <a:rPr lang="en-US" smtClean="0"/>
-              <a:t>1/27/13</a:t>
+              <a:t>3/24/2020</a:t>
             </a:fld>
             <a:endParaRPr lang="en-US"/>
           </a:p>
@@ -739,10 +749,9 @@
           <a:lstStyle/>
           <a:p>
             <a:r>
-              <a:rPr lang="en-US" smtClean="0"/>
+              <a:rPr lang="en-US"/>
               <a:t>Click to edit Master title style</a:t>
             </a:r>
-            <a:endParaRPr lang="en-US"/>
           </a:p>
         </p:txBody>
       </p:sp>
@@ -763,38 +772,37 @@
           <a:p>
             <a:pPr lvl="0"/>
             <a:r>
-              <a:rPr lang="en-US" smtClean="0"/>
+              <a:rPr lang="en-US"/>
               <a:t>Click to edit Master text styles</a:t>
             </a:r>
           </a:p>
           <a:p>
             <a:pPr lvl="1"/>
             <a:r>
-              <a:rPr lang="en-US" smtClean="0"/>
+              <a:rPr lang="en-US"/>
               <a:t>Second level</a:t>
             </a:r>
           </a:p>
           <a:p>
             <a:pPr lvl="2"/>
             <a:r>
-              <a:rPr lang="en-US" smtClean="0"/>
+              <a:rPr lang="en-US"/>
               <a:t>Third level</a:t>
             </a:r>
           </a:p>
           <a:p>
             <a:pPr lvl="3"/>
             <a:r>
-              <a:rPr lang="en-US" smtClean="0"/>
+              <a:rPr lang="en-US"/>
               <a:t>Fourth level</a:t>
             </a:r>
           </a:p>
           <a:p>
             <a:pPr lvl="4"/>
             <a:r>
-              <a:rPr lang="en-US" smtClean="0"/>
+              <a:rPr lang="en-US"/>
               <a:t>Fifth level</a:t>
             </a:r>
-            <a:endParaRPr lang="en-US"/>
           </a:p>
         </p:txBody>
       </p:sp>
@@ -815,7 +823,7 @@
           <a:p>
             <a:fld id="{5BCAD085-E8A6-8845-BD4E-CB4CCA059FC4}" type="datetimeFigureOut">
               <a:rPr lang="en-US" smtClean="0"/>
-              <a:t>1/27/13</a:t>
+              <a:t>3/24/2020</a:t>
             </a:fld>
             <a:endParaRPr lang="en-US"/>
           </a:p>
@@ -918,10 +926,9 @@
           </a:lstStyle>
           <a:p>
             <a:r>
-              <a:rPr lang="en-US" smtClean="0"/>
+              <a:rPr lang="en-US"/>
               <a:t>Click to edit Master title style</a:t>
             </a:r>
-            <a:endParaRPr lang="en-US"/>
           </a:p>
         </p:txBody>
       </p:sp>
@@ -1038,7 +1045,7 @@
           <a:p>
             <a:pPr lvl="0"/>
             <a:r>
-              <a:rPr lang="en-US" smtClean="0"/>
+              <a:rPr lang="en-US"/>
               <a:t>Click to edit Master text styles</a:t>
             </a:r>
           </a:p>
@@ -1061,7 +1068,7 @@
           <a:p>
             <a:fld id="{5BCAD085-E8A6-8845-BD4E-CB4CCA059FC4}" type="datetimeFigureOut">
               <a:rPr lang="en-US" smtClean="0"/>
-              <a:t>1/27/13</a:t>
+              <a:t>3/24/2020</a:t>
             </a:fld>
             <a:endParaRPr lang="en-US"/>
           </a:p>
@@ -1155,10 +1162,9 @@
           <a:lstStyle/>
           <a:p>
             <a:r>
-              <a:rPr lang="en-US" smtClean="0"/>
+              <a:rPr lang="en-US"/>
               <a:t>Click to edit Master title style</a:t>
             </a:r>
-            <a:endParaRPr lang="en-US"/>
           </a:p>
         </p:txBody>
       </p:sp>
@@ -1212,38 +1218,37 @@
           <a:p>
             <a:pPr lvl="0"/>
             <a:r>
-              <a:rPr lang="en-US" smtClean="0"/>
+              <a:rPr lang="en-US"/>
               <a:t>Click to edit Master text styles</a:t>
             </a:r>
           </a:p>
           <a:p>
             <a:pPr lvl="1"/>
             <a:r>
-              <a:rPr lang="en-US" smtClean="0"/>
+              <a:rPr lang="en-US"/>
               <a:t>Second level</a:t>
             </a:r>
           </a:p>
           <a:p>
             <a:pPr lvl="2"/>
             <a:r>
-              <a:rPr lang="en-US" smtClean="0"/>
+              <a:rPr lang="en-US"/>
               <a:t>Third level</a:t>
             </a:r>
           </a:p>
           <a:p>
             <a:pPr lvl="3"/>
             <a:r>
-              <a:rPr lang="en-US" smtClean="0"/>
+              <a:rPr lang="en-US"/>
               <a:t>Fourth level</a:t>
             </a:r>
           </a:p>
           <a:p>
             <a:pPr lvl="4"/>
             <a:r>
-              <a:rPr lang="en-US" smtClean="0"/>
+              <a:rPr lang="en-US"/>
               <a:t>Fifth level</a:t>
             </a:r>
-            <a:endParaRPr lang="en-US"/>
           </a:p>
         </p:txBody>
       </p:sp>
@@ -1297,38 +1302,37 @@
           <a:p>
             <a:pPr lvl="0"/>
             <a:r>
-              <a:rPr lang="en-US" smtClean="0"/>
+              <a:rPr lang="en-US"/>
               <a:t>Click to edit Master text styles</a:t>
             </a:r>
           </a:p>
           <a:p>
             <a:pPr lvl="1"/>
             <a:r>
-              <a:rPr lang="en-US" smtClean="0"/>
+              <a:rPr lang="en-US"/>
               <a:t>Second level</a:t>
             </a:r>
           </a:p>
           <a:p>
             <a:pPr lvl="2"/>
             <a:r>
-              <a:rPr lang="en-US" smtClean="0"/>
+              <a:rPr lang="en-US"/>
               <a:t>Third level</a:t>
             </a:r>
           </a:p>
           <a:p>
             <a:pPr lvl="3"/>
             <a:r>
-              <a:rPr lang="en-US" smtClean="0"/>
+              <a:rPr lang="en-US"/>
               <a:t>Fourth level</a:t>
             </a:r>
           </a:p>
           <a:p>
             <a:pPr lvl="4"/>
             <a:r>
-              <a:rPr lang="en-US" smtClean="0"/>
+              <a:rPr lang="en-US"/>
               <a:t>Fifth level</a:t>
             </a:r>
-            <a:endParaRPr lang="en-US"/>
           </a:p>
         </p:txBody>
       </p:sp>
@@ -1349,7 +1353,7 @@
           <a:p>
             <a:fld id="{5BCAD085-E8A6-8845-BD4E-CB4CCA059FC4}" type="datetimeFigureOut">
               <a:rPr lang="en-US" smtClean="0"/>
-              <a:t>1/27/13</a:t>
+              <a:t>3/24/2020</a:t>
             </a:fld>
             <a:endParaRPr lang="en-US"/>
           </a:p>
@@ -1447,10 +1451,9 @@
           </a:lstStyle>
           <a:p>
             <a:r>
-              <a:rPr lang="en-US" smtClean="0"/>
+              <a:rPr lang="en-US"/>
               <a:t>Click to edit Master title style</a:t>
             </a:r>
-            <a:endParaRPr lang="en-US"/>
           </a:p>
         </p:txBody>
       </p:sp>
@@ -1513,7 +1516,7 @@
           <a:p>
             <a:pPr lvl="0"/>
             <a:r>
-              <a:rPr lang="en-US" smtClean="0"/>
+              <a:rPr lang="en-US"/>
               <a:t>Click to edit Master text styles</a:t>
             </a:r>
           </a:p>
@@ -1569,38 +1572,37 @@
           <a:p>
             <a:pPr lvl="0"/>
             <a:r>
-              <a:rPr lang="en-US" smtClean="0"/>
+              <a:rPr lang="en-US"/>
               <a:t>Click to edit Master text styles</a:t>
             </a:r>
           </a:p>
           <a:p>
             <a:pPr lvl="1"/>
             <a:r>
-              <a:rPr lang="en-US" smtClean="0"/>
+              <a:rPr lang="en-US"/>
               <a:t>Second level</a:t>
             </a:r>
           </a:p>
           <a:p>
             <a:pPr lvl="2"/>
             <a:r>
-              <a:rPr lang="en-US" smtClean="0"/>
+              <a:rPr lang="en-US"/>
               <a:t>Third level</a:t>
             </a:r>
           </a:p>
           <a:p>
             <a:pPr lvl="3"/>
             <a:r>
-              <a:rPr lang="en-US" smtClean="0"/>
+              <a:rPr lang="en-US"/>
               <a:t>Fourth level</a:t>
             </a:r>
           </a:p>
           <a:p>
             <a:pPr lvl="4"/>
             <a:r>
-              <a:rPr lang="en-US" smtClean="0"/>
+              <a:rPr lang="en-US"/>
               <a:t>Fifth level</a:t>
             </a:r>
-            <a:endParaRPr lang="en-US"/>
           </a:p>
         </p:txBody>
       </p:sp>
@@ -1663,7 +1665,7 @@
           <a:p>
             <a:pPr lvl="0"/>
             <a:r>
-              <a:rPr lang="en-US" smtClean="0"/>
+              <a:rPr lang="en-US"/>
               <a:t>Click to edit Master text styles</a:t>
             </a:r>
           </a:p>
@@ -1719,38 +1721,37 @@
           <a:p>
             <a:pPr lvl="0"/>
             <a:r>
-              <a:rPr lang="en-US" smtClean="0"/>
+              <a:rPr lang="en-US"/>
               <a:t>Click to edit Master text styles</a:t>
             </a:r>
           </a:p>
           <a:p>
             <a:pPr lvl="1"/>
             <a:r>
-              <a:rPr lang="en-US" smtClean="0"/>
+              <a:rPr lang="en-US"/>
               <a:t>Second level</a:t>
             </a:r>
           </a:p>
           <a:p>
             <a:pPr lvl="2"/>
             <a:r>
-              <a:rPr lang="en-US" smtClean="0"/>
+              <a:rPr lang="en-US"/>
               <a:t>Third level</a:t>
             </a:r>
           </a:p>
           <a:p>
             <a:pPr lvl="3"/>
             <a:r>
-              <a:rPr lang="en-US" smtClean="0"/>
+              <a:rPr lang="en-US"/>
               <a:t>Fourth level</a:t>
             </a:r>
           </a:p>
           <a:p>
             <a:pPr lvl="4"/>
             <a:r>
-              <a:rPr lang="en-US" smtClean="0"/>
+              <a:rPr lang="en-US"/>
               <a:t>Fifth level</a:t>
             </a:r>
-            <a:endParaRPr lang="en-US"/>
           </a:p>
         </p:txBody>
       </p:sp>
@@ -1771,7 +1772,7 @@
           <a:p>
             <a:fld id="{5BCAD085-E8A6-8845-BD4E-CB4CCA059FC4}" type="datetimeFigureOut">
               <a:rPr lang="en-US" smtClean="0"/>
-              <a:t>1/27/13</a:t>
+              <a:t>3/24/2020</a:t>
             </a:fld>
             <a:endParaRPr lang="en-US"/>
           </a:p>
@@ -1865,10 +1866,9 @@
           <a:lstStyle/>
           <a:p>
             <a:r>
-              <a:rPr lang="en-US" smtClean="0"/>
+              <a:rPr lang="en-US"/>
               <a:t>Click to edit Master title style</a:t>
             </a:r>
-            <a:endParaRPr lang="en-US"/>
           </a:p>
         </p:txBody>
       </p:sp>
@@ -1889,7 +1889,7 @@
           <a:p>
             <a:fld id="{5BCAD085-E8A6-8845-BD4E-CB4CCA059FC4}" type="datetimeFigureOut">
               <a:rPr lang="en-US" smtClean="0"/>
-              <a:t>1/27/13</a:t>
+              <a:t>3/24/2020</a:t>
             </a:fld>
             <a:endParaRPr lang="en-US"/>
           </a:p>
@@ -1984,7 +1984,7 @@
           <a:p>
             <a:fld id="{5BCAD085-E8A6-8845-BD4E-CB4CCA059FC4}" type="datetimeFigureOut">
               <a:rPr lang="en-US" smtClean="0"/>
-              <a:t>1/27/13</a:t>
+              <a:t>3/24/2020</a:t>
             </a:fld>
             <a:endParaRPr lang="en-US"/>
           </a:p>
@@ -2087,10 +2087,9 @@
           </a:lstStyle>
           <a:p>
             <a:r>
-              <a:rPr lang="en-US" smtClean="0"/>
+              <a:rPr lang="en-US"/>
               <a:t>Click to edit Master title style</a:t>
             </a:r>
-            <a:endParaRPr lang="en-US"/>
           </a:p>
         </p:txBody>
       </p:sp>
@@ -2144,38 +2143,37 @@
           <a:p>
             <a:pPr lvl="0"/>
             <a:r>
-              <a:rPr lang="en-US" smtClean="0"/>
+              <a:rPr lang="en-US"/>
               <a:t>Click to edit Master text styles</a:t>
             </a:r>
           </a:p>
           <a:p>
             <a:pPr lvl="1"/>
             <a:r>
-              <a:rPr lang="en-US" smtClean="0"/>
+              <a:rPr lang="en-US"/>
               <a:t>Second level</a:t>
             </a:r>
           </a:p>
           <a:p>
             <a:pPr lvl="2"/>
             <a:r>
-              <a:rPr lang="en-US" smtClean="0"/>
+              <a:rPr lang="en-US"/>
               <a:t>Third level</a:t>
             </a:r>
           </a:p>
           <a:p>
             <a:pPr lvl="3"/>
             <a:r>
-              <a:rPr lang="en-US" smtClean="0"/>
+              <a:rPr lang="en-US"/>
               <a:t>Fourth level</a:t>
             </a:r>
           </a:p>
           <a:p>
             <a:pPr lvl="4"/>
             <a:r>
-              <a:rPr lang="en-US" smtClean="0"/>
+              <a:rPr lang="en-US"/>
               <a:t>Fifth level</a:t>
             </a:r>
-            <a:endParaRPr lang="en-US"/>
           </a:p>
         </p:txBody>
       </p:sp>
@@ -2238,7 +2236,7 @@
           <a:p>
             <a:pPr lvl="0"/>
             <a:r>
-              <a:rPr lang="en-US" smtClean="0"/>
+              <a:rPr lang="en-US"/>
               <a:t>Click to edit Master text styles</a:t>
             </a:r>
           </a:p>
@@ -2261,7 +2259,7 @@
           <a:p>
             <a:fld id="{5BCAD085-E8A6-8845-BD4E-CB4CCA059FC4}" type="datetimeFigureOut">
               <a:rPr lang="en-US" smtClean="0"/>
-              <a:t>1/27/13</a:t>
+              <a:t>3/24/2020</a:t>
             </a:fld>
             <a:endParaRPr lang="en-US"/>
           </a:p>
@@ -2364,10 +2362,9 @@
           </a:lstStyle>
           <a:p>
             <a:r>
-              <a:rPr lang="en-US" smtClean="0"/>
+              <a:rPr lang="en-US"/>
               <a:t>Click to edit Master title style</a:t>
             </a:r>
-            <a:endParaRPr lang="en-US"/>
           </a:p>
         </p:txBody>
       </p:sp>
@@ -2491,7 +2488,7 @@
           <a:p>
             <a:pPr lvl="0"/>
             <a:r>
-              <a:rPr lang="en-US" smtClean="0"/>
+              <a:rPr lang="en-US"/>
               <a:t>Click to edit Master text styles</a:t>
             </a:r>
           </a:p>
@@ -2514,7 +2511,7 @@
           <a:p>
             <a:fld id="{5BCAD085-E8A6-8845-BD4E-CB4CCA059FC4}" type="datetimeFigureOut">
               <a:rPr lang="en-US" smtClean="0"/>
-              <a:t>1/27/13</a:t>
+              <a:t>3/24/2020</a:t>
             </a:fld>
             <a:endParaRPr lang="en-US"/>
           </a:p>
@@ -2623,10 +2620,9 @@
           <a:lstStyle/>
           <a:p>
             <a:r>
-              <a:rPr lang="en-US" smtClean="0"/>
+              <a:rPr lang="en-US"/>
               <a:t>Click to edit Master title style</a:t>
             </a:r>
-            <a:endParaRPr lang="en-US"/>
           </a:p>
         </p:txBody>
       </p:sp>
@@ -2657,38 +2653,37 @@
           <a:p>
             <a:pPr lvl="0"/>
             <a:r>
-              <a:rPr lang="en-US" smtClean="0"/>
+              <a:rPr lang="en-US"/>
               <a:t>Click to edit Master text styles</a:t>
             </a:r>
           </a:p>
           <a:p>
             <a:pPr lvl="1"/>
             <a:r>
-              <a:rPr lang="en-US" smtClean="0"/>
+              <a:rPr lang="en-US"/>
               <a:t>Second level</a:t>
             </a:r>
           </a:p>
           <a:p>
             <a:pPr lvl="2"/>
             <a:r>
-              <a:rPr lang="en-US" smtClean="0"/>
+              <a:rPr lang="en-US"/>
               <a:t>Third level</a:t>
             </a:r>
           </a:p>
           <a:p>
             <a:pPr lvl="3"/>
             <a:r>
-              <a:rPr lang="en-US" smtClean="0"/>
+              <a:rPr lang="en-US"/>
               <a:t>Fourth level</a:t>
             </a:r>
           </a:p>
           <a:p>
             <a:pPr lvl="4"/>
             <a:r>
-              <a:rPr lang="en-US" smtClean="0"/>
+              <a:rPr lang="en-US"/>
               <a:t>Fifth level</a:t>
             </a:r>
-            <a:endParaRPr lang="en-US"/>
           </a:p>
         </p:txBody>
       </p:sp>
@@ -2727,7 +2722,7 @@
           <a:p>
             <a:fld id="{5BCAD085-E8A6-8845-BD4E-CB4CCA059FC4}" type="datetimeFigureOut">
               <a:rPr lang="en-US" smtClean="0"/>
-              <a:t>1/27/13</a:t>
+              <a:t>3/24/2020</a:t>
             </a:fld>
             <a:endParaRPr lang="en-US"/>
           </a:p>
@@ -3086,7 +3081,7 @@
 </file>
 
 <file path=ppt/slides/slide1.xml><?xml version="1.0" encoding="utf-8"?>
-<p:sld xmlns:a="http://schemas.openxmlformats.org/drawingml/2006/main" xmlns:p="http://schemas.openxmlformats.org/presentationml/2006/main" xmlns:r="http://schemas.openxmlformats.org/officeDocument/2006/relationships">
+<p:sld xmlns:a="http://schemas.openxmlformats.org/drawingml/2006/main" xmlns:r="http://schemas.openxmlformats.org/officeDocument/2006/relationships" xmlns:p="http://schemas.openxmlformats.org/presentationml/2006/main">
   <p:cSld>
     <p:spTree>
       <p:nvGrpSpPr>
@@ -3094,7 +3089,14 @@
         <p:cNvGrpSpPr/>
         <p:nvPr/>
       </p:nvGrpSpPr>
-      <p:grpSpPr/>
+      <p:grpSpPr>
+        <a:xfrm>
+          <a:off x="0" y="0"/>
+          <a:ext cx="0" cy="0"/>
+          <a:chOff x="0" y="0"/>
+          <a:chExt cx="0" cy="0"/>
+        </a:xfrm>
+      </p:grpSpPr>
       <p:sp>
         <p:nvSpPr>
           <p:cNvPr id="2" name="Title 1"/>
@@ -3130,7 +3132,9 @@
         <p:txBody>
           <a:bodyPr/>
           <a:lstStyle/>
-          <a:p/>
+          <a:p>
+            <a:endParaRPr/>
+          </a:p>
         </p:txBody>
       </p:sp>
     </p:spTree>
@@ -3142,7 +3146,7 @@
 </file>
 
 <file path=ppt/slides/slide2.xml><?xml version="1.0" encoding="utf-8"?>
-<p:sld xmlns:a="http://schemas.openxmlformats.org/drawingml/2006/main" xmlns:p="http://schemas.openxmlformats.org/presentationml/2006/main" xmlns:r="http://schemas.openxmlformats.org/officeDocument/2006/relationships">
+<p:sld xmlns:a="http://schemas.openxmlformats.org/drawingml/2006/main" xmlns:r="http://schemas.openxmlformats.org/officeDocument/2006/relationships" xmlns:p="http://schemas.openxmlformats.org/presentationml/2006/main">
   <p:cSld>
     <p:spTree>
       <p:nvGrpSpPr>
@@ -3150,7 +3154,14 @@
         <p:cNvGrpSpPr/>
         <p:nvPr/>
       </p:nvGrpSpPr>
-      <p:grpSpPr/>
+      <p:grpSpPr>
+        <a:xfrm>
+          <a:off x="0" y="0"/>
+          <a:ext cx="0" cy="0"/>
+          <a:chOff x="0" y="0"/>
+          <a:chExt cx="0" cy="0"/>
+        </a:xfrm>
+      </p:grpSpPr>
       <p:sp>
         <p:nvSpPr>
           <p:cNvPr id="2" name="Title 1"/>
@@ -3205,7 +3216,7 @@
         </p:nvGraphicFramePr>
         <p:xfrm>
           <a:off x="137160" y="1371600"/>
-          <a:ext cx="11704320" cy="731520"/>
+          <a:ext cx="11704320" cy="4480560"/>
         </p:xfrm>
         <a:graphic>
           <a:graphicData uri="http://schemas.openxmlformats.org/drawingml/2006/table">
@@ -3214,14 +3225,62 @@
                 <a:tableStyleId>{5C22544A-7EE6-4342-B048-85BDC9FD1C3A}</a:tableStyleId>
               </a:tblPr>
               <a:tblGrid>
-                <a:gridCol w="914400"/>
-                <a:gridCol w="2011680"/>
-                <a:gridCol w="914400"/>
-                <a:gridCol w="2011680"/>
-                <a:gridCol w="914400"/>
-                <a:gridCol w="2011680"/>
-                <a:gridCol w="914400"/>
-                <a:gridCol w="2011680"/>
+                <a:gridCol w="914400">
+                  <a:extLst>
+                    <a:ext uri="{9D8B030D-6E8A-4147-A177-3AD203B41FA5}">
+                      <a16:colId xmlns:a16="http://schemas.microsoft.com/office/drawing/2014/main" val="20000"/>
+                    </a:ext>
+                  </a:extLst>
+                </a:gridCol>
+                <a:gridCol w="2011680">
+                  <a:extLst>
+                    <a:ext uri="{9D8B030D-6E8A-4147-A177-3AD203B41FA5}">
+                      <a16:colId xmlns:a16="http://schemas.microsoft.com/office/drawing/2014/main" val="20001"/>
+                    </a:ext>
+                  </a:extLst>
+                </a:gridCol>
+                <a:gridCol w="914400">
+                  <a:extLst>
+                    <a:ext uri="{9D8B030D-6E8A-4147-A177-3AD203B41FA5}">
+                      <a16:colId xmlns:a16="http://schemas.microsoft.com/office/drawing/2014/main" val="20002"/>
+                    </a:ext>
+                  </a:extLst>
+                </a:gridCol>
+                <a:gridCol w="2011680">
+                  <a:extLst>
+                    <a:ext uri="{9D8B030D-6E8A-4147-A177-3AD203B41FA5}">
+                      <a16:colId xmlns:a16="http://schemas.microsoft.com/office/drawing/2014/main" val="20003"/>
+                    </a:ext>
+                  </a:extLst>
+                </a:gridCol>
+                <a:gridCol w="914400">
+                  <a:extLst>
+                    <a:ext uri="{9D8B030D-6E8A-4147-A177-3AD203B41FA5}">
+                      <a16:colId xmlns:a16="http://schemas.microsoft.com/office/drawing/2014/main" val="20004"/>
+                    </a:ext>
+                  </a:extLst>
+                </a:gridCol>
+                <a:gridCol w="2011680">
+                  <a:extLst>
+                    <a:ext uri="{9D8B030D-6E8A-4147-A177-3AD203B41FA5}">
+                      <a16:colId xmlns:a16="http://schemas.microsoft.com/office/drawing/2014/main" val="20005"/>
+                    </a:ext>
+                  </a:extLst>
+                </a:gridCol>
+                <a:gridCol w="914400">
+                  <a:extLst>
+                    <a:ext uri="{9D8B030D-6E8A-4147-A177-3AD203B41FA5}">
+                      <a16:colId xmlns:a16="http://schemas.microsoft.com/office/drawing/2014/main" val="20006"/>
+                    </a:ext>
+                  </a:extLst>
+                </a:gridCol>
+                <a:gridCol w="2011680">
+                  <a:extLst>
+                    <a:ext uri="{9D8B030D-6E8A-4147-A177-3AD203B41FA5}">
+                      <a16:colId xmlns:a16="http://schemas.microsoft.com/office/drawing/2014/main" val="20007"/>
+                    </a:ext>
+                  </a:extLst>
+                </a:gridCol>
               </a:tblGrid>
               <a:tr h="182880">
                 <a:tc gridSpan="2">
@@ -3245,7 +3304,9 @@
                   <a:txBody>
                     <a:bodyPr/>
                     <a:lstStyle/>
-                    <a:p/>
+                    <a:p>
+                      <a:endParaRPr/>
+                    </a:p>
                   </a:txBody>
                   <a:tcPr>
                     <a:solidFill>
@@ -3274,7 +3335,9 @@
                   <a:txBody>
                     <a:bodyPr/>
                     <a:lstStyle/>
-                    <a:p/>
+                    <a:p>
+                      <a:endParaRPr/>
+                    </a:p>
                   </a:txBody>
                   <a:tcPr>
                     <a:solidFill>
@@ -3303,7 +3366,9 @@
                   <a:txBody>
                     <a:bodyPr/>
                     <a:lstStyle/>
-                    <a:p/>
+                    <a:p>
+                      <a:endParaRPr/>
+                    </a:p>
                   </a:txBody>
                   <a:tcPr>
                     <a:solidFill>
@@ -3332,21 +3397,30 @@
                   <a:txBody>
                     <a:bodyPr/>
                     <a:lstStyle/>
-                    <a:p/>
-                  </a:txBody>
-                  <a:tcPr>
-                    <a:solidFill>
-                      <a:srgbClr val="F2F2F2"/>
-                    </a:solidFill>
-                  </a:tcPr>
-                </a:tc>
+                    <a:p>
+                      <a:endParaRPr/>
+                    </a:p>
+                  </a:txBody>
+                  <a:tcPr>
+                    <a:solidFill>
+                      <a:srgbClr val="F2F2F2"/>
+                    </a:solidFill>
+                  </a:tcPr>
+                </a:tc>
+                <a:extLst>
+                  <a:ext uri="{0D108BD9-81ED-4DB2-BD59-A6C34878D82A}">
+                    <a16:rowId xmlns:a16="http://schemas.microsoft.com/office/drawing/2014/main" val="10000"/>
+                  </a:ext>
+                </a:extLst>
               </a:tr>
               <a:tr h="182880">
                 <a:tc>
                   <a:txBody>
                     <a:bodyPr/>
                     <a:lstStyle/>
-                    <a:p/>
+                    <a:p>
+                      <a:endParaRPr/>
+                    </a:p>
                   </a:txBody>
                   <a:tcPr>
                     <a:solidFill>
@@ -3393,7 +3467,9 @@
                   <a:txBody>
                     <a:bodyPr/>
                     <a:lstStyle/>
-                    <a:p/>
+                    <a:p>
+                      <a:endParaRPr/>
+                    </a:p>
                   </a:txBody>
                   <a:tcPr>
                     <a:solidFill>
@@ -3440,7 +3516,9 @@
                   <a:txBody>
                     <a:bodyPr/>
                     <a:lstStyle/>
-                    <a:p/>
+                    <a:p>
+                      <a:endParaRPr/>
+                    </a:p>
                   </a:txBody>
                   <a:tcPr>
                     <a:solidFill>
@@ -3487,7 +3565,9 @@
                   <a:txBody>
                     <a:bodyPr/>
                     <a:lstStyle/>
-                    <a:p/>
+                    <a:p>
+                      <a:endParaRPr/>
+                    </a:p>
                   </a:txBody>
                   <a:tcPr>
                     <a:solidFill>
@@ -3530,13 +3610,20 @@
                     </a:solidFill>
                   </a:tcPr>
                 </a:tc>
+                <a:extLst>
+                  <a:ext uri="{0D108BD9-81ED-4DB2-BD59-A6C34878D82A}">
+                    <a16:rowId xmlns:a16="http://schemas.microsoft.com/office/drawing/2014/main" val="10001"/>
+                  </a:ext>
+                </a:extLst>
               </a:tr>
               <a:tr h="182880">
                 <a:tc>
                   <a:txBody>
                     <a:bodyPr/>
                     <a:lstStyle/>
-                    <a:p/>
+                    <a:p>
+                      <a:endParaRPr/>
+                    </a:p>
                   </a:txBody>
                   <a:tcPr>
                     <a:solidFill>
@@ -3583,7 +3670,9 @@
                   <a:txBody>
                     <a:bodyPr/>
                     <a:lstStyle/>
-                    <a:p/>
+                    <a:p>
+                      <a:endParaRPr/>
+                    </a:p>
                   </a:txBody>
                   <a:tcPr>
                     <a:solidFill>
@@ -3630,7 +3719,9 @@
                   <a:txBody>
                     <a:bodyPr/>
                     <a:lstStyle/>
-                    <a:p/>
+                    <a:p>
+                      <a:endParaRPr/>
+                    </a:p>
                   </a:txBody>
                   <a:tcPr>
                     <a:solidFill>
@@ -3677,7 +3768,9 @@
                   <a:txBody>
                     <a:bodyPr/>
                     <a:lstStyle/>
-                    <a:p/>
+                    <a:p>
+                      <a:endParaRPr/>
+                    </a:p>
                   </a:txBody>
                   <a:tcPr>
                     <a:solidFill>
@@ -3720,13 +3813,20 @@
                     </a:solidFill>
                   </a:tcPr>
                 </a:tc>
+                <a:extLst>
+                  <a:ext uri="{0D108BD9-81ED-4DB2-BD59-A6C34878D82A}">
+                    <a16:rowId xmlns:a16="http://schemas.microsoft.com/office/drawing/2014/main" val="10002"/>
+                  </a:ext>
+                </a:extLst>
               </a:tr>
               <a:tr h="182880">
                 <a:tc>
                   <a:txBody>
                     <a:bodyPr/>
                     <a:lstStyle/>
-                    <a:p/>
+                    <a:p>
+                      <a:endParaRPr/>
+                    </a:p>
                   </a:txBody>
                   <a:tcPr>
                     <a:solidFill>
@@ -3773,7 +3873,9 @@
                   <a:txBody>
                     <a:bodyPr/>
                     <a:lstStyle/>
-                    <a:p/>
+                    <a:p>
+                      <a:endParaRPr/>
+                    </a:p>
                   </a:txBody>
                   <a:tcPr>
                     <a:solidFill>
@@ -3820,7 +3922,9 @@
                   <a:txBody>
                     <a:bodyPr/>
                     <a:lstStyle/>
-                    <a:p/>
+                    <a:p>
+                      <a:endParaRPr/>
+                    </a:p>
                   </a:txBody>
                   <a:tcPr>
                     <a:solidFill>
@@ -3867,7 +3971,9 @@
                   <a:txBody>
                     <a:bodyPr/>
                     <a:lstStyle/>
-                    <a:p/>
+                    <a:p>
+                      <a:endParaRPr/>
+                    </a:p>
                   </a:txBody>
                   <a:tcPr>
                     <a:solidFill>
@@ -3910,6 +4016,11 @@
                     </a:solidFill>
                   </a:tcPr>
                 </a:tc>
+                <a:extLst>
+                  <a:ext uri="{0D108BD9-81ED-4DB2-BD59-A6C34878D82A}">
+                    <a16:rowId xmlns:a16="http://schemas.microsoft.com/office/drawing/2014/main" val="10003"/>
+                  </a:ext>
+                </a:extLst>
               </a:tr>
             </a:tbl>
           </a:graphicData>
@@ -3917,7 +4028,7 @@
       </p:graphicFrame>
       <p:pic>
         <p:nvPicPr>
-          <p:cNvPr id="5" name="Picture 4" descr="image.jpg"/>
+          <p:cNvPr id="5" name="Picture 4" descr="103390.jpg"/>
           <p:cNvPicPr>
             <a:picLocks noChangeAspect="1"/>
           </p:cNvPicPr>
@@ -3931,8 +4042,272 @@
         </p:blipFill>
         <p:spPr>
           <a:xfrm>
-            <a:off x="914400" y="914400"/>
-            <a:ext cx="1905000" cy="1905000"/>
+            <a:off x="137160" y="1874838"/>
+            <a:ext cx="914400" cy="914400"/>
+          </a:xfrm>
+          <a:prstGeom prst="rect">
+            <a:avLst/>
+          </a:prstGeom>
+        </p:spPr>
+      </p:pic>
+      <p:pic>
+        <p:nvPicPr>
+          <p:cNvPr id="6" name="Picture 5" descr="1005525.jpg"/>
+          <p:cNvPicPr>
+            <a:picLocks noChangeAspect="1"/>
+          </p:cNvPicPr>
+          <p:nvPr/>
+        </p:nvPicPr>
+        <p:blipFill>
+          <a:blip r:embed="rId3"/>
+          <a:stretch>
+            <a:fillRect/>
+          </a:stretch>
+        </p:blipFill>
+        <p:spPr>
+          <a:xfrm>
+            <a:off x="137160" y="3246438"/>
+            <a:ext cx="914400" cy="914400"/>
+          </a:xfrm>
+          <a:prstGeom prst="rect">
+            <a:avLst/>
+          </a:prstGeom>
+        </p:spPr>
+      </p:pic>
+      <p:pic>
+        <p:nvPicPr>
+          <p:cNvPr id="7" name="Picture 6" descr="102419.jpg"/>
+          <p:cNvPicPr>
+            <a:picLocks noChangeAspect="1"/>
+          </p:cNvPicPr>
+          <p:nvPr/>
+        </p:nvPicPr>
+        <p:blipFill>
+          <a:blip r:embed="rId4"/>
+          <a:stretch>
+            <a:fillRect/>
+          </a:stretch>
+        </p:blipFill>
+        <p:spPr>
+          <a:xfrm>
+            <a:off x="137160" y="4617562"/>
+            <a:ext cx="914400" cy="914400"/>
+          </a:xfrm>
+          <a:prstGeom prst="rect">
+            <a:avLst/>
+          </a:prstGeom>
+        </p:spPr>
+      </p:pic>
+      <p:pic>
+        <p:nvPicPr>
+          <p:cNvPr id="8" name="Picture 7" descr="10944.jpg"/>
+          <p:cNvPicPr>
+            <a:picLocks noChangeAspect="1"/>
+          </p:cNvPicPr>
+          <p:nvPr/>
+        </p:nvPicPr>
+        <p:blipFill>
+          <a:blip r:embed="rId5"/>
+          <a:stretch>
+            <a:fillRect/>
+          </a:stretch>
+        </p:blipFill>
+        <p:spPr>
+          <a:xfrm>
+            <a:off x="3063240" y="1900238"/>
+            <a:ext cx="914400" cy="914400"/>
+          </a:xfrm>
+          <a:prstGeom prst="rect">
+            <a:avLst/>
+          </a:prstGeom>
+        </p:spPr>
+      </p:pic>
+      <p:pic>
+        <p:nvPicPr>
+          <p:cNvPr id="9" name="Picture 8" descr="113488.jpg"/>
+          <p:cNvPicPr>
+            <a:picLocks noChangeAspect="1"/>
+          </p:cNvPicPr>
+          <p:nvPr/>
+        </p:nvPicPr>
+        <p:blipFill>
+          <a:blip r:embed="rId6"/>
+          <a:stretch>
+            <a:fillRect/>
+          </a:stretch>
+        </p:blipFill>
+        <p:spPr>
+          <a:xfrm>
+            <a:off x="3063240" y="3343275"/>
+            <a:ext cx="914400" cy="914400"/>
+          </a:xfrm>
+          <a:prstGeom prst="rect">
+            <a:avLst/>
+          </a:prstGeom>
+        </p:spPr>
+      </p:pic>
+      <p:pic>
+        <p:nvPicPr>
+          <p:cNvPr id="10" name="Picture 9" descr="105363.jpg"/>
+          <p:cNvPicPr>
+            <a:picLocks noChangeAspect="1"/>
+          </p:cNvPicPr>
+          <p:nvPr/>
+        </p:nvPicPr>
+        <p:blipFill>
+          <a:blip r:embed="rId7"/>
+          <a:stretch>
+            <a:fillRect/>
+          </a:stretch>
+        </p:blipFill>
+        <p:spPr>
+          <a:xfrm>
+            <a:off x="3074886" y="4617562"/>
+            <a:ext cx="914400" cy="914400"/>
+          </a:xfrm>
+          <a:prstGeom prst="rect">
+            <a:avLst/>
+          </a:prstGeom>
+        </p:spPr>
+      </p:pic>
+      <p:pic>
+        <p:nvPicPr>
+          <p:cNvPr id="11" name="Picture 10" descr="113317.jpg"/>
+          <p:cNvPicPr>
+            <a:picLocks noChangeAspect="1"/>
+          </p:cNvPicPr>
+          <p:nvPr/>
+        </p:nvPicPr>
+        <p:blipFill>
+          <a:blip r:embed="rId8"/>
+          <a:stretch>
+            <a:fillRect/>
+          </a:stretch>
+        </p:blipFill>
+        <p:spPr>
+          <a:xfrm>
+            <a:off x="5989320" y="1900238"/>
+            <a:ext cx="914400" cy="914400"/>
+          </a:xfrm>
+          <a:prstGeom prst="rect">
+            <a:avLst/>
+          </a:prstGeom>
+        </p:spPr>
+      </p:pic>
+      <p:pic>
+        <p:nvPicPr>
+          <p:cNvPr id="12" name="Picture 11" descr="121782.jpg"/>
+          <p:cNvPicPr>
+            <a:picLocks noChangeAspect="1"/>
+          </p:cNvPicPr>
+          <p:nvPr/>
+        </p:nvPicPr>
+        <p:blipFill>
+          <a:blip r:embed="rId9"/>
+          <a:stretch>
+            <a:fillRect/>
+          </a:stretch>
+        </p:blipFill>
+        <p:spPr>
+          <a:xfrm>
+            <a:off x="5989320" y="3343275"/>
+            <a:ext cx="914400" cy="914400"/>
+          </a:xfrm>
+          <a:prstGeom prst="rect">
+            <a:avLst/>
+          </a:prstGeom>
+        </p:spPr>
+      </p:pic>
+      <p:pic>
+        <p:nvPicPr>
+          <p:cNvPr id="13" name="Picture 12" descr="102264.jpg"/>
+          <p:cNvPicPr>
+            <a:picLocks noChangeAspect="1"/>
+          </p:cNvPicPr>
+          <p:nvPr/>
+        </p:nvPicPr>
+        <p:blipFill>
+          <a:blip r:embed="rId10"/>
+          <a:stretch>
+            <a:fillRect/>
+          </a:stretch>
+        </p:blipFill>
+        <p:spPr>
+          <a:xfrm>
+            <a:off x="5989320" y="4597717"/>
+            <a:ext cx="914400" cy="914400"/>
+          </a:xfrm>
+          <a:prstGeom prst="rect">
+            <a:avLst/>
+          </a:prstGeom>
+        </p:spPr>
+      </p:pic>
+      <p:pic>
+        <p:nvPicPr>
+          <p:cNvPr id="14" name="Picture 13" descr="104827.jpg"/>
+          <p:cNvPicPr>
+            <a:picLocks noChangeAspect="1"/>
+          </p:cNvPicPr>
+          <p:nvPr/>
+        </p:nvPicPr>
+        <p:blipFill>
+          <a:blip r:embed="rId11"/>
+          <a:stretch>
+            <a:fillRect/>
+          </a:stretch>
+        </p:blipFill>
+        <p:spPr>
+          <a:xfrm>
+            <a:off x="8892540" y="1900238"/>
+            <a:ext cx="914400" cy="914400"/>
+          </a:xfrm>
+          <a:prstGeom prst="rect">
+            <a:avLst/>
+          </a:prstGeom>
+        </p:spPr>
+      </p:pic>
+      <p:pic>
+        <p:nvPicPr>
+          <p:cNvPr id="15" name="Picture 14" descr="127918.jpg"/>
+          <p:cNvPicPr>
+            <a:picLocks noChangeAspect="1"/>
+          </p:cNvPicPr>
+          <p:nvPr/>
+        </p:nvPicPr>
+        <p:blipFill>
+          <a:blip r:embed="rId12"/>
+          <a:stretch>
+            <a:fillRect/>
+          </a:stretch>
+        </p:blipFill>
+        <p:spPr>
+          <a:xfrm>
+            <a:off x="8892540" y="3343275"/>
+            <a:ext cx="914400" cy="914400"/>
+          </a:xfrm>
+          <a:prstGeom prst="rect">
+            <a:avLst/>
+          </a:prstGeom>
+        </p:spPr>
+      </p:pic>
+      <p:pic>
+        <p:nvPicPr>
+          <p:cNvPr id="16" name="Picture 15" descr="125132.jpg"/>
+          <p:cNvPicPr>
+            <a:picLocks noChangeAspect="1"/>
+          </p:cNvPicPr>
+          <p:nvPr/>
+        </p:nvPicPr>
+        <p:blipFill>
+          <a:blip r:embed="rId13"/>
+          <a:stretch>
+            <a:fillRect/>
+          </a:stretch>
+        </p:blipFill>
+        <p:spPr>
+          <a:xfrm>
+            <a:off x="8892540" y="4617562"/>
+            <a:ext cx="914400" cy="914400"/>
           </a:xfrm>
           <a:prstGeom prst="rect">
             <a:avLst/>
@@ -3948,7 +4323,7 @@
 </file>
 
 <file path=ppt/slides/slide3.xml><?xml version="1.0" encoding="utf-8"?>
-<p:sld xmlns:a="http://schemas.openxmlformats.org/drawingml/2006/main" xmlns:p="http://schemas.openxmlformats.org/presentationml/2006/main" xmlns:r="http://schemas.openxmlformats.org/officeDocument/2006/relationships">
+<p:sld xmlns:a="http://schemas.openxmlformats.org/drawingml/2006/main" xmlns:r="http://schemas.openxmlformats.org/officeDocument/2006/relationships" xmlns:p="http://schemas.openxmlformats.org/presentationml/2006/main">
   <p:cSld>
     <p:spTree>
       <p:nvGrpSpPr>
@@ -3956,7 +4331,14 @@
         <p:cNvGrpSpPr/>
         <p:nvPr/>
       </p:nvGrpSpPr>
-      <p:grpSpPr/>
+      <p:grpSpPr>
+        <a:xfrm>
+          <a:off x="0" y="0"/>
+          <a:ext cx="0" cy="0"/>
+          <a:chOff x="0" y="0"/>
+          <a:chExt cx="0" cy="0"/>
+        </a:xfrm>
+      </p:grpSpPr>
       <p:sp>
         <p:nvSpPr>
           <p:cNvPr id="2" name="Title 1"/>
@@ -3997,6 +4379,730 @@
             <a:pPr algn="l"/>
             <a:r>
               <a:t>HEAD (Mer &amp; Acq)</a:t>
+            </a:r>
+          </a:p>
+        </p:txBody>
+      </p:sp>
+      <p:graphicFrame>
+        <p:nvGraphicFramePr>
+          <p:cNvPr id="4" name="Table 3"/>
+          <p:cNvGraphicFramePr>
+            <a:graphicFrameLocks noGrp="1"/>
+          </p:cNvGraphicFramePr>
+          <p:nvPr/>
+        </p:nvGraphicFramePr>
+        <p:xfrm>
+          <a:off x="137160" y="1371600"/>
+          <a:ext cx="8778240" cy="4480560"/>
+        </p:xfrm>
+        <a:graphic>
+          <a:graphicData uri="http://schemas.openxmlformats.org/drawingml/2006/table">
+            <a:tbl>
+              <a:tblPr firstRow="1" bandRow="1">
+                <a:tableStyleId>{5C22544A-7EE6-4342-B048-85BDC9FD1C3A}</a:tableStyleId>
+              </a:tblPr>
+              <a:tblGrid>
+                <a:gridCol w="914400">
+                  <a:extLst>
+                    <a:ext uri="{9D8B030D-6E8A-4147-A177-3AD203B41FA5}">
+                      <a16:colId xmlns:a16="http://schemas.microsoft.com/office/drawing/2014/main" val="20000"/>
+                    </a:ext>
+                  </a:extLst>
+                </a:gridCol>
+                <a:gridCol w="2011680">
+                  <a:extLst>
+                    <a:ext uri="{9D8B030D-6E8A-4147-A177-3AD203B41FA5}">
+                      <a16:colId xmlns:a16="http://schemas.microsoft.com/office/drawing/2014/main" val="20001"/>
+                    </a:ext>
+                  </a:extLst>
+                </a:gridCol>
+                <a:gridCol w="914400">
+                  <a:extLst>
+                    <a:ext uri="{9D8B030D-6E8A-4147-A177-3AD203B41FA5}">
+                      <a16:colId xmlns:a16="http://schemas.microsoft.com/office/drawing/2014/main" val="20002"/>
+                    </a:ext>
+                  </a:extLst>
+                </a:gridCol>
+                <a:gridCol w="2011680">
+                  <a:extLst>
+                    <a:ext uri="{9D8B030D-6E8A-4147-A177-3AD203B41FA5}">
+                      <a16:colId xmlns:a16="http://schemas.microsoft.com/office/drawing/2014/main" val="20003"/>
+                    </a:ext>
+                  </a:extLst>
+                </a:gridCol>
+                <a:gridCol w="914400">
+                  <a:extLst>
+                    <a:ext uri="{9D8B030D-6E8A-4147-A177-3AD203B41FA5}">
+                      <a16:colId xmlns:a16="http://schemas.microsoft.com/office/drawing/2014/main" val="20004"/>
+                    </a:ext>
+                  </a:extLst>
+                </a:gridCol>
+                <a:gridCol w="2011680">
+                  <a:extLst>
+                    <a:ext uri="{9D8B030D-6E8A-4147-A177-3AD203B41FA5}">
+                      <a16:colId xmlns:a16="http://schemas.microsoft.com/office/drawing/2014/main" val="20005"/>
+                    </a:ext>
+                  </a:extLst>
+                </a:gridCol>
+              </a:tblGrid>
+              <a:tr h="182880">
+                <a:tc gridSpan="2">
+                  <a:txBody>
+                    <a:bodyPr/>
+                    <a:lstStyle/>
+                    <a:p>
+                      <a:r>
+                        <a:rPr sz="1000"/>
+                        <a:t>1st Line</a:t>
+                      </a:r>
+                    </a:p>
+                  </a:txBody>
+                  <a:tcPr>
+                    <a:solidFill>
+                      <a:srgbClr val="00B1A9"/>
+                    </a:solidFill>
+                  </a:tcPr>
+                </a:tc>
+                <a:tc hMerge="1">
+                  <a:txBody>
+                    <a:bodyPr/>
+                    <a:lstStyle/>
+                    <a:p>
+                      <a:endParaRPr/>
+                    </a:p>
+                  </a:txBody>
+                  <a:tcPr>
+                    <a:solidFill>
+                      <a:srgbClr val="F2F2F2"/>
+                    </a:solidFill>
+                  </a:tcPr>
+                </a:tc>
+                <a:tc gridSpan="2">
+                  <a:txBody>
+                    <a:bodyPr/>
+                    <a:lstStyle/>
+                    <a:p>
+                      <a:r>
+                        <a:rPr sz="1000"/>
+                        <a:t>2nd Line</a:t>
+                      </a:r>
+                    </a:p>
+                  </a:txBody>
+                  <a:tcPr>
+                    <a:solidFill>
+                      <a:srgbClr val="00B1A9"/>
+                    </a:solidFill>
+                  </a:tcPr>
+                </a:tc>
+                <a:tc hMerge="1">
+                  <a:txBody>
+                    <a:bodyPr/>
+                    <a:lstStyle/>
+                    <a:p>
+                      <a:endParaRPr/>
+                    </a:p>
+                  </a:txBody>
+                  <a:tcPr>
+                    <a:solidFill>
+                      <a:srgbClr val="F2F2F2"/>
+                    </a:solidFill>
+                  </a:tcPr>
+                </a:tc>
+                <a:tc gridSpan="2">
+                  <a:txBody>
+                    <a:bodyPr/>
+                    <a:lstStyle/>
+                    <a:p>
+                      <a:r>
+                        <a:rPr sz="1000"/>
+                        <a:t>3rd Line</a:t>
+                      </a:r>
+                    </a:p>
+                  </a:txBody>
+                  <a:tcPr>
+                    <a:solidFill>
+                      <a:srgbClr val="00B1A9"/>
+                    </a:solidFill>
+                  </a:tcPr>
+                </a:tc>
+                <a:tc hMerge="1">
+                  <a:txBody>
+                    <a:bodyPr/>
+                    <a:lstStyle/>
+                    <a:p>
+                      <a:endParaRPr/>
+                    </a:p>
+                  </a:txBody>
+                  <a:tcPr>
+                    <a:solidFill>
+                      <a:srgbClr val="F2F2F2"/>
+                    </a:solidFill>
+                  </a:tcPr>
+                </a:tc>
+                <a:extLst>
+                  <a:ext uri="{0D108BD9-81ED-4DB2-BD59-A6C34878D82A}">
+                    <a16:rowId xmlns:a16="http://schemas.microsoft.com/office/drawing/2014/main" val="10000"/>
+                  </a:ext>
+                </a:extLst>
+              </a:tr>
+              <a:tr h="182880">
+                <a:tc>
+                  <a:txBody>
+                    <a:bodyPr/>
+                    <a:lstStyle/>
+                    <a:p>
+                      <a:endParaRPr/>
+                    </a:p>
+                  </a:txBody>
+                  <a:tcPr>
+                    <a:solidFill>
+                      <a:srgbClr val="F2F2F2"/>
+                    </a:solidFill>
+                  </a:tcPr>
+                </a:tc>
+                <a:tc>
+                  <a:txBody>
+                    <a:bodyPr/>
+                    <a:lstStyle/>
+                    <a:p>
+                      <a:r>
+                        <a:rPr sz="1000"/>
+                        <a:t>Izwan bin Ismail (G11, CT)</a:t>
+                      </a:r>
+                    </a:p>
+                    <a:p>
+                      <a:r>
+                        <a:rPr sz="1000"/>
+                        <a:t>Head (Executive Assistant), Executive Assistant, President Special Assistant Unit, PETRONAS </a:t>
+                      </a:r>
+                    </a:p>
+                    <a:p>
+                      <a:r>
+                        <a:rPr sz="1000"/>
+                        <a:t>Retire: 25/08/2035,   Age: 44</a:t>
+                      </a:r>
+                    </a:p>
+                    <a:p>
+                      <a:r>
+                        <a:rPr sz="1000"/>
+                        <a:t>PPA: 1, 1, 2, 2, 2</a:t>
+                      </a:r>
+                    </a:p>
+                  </a:txBody>
+                  <a:tcPr>
+                    <a:solidFill>
+                      <a:srgbClr val="F2F2F2"/>
+                    </a:solidFill>
+                  </a:tcPr>
+                </a:tc>
+                <a:tc>
+                  <a:txBody>
+                    <a:bodyPr/>
+                    <a:lstStyle/>
+                    <a:p>
+                      <a:endParaRPr/>
+                    </a:p>
+                  </a:txBody>
+                  <a:tcPr>
+                    <a:solidFill>
+                      <a:srgbClr val="F2F2F2"/>
+                    </a:solidFill>
+                  </a:tcPr>
+                </a:tc>
+                <a:tc>
+                  <a:txBody>
+                    <a:bodyPr/>
+                    <a:lstStyle/>
+                    <a:p>
+                      <a:r>
+                        <a:rPr sz="1000"/>
+                        <a:t>Sani Zuhairi bin Zainudin (G10, CT)</a:t>
+                      </a:r>
+                    </a:p>
+                    <a:p>
+                      <a:r>
+                        <a:rPr sz="1000"/>
+                        <a:t>Head (Business Development &amp; Commercial), Business Development &amp; Commercial, Strategy &amp; Business Development, PETRONAS Gas &amp; New Energy</a:t>
+                      </a:r>
+                    </a:p>
+                    <a:p>
+                      <a:r>
+                        <a:rPr sz="1000"/>
+                        <a:t>Retire: 10/10/2031,   Age: 43</a:t>
+                      </a:r>
+                    </a:p>
+                    <a:p>
+                      <a:r>
+                        <a:rPr sz="1000"/>
+                        <a:t>PPA: 2, 2, 2, 2, 2</a:t>
+                      </a:r>
+                    </a:p>
+                  </a:txBody>
+                  <a:tcPr>
+                    <a:solidFill>
+                      <a:srgbClr val="F2F2F2"/>
+                    </a:solidFill>
+                  </a:tcPr>
+                </a:tc>
+                <a:tc>
+                  <a:txBody>
+                    <a:bodyPr/>
+                    <a:lstStyle/>
+                    <a:p>
+                      <a:endParaRPr/>
+                    </a:p>
+                  </a:txBody>
+                  <a:tcPr>
+                    <a:solidFill>
+                      <a:srgbClr val="F2F2F2"/>
+                    </a:solidFill>
+                  </a:tcPr>
+                </a:tc>
+                <a:tc>
+                  <a:txBody>
+                    <a:bodyPr/>
+                    <a:lstStyle/>
+                    <a:p>
+                      <a:r>
+                        <a:rPr sz="1000"/>
+                        <a:t>Mohd Faizal bin Mohamed Sulaiman (G08, CT)</a:t>
+                      </a:r>
+                    </a:p>
+                    <a:p>
+                      <a:r>
+                        <a:rPr sz="1000"/>
+                        <a:t>Head (Marketing – South East Asia), Marketing - South East Asia, Marketing &amp; Trading, LNG Marketing &amp; Trading, PLL, Gas &amp; New Energy</a:t>
+                      </a:r>
+                    </a:p>
+                    <a:p>
+                      <a:r>
+                        <a:rPr sz="1000"/>
+                        <a:t>Retire: 26/04/2042,   Age: 37</a:t>
+                      </a:r>
+                    </a:p>
+                    <a:p>
+                      <a:r>
+                        <a:rPr sz="1000"/>
+                        <a:t>PPA: SDP, 3H, 1, 2, 2</a:t>
+                      </a:r>
+                    </a:p>
+                  </a:txBody>
+                  <a:tcPr>
+                    <a:solidFill>
+                      <a:srgbClr val="F2F2F2"/>
+                    </a:solidFill>
+                  </a:tcPr>
+                </a:tc>
+                <a:extLst>
+                  <a:ext uri="{0D108BD9-81ED-4DB2-BD59-A6C34878D82A}">
+                    <a16:rowId xmlns:a16="http://schemas.microsoft.com/office/drawing/2014/main" val="10001"/>
+                  </a:ext>
+                </a:extLst>
+              </a:tr>
+              <a:tr h="182880">
+                <a:tc>
+                  <a:txBody>
+                    <a:bodyPr/>
+                    <a:lstStyle/>
+                    <a:p>
+                      <a:endParaRPr/>
+                    </a:p>
+                  </a:txBody>
+                  <a:tcPr>
+                    <a:solidFill>
+                      <a:srgbClr val="F2F2F2"/>
+                    </a:solidFill>
+                  </a:tcPr>
+                </a:tc>
+                <a:tc>
+                  <a:txBody>
+                    <a:bodyPr/>
+                    <a:lstStyle/>
+                    <a:p>
+                      <a:r>
+                        <a:rPr sz="1000"/>
+                        <a:t>Azrul bin Osman Rani (G12, CT)</a:t>
+                      </a:r>
+                    </a:p>
+                    <a:p>
+                      <a:r>
+                        <a:rPr sz="1000"/>
+                        <a:t>Managing Director/CEO, MD/CEO Office, Marketing, PDB, Downstream Business</a:t>
+                      </a:r>
+                    </a:p>
+                    <a:p>
+                      <a:r>
+                        <a:rPr sz="1000"/>
+                        <a:t>Retire: 13/11/2033,   Age: 46</a:t>
+                      </a:r>
+                    </a:p>
+                    <a:p>
+                      <a:r>
+                        <a:rPr sz="1000"/>
+                        <a:t>PPA: 2, 2, 1, 2, 1</a:t>
+                      </a:r>
+                    </a:p>
+                  </a:txBody>
+                  <a:tcPr>
+                    <a:solidFill>
+                      <a:srgbClr val="F2F2F2"/>
+                    </a:solidFill>
+                  </a:tcPr>
+                </a:tc>
+                <a:tc>
+                  <a:txBody>
+                    <a:bodyPr/>
+                    <a:lstStyle/>
+                    <a:p>
+                      <a:endParaRPr/>
+                    </a:p>
+                  </a:txBody>
+                  <a:tcPr>
+                    <a:solidFill>
+                      <a:srgbClr val="F2F2F2"/>
+                    </a:solidFill>
+                  </a:tcPr>
+                </a:tc>
+                <a:tc>
+                  <a:txBody>
+                    <a:bodyPr/>
+                    <a:lstStyle/>
+                    <a:p>
+                      <a:r>
+                        <a:rPr sz="1000"/>
+                        <a:t>Ezran bin Mahadzir (G11, CT)</a:t>
+                      </a:r>
+                    </a:p>
+                    <a:p>
+                      <a:r>
+                        <a:rPr sz="1000"/>
+                        <a:t>Head (Energy &amp; Gas Trading), Energy &amp; Gas Trading, Gas &amp; Power, PEGT, Gas &amp; New Energy</a:t>
+                      </a:r>
+                    </a:p>
+                    <a:p>
+                      <a:r>
+                        <a:rPr sz="1000"/>
+                        <a:t>Retire: 24/04/2030,   Age: 44</a:t>
+                      </a:r>
+                    </a:p>
+                    <a:p>
+                      <a:r>
+                        <a:rPr sz="1000"/>
+                        <a:t>PPA: 2, 1, 1, 2, 2</a:t>
+                      </a:r>
+                    </a:p>
+                  </a:txBody>
+                  <a:tcPr>
+                    <a:solidFill>
+                      <a:srgbClr val="F2F2F2"/>
+                    </a:solidFill>
+                  </a:tcPr>
+                </a:tc>
+                <a:tc>
+                  <a:txBody>
+                    <a:bodyPr/>
+                    <a:lstStyle/>
+                    <a:p>
+                      <a:endParaRPr/>
+                    </a:p>
+                  </a:txBody>
+                  <a:tcPr>
+                    <a:solidFill>
+                      <a:srgbClr val="F2F2F2"/>
+                    </a:solidFill>
+                  </a:tcPr>
+                </a:tc>
+                <a:tc>
+                  <a:txBody>
+                    <a:bodyPr/>
+                    <a:lstStyle/>
+                    <a:p>
+                      <a:r>
+                        <a:rPr sz="1000"/>
+                        <a:t>Abdullah Ayman bin Awaluddin (G08, CT)</a:t>
+                      </a:r>
+                    </a:p>
+                    <a:p>
+                      <a:r>
+                        <a:rPr sz="1000"/>
+                        <a:t>Head (Venture Architect), Venture Architect, Venture Builder, Marketing, PDB, Downstream Business</a:t>
+                      </a:r>
+                    </a:p>
+                    <a:p>
+                      <a:r>
+                        <a:rPr sz="1000"/>
+                        <a:t>Retire: 30/07/2041,   Age: 38</a:t>
+                      </a:r>
+                    </a:p>
+                    <a:p>
+                      <a:r>
+                        <a:rPr sz="1000"/>
+                        <a:t>PPA: 2, 3H, 2, 1, 1</a:t>
+                      </a:r>
+                    </a:p>
+                  </a:txBody>
+                  <a:tcPr>
+                    <a:solidFill>
+                      <a:srgbClr val="F2F2F2"/>
+                    </a:solidFill>
+                  </a:tcPr>
+                </a:tc>
+                <a:extLst>
+                  <a:ext uri="{0D108BD9-81ED-4DB2-BD59-A6C34878D82A}">
+                    <a16:rowId xmlns:a16="http://schemas.microsoft.com/office/drawing/2014/main" val="10002"/>
+                  </a:ext>
+                </a:extLst>
+              </a:tr>
+              <a:tr h="182880">
+                <a:tc>
+                  <a:txBody>
+                    <a:bodyPr/>
+                    <a:lstStyle/>
+                    <a:p>
+                      <a:endParaRPr/>
+                    </a:p>
+                  </a:txBody>
+                  <a:tcPr>
+                    <a:solidFill>
+                      <a:srgbClr val="F2F2F2"/>
+                    </a:solidFill>
+                  </a:tcPr>
+                </a:tc>
+                <a:tc>
+                  <a:txBody>
+                    <a:bodyPr/>
+                    <a:lstStyle/>
+                    <a:p>
+                      <a:endParaRPr/>
+                    </a:p>
+                  </a:txBody>
+                  <a:tcPr>
+                    <a:solidFill>
+                      <a:srgbClr val="F2F2F2"/>
+                    </a:solidFill>
+                  </a:tcPr>
+                </a:tc>
+                <a:tc>
+                  <a:txBody>
+                    <a:bodyPr/>
+                    <a:lstStyle/>
+                    <a:p>
+                      <a:endParaRPr/>
+                    </a:p>
+                  </a:txBody>
+                  <a:tcPr>
+                    <a:solidFill>
+                      <a:srgbClr val="F2F2F2"/>
+                    </a:solidFill>
+                  </a:tcPr>
+                </a:tc>
+                <a:tc>
+                  <a:txBody>
+                    <a:bodyPr/>
+                    <a:lstStyle/>
+                    <a:p>
+                      <a:r>
+                        <a:rPr sz="1000"/>
+                        <a:t>Mazlin Erawati binti Ab Manan (G10, CT)</a:t>
+                      </a:r>
+                    </a:p>
+                    <a:p>
+                      <a:r>
+                        <a:rPr sz="1000"/>
+                        <a:t>Head (CEO Office), RC &amp; Petrochemical, Project, PRPC, Downstream Business</a:t>
+                      </a:r>
+                    </a:p>
+                    <a:p>
+                      <a:r>
+                        <a:rPr sz="1000"/>
+                        <a:t>Retire: 17/01/2040,   Age: 40</a:t>
+                      </a:r>
+                    </a:p>
+                    <a:p>
+                      <a:r>
+                        <a:rPr sz="1000"/>
+                        <a:t>PPA: 2, 2, 2, 2, 2</a:t>
+                      </a:r>
+                    </a:p>
+                  </a:txBody>
+                  <a:tcPr>
+                    <a:solidFill>
+                      <a:srgbClr val="F2F2F2"/>
+                    </a:solidFill>
+                  </a:tcPr>
+                </a:tc>
+                <a:tc>
+                  <a:txBody>
+                    <a:bodyPr/>
+                    <a:lstStyle/>
+                    <a:p>
+                      <a:endParaRPr/>
+                    </a:p>
+                  </a:txBody>
+                  <a:tcPr>
+                    <a:solidFill>
+                      <a:srgbClr val="F2F2F2"/>
+                    </a:solidFill>
+                  </a:tcPr>
+                </a:tc>
+                <a:tc>
+                  <a:txBody>
+                    <a:bodyPr/>
+                    <a:lstStyle/>
+                    <a:p>
+                      <a:r>
+                        <a:rPr sz="1000"/>
+                        <a:t>Nazri Idzlan bin Abdul Malek (G08, CT)</a:t>
+                      </a:r>
+                    </a:p>
+                    <a:p>
+                      <a:r>
+                        <a:rPr sz="1000"/>
+                        <a:t>Head, Strategic Planning &amp; Buss Dev, Strategic Planning &amp; Buss Development, Refining &amp; Trading, Downstream Corporate Office, PETRONAS </a:t>
+                      </a:r>
+                    </a:p>
+                    <a:p>
+                      <a:r>
+                        <a:rPr sz="1000"/>
+                        <a:t>Retire: 21/12/2041,   Age: 38</a:t>
+                      </a:r>
+                    </a:p>
+                    <a:p>
+                      <a:r>
+                        <a:rPr sz="1000"/>
+                        <a:t>PPA: 3H, SDP, SDP, 3S, 3H</a:t>
+                      </a:r>
+                    </a:p>
+                  </a:txBody>
+                  <a:tcPr>
+                    <a:solidFill>
+                      <a:srgbClr val="F2F2F2"/>
+                    </a:solidFill>
+                  </a:tcPr>
+                </a:tc>
+                <a:extLst>
+                  <a:ext uri="{0D108BD9-81ED-4DB2-BD59-A6C34878D82A}">
+                    <a16:rowId xmlns:a16="http://schemas.microsoft.com/office/drawing/2014/main" val="10003"/>
+                  </a:ext>
+                </a:extLst>
+              </a:tr>
+            </a:tbl>
+          </a:graphicData>
+        </a:graphic>
+      </p:graphicFrame>
+      <p:pic>
+        <p:nvPicPr>
+          <p:cNvPr id="5" name="Picture 4" descr="1005525.jpg"/>
+          <p:cNvPicPr>
+            <a:picLocks noChangeAspect="1"/>
+          </p:cNvPicPr>
+          <p:nvPr/>
+        </p:nvPicPr>
+        <p:blipFill>
+          <a:blip r:embed="rId2"/>
+          <a:stretch>
+            <a:fillRect/>
+          </a:stretch>
+        </p:blipFill>
+        <p:spPr>
+          <a:xfrm>
+            <a:off x="914400" y="914400"/>
+            <a:ext cx="914400" cy="914400"/>
+          </a:xfrm>
+          <a:prstGeom prst="rect">
+            <a:avLst/>
+          </a:prstGeom>
+        </p:spPr>
+      </p:pic>
+      <p:pic>
+        <p:nvPicPr>
+          <p:cNvPr id="6" name="Picture 5" descr="121782.jpg"/>
+          <p:cNvPicPr>
+            <a:picLocks noChangeAspect="1"/>
+          </p:cNvPicPr>
+          <p:nvPr/>
+        </p:nvPicPr>
+        <p:blipFill>
+          <a:blip r:embed="rId3"/>
+          <a:stretch>
+            <a:fillRect/>
+          </a:stretch>
+        </p:blipFill>
+        <p:spPr>
+          <a:xfrm>
+            <a:off x="2743200" y="1828800"/>
+            <a:ext cx="914400" cy="914400"/>
+          </a:xfrm>
+          <a:prstGeom prst="rect">
+            <a:avLst/>
+          </a:prstGeom>
+        </p:spPr>
+      </p:pic>
+    </p:spTree>
+  </p:cSld>
+  <p:clrMapOvr>
+    <a:masterClrMapping/>
+  </p:clrMapOvr>
+</p:sld>
+</file>
+
+<file path=ppt/slides/slide4.xml><?xml version="1.0" encoding="utf-8"?>
+<p:sld xmlns:a="http://schemas.openxmlformats.org/drawingml/2006/main" xmlns:r="http://schemas.openxmlformats.org/officeDocument/2006/relationships" xmlns:p="http://schemas.openxmlformats.org/presentationml/2006/main">
+  <p:cSld>
+    <p:spTree>
+      <p:nvGrpSpPr>
+        <p:cNvPr id="1" name=""/>
+        <p:cNvGrpSpPr/>
+        <p:nvPr/>
+      </p:nvGrpSpPr>
+      <p:grpSpPr>
+        <a:xfrm>
+          <a:off x="0" y="0"/>
+          <a:ext cx="0" cy="0"/>
+          <a:chOff x="0" y="0"/>
+          <a:chExt cx="0" cy="0"/>
+        </a:xfrm>
+      </p:grpSpPr>
+      <p:sp>
+        <p:nvSpPr>
+          <p:cNvPr id="2" name="Title 1"/>
+          <p:cNvSpPr>
+            <a:spLocks noGrp="1"/>
+          </p:cNvSpPr>
+          <p:nvPr>
+            <p:ph type="title"/>
+          </p:nvPr>
+        </p:nvSpPr>
+        <p:spPr/>
+        <p:txBody>
+          <a:bodyPr/>
+          <a:lstStyle/>
+          <a:p>
+            <a:pPr algn="l"/>
+            <a:r>
+              <a:t>Head Basin</a:t>
+            </a:r>
+          </a:p>
+        </p:txBody>
+      </p:sp>
+      <p:sp>
+        <p:nvSpPr>
+          <p:cNvPr id="3" name="Content Placeholder 2"/>
+          <p:cNvSpPr>
+            <a:spLocks noGrp="1"/>
+          </p:cNvSpPr>
+          <p:nvPr>
+            <p:ph idx="1"/>
+          </p:nvPr>
+        </p:nvSpPr>
+        <p:spPr/>
+        <p:txBody>
+          <a:bodyPr/>
+          <a:lstStyle/>
+          <a:p>
+            <a:pPr algn="l"/>
+            <a:r>
+              <a:t>Head Basin</a:t>
             </a:r>
           </a:p>
         </p:txBody>
@@ -4020,14 +5126,50 @@
                 <a:tableStyleId>{5C22544A-7EE6-4342-B048-85BDC9FD1C3A}</a:tableStyleId>
               </a:tblPr>
               <a:tblGrid>
-                <a:gridCol w="914400"/>
-                <a:gridCol w="2011680"/>
-                <a:gridCol w="914400"/>
-                <a:gridCol w="2011680"/>
-                <a:gridCol w="914400"/>
-                <a:gridCol w="2011680"/>
+                <a:gridCol w="914400">
+                  <a:extLst>
+                    <a:ext uri="{9D8B030D-6E8A-4147-A177-3AD203B41FA5}">
+                      <a16:colId xmlns:a16="http://schemas.microsoft.com/office/drawing/2014/main" val="20000"/>
+                    </a:ext>
+                  </a:extLst>
+                </a:gridCol>
+                <a:gridCol w="2011680">
+                  <a:extLst>
+                    <a:ext uri="{9D8B030D-6E8A-4147-A177-3AD203B41FA5}">
+                      <a16:colId xmlns:a16="http://schemas.microsoft.com/office/drawing/2014/main" val="20001"/>
+                    </a:ext>
+                  </a:extLst>
+                </a:gridCol>
+                <a:gridCol w="914400">
+                  <a:extLst>
+                    <a:ext uri="{9D8B030D-6E8A-4147-A177-3AD203B41FA5}">
+                      <a16:colId xmlns:a16="http://schemas.microsoft.com/office/drawing/2014/main" val="20002"/>
+                    </a:ext>
+                  </a:extLst>
+                </a:gridCol>
+                <a:gridCol w="2011680">
+                  <a:extLst>
+                    <a:ext uri="{9D8B030D-6E8A-4147-A177-3AD203B41FA5}">
+                      <a16:colId xmlns:a16="http://schemas.microsoft.com/office/drawing/2014/main" val="20003"/>
+                    </a:ext>
+                  </a:extLst>
+                </a:gridCol>
+                <a:gridCol w="914400">
+                  <a:extLst>
+                    <a:ext uri="{9D8B030D-6E8A-4147-A177-3AD203B41FA5}">
+                      <a16:colId xmlns:a16="http://schemas.microsoft.com/office/drawing/2014/main" val="20004"/>
+                    </a:ext>
+                  </a:extLst>
+                </a:gridCol>
+                <a:gridCol w="2011680">
+                  <a:extLst>
+                    <a:ext uri="{9D8B030D-6E8A-4147-A177-3AD203B41FA5}">
+                      <a16:colId xmlns:a16="http://schemas.microsoft.com/office/drawing/2014/main" val="20005"/>
+                    </a:ext>
+                  </a:extLst>
+                </a:gridCol>
               </a:tblGrid>
-              <a:tr h="182880">
+              <a:tr h="146304">
                 <a:tc gridSpan="2">
                   <a:txBody>
                     <a:bodyPr/>
@@ -4049,7 +5191,9 @@
                   <a:txBody>
                     <a:bodyPr/>
                     <a:lstStyle/>
-                    <a:p/>
+                    <a:p>
+                      <a:endParaRPr/>
+                    </a:p>
                   </a:txBody>
                   <a:tcPr>
                     <a:solidFill>
@@ -4078,7 +5222,9 @@
                   <a:txBody>
                     <a:bodyPr/>
                     <a:lstStyle/>
-                    <a:p/>
+                    <a:p>
+                      <a:endParaRPr/>
+                    </a:p>
                   </a:txBody>
                   <a:tcPr>
                     <a:solidFill>
@@ -4107,95 +5253,309 @@
                   <a:txBody>
                     <a:bodyPr/>
                     <a:lstStyle/>
-                    <a:p/>
-                  </a:txBody>
-                  <a:tcPr>
-                    <a:solidFill>
-                      <a:srgbClr val="F2F2F2"/>
-                    </a:solidFill>
-                  </a:tcPr>
-                </a:tc>
+                    <a:p>
+                      <a:endParaRPr/>
+                    </a:p>
+                  </a:txBody>
+                  <a:tcPr>
+                    <a:solidFill>
+                      <a:srgbClr val="F2F2F2"/>
+                    </a:solidFill>
+                  </a:tcPr>
+                </a:tc>
+                <a:extLst>
+                  <a:ext uri="{0D108BD9-81ED-4DB2-BD59-A6C34878D82A}">
+                    <a16:rowId xmlns:a16="http://schemas.microsoft.com/office/drawing/2014/main" val="10000"/>
+                  </a:ext>
+                </a:extLst>
               </a:tr>
-              <a:tr h="182880">
-                <a:tc>
-                  <a:txBody>
-                    <a:bodyPr/>
-                    <a:lstStyle/>
-                    <a:p/>
-                  </a:txBody>
-                  <a:tcPr>
-                    <a:solidFill>
-                      <a:srgbClr val="F2F2F2"/>
-                    </a:solidFill>
-                  </a:tcPr>
-                </a:tc>
-                <a:tc>
-                  <a:txBody>
-                    <a:bodyPr/>
-                    <a:lstStyle/>
-                    <a:p>
-                      <a:r>
-                        <a:rPr sz="1000"/>
-                        <a:t>Izwan bin Ismail (G11, CT)</a:t>
-                      </a:r>
-                    </a:p>
-                    <a:p>
-                      <a:r>
-                        <a:rPr sz="1000"/>
-                        <a:t>Head (Executive Assistant), Executive Assistant, President Special Assistant Unit, PETRONAS </a:t>
-                      </a:r>
-                    </a:p>
-                    <a:p>
-                      <a:r>
-                        <a:rPr sz="1000"/>
-                        <a:t>Retire: 25/08/2035,   Age: 44</a:t>
-                      </a:r>
-                    </a:p>
-                    <a:p>
-                      <a:r>
-                        <a:rPr sz="1000"/>
-                        <a:t>PPA: 1, 1, 2, 2, 2</a:t>
-                      </a:r>
-                    </a:p>
-                  </a:txBody>
-                  <a:tcPr>
-                    <a:solidFill>
-                      <a:srgbClr val="F2F2F2"/>
-                    </a:solidFill>
-                  </a:tcPr>
-                </a:tc>
-                <a:tc>
-                  <a:txBody>
-                    <a:bodyPr/>
-                    <a:lstStyle/>
-                    <a:p/>
-                  </a:txBody>
-                  <a:tcPr>
-                    <a:solidFill>
-                      <a:srgbClr val="F2F2F2"/>
-                    </a:solidFill>
-                  </a:tcPr>
-                </a:tc>
-                <a:tc>
-                  <a:txBody>
-                    <a:bodyPr/>
-                    <a:lstStyle/>
-                    <a:p>
-                      <a:r>
-                        <a:rPr sz="1000"/>
-                        <a:t>Sani Zuhairi bin Zainudin (G10, CT)</a:t>
-                      </a:r>
-                    </a:p>
-                    <a:p>
-                      <a:r>
-                        <a:rPr sz="1000"/>
-                        <a:t>Head (Business Development &amp; Commercial), Business Development &amp; Commercial, Strategy &amp; Business Development, PETRONAS Gas &amp; New Energy</a:t>
-                      </a:r>
-                    </a:p>
-                    <a:p>
-                      <a:r>
-                        <a:rPr sz="1000"/>
-                        <a:t>Retire: 10/10/2031,   Age: 43</a:t>
+              <a:tr h="146304">
+                <a:tc>
+                  <a:txBody>
+                    <a:bodyPr/>
+                    <a:lstStyle/>
+                    <a:p>
+                      <a:endParaRPr/>
+                    </a:p>
+                  </a:txBody>
+                  <a:tcPr>
+                    <a:solidFill>
+                      <a:srgbClr val="F2F2F2"/>
+                    </a:solidFill>
+                  </a:tcPr>
+                </a:tc>
+                <a:tc>
+                  <a:txBody>
+                    <a:bodyPr/>
+                    <a:lstStyle/>
+                    <a:p>
+                      <a:r>
+                        <a:rPr sz="1000"/>
+                        <a:t>Mohd Redhani bin Abdul Rahman (G12, CT)</a:t>
+                      </a:r>
+                    </a:p>
+                    <a:p>
+                      <a:r>
+                        <a:rPr sz="1000"/>
+                        <a:t>Head (Iraq), Iraq, International Assets, PCSB, Upstream Business</a:t>
+                      </a:r>
+                    </a:p>
+                    <a:p>
+                      <a:r>
+                        <a:rPr sz="1000"/>
+                        <a:t>Retire: 07/04/2035,   Age: 44</a:t>
+                      </a:r>
+                    </a:p>
+                    <a:p>
+                      <a:r>
+                        <a:rPr sz="1000"/>
+                        <a:t>PPA: 2, 1, 1, 2, 2</a:t>
+                      </a:r>
+                    </a:p>
+                  </a:txBody>
+                  <a:tcPr>
+                    <a:solidFill>
+                      <a:srgbClr val="F2F2F2"/>
+                    </a:solidFill>
+                  </a:tcPr>
+                </a:tc>
+                <a:tc>
+                  <a:txBody>
+                    <a:bodyPr/>
+                    <a:lstStyle/>
+                    <a:p>
+                      <a:endParaRPr/>
+                    </a:p>
+                  </a:txBody>
+                  <a:tcPr>
+                    <a:solidFill>
+                      <a:srgbClr val="F2F2F2"/>
+                    </a:solidFill>
+                  </a:tcPr>
+                </a:tc>
+                <a:tc>
+                  <a:txBody>
+                    <a:bodyPr/>
+                    <a:lstStyle/>
+                    <a:p>
+                      <a:r>
+                        <a:rPr sz="1000"/>
+                        <a:t>Christian Brinzer (G08, OT)</a:t>
+                      </a:r>
+                    </a:p>
+                    <a:p>
+                      <a:r>
+                        <a:rPr sz="1000"/>
+                        <a:t>Head (Exploration), Mexico Ventures, International Ventures, Exploration, PCSB, Upstream Business</a:t>
+                      </a:r>
+                    </a:p>
+                    <a:p>
+                      <a:r>
+                        <a:rPr sz="1000"/>
+                        <a:t>Retire: 29/03/2033,   Age: 46</a:t>
+                      </a:r>
+                    </a:p>
+                    <a:p>
+                      <a:r>
+                        <a:rPr sz="1000"/>
+                        <a:t>PPA: 2, 3H, 2, 3H, -</a:t>
+                      </a:r>
+                    </a:p>
+                  </a:txBody>
+                  <a:tcPr>
+                    <a:solidFill>
+                      <a:srgbClr val="F2F2F2"/>
+                    </a:solidFill>
+                  </a:tcPr>
+                </a:tc>
+                <a:tc>
+                  <a:txBody>
+                    <a:bodyPr/>
+                    <a:lstStyle/>
+                    <a:p>
+                      <a:endParaRPr/>
+                    </a:p>
+                  </a:txBody>
+                  <a:tcPr>
+                    <a:solidFill>
+                      <a:srgbClr val="F2F2F2"/>
+                    </a:solidFill>
+                  </a:tcPr>
+                </a:tc>
+                <a:tc>
+                  <a:txBody>
+                    <a:bodyPr/>
+                    <a:lstStyle/>
+                    <a:p>
+                      <a:r>
+                        <a:rPr sz="1000"/>
+                        <a:t>Ahmad Shamsul Kamal bin Zakaria (G07, CT)</a:t>
+                      </a:r>
+                    </a:p>
+                    <a:p>
+                      <a:r>
+                        <a:rPr sz="1000"/>
+                        <a:t>Head (Suriname Ventures), Suriname Ventures, MECA &amp; Americas Ventures, International Ventures, Exploration, PCSB, Upstream Business</a:t>
+                      </a:r>
+                    </a:p>
+                    <a:p>
+                      <a:r>
+                        <a:rPr sz="1000"/>
+                        <a:t>Retire: 02/01/2035,   Age: 45</a:t>
+                      </a:r>
+                    </a:p>
+                    <a:p>
+                      <a:r>
+                        <a:rPr sz="1000"/>
+                        <a:t>PPA: 3H, 2, 2, 2, 3H</a:t>
+                      </a:r>
+                    </a:p>
+                  </a:txBody>
+                  <a:tcPr>
+                    <a:solidFill>
+                      <a:srgbClr val="F2F2F2"/>
+                    </a:solidFill>
+                  </a:tcPr>
+                </a:tc>
+                <a:extLst>
+                  <a:ext uri="{0D108BD9-81ED-4DB2-BD59-A6C34878D82A}">
+                    <a16:rowId xmlns:a16="http://schemas.microsoft.com/office/drawing/2014/main" val="10001"/>
+                  </a:ext>
+                </a:extLst>
+              </a:tr>
+              <a:tr h="146304">
+                <a:tc>
+                  <a:txBody>
+                    <a:bodyPr/>
+                    <a:lstStyle/>
+                    <a:p>
+                      <a:endParaRPr/>
+                    </a:p>
+                  </a:txBody>
+                  <a:tcPr>
+                    <a:solidFill>
+                      <a:srgbClr val="F2F2F2"/>
+                    </a:solidFill>
+                  </a:tcPr>
+                </a:tc>
+                <a:tc>
+                  <a:txBody>
+                    <a:bodyPr/>
+                    <a:lstStyle/>
+                    <a:p>
+                      <a:r>
+                        <a:rPr sz="1000"/>
+                        <a:t>Azli bin Abu Bakar (G09, CT)</a:t>
+                      </a:r>
+                    </a:p>
+                    <a:p>
+                      <a:r>
+                        <a:rPr sz="1000"/>
+                        <a:t>Head (Asia Pacific Basin), Asia Pacific Basin, Basin &amp; Petroleum System, Exploration, PCSB, Upstream Business</a:t>
+                      </a:r>
+                    </a:p>
+                    <a:p>
+                      <a:r>
+                        <a:rPr sz="1000"/>
+                        <a:t>Retire: 16/11/2031,   Age: 43</a:t>
+                      </a:r>
+                    </a:p>
+                    <a:p>
+                      <a:r>
+                        <a:rPr sz="1000"/>
+                        <a:t>PPA: 3H, 3H, 2, 2, SDP</a:t>
+                      </a:r>
+                    </a:p>
+                  </a:txBody>
+                  <a:tcPr>
+                    <a:solidFill>
+                      <a:srgbClr val="F2F2F2"/>
+                    </a:solidFill>
+                  </a:tcPr>
+                </a:tc>
+                <a:tc>
+                  <a:txBody>
+                    <a:bodyPr/>
+                    <a:lstStyle/>
+                    <a:p>
+                      <a:endParaRPr/>
+                    </a:p>
+                  </a:txBody>
+                  <a:tcPr>
+                    <a:solidFill>
+                      <a:srgbClr val="F2F2F2"/>
+                    </a:solidFill>
+                  </a:tcPr>
+                </a:tc>
+                <a:tc>
+                  <a:txBody>
+                    <a:bodyPr/>
+                    <a:lstStyle/>
+                    <a:p>
+                      <a:r>
+                        <a:rPr sz="1000"/>
+                        <a:t>Ahmad Faisal bin Bakar (G07, CT)</a:t>
+                      </a:r>
+                    </a:p>
+                    <a:p>
+                      <a:r>
+                        <a:rPr sz="1000"/>
+                        <a:t>Head (Central Luconia), Central Luconia, Borneo Shallow Water &amp; Onshore, Malaysia Ventures, Exploration, PCSB, Upstream Business</a:t>
+                      </a:r>
+                    </a:p>
+                    <a:p>
+                      <a:r>
+                        <a:rPr sz="1000"/>
+                        <a:t>Retire: 17/07/2038,   Age: 41</a:t>
+                      </a:r>
+                    </a:p>
+                    <a:p>
+                      <a:r>
+                        <a:rPr sz="1000"/>
+                        <a:t>PPA: 1, 2, 2, 3H, 1</a:t>
+                      </a:r>
+                    </a:p>
+                  </a:txBody>
+                  <a:tcPr>
+                    <a:solidFill>
+                      <a:srgbClr val="F2F2F2"/>
+                    </a:solidFill>
+                  </a:tcPr>
+                </a:tc>
+                <a:tc>
+                  <a:txBody>
+                    <a:bodyPr/>
+                    <a:lstStyle/>
+                    <a:p>
+                      <a:endParaRPr/>
+                    </a:p>
+                  </a:txBody>
+                  <a:tcPr>
+                    <a:solidFill>
+                      <a:srgbClr val="F2F2F2"/>
+                    </a:solidFill>
+                  </a:tcPr>
+                </a:tc>
+                <a:tc>
+                  <a:txBody>
+                    <a:bodyPr/>
+                    <a:lstStyle/>
+                    <a:p>
+                      <a:r>
+                        <a:rPr sz="1000"/>
+                        <a:t>Muhamad Amar bin Amir (G05, OT)</a:t>
+                      </a:r>
+                    </a:p>
+                    <a:p>
+                      <a:r>
+                        <a:rPr sz="1000"/>
+                        <a:t>Manager (Geoscience), Myanmar Ventures, Asia Pacific Ventures, International Ventures, Exploration, PCSB, Upstream Business</a:t>
+                      </a:r>
+                    </a:p>
+                    <a:p>
+                      <a:r>
+                        <a:rPr sz="1000"/>
+                        <a:t>Retire: 17/07/2047,   Age: 32</a:t>
                       </a:r>
                     </a:p>
                     <a:p>
@@ -4211,254 +5571,236 @@
                     </a:solidFill>
                   </a:tcPr>
                 </a:tc>
-                <a:tc>
-                  <a:txBody>
-                    <a:bodyPr/>
-                    <a:lstStyle/>
-                    <a:p/>
-                  </a:txBody>
-                  <a:tcPr>
-                    <a:solidFill>
-                      <a:srgbClr val="F2F2F2"/>
-                    </a:solidFill>
-                  </a:tcPr>
-                </a:tc>
-                <a:tc>
-                  <a:txBody>
-                    <a:bodyPr/>
-                    <a:lstStyle/>
-                    <a:p>
-                      <a:r>
-                        <a:rPr sz="1000"/>
-                        <a:t>Mohd Faizal bin Mohamed Sulaiman (G08, CT)</a:t>
-                      </a:r>
-                    </a:p>
-                    <a:p>
-                      <a:r>
-                        <a:rPr sz="1000"/>
-                        <a:t>Head (Marketing – South East Asia), Marketing - South East Asia, Marketing &amp; Trading, LNG Marketing &amp; Trading, PLL, Gas &amp; New Energy</a:t>
-                      </a:r>
-                    </a:p>
-                    <a:p>
-                      <a:r>
-                        <a:rPr sz="1000"/>
-                        <a:t>Retire: 26/04/2042,   Age: 37</a:t>
-                      </a:r>
-                    </a:p>
-                    <a:p>
-                      <a:r>
-                        <a:rPr sz="1000"/>
-                        <a:t>PPA: SDP, 3H, 1, 2, 2</a:t>
-                      </a:r>
-                    </a:p>
-                  </a:txBody>
-                  <a:tcPr>
-                    <a:solidFill>
-                      <a:srgbClr val="F2F2F2"/>
-                    </a:solidFill>
-                  </a:tcPr>
-                </a:tc>
+                <a:extLst>
+                  <a:ext uri="{0D108BD9-81ED-4DB2-BD59-A6C34878D82A}">
+                    <a16:rowId xmlns:a16="http://schemas.microsoft.com/office/drawing/2014/main" val="10002"/>
+                  </a:ext>
+                </a:extLst>
               </a:tr>
-              <a:tr h="182880">
-                <a:tc>
-                  <a:txBody>
-                    <a:bodyPr/>
-                    <a:lstStyle/>
-                    <a:p/>
-                  </a:txBody>
-                  <a:tcPr>
-                    <a:solidFill>
-                      <a:srgbClr val="F2F2F2"/>
-                    </a:solidFill>
-                  </a:tcPr>
-                </a:tc>
-                <a:tc>
-                  <a:txBody>
-                    <a:bodyPr/>
-                    <a:lstStyle/>
-                    <a:p>
-                      <a:r>
-                        <a:rPr sz="1000"/>
-                        <a:t>Azrul bin Osman Rani (G12, CT)</a:t>
-                      </a:r>
-                    </a:p>
-                    <a:p>
-                      <a:r>
-                        <a:rPr sz="1000"/>
-                        <a:t>Managing Director/CEO, MD/CEO Office, Marketing, PDB, Downstream Business</a:t>
-                      </a:r>
-                    </a:p>
-                    <a:p>
-                      <a:r>
-                        <a:rPr sz="1000"/>
-                        <a:t>Retire: 13/11/2033,   Age: 46</a:t>
-                      </a:r>
-                    </a:p>
-                    <a:p>
-                      <a:r>
-                        <a:rPr sz="1000"/>
-                        <a:t>PPA: 2, 2, 1, 2, 1</a:t>
-                      </a:r>
-                    </a:p>
-                  </a:txBody>
-                  <a:tcPr>
-                    <a:solidFill>
-                      <a:srgbClr val="F2F2F2"/>
-                    </a:solidFill>
-                  </a:tcPr>
-                </a:tc>
-                <a:tc>
-                  <a:txBody>
-                    <a:bodyPr/>
-                    <a:lstStyle/>
-                    <a:p/>
-                  </a:txBody>
-                  <a:tcPr>
-                    <a:solidFill>
-                      <a:srgbClr val="F2F2F2"/>
-                    </a:solidFill>
-                  </a:tcPr>
-                </a:tc>
-                <a:tc>
-                  <a:txBody>
-                    <a:bodyPr/>
-                    <a:lstStyle/>
-                    <a:p>
-                      <a:r>
-                        <a:rPr sz="1000"/>
-                        <a:t>Ezran bin Mahadzir (G11, CT)</a:t>
-                      </a:r>
-                    </a:p>
-                    <a:p>
-                      <a:r>
-                        <a:rPr sz="1000"/>
-                        <a:t>Head (Energy &amp; Gas Trading), Energy &amp; Gas Trading, Gas &amp; Power, PEGT, Gas &amp; New Energy</a:t>
-                      </a:r>
-                    </a:p>
-                    <a:p>
-                      <a:r>
-                        <a:rPr sz="1000"/>
-                        <a:t>Retire: 24/04/2030,   Age: 44</a:t>
-                      </a:r>
-                    </a:p>
-                    <a:p>
-                      <a:r>
-                        <a:rPr sz="1000"/>
-                        <a:t>PPA: 2, 1, 1, 2, 2</a:t>
-                      </a:r>
-                    </a:p>
-                  </a:txBody>
-                  <a:tcPr>
-                    <a:solidFill>
-                      <a:srgbClr val="F2F2F2"/>
-                    </a:solidFill>
-                  </a:tcPr>
-                </a:tc>
-                <a:tc>
-                  <a:txBody>
-                    <a:bodyPr/>
-                    <a:lstStyle/>
-                    <a:p/>
-                  </a:txBody>
-                  <a:tcPr>
-                    <a:solidFill>
-                      <a:srgbClr val="F2F2F2"/>
-                    </a:solidFill>
-                  </a:tcPr>
-                </a:tc>
-                <a:tc>
-                  <a:txBody>
-                    <a:bodyPr/>
-                    <a:lstStyle/>
-                    <a:p>
-                      <a:r>
-                        <a:rPr sz="1000"/>
-                        <a:t>Abdullah Ayman bin Awaluddin (G08, CT)</a:t>
-                      </a:r>
-                    </a:p>
-                    <a:p>
-                      <a:r>
-                        <a:rPr sz="1000"/>
-                        <a:t>Head (Venture Architect), Venture Architect, Venture Builder, Marketing, PDB, Downstream Business</a:t>
-                      </a:r>
-                    </a:p>
-                    <a:p>
-                      <a:r>
-                        <a:rPr sz="1000"/>
-                        <a:t>Retire: 30/07/2041,   Age: 38</a:t>
-                      </a:r>
-                    </a:p>
-                    <a:p>
-                      <a:r>
-                        <a:rPr sz="1000"/>
-                        <a:t>PPA: 2, 3H, 2, 1, 1</a:t>
-                      </a:r>
-                    </a:p>
-                  </a:txBody>
-                  <a:tcPr>
-                    <a:solidFill>
-                      <a:srgbClr val="F2F2F2"/>
-                    </a:solidFill>
-                  </a:tcPr>
-                </a:tc>
+              <a:tr h="146304">
+                <a:tc>
+                  <a:txBody>
+                    <a:bodyPr/>
+                    <a:lstStyle/>
+                    <a:p>
+                      <a:endParaRPr/>
+                    </a:p>
+                  </a:txBody>
+                  <a:tcPr>
+                    <a:solidFill>
+                      <a:srgbClr val="F2F2F2"/>
+                    </a:solidFill>
+                  </a:tcPr>
+                </a:tc>
+                <a:tc>
+                  <a:txBody>
+                    <a:bodyPr/>
+                    <a:lstStyle/>
+                    <a:p>
+                      <a:r>
+                        <a:rPr sz="1000"/>
+                        <a:t>Liau Min Hoe (G10, CT)</a:t>
+                      </a:r>
+                    </a:p>
+                    <a:p>
+                      <a:r>
+                        <a:rPr sz="1000"/>
+                        <a:t>Head (Myanmar), Myanmar, International Assets, PCSB, Upstream Business</a:t>
+                      </a:r>
+                    </a:p>
+                    <a:p>
+                      <a:r>
+                        <a:rPr sz="1000"/>
+                        <a:t>Retire: 04/03/2036,   Age: 43</a:t>
+                      </a:r>
+                    </a:p>
+                    <a:p>
+                      <a:r>
+                        <a:rPr sz="1000"/>
+                        <a:t>PPA: 3H, 3H, 2, 3H, 1</a:t>
+                      </a:r>
+                    </a:p>
+                  </a:txBody>
+                  <a:tcPr>
+                    <a:solidFill>
+                      <a:srgbClr val="F2F2F2"/>
+                    </a:solidFill>
+                  </a:tcPr>
+                </a:tc>
+                <a:tc>
+                  <a:txBody>
+                    <a:bodyPr/>
+                    <a:lstStyle/>
+                    <a:p>
+                      <a:endParaRPr/>
+                    </a:p>
+                  </a:txBody>
+                  <a:tcPr>
+                    <a:solidFill>
+                      <a:srgbClr val="F2F2F2"/>
+                    </a:solidFill>
+                  </a:tcPr>
+                </a:tc>
+                <a:tc>
+                  <a:txBody>
+                    <a:bodyPr/>
+                    <a:lstStyle/>
+                    <a:p>
+                      <a:endParaRPr/>
+                    </a:p>
+                  </a:txBody>
+                  <a:tcPr>
+                    <a:solidFill>
+                      <a:srgbClr val="F2F2F2"/>
+                    </a:solidFill>
+                  </a:tcPr>
+                </a:tc>
+                <a:tc>
+                  <a:txBody>
+                    <a:bodyPr/>
+                    <a:lstStyle/>
+                    <a:p>
+                      <a:endParaRPr/>
+                    </a:p>
+                  </a:txBody>
+                  <a:tcPr>
+                    <a:solidFill>
+                      <a:srgbClr val="F2F2F2"/>
+                    </a:solidFill>
+                  </a:tcPr>
+                </a:tc>
+                <a:tc>
+                  <a:txBody>
+                    <a:bodyPr/>
+                    <a:lstStyle/>
+                    <a:p>
+                      <a:r>
+                        <a:rPr sz="1000"/>
+                        <a:t>Eadie Noor Fadzly bin Mohd Saleh (G07, CT)</a:t>
+                      </a:r>
+                    </a:p>
+                    <a:p>
+                      <a:r>
+                        <a:rPr sz="1000"/>
+                        <a:t>Head (Exploration), US Ventures, MECA &amp; Americas Ventures, International Ventures, Exploration, PCSB, Upstream Business</a:t>
+                      </a:r>
+                    </a:p>
+                    <a:p>
+                      <a:r>
+                        <a:rPr sz="1000"/>
+                        <a:t>Retire: 22/09/2042,   Age: 37</a:t>
+                      </a:r>
+                    </a:p>
+                    <a:p>
+                      <a:r>
+                        <a:rPr sz="1000"/>
+                        <a:t>PPA: 1, 2, 2, 2, 2</a:t>
+                      </a:r>
+                    </a:p>
+                  </a:txBody>
+                  <a:tcPr>
+                    <a:solidFill>
+                      <a:srgbClr val="F2F2F2"/>
+                    </a:solidFill>
+                  </a:tcPr>
+                </a:tc>
+                <a:extLst>
+                  <a:ext uri="{0D108BD9-81ED-4DB2-BD59-A6C34878D82A}">
+                    <a16:rowId xmlns:a16="http://schemas.microsoft.com/office/drawing/2014/main" val="10003"/>
+                  </a:ext>
+                </a:extLst>
               </a:tr>
-              <a:tr h="182880">
-                <a:tc>
-                  <a:txBody>
-                    <a:bodyPr/>
-                    <a:lstStyle/>
-                    <a:p/>
-                  </a:txBody>
-                  <a:tcPr>
-                    <a:solidFill>
-                      <a:srgbClr val="F2F2F2"/>
-                    </a:solidFill>
-                  </a:tcPr>
-                </a:tc>
-                <a:tc>
-                  <a:txBody>
-                    <a:bodyPr/>
-                    <a:lstStyle/>
-                    <a:p/>
-                  </a:txBody>
-                  <a:tcPr>
-                    <a:solidFill>
-                      <a:srgbClr val="F2F2F2"/>
-                    </a:solidFill>
-                  </a:tcPr>
-                </a:tc>
-                <a:tc>
-                  <a:txBody>
-                    <a:bodyPr/>
-                    <a:lstStyle/>
-                    <a:p/>
-                  </a:txBody>
-                  <a:tcPr>
-                    <a:solidFill>
-                      <a:srgbClr val="F2F2F2"/>
-                    </a:solidFill>
-                  </a:tcPr>
-                </a:tc>
-                <a:tc>
-                  <a:txBody>
-                    <a:bodyPr/>
-                    <a:lstStyle/>
-                    <a:p>
-                      <a:r>
-                        <a:rPr sz="1000"/>
-                        <a:t>Mazlin Erawati binti Ab Manan (G10, CT)</a:t>
-                      </a:r>
-                    </a:p>
-                    <a:p>
-                      <a:r>
-                        <a:rPr sz="1000"/>
-                        <a:t>Head (CEO Office), RC &amp; Petrochemical, Project, PRPC, Downstream Business</a:t>
-                      </a:r>
-                    </a:p>
-                    <a:p>
-                      <a:r>
-                        <a:rPr sz="1000"/>
-                        <a:t>Retire: 17/01/2040,   Age: 40</a:t>
+              <a:tr h="146304">
+                <a:tc>
+                  <a:txBody>
+                    <a:bodyPr/>
+                    <a:lstStyle/>
+                    <a:p>
+                      <a:endParaRPr/>
+                    </a:p>
+                  </a:txBody>
+                  <a:tcPr>
+                    <a:solidFill>
+                      <a:srgbClr val="F2F2F2"/>
+                    </a:solidFill>
+                  </a:tcPr>
+                </a:tc>
+                <a:tc>
+                  <a:txBody>
+                    <a:bodyPr/>
+                    <a:lstStyle/>
+                    <a:p>
+                      <a:endParaRPr/>
+                    </a:p>
+                  </a:txBody>
+                  <a:tcPr>
+                    <a:solidFill>
+                      <a:srgbClr val="F2F2F2"/>
+                    </a:solidFill>
+                  </a:tcPr>
+                </a:tc>
+                <a:tc>
+                  <a:txBody>
+                    <a:bodyPr/>
+                    <a:lstStyle/>
+                    <a:p>
+                      <a:endParaRPr/>
+                    </a:p>
+                  </a:txBody>
+                  <a:tcPr>
+                    <a:solidFill>
+                      <a:srgbClr val="F2F2F2"/>
+                    </a:solidFill>
+                  </a:tcPr>
+                </a:tc>
+                <a:tc>
+                  <a:txBody>
+                    <a:bodyPr/>
+                    <a:lstStyle/>
+                    <a:p>
+                      <a:endParaRPr/>
+                    </a:p>
+                  </a:txBody>
+                  <a:tcPr>
+                    <a:solidFill>
+                      <a:srgbClr val="F2F2F2"/>
+                    </a:solidFill>
+                  </a:tcPr>
+                </a:tc>
+                <a:tc>
+                  <a:txBody>
+                    <a:bodyPr/>
+                    <a:lstStyle/>
+                    <a:p>
+                      <a:endParaRPr/>
+                    </a:p>
+                  </a:txBody>
+                  <a:tcPr>
+                    <a:solidFill>
+                      <a:srgbClr val="F2F2F2"/>
+                    </a:solidFill>
+                  </a:tcPr>
+                </a:tc>
+                <a:tc>
+                  <a:txBody>
+                    <a:bodyPr/>
+                    <a:lstStyle/>
+                    <a:p>
+                      <a:r>
+                        <a:rPr sz="1000"/>
+                        <a:t>Muhamad Danni Mulya bin Ramlan (G05, CT)</a:t>
+                      </a:r>
+                    </a:p>
+                    <a:p>
+                      <a:r>
+                        <a:rPr sz="1000"/>
+                        <a:t>Staff (Petroleum Geosciences), Americas Basin, Basin &amp; Petroleum System, Exploration, PCSB, Upstream Business</a:t>
+                      </a:r>
+                    </a:p>
+                    <a:p>
+                      <a:r>
+                        <a:rPr sz="1000"/>
+                        <a:t>Retire: 03/09/2048,   Age: 31</a:t>
                       </a:r>
                     </a:p>
                     <a:p>
@@ -4474,82 +5816,16 @@
                     </a:solidFill>
                   </a:tcPr>
                 </a:tc>
-                <a:tc>
-                  <a:txBody>
-                    <a:bodyPr/>
-                    <a:lstStyle/>
-                    <a:p/>
-                  </a:txBody>
-                  <a:tcPr>
-                    <a:solidFill>
-                      <a:srgbClr val="F2F2F2"/>
-                    </a:solidFill>
-                  </a:tcPr>
-                </a:tc>
-                <a:tc>
-                  <a:txBody>
-                    <a:bodyPr/>
-                    <a:lstStyle/>
-                    <a:p>
-                      <a:r>
-                        <a:rPr sz="1000"/>
-                        <a:t>Nazri Idzlan bin Abdul Malek (G08, CT)</a:t>
-                      </a:r>
-                    </a:p>
-                    <a:p>
-                      <a:r>
-                        <a:rPr sz="1000"/>
-                        <a:t>Head, Strategic Planning &amp; Buss Dev, Strategic Planning &amp; Buss Development, Refining &amp; Trading, Downstream Corporate Office, PETRONAS </a:t>
-                      </a:r>
-                    </a:p>
-                    <a:p>
-                      <a:r>
-                        <a:rPr sz="1000"/>
-                        <a:t>Retire: 21/12/2041,   Age: 38</a:t>
-                      </a:r>
-                    </a:p>
-                    <a:p>
-                      <a:r>
-                        <a:rPr sz="1000"/>
-                        <a:t>PPA: 3H, SDP, SDP, 3S, 3H</a:t>
-                      </a:r>
-                    </a:p>
-                  </a:txBody>
-                  <a:tcPr>
-                    <a:solidFill>
-                      <a:srgbClr val="F2F2F2"/>
-                    </a:solidFill>
-                  </a:tcPr>
-                </a:tc>
+                <a:extLst>
+                  <a:ext uri="{0D108BD9-81ED-4DB2-BD59-A6C34878D82A}">
+                    <a16:rowId xmlns:a16="http://schemas.microsoft.com/office/drawing/2014/main" val="10004"/>
+                  </a:ext>
+                </a:extLst>
               </a:tr>
             </a:tbl>
           </a:graphicData>
         </a:graphic>
       </p:graphicFrame>
-      <p:pic>
-        <p:nvPicPr>
-          <p:cNvPr id="5" name="Picture 4" descr="image.jpg"/>
-          <p:cNvPicPr>
-            <a:picLocks noChangeAspect="1"/>
-          </p:cNvPicPr>
-          <p:nvPr/>
-        </p:nvPicPr>
-        <p:blipFill>
-          <a:blip r:embed="rId2"/>
-          <a:stretch>
-            <a:fillRect/>
-          </a:stretch>
-        </p:blipFill>
-        <p:spPr>
-          <a:xfrm>
-            <a:off x="914400" y="914400"/>
-            <a:ext cx="1905000" cy="1905000"/>
-          </a:xfrm>
-          <a:prstGeom prst="rect">
-            <a:avLst/>
-          </a:prstGeom>
-        </p:spPr>
-      </p:pic>
     </p:spTree>
   </p:cSld>
   <p:clrMapOvr>
@@ -4558,8 +5834,8 @@
 </p:sld>
 </file>
 
-<file path=ppt/slides/slide4.xml><?xml version="1.0" encoding="utf-8"?>
-<p:sld xmlns:a="http://schemas.openxmlformats.org/drawingml/2006/main" xmlns:p="http://schemas.openxmlformats.org/presentationml/2006/main" xmlns:r="http://schemas.openxmlformats.org/officeDocument/2006/relationships">
+<file path=ppt/slides/slide5.xml><?xml version="1.0" encoding="utf-8"?>
+<p:sld xmlns:a="http://schemas.openxmlformats.org/drawingml/2006/main" xmlns:r="http://schemas.openxmlformats.org/officeDocument/2006/relationships" xmlns:p="http://schemas.openxmlformats.org/presentationml/2006/main">
   <p:cSld>
     <p:spTree>
       <p:nvGrpSpPr>
@@ -4567,7 +5843,14 @@
         <p:cNvGrpSpPr/>
         <p:nvPr/>
       </p:nvGrpSpPr>
-      <p:grpSpPr/>
+      <p:grpSpPr>
+        <a:xfrm>
+          <a:off x="0" y="0"/>
+          <a:ext cx="0" cy="0"/>
+          <a:chOff x="0" y="0"/>
+          <a:chExt cx="0" cy="0"/>
+        </a:xfrm>
+      </p:grpSpPr>
       <p:sp>
         <p:nvSpPr>
           <p:cNvPr id="2" name="Title 1"/>
@@ -4585,7 +5868,7 @@
           <a:p>
             <a:pPr algn="l"/>
             <a:r>
-              <a:t>Head Basin</a:t>
+              <a:t>Head International Ventures</a:t>
             </a:r>
           </a:p>
         </p:txBody>
@@ -4607,7 +5890,7 @@
           <a:p>
             <a:pPr algn="l"/>
             <a:r>
-              <a:t>Head Basin</a:t>
+              <a:t>Head International Ventures</a:t>
             </a:r>
           </a:p>
         </p:txBody>
@@ -4631,12 +5914,48 @@
                 <a:tableStyleId>{5C22544A-7EE6-4342-B048-85BDC9FD1C3A}</a:tableStyleId>
               </a:tblPr>
               <a:tblGrid>
-                <a:gridCol w="914400"/>
-                <a:gridCol w="2011680"/>
-                <a:gridCol w="914400"/>
-                <a:gridCol w="2011680"/>
-                <a:gridCol w="914400"/>
-                <a:gridCol w="2011680"/>
+                <a:gridCol w="914400">
+                  <a:extLst>
+                    <a:ext uri="{9D8B030D-6E8A-4147-A177-3AD203B41FA5}">
+                      <a16:colId xmlns:a16="http://schemas.microsoft.com/office/drawing/2014/main" val="20000"/>
+                    </a:ext>
+                  </a:extLst>
+                </a:gridCol>
+                <a:gridCol w="2011680">
+                  <a:extLst>
+                    <a:ext uri="{9D8B030D-6E8A-4147-A177-3AD203B41FA5}">
+                      <a16:colId xmlns:a16="http://schemas.microsoft.com/office/drawing/2014/main" val="20001"/>
+                    </a:ext>
+                  </a:extLst>
+                </a:gridCol>
+                <a:gridCol w="914400">
+                  <a:extLst>
+                    <a:ext uri="{9D8B030D-6E8A-4147-A177-3AD203B41FA5}">
+                      <a16:colId xmlns:a16="http://schemas.microsoft.com/office/drawing/2014/main" val="20002"/>
+                    </a:ext>
+                  </a:extLst>
+                </a:gridCol>
+                <a:gridCol w="2011680">
+                  <a:extLst>
+                    <a:ext uri="{9D8B030D-6E8A-4147-A177-3AD203B41FA5}">
+                      <a16:colId xmlns:a16="http://schemas.microsoft.com/office/drawing/2014/main" val="20003"/>
+                    </a:ext>
+                  </a:extLst>
+                </a:gridCol>
+                <a:gridCol w="914400">
+                  <a:extLst>
+                    <a:ext uri="{9D8B030D-6E8A-4147-A177-3AD203B41FA5}">
+                      <a16:colId xmlns:a16="http://schemas.microsoft.com/office/drawing/2014/main" val="20004"/>
+                    </a:ext>
+                  </a:extLst>
+                </a:gridCol>
+                <a:gridCol w="2011680">
+                  <a:extLst>
+                    <a:ext uri="{9D8B030D-6E8A-4147-A177-3AD203B41FA5}">
+                      <a16:colId xmlns:a16="http://schemas.microsoft.com/office/drawing/2014/main" val="20005"/>
+                    </a:ext>
+                  </a:extLst>
+                </a:gridCol>
               </a:tblGrid>
               <a:tr h="146304">
                 <a:tc gridSpan="2">
@@ -4660,7 +5979,9 @@
                   <a:txBody>
                     <a:bodyPr/>
                     <a:lstStyle/>
-                    <a:p/>
+                    <a:p>
+                      <a:endParaRPr/>
+                    </a:p>
                   </a:txBody>
                   <a:tcPr>
                     <a:solidFill>
@@ -4689,7 +6010,9 @@
                   <a:txBody>
                     <a:bodyPr/>
                     <a:lstStyle/>
-                    <a:p/>
+                    <a:p>
+                      <a:endParaRPr/>
+                    </a:p>
                   </a:txBody>
                   <a:tcPr>
                     <a:solidFill>
@@ -4718,68 +6041,79 @@
                   <a:txBody>
                     <a:bodyPr/>
                     <a:lstStyle/>
-                    <a:p/>
-                  </a:txBody>
-                  <a:tcPr>
-                    <a:solidFill>
-                      <a:srgbClr val="F2F2F2"/>
-                    </a:solidFill>
-                  </a:tcPr>
-                </a:tc>
+                    <a:p>
+                      <a:endParaRPr/>
+                    </a:p>
+                  </a:txBody>
+                  <a:tcPr>
+                    <a:solidFill>
+                      <a:srgbClr val="F2F2F2"/>
+                    </a:solidFill>
+                  </a:tcPr>
+                </a:tc>
+                <a:extLst>
+                  <a:ext uri="{0D108BD9-81ED-4DB2-BD59-A6C34878D82A}">
+                    <a16:rowId xmlns:a16="http://schemas.microsoft.com/office/drawing/2014/main" val="10000"/>
+                  </a:ext>
+                </a:extLst>
               </a:tr>
               <a:tr h="146304">
                 <a:tc>
                   <a:txBody>
                     <a:bodyPr/>
                     <a:lstStyle/>
-                    <a:p/>
-                  </a:txBody>
-                  <a:tcPr>
-                    <a:solidFill>
-                      <a:srgbClr val="F2F2F2"/>
-                    </a:solidFill>
-                  </a:tcPr>
-                </a:tc>
-                <a:tc>
-                  <a:txBody>
-                    <a:bodyPr/>
-                    <a:lstStyle/>
-                    <a:p>
-                      <a:r>
-                        <a:rPr sz="1000"/>
-                        <a:t>Mohd Redhani bin Abdul Rahman (G12, CT)</a:t>
-                      </a:r>
-                    </a:p>
-                    <a:p>
-                      <a:r>
-                        <a:rPr sz="1000"/>
-                        <a:t>Head (Iraq), Iraq, International Assets, PCSB, Upstream Business</a:t>
-                      </a:r>
-                    </a:p>
-                    <a:p>
-                      <a:r>
-                        <a:rPr sz="1000"/>
-                        <a:t>Retire: 07/04/2035,   Age: 44</a:t>
-                      </a:r>
-                    </a:p>
-                    <a:p>
-                      <a:r>
-                        <a:rPr sz="1000"/>
-                        <a:t>PPA: 2, 1, 1, 2, 2</a:t>
-                      </a:r>
-                    </a:p>
-                  </a:txBody>
-                  <a:tcPr>
-                    <a:solidFill>
-                      <a:srgbClr val="F2F2F2"/>
-                    </a:solidFill>
-                  </a:tcPr>
-                </a:tc>
-                <a:tc>
-                  <a:txBody>
-                    <a:bodyPr/>
-                    <a:lstStyle/>
-                    <a:p/>
+                    <a:p>
+                      <a:endParaRPr/>
+                    </a:p>
+                  </a:txBody>
+                  <a:tcPr>
+                    <a:solidFill>
+                      <a:srgbClr val="F2F2F2"/>
+                    </a:solidFill>
+                  </a:tcPr>
+                </a:tc>
+                <a:tc>
+                  <a:txBody>
+                    <a:bodyPr/>
+                    <a:lstStyle/>
+                    <a:p>
+                      <a:r>
+                        <a:rPr sz="1000"/>
+                        <a:t>Liau Min Hoe (G10, CT)</a:t>
+                      </a:r>
+                    </a:p>
+                    <a:p>
+                      <a:r>
+                        <a:rPr sz="1000"/>
+                        <a:t>Head (Myanmar), Myanmar, International Assets, PCSB, Upstream Business</a:t>
+                      </a:r>
+                    </a:p>
+                    <a:p>
+                      <a:r>
+                        <a:rPr sz="1000"/>
+                        <a:t>Retire: 04/03/2036,   Age: 43</a:t>
+                      </a:r>
+                    </a:p>
+                    <a:p>
+                      <a:r>
+                        <a:rPr sz="1000"/>
+                        <a:t>PPA: 3H, 3H, 2, 3H, 1</a:t>
+                      </a:r>
+                    </a:p>
+                  </a:txBody>
+                  <a:tcPr>
+                    <a:solidFill>
+                      <a:srgbClr val="F2F2F2"/>
+                    </a:solidFill>
+                  </a:tcPr>
+                </a:tc>
+                <a:tc>
+                  <a:txBody>
+                    <a:bodyPr/>
+                    <a:lstStyle/>
+                    <a:p>
+                      <a:endParaRPr/>
+                    </a:p>
                   </a:txBody>
                   <a:tcPr>
                     <a:solidFill>
@@ -4826,150 +6160,163 @@
                   <a:txBody>
                     <a:bodyPr/>
                     <a:lstStyle/>
-                    <a:p/>
-                  </a:txBody>
-                  <a:tcPr>
-                    <a:solidFill>
-                      <a:srgbClr val="F2F2F2"/>
-                    </a:solidFill>
-                  </a:tcPr>
-                </a:tc>
-                <a:tc>
-                  <a:txBody>
-                    <a:bodyPr/>
-                    <a:lstStyle/>
-                    <a:p>
-                      <a:r>
-                        <a:rPr sz="1000"/>
-                        <a:t>Ahmad Shamsul Kamal bin Zakaria (G07, CT)</a:t>
-                      </a:r>
-                    </a:p>
-                    <a:p>
-                      <a:r>
-                        <a:rPr sz="1000"/>
-                        <a:t>Head (Suriname Ventures), Suriname Ventures, MECA &amp; Americas Ventures, International Ventures, Exploration, PCSB, Upstream Business</a:t>
-                      </a:r>
-                    </a:p>
-                    <a:p>
-                      <a:r>
-                        <a:rPr sz="1000"/>
-                        <a:t>Retire: 02/01/2035,   Age: 45</a:t>
-                      </a:r>
-                    </a:p>
-                    <a:p>
-                      <a:r>
-                        <a:rPr sz="1000"/>
-                        <a:t>PPA: 3H, 2, 2, 2, 3H</a:t>
-                      </a:r>
-                    </a:p>
-                  </a:txBody>
-                  <a:tcPr>
-                    <a:solidFill>
-                      <a:srgbClr val="F2F2F2"/>
-                    </a:solidFill>
-                  </a:tcPr>
-                </a:tc>
+                    <a:p>
+                      <a:endParaRPr/>
+                    </a:p>
+                  </a:txBody>
+                  <a:tcPr>
+                    <a:solidFill>
+                      <a:srgbClr val="F2F2F2"/>
+                    </a:solidFill>
+                  </a:tcPr>
+                </a:tc>
+                <a:tc>
+                  <a:txBody>
+                    <a:bodyPr/>
+                    <a:lstStyle/>
+                    <a:p>
+                      <a:r>
+                        <a:rPr sz="1000"/>
+                        <a:t>Harris Saifi bin Hakimi (G07, CT)</a:t>
+                      </a:r>
+                    </a:p>
+                    <a:p>
+                      <a:r>
+                        <a:rPr sz="1000"/>
+                        <a:t>Head (Internal Audit-Downstream), Internal Audit - Downstream, Group Internal Audit, PETRONAS </a:t>
+                      </a:r>
+                    </a:p>
+                    <a:p>
+                      <a:r>
+                        <a:rPr sz="1000"/>
+                        <a:t>Retire: 22/08/2039,   Age: 40</a:t>
+                      </a:r>
+                    </a:p>
+                    <a:p>
+                      <a:r>
+                        <a:rPr sz="1000"/>
+                        <a:t>PPA: 3H, 3H, 3H, 3H, 2</a:t>
+                      </a:r>
+                    </a:p>
+                  </a:txBody>
+                  <a:tcPr>
+                    <a:solidFill>
+                      <a:srgbClr val="F2F2F2"/>
+                    </a:solidFill>
+                  </a:tcPr>
+                </a:tc>
+                <a:extLst>
+                  <a:ext uri="{0D108BD9-81ED-4DB2-BD59-A6C34878D82A}">
+                    <a16:rowId xmlns:a16="http://schemas.microsoft.com/office/drawing/2014/main" val="10001"/>
+                  </a:ext>
+                </a:extLst>
               </a:tr>
               <a:tr h="146304">
                 <a:tc>
                   <a:txBody>
                     <a:bodyPr/>
                     <a:lstStyle/>
-                    <a:p/>
-                  </a:txBody>
-                  <a:tcPr>
-                    <a:solidFill>
-                      <a:srgbClr val="F2F2F2"/>
-                    </a:solidFill>
-                  </a:tcPr>
-                </a:tc>
-                <a:tc>
-                  <a:txBody>
-                    <a:bodyPr/>
-                    <a:lstStyle/>
-                    <a:p>
-                      <a:r>
-                        <a:rPr sz="1000"/>
-                        <a:t>Azli bin Abu Bakar (G09, CT)</a:t>
-                      </a:r>
-                    </a:p>
-                    <a:p>
-                      <a:r>
-                        <a:rPr sz="1000"/>
-                        <a:t>Head (Asia Pacific Basin), Asia Pacific Basin, Basin &amp; Petroleum System, Exploration, PCSB, Upstream Business</a:t>
-                      </a:r>
-                    </a:p>
-                    <a:p>
-                      <a:r>
-                        <a:rPr sz="1000"/>
-                        <a:t>Retire: 16/11/2031,   Age: 43</a:t>
-                      </a:r>
-                    </a:p>
-                    <a:p>
-                      <a:r>
-                        <a:rPr sz="1000"/>
-                        <a:t>PPA: 3H, 3H, 2, 2, SDP</a:t>
-                      </a:r>
-                    </a:p>
-                  </a:txBody>
-                  <a:tcPr>
-                    <a:solidFill>
-                      <a:srgbClr val="F2F2F2"/>
-                    </a:solidFill>
-                  </a:tcPr>
-                </a:tc>
-                <a:tc>
-                  <a:txBody>
-                    <a:bodyPr/>
-                    <a:lstStyle/>
-                    <a:p/>
-                  </a:txBody>
-                  <a:tcPr>
-                    <a:solidFill>
-                      <a:srgbClr val="F2F2F2"/>
-                    </a:solidFill>
-                  </a:tcPr>
-                </a:tc>
-                <a:tc>
-                  <a:txBody>
-                    <a:bodyPr/>
-                    <a:lstStyle/>
-                    <a:p>
-                      <a:r>
-                        <a:rPr sz="1000"/>
-                        <a:t>Ahmad Faisal bin Bakar (G07, CT)</a:t>
-                      </a:r>
-                    </a:p>
-                    <a:p>
-                      <a:r>
-                        <a:rPr sz="1000"/>
-                        <a:t>Head (Central Luconia), Central Luconia, Borneo Shallow Water &amp; Onshore, Malaysia Ventures, Exploration, PCSB, Upstream Business</a:t>
-                      </a:r>
-                    </a:p>
-                    <a:p>
-                      <a:r>
-                        <a:rPr sz="1000"/>
-                        <a:t>Retire: 17/07/2038,   Age: 41</a:t>
-                      </a:r>
-                    </a:p>
-                    <a:p>
-                      <a:r>
-                        <a:rPr sz="1000"/>
-                        <a:t>PPA: 1, 2, 2, 3H, 1</a:t>
-                      </a:r>
-                    </a:p>
-                  </a:txBody>
-                  <a:tcPr>
-                    <a:solidFill>
-                      <a:srgbClr val="F2F2F2"/>
-                    </a:solidFill>
-                  </a:tcPr>
-                </a:tc>
-                <a:tc>
-                  <a:txBody>
-                    <a:bodyPr/>
-                    <a:lstStyle/>
-                    <a:p/>
+                    <a:p>
+                      <a:endParaRPr/>
+                    </a:p>
+                  </a:txBody>
+                  <a:tcPr>
+                    <a:solidFill>
+                      <a:srgbClr val="F2F2F2"/>
+                    </a:solidFill>
+                  </a:tcPr>
+                </a:tc>
+                <a:tc>
+                  <a:txBody>
+                    <a:bodyPr/>
+                    <a:lstStyle/>
+                    <a:p>
+                      <a:r>
+                        <a:rPr sz="1000"/>
+                        <a:t>Ramlee bin Abdul Rahman (G10, OT)</a:t>
+                      </a:r>
+                    </a:p>
+                    <a:p>
+                      <a:r>
+                        <a:rPr sz="1000"/>
+                        <a:t>Head (Asia Pacific Ventures), Asia Pacific Ventures, International Ventures, Exploration, PCSB, Upstream Business</a:t>
+                      </a:r>
+                    </a:p>
+                    <a:p>
+                      <a:r>
+                        <a:rPr sz="1000"/>
+                        <a:t>Retire: 01/10/2021,   Age: 53</a:t>
+                      </a:r>
+                    </a:p>
+                    <a:p>
+                      <a:r>
+                        <a:rPr sz="1000"/>
+                        <a:t>PPA: 3H, 3S, 3H, 2, 3H</a:t>
+                      </a:r>
+                    </a:p>
+                  </a:txBody>
+                  <a:tcPr>
+                    <a:solidFill>
+                      <a:srgbClr val="F2F2F2"/>
+                    </a:solidFill>
+                  </a:tcPr>
+                </a:tc>
+                <a:tc>
+                  <a:txBody>
+                    <a:bodyPr/>
+                    <a:lstStyle/>
+                    <a:p>
+                      <a:endParaRPr/>
+                    </a:p>
+                  </a:txBody>
+                  <a:tcPr>
+                    <a:solidFill>
+                      <a:srgbClr val="F2F2F2"/>
+                    </a:solidFill>
+                  </a:tcPr>
+                </a:tc>
+                <a:tc>
+                  <a:txBody>
+                    <a:bodyPr/>
+                    <a:lstStyle/>
+                    <a:p>
+                      <a:r>
+                        <a:rPr sz="1000"/>
+                        <a:t>Eadie Noor Fadzly bin Mohd Saleh (G07, CT)</a:t>
+                      </a:r>
+                    </a:p>
+                    <a:p>
+                      <a:r>
+                        <a:rPr sz="1000"/>
+                        <a:t>Head (Exploration), US Ventures, MECA &amp; Americas Ventures, International Ventures, Exploration, PCSB, Upstream Business</a:t>
+                      </a:r>
+                    </a:p>
+                    <a:p>
+                      <a:r>
+                        <a:rPr sz="1000"/>
+                        <a:t>Retire: 22/09/2042,   Age: 37</a:t>
+                      </a:r>
+                    </a:p>
+                    <a:p>
+                      <a:r>
+                        <a:rPr sz="1000"/>
+                        <a:t>PPA: 1, 2, 2, 2, 2</a:t>
+                      </a:r>
+                    </a:p>
+                  </a:txBody>
+                  <a:tcPr>
+                    <a:solidFill>
+                      <a:srgbClr val="F2F2F2"/>
+                    </a:solidFill>
+                  </a:tcPr>
+                </a:tc>
+                <a:tc>
+                  <a:txBody>
+                    <a:bodyPr/>
+                    <a:lstStyle/>
+                    <a:p>
+                      <a:endParaRPr/>
+                    </a:p>
                   </a:txBody>
                   <a:tcPr>
                     <a:solidFill>
@@ -5012,252 +6359,282 @@
                     </a:solidFill>
                   </a:tcPr>
                 </a:tc>
+                <a:extLst>
+                  <a:ext uri="{0D108BD9-81ED-4DB2-BD59-A6C34878D82A}">
+                    <a16:rowId xmlns:a16="http://schemas.microsoft.com/office/drawing/2014/main" val="10002"/>
+                  </a:ext>
+                </a:extLst>
               </a:tr>
               <a:tr h="146304">
                 <a:tc>
                   <a:txBody>
                     <a:bodyPr/>
                     <a:lstStyle/>
-                    <a:p/>
-                  </a:txBody>
-                  <a:tcPr>
-                    <a:solidFill>
-                      <a:srgbClr val="F2F2F2"/>
-                    </a:solidFill>
-                  </a:tcPr>
-                </a:tc>
-                <a:tc>
-                  <a:txBody>
-                    <a:bodyPr/>
-                    <a:lstStyle/>
-                    <a:p>
-                      <a:r>
-                        <a:rPr sz="1000"/>
-                        <a:t>Liau Min Hoe (G10, CT)</a:t>
-                      </a:r>
-                    </a:p>
-                    <a:p>
-                      <a:r>
-                        <a:rPr sz="1000"/>
-                        <a:t>Head (Myanmar), Myanmar, International Assets, PCSB, Upstream Business</a:t>
-                      </a:r>
-                    </a:p>
-                    <a:p>
-                      <a:r>
-                        <a:rPr sz="1000"/>
-                        <a:t>Retire: 04/03/2036,   Age: 43</a:t>
-                      </a:r>
-                    </a:p>
-                    <a:p>
-                      <a:r>
-                        <a:rPr sz="1000"/>
-                        <a:t>PPA: 3H, 3H, 2, 3H, 1</a:t>
-                      </a:r>
-                    </a:p>
-                  </a:txBody>
-                  <a:tcPr>
-                    <a:solidFill>
-                      <a:srgbClr val="F2F2F2"/>
-                    </a:solidFill>
-                  </a:tcPr>
-                </a:tc>
-                <a:tc>
-                  <a:txBody>
-                    <a:bodyPr/>
-                    <a:lstStyle/>
-                    <a:p/>
-                  </a:txBody>
-                  <a:tcPr>
-                    <a:solidFill>
-                      <a:srgbClr val="F2F2F2"/>
-                    </a:solidFill>
-                  </a:tcPr>
-                </a:tc>
-                <a:tc>
-                  <a:txBody>
-                    <a:bodyPr/>
-                    <a:lstStyle/>
-                    <a:p/>
-                  </a:txBody>
-                  <a:tcPr>
-                    <a:solidFill>
-                      <a:srgbClr val="F2F2F2"/>
-                    </a:solidFill>
-                  </a:tcPr>
-                </a:tc>
-                <a:tc>
-                  <a:txBody>
-                    <a:bodyPr/>
-                    <a:lstStyle/>
-                    <a:p/>
-                  </a:txBody>
-                  <a:tcPr>
-                    <a:solidFill>
-                      <a:srgbClr val="F2F2F2"/>
-                    </a:solidFill>
-                  </a:tcPr>
-                </a:tc>
-                <a:tc>
-                  <a:txBody>
-                    <a:bodyPr/>
-                    <a:lstStyle/>
-                    <a:p>
-                      <a:r>
-                        <a:rPr sz="1000"/>
-                        <a:t>Eadie Noor Fadzly bin Mohd Saleh (G07, CT)</a:t>
-                      </a:r>
-                    </a:p>
-                    <a:p>
-                      <a:r>
-                        <a:rPr sz="1000"/>
-                        <a:t>Head (Exploration), US Ventures, MECA &amp; Americas Ventures, International Ventures, Exploration, PCSB, Upstream Business</a:t>
-                      </a:r>
-                    </a:p>
-                    <a:p>
-                      <a:r>
-                        <a:rPr sz="1000"/>
-                        <a:t>Retire: 22/09/2042,   Age: 37</a:t>
-                      </a:r>
-                    </a:p>
-                    <a:p>
-                      <a:r>
-                        <a:rPr sz="1000"/>
-                        <a:t>PPA: 1, 2, 2, 2, 2</a:t>
-                      </a:r>
-                    </a:p>
-                  </a:txBody>
-                  <a:tcPr>
-                    <a:solidFill>
-                      <a:srgbClr val="F2F2F2"/>
-                    </a:solidFill>
-                  </a:tcPr>
-                </a:tc>
+                    <a:p>
+                      <a:endParaRPr/>
+                    </a:p>
+                  </a:txBody>
+                  <a:tcPr>
+                    <a:solidFill>
+                      <a:srgbClr val="F2F2F2"/>
+                    </a:solidFill>
+                  </a:tcPr>
+                </a:tc>
+                <a:tc>
+                  <a:txBody>
+                    <a:bodyPr/>
+                    <a:lstStyle/>
+                    <a:p>
+                      <a:r>
+                        <a:rPr sz="1000"/>
+                        <a:t>Ahmad Faisal bin Bakar (G07, CT)</a:t>
+                      </a:r>
+                    </a:p>
+                    <a:p>
+                      <a:r>
+                        <a:rPr sz="1000"/>
+                        <a:t>Head (Central Luconia), Central Luconia, Borneo Shallow Water &amp; Onshore, Malaysia Ventures, Exploration, PCSB, Upstream Business</a:t>
+                      </a:r>
+                    </a:p>
+                    <a:p>
+                      <a:r>
+                        <a:rPr sz="1000"/>
+                        <a:t>Retire: 17/07/2038,   Age: 41</a:t>
+                      </a:r>
+                    </a:p>
+                    <a:p>
+                      <a:r>
+                        <a:rPr sz="1000"/>
+                        <a:t>PPA: 1, 2, 2, 3H, 1</a:t>
+                      </a:r>
+                    </a:p>
+                  </a:txBody>
+                  <a:tcPr>
+                    <a:solidFill>
+                      <a:srgbClr val="F2F2F2"/>
+                    </a:solidFill>
+                  </a:tcPr>
+                </a:tc>
+                <a:tc>
+                  <a:txBody>
+                    <a:bodyPr/>
+                    <a:lstStyle/>
+                    <a:p>
+                      <a:endParaRPr/>
+                    </a:p>
+                  </a:txBody>
+                  <a:tcPr>
+                    <a:solidFill>
+                      <a:srgbClr val="F2F2F2"/>
+                    </a:solidFill>
+                  </a:tcPr>
+                </a:tc>
+                <a:tc>
+                  <a:txBody>
+                    <a:bodyPr/>
+                    <a:lstStyle/>
+                    <a:p>
+                      <a:r>
+                        <a:rPr sz="1000"/>
+                        <a:t>Meor Shahrin bin Mahmood (G09, CT)</a:t>
+                      </a:r>
+                    </a:p>
+                    <a:p>
+                      <a:r>
+                        <a:rPr sz="1000"/>
+                        <a:t>Manager (Gabon Ventures), Gabon Ventures, Africa Ventures, International Ventures, Exploration, PCSB, Upstream Business</a:t>
+                      </a:r>
+                    </a:p>
+                    <a:p>
+                      <a:r>
+                        <a:rPr sz="1000"/>
+                        <a:t>Retire: 19/07/2026,   Age: 48</a:t>
+                      </a:r>
+                    </a:p>
+                    <a:p>
+                      <a:r>
+                        <a:rPr sz="1000"/>
+                        <a:t>PPA: 3H, 3H, 3H, 3H, 3H</a:t>
+                      </a:r>
+                    </a:p>
+                  </a:txBody>
+                  <a:tcPr>
+                    <a:solidFill>
+                      <a:srgbClr val="F2F2F2"/>
+                    </a:solidFill>
+                  </a:tcPr>
+                </a:tc>
+                <a:tc>
+                  <a:txBody>
+                    <a:bodyPr/>
+                    <a:lstStyle/>
+                    <a:p>
+                      <a:endParaRPr/>
+                    </a:p>
+                  </a:txBody>
+                  <a:tcPr>
+                    <a:solidFill>
+                      <a:srgbClr val="F2F2F2"/>
+                    </a:solidFill>
+                  </a:tcPr>
+                </a:tc>
+                <a:tc>
+                  <a:txBody>
+                    <a:bodyPr/>
+                    <a:lstStyle/>
+                    <a:p>
+                      <a:r>
+                        <a:rPr sz="1000"/>
+                        <a:t>Puteri Nurlina binti Mokhtar (G06, BT)</a:t>
+                      </a:r>
+                    </a:p>
+                    <a:p>
+                      <a:r>
+                        <a:rPr sz="1000"/>
+                        <a:t>Staff (Petroleum Geosciences), Operations, Mexico Ventures, International Ventures, Exploration, PCSB, Upstream Business</a:t>
+                      </a:r>
+                    </a:p>
+                    <a:p>
+                      <a:r>
+                        <a:rPr sz="1000"/>
+                        <a:t>Retire: 25/02/2040,   Age: 40</a:t>
+                      </a:r>
+                    </a:p>
+                    <a:p>
+                      <a:r>
+                        <a:rPr sz="1000"/>
+                        <a:t>PPA: 3H, 3H, 3H, 3H, 3H</a:t>
+                      </a:r>
+                    </a:p>
+                  </a:txBody>
+                  <a:tcPr>
+                    <a:solidFill>
+                      <a:srgbClr val="F2F2F2"/>
+                    </a:solidFill>
+                  </a:tcPr>
+                </a:tc>
+                <a:extLst>
+                  <a:ext uri="{0D108BD9-81ED-4DB2-BD59-A6C34878D82A}">
+                    <a16:rowId xmlns:a16="http://schemas.microsoft.com/office/drawing/2014/main" val="10003"/>
+                  </a:ext>
+                </a:extLst>
               </a:tr>
               <a:tr h="146304">
                 <a:tc>
                   <a:txBody>
                     <a:bodyPr/>
                     <a:lstStyle/>
-                    <a:p/>
-                  </a:txBody>
-                  <a:tcPr>
-                    <a:solidFill>
-                      <a:srgbClr val="F2F2F2"/>
-                    </a:solidFill>
-                  </a:tcPr>
-                </a:tc>
-                <a:tc>
-                  <a:txBody>
-                    <a:bodyPr/>
-                    <a:lstStyle/>
-                    <a:p/>
-                  </a:txBody>
-                  <a:tcPr>
-                    <a:solidFill>
-                      <a:srgbClr val="F2F2F2"/>
-                    </a:solidFill>
-                  </a:tcPr>
-                </a:tc>
-                <a:tc>
-                  <a:txBody>
-                    <a:bodyPr/>
-                    <a:lstStyle/>
-                    <a:p/>
-                  </a:txBody>
-                  <a:tcPr>
-                    <a:solidFill>
-                      <a:srgbClr val="F2F2F2"/>
-                    </a:solidFill>
-                  </a:tcPr>
-                </a:tc>
-                <a:tc>
-                  <a:txBody>
-                    <a:bodyPr/>
-                    <a:lstStyle/>
-                    <a:p/>
-                  </a:txBody>
-                  <a:tcPr>
-                    <a:solidFill>
-                      <a:srgbClr val="F2F2F2"/>
-                    </a:solidFill>
-                  </a:tcPr>
-                </a:tc>
-                <a:tc>
-                  <a:txBody>
-                    <a:bodyPr/>
-                    <a:lstStyle/>
-                    <a:p/>
-                  </a:txBody>
-                  <a:tcPr>
-                    <a:solidFill>
-                      <a:srgbClr val="F2F2F2"/>
-                    </a:solidFill>
-                  </a:tcPr>
-                </a:tc>
-                <a:tc>
-                  <a:txBody>
-                    <a:bodyPr/>
-                    <a:lstStyle/>
-                    <a:p>
-                      <a:r>
-                        <a:rPr sz="1000"/>
-                        <a:t>Muhamad Danni Mulya bin Ramlan (G05, CT)</a:t>
-                      </a:r>
-                    </a:p>
-                    <a:p>
-                      <a:r>
-                        <a:rPr sz="1000"/>
-                        <a:t>Staff (Petroleum Geosciences), Americas Basin, Basin &amp; Petroleum System, Exploration, PCSB, Upstream Business</a:t>
-                      </a:r>
-                    </a:p>
-                    <a:p>
-                      <a:r>
-                        <a:rPr sz="1000"/>
-                        <a:t>Retire: 03/09/2048,   Age: 31</a:t>
-                      </a:r>
-                    </a:p>
-                    <a:p>
-                      <a:r>
-                        <a:rPr sz="1000"/>
-                        <a:t>PPA: 2, 2, 2, 2, 2</a:t>
-                      </a:r>
-                    </a:p>
-                  </a:txBody>
-                  <a:tcPr>
-                    <a:solidFill>
-                      <a:srgbClr val="F2F2F2"/>
-                    </a:solidFill>
-                  </a:tcPr>
-                </a:tc>
+                    <a:p>
+                      <a:endParaRPr/>
+                    </a:p>
+                  </a:txBody>
+                  <a:tcPr>
+                    <a:solidFill>
+                      <a:srgbClr val="F2F2F2"/>
+                    </a:solidFill>
+                  </a:tcPr>
+                </a:tc>
+                <a:tc>
+                  <a:txBody>
+                    <a:bodyPr/>
+                    <a:lstStyle/>
+                    <a:p>
+                      <a:endParaRPr/>
+                    </a:p>
+                  </a:txBody>
+                  <a:tcPr>
+                    <a:solidFill>
+                      <a:srgbClr val="F2F2F2"/>
+                    </a:solidFill>
+                  </a:tcPr>
+                </a:tc>
+                <a:tc>
+                  <a:txBody>
+                    <a:bodyPr/>
+                    <a:lstStyle/>
+                    <a:p>
+                      <a:endParaRPr/>
+                    </a:p>
+                  </a:txBody>
+                  <a:tcPr>
+                    <a:solidFill>
+                      <a:srgbClr val="F2F2F2"/>
+                    </a:solidFill>
+                  </a:tcPr>
+                </a:tc>
+                <a:tc>
+                  <a:txBody>
+                    <a:bodyPr/>
+                    <a:lstStyle/>
+                    <a:p>
+                      <a:endParaRPr/>
+                    </a:p>
+                  </a:txBody>
+                  <a:tcPr>
+                    <a:solidFill>
+                      <a:srgbClr val="F2F2F2"/>
+                    </a:solidFill>
+                  </a:tcPr>
+                </a:tc>
+                <a:tc>
+                  <a:txBody>
+                    <a:bodyPr/>
+                    <a:lstStyle/>
+                    <a:p>
+                      <a:endParaRPr/>
+                    </a:p>
+                  </a:txBody>
+                  <a:tcPr>
+                    <a:solidFill>
+                      <a:srgbClr val="F2F2F2"/>
+                    </a:solidFill>
+                  </a:tcPr>
+                </a:tc>
+                <a:tc>
+                  <a:txBody>
+                    <a:bodyPr/>
+                    <a:lstStyle/>
+                    <a:p>
+                      <a:r>
+                        <a:rPr sz="1000"/>
+                        <a:t>Yusma Bazleigh bin Mohd Yusoff (G06, BT)</a:t>
+                      </a:r>
+                    </a:p>
+                    <a:p>
+                      <a:r>
+                        <a:rPr sz="1000"/>
+                        <a:t>Staff (Petroleum Geociences), Operations, Mexico Ventures, International Ventures, Exploration, PCSB, Upstream Business</a:t>
+                      </a:r>
+                    </a:p>
+                    <a:p>
+                      <a:r>
+                        <a:rPr sz="1000"/>
+                        <a:t>Retire: 29/09/2044,   Age: 35</a:t>
+                      </a:r>
+                    </a:p>
+                    <a:p>
+                      <a:r>
+                        <a:rPr sz="1000"/>
+                        <a:t>PPA: 2, 3H, 3H, 2, 3H</a:t>
+                      </a:r>
+                    </a:p>
+                  </a:txBody>
+                  <a:tcPr>
+                    <a:solidFill>
+                      <a:srgbClr val="F2F2F2"/>
+                    </a:solidFill>
+                  </a:tcPr>
+                </a:tc>
+                <a:extLst>
+                  <a:ext uri="{0D108BD9-81ED-4DB2-BD59-A6C34878D82A}">
+                    <a16:rowId xmlns:a16="http://schemas.microsoft.com/office/drawing/2014/main" val="10004"/>
+                  </a:ext>
+                </a:extLst>
               </a:tr>
             </a:tbl>
           </a:graphicData>
         </a:graphic>
       </p:graphicFrame>
-      <p:pic>
-        <p:nvPicPr>
-          <p:cNvPr id="5" name="Picture 4" descr="image.jpg"/>
-          <p:cNvPicPr>
-            <a:picLocks noChangeAspect="1"/>
-          </p:cNvPicPr>
-          <p:nvPr/>
-        </p:nvPicPr>
-        <p:blipFill>
-          <a:blip r:embed="rId2"/>
-          <a:stretch>
-            <a:fillRect/>
-          </a:stretch>
-        </p:blipFill>
-        <p:spPr>
-          <a:xfrm>
-            <a:off x="914400" y="914400"/>
-            <a:ext cx="1905000" cy="1905000"/>
-          </a:xfrm>
-          <a:prstGeom prst="rect">
-            <a:avLst/>
-          </a:prstGeom>
-        </p:spPr>
-      </p:pic>
     </p:spTree>
   </p:cSld>
   <p:clrMapOvr>
@@ -5266,8 +6643,8 @@
 </p:sld>
 </file>
 
-<file path=ppt/slides/slide5.xml><?xml version="1.0" encoding="utf-8"?>
-<p:sld xmlns:a="http://schemas.openxmlformats.org/drawingml/2006/main" xmlns:p="http://schemas.openxmlformats.org/presentationml/2006/main" xmlns:r="http://schemas.openxmlformats.org/officeDocument/2006/relationships">
+<file path=ppt/slides/slide6.xml><?xml version="1.0" encoding="utf-8"?>
+<p:sld xmlns:a="http://schemas.openxmlformats.org/drawingml/2006/main" xmlns:r="http://schemas.openxmlformats.org/officeDocument/2006/relationships" xmlns:p="http://schemas.openxmlformats.org/presentationml/2006/main">
   <p:cSld>
     <p:spTree>
       <p:nvGrpSpPr>
@@ -5275,7 +6652,14 @@
         <p:cNvGrpSpPr/>
         <p:nvPr/>
       </p:nvGrpSpPr>
-      <p:grpSpPr/>
+      <p:grpSpPr>
+        <a:xfrm>
+          <a:off x="0" y="0"/>
+          <a:ext cx="0" cy="0"/>
+          <a:chOff x="0" y="0"/>
+          <a:chExt cx="0" cy="0"/>
+        </a:xfrm>
+      </p:grpSpPr>
       <p:sp>
         <p:nvSpPr>
           <p:cNvPr id="2" name="Title 1"/>
@@ -5293,7 +6677,7 @@
           <a:p>
             <a:pPr algn="l"/>
             <a:r>
-              <a:t>Head International Ventures</a:t>
+              <a:t>Head Malaysia Ventures</a:t>
             </a:r>
           </a:p>
         </p:txBody>
@@ -5315,7 +6699,7 @@
           <a:p>
             <a:pPr algn="l"/>
             <a:r>
-              <a:t>Head International Ventures</a:t>
+              <a:t>Head Malaysia Ventures</a:t>
             </a:r>
           </a:p>
         </p:txBody>
@@ -5339,12 +6723,48 @@
                 <a:tableStyleId>{5C22544A-7EE6-4342-B048-85BDC9FD1C3A}</a:tableStyleId>
               </a:tblPr>
               <a:tblGrid>
-                <a:gridCol w="914400"/>
-                <a:gridCol w="2011680"/>
-                <a:gridCol w="914400"/>
-                <a:gridCol w="2011680"/>
-                <a:gridCol w="914400"/>
-                <a:gridCol w="2011680"/>
+                <a:gridCol w="914400">
+                  <a:extLst>
+                    <a:ext uri="{9D8B030D-6E8A-4147-A177-3AD203B41FA5}">
+                      <a16:colId xmlns:a16="http://schemas.microsoft.com/office/drawing/2014/main" val="20000"/>
+                    </a:ext>
+                  </a:extLst>
+                </a:gridCol>
+                <a:gridCol w="2011680">
+                  <a:extLst>
+                    <a:ext uri="{9D8B030D-6E8A-4147-A177-3AD203B41FA5}">
+                      <a16:colId xmlns:a16="http://schemas.microsoft.com/office/drawing/2014/main" val="20001"/>
+                    </a:ext>
+                  </a:extLst>
+                </a:gridCol>
+                <a:gridCol w="914400">
+                  <a:extLst>
+                    <a:ext uri="{9D8B030D-6E8A-4147-A177-3AD203B41FA5}">
+                      <a16:colId xmlns:a16="http://schemas.microsoft.com/office/drawing/2014/main" val="20002"/>
+                    </a:ext>
+                  </a:extLst>
+                </a:gridCol>
+                <a:gridCol w="2011680">
+                  <a:extLst>
+                    <a:ext uri="{9D8B030D-6E8A-4147-A177-3AD203B41FA5}">
+                      <a16:colId xmlns:a16="http://schemas.microsoft.com/office/drawing/2014/main" val="20003"/>
+                    </a:ext>
+                  </a:extLst>
+                </a:gridCol>
+                <a:gridCol w="914400">
+                  <a:extLst>
+                    <a:ext uri="{9D8B030D-6E8A-4147-A177-3AD203B41FA5}">
+                      <a16:colId xmlns:a16="http://schemas.microsoft.com/office/drawing/2014/main" val="20004"/>
+                    </a:ext>
+                  </a:extLst>
+                </a:gridCol>
+                <a:gridCol w="2011680">
+                  <a:extLst>
+                    <a:ext uri="{9D8B030D-6E8A-4147-A177-3AD203B41FA5}">
+                      <a16:colId xmlns:a16="http://schemas.microsoft.com/office/drawing/2014/main" val="20005"/>
+                    </a:ext>
+                  </a:extLst>
+                </a:gridCol>
               </a:tblGrid>
               <a:tr h="146304">
                 <a:tc gridSpan="2">
@@ -5368,7 +6788,9 @@
                   <a:txBody>
                     <a:bodyPr/>
                     <a:lstStyle/>
-                    <a:p/>
+                    <a:p>
+                      <a:endParaRPr/>
+                    </a:p>
                   </a:txBody>
                   <a:tcPr>
                     <a:solidFill>
@@ -5397,7 +6819,9 @@
                   <a:txBody>
                     <a:bodyPr/>
                     <a:lstStyle/>
-                    <a:p/>
+                    <a:p>
+                      <a:endParaRPr/>
+                    </a:p>
                   </a:txBody>
                   <a:tcPr>
                     <a:solidFill>
@@ -5426,21 +6850,30 @@
                   <a:txBody>
                     <a:bodyPr/>
                     <a:lstStyle/>
-                    <a:p/>
-                  </a:txBody>
-                  <a:tcPr>
-                    <a:solidFill>
-                      <a:srgbClr val="F2F2F2"/>
-                    </a:solidFill>
-                  </a:tcPr>
-                </a:tc>
+                    <a:p>
+                      <a:endParaRPr/>
+                    </a:p>
+                  </a:txBody>
+                  <a:tcPr>
+                    <a:solidFill>
+                      <a:srgbClr val="F2F2F2"/>
+                    </a:solidFill>
+                  </a:tcPr>
+                </a:tc>
+                <a:extLst>
+                  <a:ext uri="{0D108BD9-81ED-4DB2-BD59-A6C34878D82A}">
+                    <a16:rowId xmlns:a16="http://schemas.microsoft.com/office/drawing/2014/main" val="10000"/>
+                  </a:ext>
+                </a:extLst>
               </a:tr>
               <a:tr h="146304">
                 <a:tc>
                   <a:txBody>
                     <a:bodyPr/>
                     <a:lstStyle/>
-                    <a:p/>
+                    <a:p>
+                      <a:endParaRPr/>
+                    </a:p>
                   </a:txBody>
                   <a:tcPr>
                     <a:solidFill>
@@ -5487,7 +6920,9 @@
                   <a:txBody>
                     <a:bodyPr/>
                     <a:lstStyle/>
-                    <a:p/>
+                    <a:p>
+                      <a:endParaRPr/>
+                    </a:p>
                   </a:txBody>
                   <a:tcPr>
                     <a:solidFill>
@@ -5534,7 +6969,9 @@
                   <a:txBody>
                     <a:bodyPr/>
                     <a:lstStyle/>
-                    <a:p/>
+                    <a:p>
+                      <a:endParaRPr/>
+                    </a:p>
                   </a:txBody>
                   <a:tcPr>
                     <a:solidFill>
@@ -5577,13 +7014,20 @@
                     </a:solidFill>
                   </a:tcPr>
                 </a:tc>
+                <a:extLst>
+                  <a:ext uri="{0D108BD9-81ED-4DB2-BD59-A6C34878D82A}">
+                    <a16:rowId xmlns:a16="http://schemas.microsoft.com/office/drawing/2014/main" val="10001"/>
+                  </a:ext>
+                </a:extLst>
               </a:tr>
               <a:tr h="146304">
                 <a:tc>
                   <a:txBody>
                     <a:bodyPr/>
                     <a:lstStyle/>
-                    <a:p/>
+                    <a:p>
+                      <a:endParaRPr/>
+                    </a:p>
                   </a:txBody>
                   <a:tcPr>
                     <a:solidFill>
@@ -5630,7 +7074,9 @@
                   <a:txBody>
                     <a:bodyPr/>
                     <a:lstStyle/>
-                    <a:p/>
+                    <a:p>
+                      <a:endParaRPr/>
+                    </a:p>
                   </a:txBody>
                   <a:tcPr>
                     <a:solidFill>
@@ -5677,34 +7123,36 @@
                   <a:txBody>
                     <a:bodyPr/>
                     <a:lstStyle/>
-                    <a:p/>
-                  </a:txBody>
-                  <a:tcPr>
-                    <a:solidFill>
-                      <a:srgbClr val="F2F2F2"/>
-                    </a:solidFill>
-                  </a:tcPr>
-                </a:tc>
-                <a:tc>
-                  <a:txBody>
-                    <a:bodyPr/>
-                    <a:lstStyle/>
-                    <a:p>
-                      <a:r>
-                        <a:rPr sz="1000"/>
-                        <a:t>Muhamad Amar bin Amir (G05, OT)</a:t>
-                      </a:r>
-                    </a:p>
-                    <a:p>
-                      <a:r>
-                        <a:rPr sz="1000"/>
-                        <a:t>Manager (Geoscience), Myanmar Ventures, Asia Pacific Ventures, International Ventures, Exploration, PCSB, Upstream Business</a:t>
-                      </a:r>
-                    </a:p>
-                    <a:p>
-                      <a:r>
-                        <a:rPr sz="1000"/>
-                        <a:t>Retire: 17/07/2047,   Age: 32</a:t>
+                    <a:p>
+                      <a:endParaRPr/>
+                    </a:p>
+                  </a:txBody>
+                  <a:tcPr>
+                    <a:solidFill>
+                      <a:srgbClr val="F2F2F2"/>
+                    </a:solidFill>
+                  </a:tcPr>
+                </a:tc>
+                <a:tc>
+                  <a:txBody>
+                    <a:bodyPr/>
+                    <a:lstStyle/>
+                    <a:p>
+                      <a:r>
+                        <a:rPr sz="1000"/>
+                        <a:t>Ali Andrea bin Hashim (G06, OT)</a:t>
+                      </a:r>
+                    </a:p>
+                    <a:p>
+                      <a:r>
+                        <a:rPr sz="1000"/>
+                        <a:t>Head (Exploration), Brazil Ventures, MECA &amp; Americas Ventures, International Ventures, Exploration, PCSB, Upstream Business</a:t>
+                      </a:r>
+                    </a:p>
+                    <a:p>
+                      <a:r>
+                        <a:rPr sz="1000"/>
+                        <a:t>Retire: 30/11/2042,   Age: 37</a:t>
                       </a:r>
                     </a:p>
                     <a:p>
@@ -5720,13 +7168,20 @@
                     </a:solidFill>
                   </a:tcPr>
                 </a:tc>
+                <a:extLst>
+                  <a:ext uri="{0D108BD9-81ED-4DB2-BD59-A6C34878D82A}">
+                    <a16:rowId xmlns:a16="http://schemas.microsoft.com/office/drawing/2014/main" val="10002"/>
+                  </a:ext>
+                </a:extLst>
               </a:tr>
               <a:tr h="146304">
                 <a:tc>
                   <a:txBody>
                     <a:bodyPr/>
                     <a:lstStyle/>
-                    <a:p/>
+                    <a:p>
+                      <a:endParaRPr/>
+                    </a:p>
                   </a:txBody>
                   <a:tcPr>
                     <a:solidFill>
@@ -5773,7 +7228,9 @@
                   <a:txBody>
                     <a:bodyPr/>
                     <a:lstStyle/>
-                    <a:p/>
+                    <a:p>
+                      <a:endParaRPr/>
+                    </a:p>
                   </a:txBody>
                   <a:tcPr>
                     <a:solidFill>
@@ -5820,175 +7277,173 @@
                   <a:txBody>
                     <a:bodyPr/>
                     <a:lstStyle/>
-                    <a:p/>
-                  </a:txBody>
-                  <a:tcPr>
-                    <a:solidFill>
-                      <a:srgbClr val="F2F2F2"/>
-                    </a:solidFill>
-                  </a:tcPr>
-                </a:tc>
-                <a:tc>
-                  <a:txBody>
-                    <a:bodyPr/>
-                    <a:lstStyle/>
-                    <a:p>
-                      <a:r>
-                        <a:rPr sz="1000"/>
-                        <a:t>Puteri Nurlina binti Mokhtar (G06, BT)</a:t>
-                      </a:r>
-                    </a:p>
-                    <a:p>
-                      <a:r>
-                        <a:rPr sz="1000"/>
-                        <a:t>Staff (Petroleum Geosciences), Operations, Mexico Ventures, International Ventures, Exploration, PCSB, Upstream Business</a:t>
-                      </a:r>
-                    </a:p>
-                    <a:p>
-                      <a:r>
-                        <a:rPr sz="1000"/>
-                        <a:t>Retire: 25/02/2040,   Age: 40</a:t>
-                      </a:r>
-                    </a:p>
-                    <a:p>
-                      <a:r>
-                        <a:rPr sz="1000"/>
-                        <a:t>PPA: 3H, 3H, 3H, 3H, 3H</a:t>
-                      </a:r>
-                    </a:p>
-                  </a:txBody>
-                  <a:tcPr>
-                    <a:solidFill>
-                      <a:srgbClr val="F2F2F2"/>
-                    </a:solidFill>
-                  </a:tcPr>
-                </a:tc>
+                    <a:p>
+                      <a:endParaRPr/>
+                    </a:p>
+                  </a:txBody>
+                  <a:tcPr>
+                    <a:solidFill>
+                      <a:srgbClr val="F2F2F2"/>
+                    </a:solidFill>
+                  </a:tcPr>
+                </a:tc>
+                <a:tc>
+                  <a:txBody>
+                    <a:bodyPr/>
+                    <a:lstStyle/>
+                    <a:p>
+                      <a:r>
+                        <a:rPr sz="1000"/>
+                        <a:t>Mohamad Faiz bin Rasli (G05, OT)</a:t>
+                      </a:r>
+                    </a:p>
+                    <a:p>
+                      <a:r>
+                        <a:rPr sz="1000"/>
+                        <a:t>Manager (Business Analysis), Business Development, Strategy &amp; Commercial, PCSB, Upstream Business</a:t>
+                      </a:r>
+                    </a:p>
+                    <a:p>
+                      <a:r>
+                        <a:rPr sz="1000"/>
+                        <a:t>Retire: 22/05/2047,   Age: 32</a:t>
+                      </a:r>
+                    </a:p>
+                    <a:p>
+                      <a:r>
+                        <a:rPr sz="1000"/>
+                        <a:t>PPA: 2, 2, 3H, 2, 2</a:t>
+                      </a:r>
+                    </a:p>
+                  </a:txBody>
+                  <a:tcPr>
+                    <a:solidFill>
+                      <a:srgbClr val="F2F2F2"/>
+                    </a:solidFill>
+                  </a:tcPr>
+                </a:tc>
+                <a:extLst>
+                  <a:ext uri="{0D108BD9-81ED-4DB2-BD59-A6C34878D82A}">
+                    <a16:rowId xmlns:a16="http://schemas.microsoft.com/office/drawing/2014/main" val="10003"/>
+                  </a:ext>
+                </a:extLst>
               </a:tr>
               <a:tr h="146304">
                 <a:tc>
                   <a:txBody>
                     <a:bodyPr/>
                     <a:lstStyle/>
-                    <a:p/>
-                  </a:txBody>
-                  <a:tcPr>
-                    <a:solidFill>
-                      <a:srgbClr val="F2F2F2"/>
-                    </a:solidFill>
-                  </a:tcPr>
-                </a:tc>
-                <a:tc>
-                  <a:txBody>
-                    <a:bodyPr/>
-                    <a:lstStyle/>
-                    <a:p/>
-                  </a:txBody>
-                  <a:tcPr>
-                    <a:solidFill>
-                      <a:srgbClr val="F2F2F2"/>
-                    </a:solidFill>
-                  </a:tcPr>
-                </a:tc>
-                <a:tc>
-                  <a:txBody>
-                    <a:bodyPr/>
-                    <a:lstStyle/>
-                    <a:p/>
-                  </a:txBody>
-                  <a:tcPr>
-                    <a:solidFill>
-                      <a:srgbClr val="F2F2F2"/>
-                    </a:solidFill>
-                  </a:tcPr>
-                </a:tc>
-                <a:tc>
-                  <a:txBody>
-                    <a:bodyPr/>
-                    <a:lstStyle/>
-                    <a:p/>
-                  </a:txBody>
-                  <a:tcPr>
-                    <a:solidFill>
-                      <a:srgbClr val="F2F2F2"/>
-                    </a:solidFill>
-                  </a:tcPr>
-                </a:tc>
-                <a:tc>
-                  <a:txBody>
-                    <a:bodyPr/>
-                    <a:lstStyle/>
-                    <a:p/>
-                  </a:txBody>
-                  <a:tcPr>
-                    <a:solidFill>
-                      <a:srgbClr val="F2F2F2"/>
-                    </a:solidFill>
-                  </a:tcPr>
-                </a:tc>
-                <a:tc>
-                  <a:txBody>
-                    <a:bodyPr/>
-                    <a:lstStyle/>
-                    <a:p>
-                      <a:r>
-                        <a:rPr sz="1000"/>
-                        <a:t>Yusma Bazleigh bin Mohd Yusoff (G06, BT)</a:t>
-                      </a:r>
-                    </a:p>
-                    <a:p>
-                      <a:r>
-                        <a:rPr sz="1000"/>
-                        <a:t>Staff (Petroleum Geociences), Operations, Mexico Ventures, International Ventures, Exploration, PCSB, Upstream Business</a:t>
-                      </a:r>
-                    </a:p>
-                    <a:p>
-                      <a:r>
-                        <a:rPr sz="1000"/>
-                        <a:t>Retire: 29/09/2044,   Age: 35</a:t>
-                      </a:r>
-                    </a:p>
-                    <a:p>
-                      <a:r>
-                        <a:rPr sz="1000"/>
-                        <a:t>PPA: 2, 3H, 3H, 2, 3H</a:t>
-                      </a:r>
-                    </a:p>
-                  </a:txBody>
-                  <a:tcPr>
-                    <a:solidFill>
-                      <a:srgbClr val="F2F2F2"/>
-                    </a:solidFill>
-                  </a:tcPr>
-                </a:tc>
+                    <a:p>
+                      <a:endParaRPr/>
+                    </a:p>
+                  </a:txBody>
+                  <a:tcPr>
+                    <a:solidFill>
+                      <a:srgbClr val="F2F2F2"/>
+                    </a:solidFill>
+                  </a:tcPr>
+                </a:tc>
+                <a:tc>
+                  <a:txBody>
+                    <a:bodyPr/>
+                    <a:lstStyle/>
+                    <a:p>
+                      <a:endParaRPr/>
+                    </a:p>
+                  </a:txBody>
+                  <a:tcPr>
+                    <a:solidFill>
+                      <a:srgbClr val="F2F2F2"/>
+                    </a:solidFill>
+                  </a:tcPr>
+                </a:tc>
+                <a:tc>
+                  <a:txBody>
+                    <a:bodyPr/>
+                    <a:lstStyle/>
+                    <a:p>
+                      <a:endParaRPr/>
+                    </a:p>
+                  </a:txBody>
+                  <a:tcPr>
+                    <a:solidFill>
+                      <a:srgbClr val="F2F2F2"/>
+                    </a:solidFill>
+                  </a:tcPr>
+                </a:tc>
+                <a:tc>
+                  <a:txBody>
+                    <a:bodyPr/>
+                    <a:lstStyle/>
+                    <a:p>
+                      <a:endParaRPr/>
+                    </a:p>
+                  </a:txBody>
+                  <a:tcPr>
+                    <a:solidFill>
+                      <a:srgbClr val="F2F2F2"/>
+                    </a:solidFill>
+                  </a:tcPr>
+                </a:tc>
+                <a:tc>
+                  <a:txBody>
+                    <a:bodyPr/>
+                    <a:lstStyle/>
+                    <a:p>
+                      <a:endParaRPr/>
+                    </a:p>
+                  </a:txBody>
+                  <a:tcPr>
+                    <a:solidFill>
+                      <a:srgbClr val="F2F2F2"/>
+                    </a:solidFill>
+                  </a:tcPr>
+                </a:tc>
+                <a:tc>
+                  <a:txBody>
+                    <a:bodyPr/>
+                    <a:lstStyle/>
+                    <a:p>
+                      <a:r>
+                        <a:rPr sz="1000"/>
+                        <a:t>Mohd Hafizan bin Abdul Wahab (G06, OT)</a:t>
+                      </a:r>
+                    </a:p>
+                    <a:p>
+                      <a:r>
+                        <a:rPr sz="1000"/>
+                        <a:t>Staff (Petroleum Geosciences), Technical Assurance &amp; Capability, Exploration, PCSB, Upstream Business</a:t>
+                      </a:r>
+                    </a:p>
+                    <a:p>
+                      <a:r>
+                        <a:rPr sz="1000"/>
+                        <a:t>Retire: 15/06/2046,   Age: 33</a:t>
+                      </a:r>
+                    </a:p>
+                    <a:p>
+                      <a:r>
+                        <a:rPr sz="1000"/>
+                        <a:t>PPA: 1, 2, 2, 2, 3H</a:t>
+                      </a:r>
+                    </a:p>
+                  </a:txBody>
+                  <a:tcPr>
+                    <a:solidFill>
+                      <a:srgbClr val="F2F2F2"/>
+                    </a:solidFill>
+                  </a:tcPr>
+                </a:tc>
+                <a:extLst>
+                  <a:ext uri="{0D108BD9-81ED-4DB2-BD59-A6C34878D82A}">
+                    <a16:rowId xmlns:a16="http://schemas.microsoft.com/office/drawing/2014/main" val="10004"/>
+                  </a:ext>
+                </a:extLst>
               </a:tr>
             </a:tbl>
           </a:graphicData>
         </a:graphic>
       </p:graphicFrame>
-      <p:pic>
-        <p:nvPicPr>
-          <p:cNvPr id="5" name="Picture 4" descr="image.jpg"/>
-          <p:cNvPicPr>
-            <a:picLocks noChangeAspect="1"/>
-          </p:cNvPicPr>
-          <p:nvPr/>
-        </p:nvPicPr>
-        <p:blipFill>
-          <a:blip r:embed="rId2"/>
-          <a:stretch>
-            <a:fillRect/>
-          </a:stretch>
-        </p:blipFill>
-        <p:spPr>
-          <a:xfrm>
-            <a:off x="914400" y="914400"/>
-            <a:ext cx="1905000" cy="1905000"/>
-          </a:xfrm>
-          <a:prstGeom prst="rect">
-            <a:avLst/>
-          </a:prstGeom>
-        </p:spPr>
-      </p:pic>
     </p:spTree>
   </p:cSld>
   <p:clrMapOvr>
@@ -5997,8 +7452,8 @@
 </p:sld>
 </file>
 
-<file path=ppt/slides/slide6.xml><?xml version="1.0" encoding="utf-8"?>
-<p:sld xmlns:a="http://schemas.openxmlformats.org/drawingml/2006/main" xmlns:p="http://schemas.openxmlformats.org/presentationml/2006/main" xmlns:r="http://schemas.openxmlformats.org/officeDocument/2006/relationships">
+<file path=ppt/slides/slide7.xml><?xml version="1.0" encoding="utf-8"?>
+<p:sld xmlns:a="http://schemas.openxmlformats.org/drawingml/2006/main" xmlns:r="http://schemas.openxmlformats.org/officeDocument/2006/relationships" xmlns:p="http://schemas.openxmlformats.org/presentationml/2006/main">
   <p:cSld>
     <p:spTree>
       <p:nvGrpSpPr>
@@ -6006,7 +7461,14 @@
         <p:cNvGrpSpPr/>
         <p:nvPr/>
       </p:nvGrpSpPr>
-      <p:grpSpPr/>
+      <p:grpSpPr>
+        <a:xfrm>
+          <a:off x="0" y="0"/>
+          <a:ext cx="0" cy="0"/>
+          <a:chOff x="0" y="0"/>
+          <a:chExt cx="0" cy="0"/>
+        </a:xfrm>
+      </p:grpSpPr>
       <p:sp>
         <p:nvSpPr>
           <p:cNvPr id="2" name="Title 1"/>
@@ -6024,7 +7486,7 @@
           <a:p>
             <a:pPr algn="l"/>
             <a:r>
-              <a:t>Head Malaysia Ventures</a:t>
+              <a:t>Head Technical Assurance</a:t>
             </a:r>
           </a:p>
         </p:txBody>
@@ -6046,7 +7508,7 @@
           <a:p>
             <a:pPr algn="l"/>
             <a:r>
-              <a:t>Head Malaysia Ventures</a:t>
+              <a:t>Head Technical Assurance</a:t>
             </a:r>
           </a:p>
         </p:txBody>
@@ -6070,12 +7532,48 @@
                 <a:tableStyleId>{5C22544A-7EE6-4342-B048-85BDC9FD1C3A}</a:tableStyleId>
               </a:tblPr>
               <a:tblGrid>
-                <a:gridCol w="914400"/>
-                <a:gridCol w="2011680"/>
-                <a:gridCol w="914400"/>
-                <a:gridCol w="2011680"/>
-                <a:gridCol w="914400"/>
-                <a:gridCol w="2011680"/>
+                <a:gridCol w="914400">
+                  <a:extLst>
+                    <a:ext uri="{9D8B030D-6E8A-4147-A177-3AD203B41FA5}">
+                      <a16:colId xmlns:a16="http://schemas.microsoft.com/office/drawing/2014/main" val="20000"/>
+                    </a:ext>
+                  </a:extLst>
+                </a:gridCol>
+                <a:gridCol w="2011680">
+                  <a:extLst>
+                    <a:ext uri="{9D8B030D-6E8A-4147-A177-3AD203B41FA5}">
+                      <a16:colId xmlns:a16="http://schemas.microsoft.com/office/drawing/2014/main" val="20001"/>
+                    </a:ext>
+                  </a:extLst>
+                </a:gridCol>
+                <a:gridCol w="914400">
+                  <a:extLst>
+                    <a:ext uri="{9D8B030D-6E8A-4147-A177-3AD203B41FA5}">
+                      <a16:colId xmlns:a16="http://schemas.microsoft.com/office/drawing/2014/main" val="20002"/>
+                    </a:ext>
+                  </a:extLst>
+                </a:gridCol>
+                <a:gridCol w="2011680">
+                  <a:extLst>
+                    <a:ext uri="{9D8B030D-6E8A-4147-A177-3AD203B41FA5}">
+                      <a16:colId xmlns:a16="http://schemas.microsoft.com/office/drawing/2014/main" val="20003"/>
+                    </a:ext>
+                  </a:extLst>
+                </a:gridCol>
+                <a:gridCol w="914400">
+                  <a:extLst>
+                    <a:ext uri="{9D8B030D-6E8A-4147-A177-3AD203B41FA5}">
+                      <a16:colId xmlns:a16="http://schemas.microsoft.com/office/drawing/2014/main" val="20004"/>
+                    </a:ext>
+                  </a:extLst>
+                </a:gridCol>
+                <a:gridCol w="2011680">
+                  <a:extLst>
+                    <a:ext uri="{9D8B030D-6E8A-4147-A177-3AD203B41FA5}">
+                      <a16:colId xmlns:a16="http://schemas.microsoft.com/office/drawing/2014/main" val="20005"/>
+                    </a:ext>
+                  </a:extLst>
+                </a:gridCol>
               </a:tblGrid>
               <a:tr h="146304">
                 <a:tc gridSpan="2">
@@ -6099,7 +7597,9 @@
                   <a:txBody>
                     <a:bodyPr/>
                     <a:lstStyle/>
-                    <a:p/>
+                    <a:p>
+                      <a:endParaRPr/>
+                    </a:p>
                   </a:txBody>
                   <a:tcPr>
                     <a:solidFill>
@@ -6128,7 +7628,9 @@
                   <a:txBody>
                     <a:bodyPr/>
                     <a:lstStyle/>
-                    <a:p/>
+                    <a:p>
+                      <a:endParaRPr/>
+                    </a:p>
                   </a:txBody>
                   <a:tcPr>
                     <a:solidFill>
@@ -6157,1300 +7659,600 @@
                   <a:txBody>
                     <a:bodyPr/>
                     <a:lstStyle/>
-                    <a:p/>
-                  </a:txBody>
-                  <a:tcPr>
-                    <a:solidFill>
-                      <a:srgbClr val="F2F2F2"/>
-                    </a:solidFill>
-                  </a:tcPr>
-                </a:tc>
+                    <a:p>
+                      <a:endParaRPr/>
+                    </a:p>
+                  </a:txBody>
+                  <a:tcPr>
+                    <a:solidFill>
+                      <a:srgbClr val="F2F2F2"/>
+                    </a:solidFill>
+                  </a:tcPr>
+                </a:tc>
+                <a:extLst>
+                  <a:ext uri="{0D108BD9-81ED-4DB2-BD59-A6C34878D82A}">
+                    <a16:rowId xmlns:a16="http://schemas.microsoft.com/office/drawing/2014/main" val="10000"/>
+                  </a:ext>
+                </a:extLst>
               </a:tr>
               <a:tr h="146304">
                 <a:tc>
                   <a:txBody>
                     <a:bodyPr/>
                     <a:lstStyle/>
-                    <a:p/>
-                  </a:txBody>
-                  <a:tcPr>
-                    <a:solidFill>
-                      <a:srgbClr val="F2F2F2"/>
-                    </a:solidFill>
-                  </a:tcPr>
-                </a:tc>
-                <a:tc>
-                  <a:txBody>
-                    <a:bodyPr/>
-                    <a:lstStyle/>
-                    <a:p>
-                      <a:r>
-                        <a:rPr sz="1000"/>
-                        <a:t>Liau Min Hoe (G10, CT)</a:t>
-                      </a:r>
-                    </a:p>
-                    <a:p>
-                      <a:r>
-                        <a:rPr sz="1000"/>
-                        <a:t>Head (Myanmar), Myanmar, International Assets, PCSB, Upstream Business</a:t>
-                      </a:r>
-                    </a:p>
-                    <a:p>
-                      <a:r>
-                        <a:rPr sz="1000"/>
-                        <a:t>Retire: 04/03/2036,   Age: 43</a:t>
-                      </a:r>
-                    </a:p>
-                    <a:p>
-                      <a:r>
-                        <a:rPr sz="1000"/>
-                        <a:t>PPA: 3H, 3H, 2, 3H, 1</a:t>
-                      </a:r>
-                    </a:p>
-                  </a:txBody>
-                  <a:tcPr>
-                    <a:solidFill>
-                      <a:srgbClr val="F2F2F2"/>
-                    </a:solidFill>
-                  </a:tcPr>
-                </a:tc>
-                <a:tc>
-                  <a:txBody>
-                    <a:bodyPr/>
-                    <a:lstStyle/>
-                    <a:p/>
-                  </a:txBody>
-                  <a:tcPr>
-                    <a:solidFill>
-                      <a:srgbClr val="F2F2F2"/>
-                    </a:solidFill>
-                  </a:tcPr>
-                </a:tc>
-                <a:tc>
-                  <a:txBody>
-                    <a:bodyPr/>
-                    <a:lstStyle/>
-                    <a:p>
-                      <a:r>
-                        <a:rPr sz="1000"/>
-                        <a:t>Christian Brinzer (G08, OT)</a:t>
-                      </a:r>
-                    </a:p>
-                    <a:p>
-                      <a:r>
-                        <a:rPr sz="1000"/>
-                        <a:t>Head (Exploration), Mexico Ventures, International Ventures, Exploration, PCSB, Upstream Business</a:t>
-                      </a:r>
-                    </a:p>
-                    <a:p>
-                      <a:r>
-                        <a:rPr sz="1000"/>
-                        <a:t>Retire: 29/03/2033,   Age: 46</a:t>
-                      </a:r>
-                    </a:p>
-                    <a:p>
-                      <a:r>
-                        <a:rPr sz="1000"/>
-                        <a:t>PPA: 2, 3H, 2, 3H, -</a:t>
-                      </a:r>
-                    </a:p>
-                  </a:txBody>
-                  <a:tcPr>
-                    <a:solidFill>
-                      <a:srgbClr val="F2F2F2"/>
-                    </a:solidFill>
-                  </a:tcPr>
-                </a:tc>
-                <a:tc>
-                  <a:txBody>
-                    <a:bodyPr/>
-                    <a:lstStyle/>
-                    <a:p/>
-                  </a:txBody>
-                  <a:tcPr>
-                    <a:solidFill>
-                      <a:srgbClr val="F2F2F2"/>
-                    </a:solidFill>
-                  </a:tcPr>
-                </a:tc>
-                <a:tc>
-                  <a:txBody>
-                    <a:bodyPr/>
-                    <a:lstStyle/>
-                    <a:p>
-                      <a:r>
-                        <a:rPr sz="1000"/>
-                        <a:t>Harris Saifi bin Hakimi (G07, CT)</a:t>
-                      </a:r>
-                    </a:p>
-                    <a:p>
-                      <a:r>
-                        <a:rPr sz="1000"/>
-                        <a:t>Head (Internal Audit-Downstream), Internal Audit - Downstream, Group Internal Audit, PETRONAS </a:t>
-                      </a:r>
-                    </a:p>
-                    <a:p>
-                      <a:r>
-                        <a:rPr sz="1000"/>
-                        <a:t>Retire: 22/08/2039,   Age: 40</a:t>
-                      </a:r>
-                    </a:p>
-                    <a:p>
-                      <a:r>
-                        <a:rPr sz="1000"/>
-                        <a:t>PPA: 3H, 3H, 3H, 3H, 2</a:t>
-                      </a:r>
-                    </a:p>
-                  </a:txBody>
-                  <a:tcPr>
-                    <a:solidFill>
-                      <a:srgbClr val="F2F2F2"/>
-                    </a:solidFill>
-                  </a:tcPr>
-                </a:tc>
+                    <a:p>
+                      <a:endParaRPr/>
+                    </a:p>
+                  </a:txBody>
+                  <a:tcPr>
+                    <a:solidFill>
+                      <a:srgbClr val="F2F2F2"/>
+                    </a:solidFill>
+                  </a:tcPr>
+                </a:tc>
+                <a:tc>
+                  <a:txBody>
+                    <a:bodyPr/>
+                    <a:lstStyle/>
+                    <a:p>
+                      <a:r>
+                        <a:rPr sz="1000"/>
+                        <a:t>Mohd Redhani bin Abdul Rahman (G12, CT)</a:t>
+                      </a:r>
+                    </a:p>
+                    <a:p>
+                      <a:r>
+                        <a:rPr sz="1000"/>
+                        <a:t>Head (Iraq), Iraq, International Assets, PCSB, Upstream Business</a:t>
+                      </a:r>
+                    </a:p>
+                    <a:p>
+                      <a:r>
+                        <a:rPr sz="1000"/>
+                        <a:t>Retire: 07/04/2035,   Age: 44</a:t>
+                      </a:r>
+                    </a:p>
+                    <a:p>
+                      <a:r>
+                        <a:rPr sz="1000"/>
+                        <a:t>PPA: 2, 1, 1, 2, 2</a:t>
+                      </a:r>
+                    </a:p>
+                  </a:txBody>
+                  <a:tcPr>
+                    <a:solidFill>
+                      <a:srgbClr val="F2F2F2"/>
+                    </a:solidFill>
+                  </a:tcPr>
+                </a:tc>
+                <a:tc>
+                  <a:txBody>
+                    <a:bodyPr/>
+                    <a:lstStyle/>
+                    <a:p>
+                      <a:endParaRPr/>
+                    </a:p>
+                  </a:txBody>
+                  <a:tcPr>
+                    <a:solidFill>
+                      <a:srgbClr val="F2F2F2"/>
+                    </a:solidFill>
+                  </a:tcPr>
+                </a:tc>
+                <a:tc>
+                  <a:txBody>
+                    <a:bodyPr/>
+                    <a:lstStyle/>
+                    <a:p>
+                      <a:r>
+                        <a:rPr sz="1000"/>
+                        <a:t>Azli bin Abu Bakar (G09, CT)</a:t>
+                      </a:r>
+                    </a:p>
+                    <a:p>
+                      <a:r>
+                        <a:rPr sz="1000"/>
+                        <a:t>Head (Asia Pacific Basin), Asia Pacific Basin, Basin &amp; Petroleum System, Exploration, PCSB, Upstream Business</a:t>
+                      </a:r>
+                    </a:p>
+                    <a:p>
+                      <a:r>
+                        <a:rPr sz="1000"/>
+                        <a:t>Retire: 16/11/2031,   Age: 43</a:t>
+                      </a:r>
+                    </a:p>
+                    <a:p>
+                      <a:r>
+                        <a:rPr sz="1000"/>
+                        <a:t>PPA: 3H, 3H, 2, 2, SDP</a:t>
+                      </a:r>
+                    </a:p>
+                  </a:txBody>
+                  <a:tcPr>
+                    <a:solidFill>
+                      <a:srgbClr val="F2F2F2"/>
+                    </a:solidFill>
+                  </a:tcPr>
+                </a:tc>
+                <a:tc>
+                  <a:txBody>
+                    <a:bodyPr/>
+                    <a:lstStyle/>
+                    <a:p>
+                      <a:endParaRPr/>
+                    </a:p>
+                  </a:txBody>
+                  <a:tcPr>
+                    <a:solidFill>
+                      <a:srgbClr val="F2F2F2"/>
+                    </a:solidFill>
+                  </a:tcPr>
+                </a:tc>
+                <a:tc>
+                  <a:txBody>
+                    <a:bodyPr/>
+                    <a:lstStyle/>
+                    <a:p>
+                      <a:r>
+                        <a:rPr sz="1000"/>
+                        <a:t>Marc De Urreiztieta (G08, OT)</a:t>
+                      </a:r>
+                    </a:p>
+                    <a:p>
+                      <a:r>
+                        <a:rPr sz="1000"/>
+                        <a:t>Principal (Petroleum Geosciences), Technical Assurance, Technical Assurance &amp; Capability, Exploration, PCSB, Upstream Business</a:t>
+                      </a:r>
+                    </a:p>
+                    <a:p>
+                      <a:r>
+                        <a:rPr sz="1000"/>
+                        <a:t>Retire: 06/08/2026,   Age: 53</a:t>
+                      </a:r>
+                    </a:p>
+                    <a:p>
+                      <a:r>
+                        <a:rPr sz="1000"/>
+                        <a:t>PPA: 3S, 3H, 2, 2, 3H</a:t>
+                      </a:r>
+                    </a:p>
+                  </a:txBody>
+                  <a:tcPr>
+                    <a:solidFill>
+                      <a:srgbClr val="F2F2F2"/>
+                    </a:solidFill>
+                  </a:tcPr>
+                </a:tc>
+                <a:extLst>
+                  <a:ext uri="{0D108BD9-81ED-4DB2-BD59-A6C34878D82A}">
+                    <a16:rowId xmlns:a16="http://schemas.microsoft.com/office/drawing/2014/main" val="10001"/>
+                  </a:ext>
+                </a:extLst>
               </a:tr>
               <a:tr h="146304">
                 <a:tc>
                   <a:txBody>
                     <a:bodyPr/>
                     <a:lstStyle/>
-                    <a:p/>
-                  </a:txBody>
-                  <a:tcPr>
-                    <a:solidFill>
-                      <a:srgbClr val="F2F2F2"/>
-                    </a:solidFill>
-                  </a:tcPr>
-                </a:tc>
-                <a:tc>
-                  <a:txBody>
-                    <a:bodyPr/>
-                    <a:lstStyle/>
-                    <a:p>
-                      <a:r>
-                        <a:rPr sz="1000"/>
-                        <a:t>Ramlee bin Abdul Rahman (G10, OT)</a:t>
-                      </a:r>
-                    </a:p>
-                    <a:p>
-                      <a:r>
-                        <a:rPr sz="1000"/>
-                        <a:t>Head (Asia Pacific Ventures), Asia Pacific Ventures, International Ventures, Exploration, PCSB, Upstream Business</a:t>
-                      </a:r>
-                    </a:p>
-                    <a:p>
-                      <a:r>
-                        <a:rPr sz="1000"/>
-                        <a:t>Retire: 01/10/2021,   Age: 53</a:t>
-                      </a:r>
-                    </a:p>
-                    <a:p>
-                      <a:r>
-                        <a:rPr sz="1000"/>
-                        <a:t>PPA: 3H, 3S, 3H, 2, 3H</a:t>
-                      </a:r>
-                    </a:p>
-                  </a:txBody>
-                  <a:tcPr>
-                    <a:solidFill>
-                      <a:srgbClr val="F2F2F2"/>
-                    </a:solidFill>
-                  </a:tcPr>
-                </a:tc>
-                <a:tc>
-                  <a:txBody>
-                    <a:bodyPr/>
-                    <a:lstStyle/>
-                    <a:p/>
-                  </a:txBody>
-                  <a:tcPr>
-                    <a:solidFill>
-                      <a:srgbClr val="F2F2F2"/>
-                    </a:solidFill>
-                  </a:tcPr>
-                </a:tc>
-                <a:tc>
-                  <a:txBody>
-                    <a:bodyPr/>
-                    <a:lstStyle/>
-                    <a:p>
-                      <a:r>
-                        <a:rPr sz="1000"/>
-                        <a:t>Eadie Noor Fadzly bin Mohd Saleh (G07, CT)</a:t>
-                      </a:r>
-                    </a:p>
-                    <a:p>
-                      <a:r>
-                        <a:rPr sz="1000"/>
-                        <a:t>Head (Exploration), US Ventures, MECA &amp; Americas Ventures, International Ventures, Exploration, PCSB, Upstream Business</a:t>
-                      </a:r>
-                    </a:p>
-                    <a:p>
-                      <a:r>
-                        <a:rPr sz="1000"/>
-                        <a:t>Retire: 22/09/2042,   Age: 37</a:t>
-                      </a:r>
-                    </a:p>
-                    <a:p>
-                      <a:r>
-                        <a:rPr sz="1000"/>
-                        <a:t>PPA: 1, 2, 2, 2, 2</a:t>
-                      </a:r>
-                    </a:p>
-                  </a:txBody>
-                  <a:tcPr>
-                    <a:solidFill>
-                      <a:srgbClr val="F2F2F2"/>
-                    </a:solidFill>
-                  </a:tcPr>
-                </a:tc>
-                <a:tc>
-                  <a:txBody>
-                    <a:bodyPr/>
-                    <a:lstStyle/>
-                    <a:p/>
-                  </a:txBody>
-                  <a:tcPr>
-                    <a:solidFill>
-                      <a:srgbClr val="F2F2F2"/>
-                    </a:solidFill>
-                  </a:tcPr>
-                </a:tc>
-                <a:tc>
-                  <a:txBody>
-                    <a:bodyPr/>
-                    <a:lstStyle/>
-                    <a:p>
-                      <a:r>
-                        <a:rPr sz="1000"/>
-                        <a:t>Ali Andrea bin Hashim (G06, OT)</a:t>
-                      </a:r>
-                    </a:p>
-                    <a:p>
-                      <a:r>
-                        <a:rPr sz="1000"/>
-                        <a:t>Head (Exploration), Brazil Ventures, MECA &amp; Americas Ventures, International Ventures, Exploration, PCSB, Upstream Business</a:t>
-                      </a:r>
-                    </a:p>
-                    <a:p>
-                      <a:r>
-                        <a:rPr sz="1000"/>
-                        <a:t>Retire: 30/11/2042,   Age: 37</a:t>
-                      </a:r>
-                    </a:p>
-                    <a:p>
-                      <a:r>
-                        <a:rPr sz="1000"/>
-                        <a:t>PPA: 2, 2, 2, 2, 2</a:t>
-                      </a:r>
-                    </a:p>
-                  </a:txBody>
-                  <a:tcPr>
-                    <a:solidFill>
-                      <a:srgbClr val="F2F2F2"/>
-                    </a:solidFill>
-                  </a:tcPr>
-                </a:tc>
+                    <a:p>
+                      <a:endParaRPr/>
+                    </a:p>
+                  </a:txBody>
+                  <a:tcPr>
+                    <a:solidFill>
+                      <a:srgbClr val="F2F2F2"/>
+                    </a:solidFill>
+                  </a:tcPr>
+                </a:tc>
+                <a:tc>
+                  <a:txBody>
+                    <a:bodyPr/>
+                    <a:lstStyle/>
+                    <a:p>
+                      <a:r>
+                        <a:rPr sz="1000"/>
+                        <a:t>Liau Min Hoe (G10, CT)</a:t>
+                      </a:r>
+                    </a:p>
+                    <a:p>
+                      <a:r>
+                        <a:rPr sz="1000"/>
+                        <a:t>Head (Myanmar), Myanmar, International Assets, PCSB, Upstream Business</a:t>
+                      </a:r>
+                    </a:p>
+                    <a:p>
+                      <a:r>
+                        <a:rPr sz="1000"/>
+                        <a:t>Retire: 04/03/2036,   Age: 43</a:t>
+                      </a:r>
+                    </a:p>
+                    <a:p>
+                      <a:r>
+                        <a:rPr sz="1000"/>
+                        <a:t>PPA: 3H, 3H, 2, 3H, 1</a:t>
+                      </a:r>
+                    </a:p>
+                  </a:txBody>
+                  <a:tcPr>
+                    <a:solidFill>
+                      <a:srgbClr val="F2F2F2"/>
+                    </a:solidFill>
+                  </a:tcPr>
+                </a:tc>
+                <a:tc>
+                  <a:txBody>
+                    <a:bodyPr/>
+                    <a:lstStyle/>
+                    <a:p>
+                      <a:endParaRPr/>
+                    </a:p>
+                  </a:txBody>
+                  <a:tcPr>
+                    <a:solidFill>
+                      <a:srgbClr val="F2F2F2"/>
+                    </a:solidFill>
+                  </a:tcPr>
+                </a:tc>
+                <a:tc>
+                  <a:txBody>
+                    <a:bodyPr/>
+                    <a:lstStyle/>
+                    <a:p>
+                      <a:r>
+                        <a:rPr sz="1000"/>
+                        <a:t>Christian Brinzer (G08, OT)</a:t>
+                      </a:r>
+                    </a:p>
+                    <a:p>
+                      <a:r>
+                        <a:rPr sz="1000"/>
+                        <a:t>Head (Exploration), Mexico Ventures, International Ventures, Exploration, PCSB, Upstream Business</a:t>
+                      </a:r>
+                    </a:p>
+                    <a:p>
+                      <a:r>
+                        <a:rPr sz="1000"/>
+                        <a:t>Retire: 29/03/2033,   Age: 46</a:t>
+                      </a:r>
+                    </a:p>
+                    <a:p>
+                      <a:r>
+                        <a:rPr sz="1000"/>
+                        <a:t>PPA: 2, 3H, 2, 3H, -</a:t>
+                      </a:r>
+                    </a:p>
+                  </a:txBody>
+                  <a:tcPr>
+                    <a:solidFill>
+                      <a:srgbClr val="F2F2F2"/>
+                    </a:solidFill>
+                  </a:tcPr>
+                </a:tc>
+                <a:tc>
+                  <a:txBody>
+                    <a:bodyPr/>
+                    <a:lstStyle/>
+                    <a:p>
+                      <a:endParaRPr/>
+                    </a:p>
+                  </a:txBody>
+                  <a:tcPr>
+                    <a:solidFill>
+                      <a:srgbClr val="F2F2F2"/>
+                    </a:solidFill>
+                  </a:tcPr>
+                </a:tc>
+                <a:tc>
+                  <a:txBody>
+                    <a:bodyPr/>
+                    <a:lstStyle/>
+                    <a:p>
+                      <a:r>
+                        <a:rPr sz="1000"/>
+                        <a:t>Brianne Gillian Tracey Alleyne (EXPAT, OT)</a:t>
+                      </a:r>
+                    </a:p>
+                    <a:p>
+                      <a:r>
+                        <a:rPr sz="1000"/>
+                        <a:t>Staff (Petroleum Geosciences), Asia Pacific Basin, Basin &amp; Petroleum System, Exploration, PCSB, Upstream Business</a:t>
+                      </a:r>
+                    </a:p>
+                    <a:p>
+                      <a:r>
+                        <a:rPr sz="1000"/>
+                        <a:t>Retire: 15/08/2020,   Age: 39</a:t>
+                      </a:r>
+                    </a:p>
+                    <a:p>
+                      <a:r>
+                        <a:rPr sz="1000"/>
+                        <a:t>PPA: 3H, 2, 2, 3H, 3S</a:t>
+                      </a:r>
+                    </a:p>
+                  </a:txBody>
+                  <a:tcPr>
+                    <a:solidFill>
+                      <a:srgbClr val="F2F2F2"/>
+                    </a:solidFill>
+                  </a:tcPr>
+                </a:tc>
+                <a:extLst>
+                  <a:ext uri="{0D108BD9-81ED-4DB2-BD59-A6C34878D82A}">
+                    <a16:rowId xmlns:a16="http://schemas.microsoft.com/office/drawing/2014/main" val="10002"/>
+                  </a:ext>
+                </a:extLst>
               </a:tr>
               <a:tr h="146304">
                 <a:tc>
                   <a:txBody>
                     <a:bodyPr/>
                     <a:lstStyle/>
-                    <a:p/>
-                  </a:txBody>
-                  <a:tcPr>
-                    <a:solidFill>
-                      <a:srgbClr val="F2F2F2"/>
-                    </a:solidFill>
-                  </a:tcPr>
-                </a:tc>
-                <a:tc>
-                  <a:txBody>
-                    <a:bodyPr/>
-                    <a:lstStyle/>
-                    <a:p>
-                      <a:r>
-                        <a:rPr sz="1000"/>
-                        <a:t>Ahmad Faisal bin Bakar (G07, CT)</a:t>
-                      </a:r>
-                    </a:p>
-                    <a:p>
-                      <a:r>
-                        <a:rPr sz="1000"/>
-                        <a:t>Head (Central Luconia), Central Luconia, Borneo Shallow Water &amp; Onshore, Malaysia Ventures, Exploration, PCSB, Upstream Business</a:t>
-                      </a:r>
-                    </a:p>
-                    <a:p>
-                      <a:r>
-                        <a:rPr sz="1000"/>
-                        <a:t>Retire: 17/07/2038,   Age: 41</a:t>
-                      </a:r>
-                    </a:p>
-                    <a:p>
-                      <a:r>
-                        <a:rPr sz="1000"/>
-                        <a:t>PPA: 1, 2, 2, 3H, 1</a:t>
-                      </a:r>
-                    </a:p>
-                  </a:txBody>
-                  <a:tcPr>
-                    <a:solidFill>
-                      <a:srgbClr val="F2F2F2"/>
-                    </a:solidFill>
-                  </a:tcPr>
-                </a:tc>
-                <a:tc>
-                  <a:txBody>
-                    <a:bodyPr/>
-                    <a:lstStyle/>
-                    <a:p/>
-                  </a:txBody>
-                  <a:tcPr>
-                    <a:solidFill>
-                      <a:srgbClr val="F2F2F2"/>
-                    </a:solidFill>
-                  </a:tcPr>
-                </a:tc>
-                <a:tc>
-                  <a:txBody>
-                    <a:bodyPr/>
-                    <a:lstStyle/>
-                    <a:p>
-                      <a:r>
-                        <a:rPr sz="1000"/>
-                        <a:t>Meor Shahrin bin Mahmood (G09, CT)</a:t>
-                      </a:r>
-                    </a:p>
-                    <a:p>
-                      <a:r>
-                        <a:rPr sz="1000"/>
-                        <a:t>Manager (Gabon Ventures), Gabon Ventures, Africa Ventures, International Ventures, Exploration, PCSB, Upstream Business</a:t>
-                      </a:r>
-                    </a:p>
-                    <a:p>
-                      <a:r>
-                        <a:rPr sz="1000"/>
-                        <a:t>Retire: 19/07/2026,   Age: 48</a:t>
-                      </a:r>
-                    </a:p>
-                    <a:p>
-                      <a:r>
-                        <a:rPr sz="1000"/>
-                        <a:t>PPA: 3H, 3H, 3H, 3H, 3H</a:t>
-                      </a:r>
-                    </a:p>
-                  </a:txBody>
-                  <a:tcPr>
-                    <a:solidFill>
-                      <a:srgbClr val="F2F2F2"/>
-                    </a:solidFill>
-                  </a:tcPr>
-                </a:tc>
-                <a:tc>
-                  <a:txBody>
-                    <a:bodyPr/>
-                    <a:lstStyle/>
-                    <a:p/>
-                  </a:txBody>
-                  <a:tcPr>
-                    <a:solidFill>
-                      <a:srgbClr val="F2F2F2"/>
-                    </a:solidFill>
-                  </a:tcPr>
-                </a:tc>
-                <a:tc>
-                  <a:txBody>
-                    <a:bodyPr/>
-                    <a:lstStyle/>
-                    <a:p>
-                      <a:r>
-                        <a:rPr sz="1000"/>
-                        <a:t>Mohamad Faiz bin Rasli (G05, OT)</a:t>
-                      </a:r>
-                    </a:p>
-                    <a:p>
-                      <a:r>
-                        <a:rPr sz="1000"/>
-                        <a:t>Manager (Business Analysis), Business Development, Strategy &amp; Commercial, PCSB, Upstream Business</a:t>
-                      </a:r>
-                    </a:p>
-                    <a:p>
-                      <a:r>
-                        <a:rPr sz="1000"/>
-                        <a:t>Retire: 22/05/2047,   Age: 32</a:t>
-                      </a:r>
-                    </a:p>
-                    <a:p>
-                      <a:r>
-                        <a:rPr sz="1000"/>
-                        <a:t>PPA: 2, 2, 3H, 2, 2</a:t>
-                      </a:r>
-                    </a:p>
-                  </a:txBody>
-                  <a:tcPr>
-                    <a:solidFill>
-                      <a:srgbClr val="F2F2F2"/>
-                    </a:solidFill>
-                  </a:tcPr>
-                </a:tc>
+                    <a:p>
+                      <a:endParaRPr/>
+                    </a:p>
+                  </a:txBody>
+                  <a:tcPr>
+                    <a:solidFill>
+                      <a:srgbClr val="F2F2F2"/>
+                    </a:solidFill>
+                  </a:tcPr>
+                </a:tc>
+                <a:tc>
+                  <a:txBody>
+                    <a:bodyPr/>
+                    <a:lstStyle/>
+                    <a:p>
+                      <a:r>
+                        <a:rPr sz="1000"/>
+                        <a:t>Suhaileen binti Shahar (G10, BT)</a:t>
+                      </a:r>
+                    </a:p>
+                    <a:p>
+                      <a:r>
+                        <a:rPr sz="1000"/>
+                        <a:t>Head (Basin &amp; Petroleum System), Basin &amp; Petroleum System, Exploration, PCSB, Upstream Business</a:t>
+                      </a:r>
+                    </a:p>
+                    <a:p>
+                      <a:r>
+                        <a:rPr sz="1000"/>
+                        <a:t>Retire: 13/05/2034,   Age: 45</a:t>
+                      </a:r>
+                    </a:p>
+                    <a:p>
+                      <a:r>
+                        <a:rPr sz="1000"/>
+                        <a:t>PPA: 3H, 1, 3H, 2, 2</a:t>
+                      </a:r>
+                    </a:p>
+                  </a:txBody>
+                  <a:tcPr>
+                    <a:solidFill>
+                      <a:srgbClr val="F2F2F2"/>
+                    </a:solidFill>
+                  </a:tcPr>
+                </a:tc>
+                <a:tc>
+                  <a:txBody>
+                    <a:bodyPr/>
+                    <a:lstStyle/>
+                    <a:p>
+                      <a:endParaRPr/>
+                    </a:p>
+                  </a:txBody>
+                  <a:tcPr>
+                    <a:solidFill>
+                      <a:srgbClr val="F2F2F2"/>
+                    </a:solidFill>
+                  </a:tcPr>
+                </a:tc>
+                <a:tc>
+                  <a:txBody>
+                    <a:bodyPr/>
+                    <a:lstStyle/>
+                    <a:p>
+                      <a:r>
+                        <a:rPr sz="1000"/>
+                        <a:t>Sandeep Kumar Chandola (G10, OT)</a:t>
+                      </a:r>
+                    </a:p>
+                    <a:p>
+                      <a:r>
+                        <a:rPr sz="1000"/>
+                        <a:t>Custodian (Acquisition), Technical Assurance &amp; Capability, Exploration, PCSB, Upstream Business</a:t>
+                      </a:r>
+                    </a:p>
+                    <a:p>
+                      <a:r>
+                        <a:rPr sz="1000"/>
+                        <a:t>Retire: 16/08/2025,   Age: 54</a:t>
+                      </a:r>
+                    </a:p>
+                    <a:p>
+                      <a:r>
+                        <a:rPr sz="1000"/>
+                        <a:t>PPA: 2, 2, 2, 2, 2</a:t>
+                      </a:r>
+                    </a:p>
+                  </a:txBody>
+                  <a:tcPr>
+                    <a:solidFill>
+                      <a:srgbClr val="F2F2F2"/>
+                    </a:solidFill>
+                  </a:tcPr>
+                </a:tc>
+                <a:tc>
+                  <a:txBody>
+                    <a:bodyPr/>
+                    <a:lstStyle/>
+                    <a:p>
+                      <a:endParaRPr/>
+                    </a:p>
+                  </a:txBody>
+                  <a:tcPr>
+                    <a:solidFill>
+                      <a:srgbClr val="F2F2F2"/>
+                    </a:solidFill>
+                  </a:tcPr>
+                </a:tc>
+                <a:tc>
+                  <a:txBody>
+                    <a:bodyPr/>
+                    <a:lstStyle/>
+                    <a:p>
+                      <a:r>
+                        <a:rPr sz="1000"/>
+                        <a:t>Muhamad Amar bin Amir (G05, OT)</a:t>
+                      </a:r>
+                    </a:p>
+                    <a:p>
+                      <a:r>
+                        <a:rPr sz="1000"/>
+                        <a:t>Manager (Geoscience), Myanmar Ventures, Asia Pacific Ventures, International Ventures, Exploration, PCSB, Upstream Business</a:t>
+                      </a:r>
+                    </a:p>
+                    <a:p>
+                      <a:r>
+                        <a:rPr sz="1000"/>
+                        <a:t>Retire: 17/07/2047,   Age: 32</a:t>
+                      </a:r>
+                    </a:p>
+                    <a:p>
+                      <a:r>
+                        <a:rPr sz="1000"/>
+                        <a:t>PPA: 2, 2, 2, 2, 2</a:t>
+                      </a:r>
+                    </a:p>
+                  </a:txBody>
+                  <a:tcPr>
+                    <a:solidFill>
+                      <a:srgbClr val="F2F2F2"/>
+                    </a:solidFill>
+                  </a:tcPr>
+                </a:tc>
+                <a:extLst>
+                  <a:ext uri="{0D108BD9-81ED-4DB2-BD59-A6C34878D82A}">
+                    <a16:rowId xmlns:a16="http://schemas.microsoft.com/office/drawing/2014/main" val="10003"/>
+                  </a:ext>
+                </a:extLst>
               </a:tr>
               <a:tr h="146304">
                 <a:tc>
                   <a:txBody>
                     <a:bodyPr/>
                     <a:lstStyle/>
-                    <a:p/>
-                  </a:txBody>
-                  <a:tcPr>
-                    <a:solidFill>
-                      <a:srgbClr val="F2F2F2"/>
-                    </a:solidFill>
-                  </a:tcPr>
-                </a:tc>
-                <a:tc>
-                  <a:txBody>
-                    <a:bodyPr/>
-                    <a:lstStyle/>
-                    <a:p/>
-                  </a:txBody>
-                  <a:tcPr>
-                    <a:solidFill>
-                      <a:srgbClr val="F2F2F2"/>
-                    </a:solidFill>
-                  </a:tcPr>
-                </a:tc>
-                <a:tc>
-                  <a:txBody>
-                    <a:bodyPr/>
-                    <a:lstStyle/>
-                    <a:p/>
-                  </a:txBody>
-                  <a:tcPr>
-                    <a:solidFill>
-                      <a:srgbClr val="F2F2F2"/>
-                    </a:solidFill>
-                  </a:tcPr>
-                </a:tc>
-                <a:tc>
-                  <a:txBody>
-                    <a:bodyPr/>
-                    <a:lstStyle/>
-                    <a:p/>
-                  </a:txBody>
-                  <a:tcPr>
-                    <a:solidFill>
-                      <a:srgbClr val="F2F2F2"/>
-                    </a:solidFill>
-                  </a:tcPr>
-                </a:tc>
-                <a:tc>
-                  <a:txBody>
-                    <a:bodyPr/>
-                    <a:lstStyle/>
-                    <a:p/>
-                  </a:txBody>
-                  <a:tcPr>
-                    <a:solidFill>
-                      <a:srgbClr val="F2F2F2"/>
-                    </a:solidFill>
-                  </a:tcPr>
-                </a:tc>
-                <a:tc>
-                  <a:txBody>
-                    <a:bodyPr/>
-                    <a:lstStyle/>
-                    <a:p>
-                      <a:r>
-                        <a:rPr sz="1000"/>
-                        <a:t>Mohd Hafizan bin Abdul Wahab (G06, OT)</a:t>
-                      </a:r>
-                    </a:p>
-                    <a:p>
-                      <a:r>
-                        <a:rPr sz="1000"/>
-                        <a:t>Staff (Petroleum Geosciences), Technical Assurance &amp; Capability, Exploration, PCSB, Upstream Business</a:t>
-                      </a:r>
-                    </a:p>
-                    <a:p>
-                      <a:r>
-                        <a:rPr sz="1000"/>
-                        <a:t>Retire: 15/06/2046,   Age: 33</a:t>
-                      </a:r>
-                    </a:p>
-                    <a:p>
-                      <a:r>
-                        <a:rPr sz="1000"/>
-                        <a:t>PPA: 1, 2, 2, 2, 3H</a:t>
-                      </a:r>
-                    </a:p>
-                  </a:txBody>
-                  <a:tcPr>
-                    <a:solidFill>
-                      <a:srgbClr val="F2F2F2"/>
-                    </a:solidFill>
-                  </a:tcPr>
-                </a:tc>
+                    <a:p>
+                      <a:endParaRPr/>
+                    </a:p>
+                  </a:txBody>
+                  <a:tcPr>
+                    <a:solidFill>
+                      <a:srgbClr val="F2F2F2"/>
+                    </a:solidFill>
+                  </a:tcPr>
+                </a:tc>
+                <a:tc>
+                  <a:txBody>
+                    <a:bodyPr/>
+                    <a:lstStyle/>
+                    <a:p>
+                      <a:endParaRPr/>
+                    </a:p>
+                  </a:txBody>
+                  <a:tcPr>
+                    <a:solidFill>
+                      <a:srgbClr val="F2F2F2"/>
+                    </a:solidFill>
+                  </a:tcPr>
+                </a:tc>
+                <a:tc>
+                  <a:txBody>
+                    <a:bodyPr/>
+                    <a:lstStyle/>
+                    <a:p>
+                      <a:endParaRPr/>
+                    </a:p>
+                  </a:txBody>
+                  <a:tcPr>
+                    <a:solidFill>
+                      <a:srgbClr val="F2F2F2"/>
+                    </a:solidFill>
+                  </a:tcPr>
+                </a:tc>
+                <a:tc>
+                  <a:txBody>
+                    <a:bodyPr/>
+                    <a:lstStyle/>
+                    <a:p>
+                      <a:endParaRPr/>
+                    </a:p>
+                  </a:txBody>
+                  <a:tcPr>
+                    <a:solidFill>
+                      <a:srgbClr val="F2F2F2"/>
+                    </a:solidFill>
+                  </a:tcPr>
+                </a:tc>
+                <a:tc>
+                  <a:txBody>
+                    <a:bodyPr/>
+                    <a:lstStyle/>
+                    <a:p>
+                      <a:endParaRPr/>
+                    </a:p>
+                  </a:txBody>
+                  <a:tcPr>
+                    <a:solidFill>
+                      <a:srgbClr val="F2F2F2"/>
+                    </a:solidFill>
+                  </a:tcPr>
+                </a:tc>
+                <a:tc>
+                  <a:txBody>
+                    <a:bodyPr/>
+                    <a:lstStyle/>
+                    <a:p>
+                      <a:r>
+                        <a:rPr sz="1000"/>
+                        <a:t>Ong Swee Keong (G07, BT)</a:t>
+                      </a:r>
+                    </a:p>
+                    <a:p>
+                      <a:r>
+                        <a:rPr sz="1000"/>
+                        <a:t>Principal (Petroleum Geosciences), Technical Assurance, Technical Assurance &amp; Capability, Exploration, PCSB, Upstream Business</a:t>
+                      </a:r>
+                    </a:p>
+                    <a:p>
+                      <a:r>
+                        <a:rPr sz="1000"/>
+                        <a:t>Retire: 20/04/2041,   Age: 38</a:t>
+                      </a:r>
+                    </a:p>
+                    <a:p>
+                      <a:r>
+                        <a:rPr sz="1000"/>
+                        <a:t>PPA: 2, 3H, 2, 2, 2</a:t>
+                      </a:r>
+                    </a:p>
+                  </a:txBody>
+                  <a:tcPr>
+                    <a:solidFill>
+                      <a:srgbClr val="F2F2F2"/>
+                    </a:solidFill>
+                  </a:tcPr>
+                </a:tc>
+                <a:extLst>
+                  <a:ext uri="{0D108BD9-81ED-4DB2-BD59-A6C34878D82A}">
+                    <a16:rowId xmlns:a16="http://schemas.microsoft.com/office/drawing/2014/main" val="10004"/>
+                  </a:ext>
+                </a:extLst>
               </a:tr>
             </a:tbl>
           </a:graphicData>
         </a:graphic>
       </p:graphicFrame>
-      <p:pic>
-        <p:nvPicPr>
-          <p:cNvPr id="5" name="Picture 4" descr="image.jpg"/>
-          <p:cNvPicPr>
-            <a:picLocks noChangeAspect="1"/>
-          </p:cNvPicPr>
-          <p:nvPr/>
-        </p:nvPicPr>
-        <p:blipFill>
-          <a:blip r:embed="rId2"/>
-          <a:stretch>
-            <a:fillRect/>
-          </a:stretch>
-        </p:blipFill>
-        <p:spPr>
-          <a:xfrm>
-            <a:off x="914400" y="914400"/>
-            <a:ext cx="1905000" cy="1905000"/>
-          </a:xfrm>
-          <a:prstGeom prst="rect">
-            <a:avLst/>
-          </a:prstGeom>
-        </p:spPr>
-      </p:pic>
-    </p:spTree>
-  </p:cSld>
-  <p:clrMapOvr>
-    <a:masterClrMapping/>
-  </p:clrMapOvr>
-</p:sld>
-</file>
-
-<file path=ppt/slides/slide7.xml><?xml version="1.0" encoding="utf-8"?>
-<p:sld xmlns:a="http://schemas.openxmlformats.org/drawingml/2006/main" xmlns:p="http://schemas.openxmlformats.org/presentationml/2006/main" xmlns:r="http://schemas.openxmlformats.org/officeDocument/2006/relationships">
-  <p:cSld>
-    <p:spTree>
-      <p:nvGrpSpPr>
-        <p:cNvPr id="1" name=""/>
-        <p:cNvGrpSpPr/>
-        <p:nvPr/>
-      </p:nvGrpSpPr>
-      <p:grpSpPr/>
-      <p:sp>
-        <p:nvSpPr>
-          <p:cNvPr id="2" name="Title 1"/>
-          <p:cNvSpPr>
-            <a:spLocks noGrp="1"/>
-          </p:cNvSpPr>
-          <p:nvPr>
-            <p:ph type="title"/>
-          </p:nvPr>
-        </p:nvSpPr>
-        <p:spPr/>
-        <p:txBody>
-          <a:bodyPr/>
-          <a:lstStyle/>
-          <a:p>
-            <a:pPr algn="l"/>
-            <a:r>
-              <a:t>Head Technical Assurance</a:t>
-            </a:r>
-          </a:p>
-        </p:txBody>
-      </p:sp>
-      <p:sp>
-        <p:nvSpPr>
-          <p:cNvPr id="3" name="Content Placeholder 2"/>
-          <p:cNvSpPr>
-            <a:spLocks noGrp="1"/>
-          </p:cNvSpPr>
-          <p:nvPr>
-            <p:ph idx="1"/>
-          </p:nvPr>
-        </p:nvSpPr>
-        <p:spPr/>
-        <p:txBody>
-          <a:bodyPr/>
-          <a:lstStyle/>
-          <a:p>
-            <a:pPr algn="l"/>
-            <a:r>
-              <a:t>Head Technical Assurance</a:t>
-            </a:r>
-          </a:p>
-        </p:txBody>
-      </p:sp>
-      <p:graphicFrame>
-        <p:nvGraphicFramePr>
-          <p:cNvPr id="4" name="Table 3"/>
-          <p:cNvGraphicFramePr>
-            <a:graphicFrameLocks noGrp="1"/>
-          </p:cNvGraphicFramePr>
-          <p:nvPr/>
-        </p:nvGraphicFramePr>
-        <p:xfrm>
-          <a:off x="137160" y="1371600"/>
-          <a:ext cx="8778240" cy="731520"/>
-        </p:xfrm>
-        <a:graphic>
-          <a:graphicData uri="http://schemas.openxmlformats.org/drawingml/2006/table">
-            <a:tbl>
-              <a:tblPr firstRow="1" bandRow="1">
-                <a:tableStyleId>{5C22544A-7EE6-4342-B048-85BDC9FD1C3A}</a:tableStyleId>
-              </a:tblPr>
-              <a:tblGrid>
-                <a:gridCol w="914400"/>
-                <a:gridCol w="2011680"/>
-                <a:gridCol w="914400"/>
-                <a:gridCol w="2011680"/>
-                <a:gridCol w="914400"/>
-                <a:gridCol w="2011680"/>
-              </a:tblGrid>
-              <a:tr h="146304">
-                <a:tc gridSpan="2">
-                  <a:txBody>
-                    <a:bodyPr/>
-                    <a:lstStyle/>
-                    <a:p>
-                      <a:r>
-                        <a:rPr sz="1000"/>
-                        <a:t>1st Line</a:t>
-                      </a:r>
-                    </a:p>
-                  </a:txBody>
-                  <a:tcPr>
-                    <a:solidFill>
-                      <a:srgbClr val="00B1A9"/>
-                    </a:solidFill>
-                  </a:tcPr>
-                </a:tc>
-                <a:tc hMerge="1">
-                  <a:txBody>
-                    <a:bodyPr/>
-                    <a:lstStyle/>
-                    <a:p/>
-                  </a:txBody>
-                  <a:tcPr>
-                    <a:solidFill>
-                      <a:srgbClr val="F2F2F2"/>
-                    </a:solidFill>
-                  </a:tcPr>
-                </a:tc>
-                <a:tc gridSpan="2">
-                  <a:txBody>
-                    <a:bodyPr/>
-                    <a:lstStyle/>
-                    <a:p>
-                      <a:r>
-                        <a:rPr sz="1000"/>
-                        <a:t>2nd Line</a:t>
-                      </a:r>
-                    </a:p>
-                  </a:txBody>
-                  <a:tcPr>
-                    <a:solidFill>
-                      <a:srgbClr val="00B1A9"/>
-                    </a:solidFill>
-                  </a:tcPr>
-                </a:tc>
-                <a:tc hMerge="1">
-                  <a:txBody>
-                    <a:bodyPr/>
-                    <a:lstStyle/>
-                    <a:p/>
-                  </a:txBody>
-                  <a:tcPr>
-                    <a:solidFill>
-                      <a:srgbClr val="F2F2F2"/>
-                    </a:solidFill>
-                  </a:tcPr>
-                </a:tc>
-                <a:tc gridSpan="2">
-                  <a:txBody>
-                    <a:bodyPr/>
-                    <a:lstStyle/>
-                    <a:p>
-                      <a:r>
-                        <a:rPr sz="1000"/>
-                        <a:t>3rd Line</a:t>
-                      </a:r>
-                    </a:p>
-                  </a:txBody>
-                  <a:tcPr>
-                    <a:solidFill>
-                      <a:srgbClr val="00B1A9"/>
-                    </a:solidFill>
-                  </a:tcPr>
-                </a:tc>
-                <a:tc hMerge="1">
-                  <a:txBody>
-                    <a:bodyPr/>
-                    <a:lstStyle/>
-                    <a:p/>
-                  </a:txBody>
-                  <a:tcPr>
-                    <a:solidFill>
-                      <a:srgbClr val="F2F2F2"/>
-                    </a:solidFill>
-                  </a:tcPr>
-                </a:tc>
-              </a:tr>
-              <a:tr h="146304">
-                <a:tc>
-                  <a:txBody>
-                    <a:bodyPr/>
-                    <a:lstStyle/>
-                    <a:p/>
-                  </a:txBody>
-                  <a:tcPr>
-                    <a:solidFill>
-                      <a:srgbClr val="F2F2F2"/>
-                    </a:solidFill>
-                  </a:tcPr>
-                </a:tc>
-                <a:tc>
-                  <a:txBody>
-                    <a:bodyPr/>
-                    <a:lstStyle/>
-                    <a:p>
-                      <a:r>
-                        <a:rPr sz="1000"/>
-                        <a:t>Mohd Redhani bin Abdul Rahman (G12, CT)</a:t>
-                      </a:r>
-                    </a:p>
-                    <a:p>
-                      <a:r>
-                        <a:rPr sz="1000"/>
-                        <a:t>Head (Iraq), Iraq, International Assets, PCSB, Upstream Business</a:t>
-                      </a:r>
-                    </a:p>
-                    <a:p>
-                      <a:r>
-                        <a:rPr sz="1000"/>
-                        <a:t>Retire: 07/04/2035,   Age: 44</a:t>
-                      </a:r>
-                    </a:p>
-                    <a:p>
-                      <a:r>
-                        <a:rPr sz="1000"/>
-                        <a:t>PPA: 2, 1, 1, 2, 2</a:t>
-                      </a:r>
-                    </a:p>
-                  </a:txBody>
-                  <a:tcPr>
-                    <a:solidFill>
-                      <a:srgbClr val="F2F2F2"/>
-                    </a:solidFill>
-                  </a:tcPr>
-                </a:tc>
-                <a:tc>
-                  <a:txBody>
-                    <a:bodyPr/>
-                    <a:lstStyle/>
-                    <a:p/>
-                  </a:txBody>
-                  <a:tcPr>
-                    <a:solidFill>
-                      <a:srgbClr val="F2F2F2"/>
-                    </a:solidFill>
-                  </a:tcPr>
-                </a:tc>
-                <a:tc>
-                  <a:txBody>
-                    <a:bodyPr/>
-                    <a:lstStyle/>
-                    <a:p>
-                      <a:r>
-                        <a:rPr sz="1000"/>
-                        <a:t>Azli bin Abu Bakar (G09, CT)</a:t>
-                      </a:r>
-                    </a:p>
-                    <a:p>
-                      <a:r>
-                        <a:rPr sz="1000"/>
-                        <a:t>Head (Asia Pacific Basin), Asia Pacific Basin, Basin &amp; Petroleum System, Exploration, PCSB, Upstream Business</a:t>
-                      </a:r>
-                    </a:p>
-                    <a:p>
-                      <a:r>
-                        <a:rPr sz="1000"/>
-                        <a:t>Retire: 16/11/2031,   Age: 43</a:t>
-                      </a:r>
-                    </a:p>
-                    <a:p>
-                      <a:r>
-                        <a:rPr sz="1000"/>
-                        <a:t>PPA: 3H, 3H, 2, 2, SDP</a:t>
-                      </a:r>
-                    </a:p>
-                  </a:txBody>
-                  <a:tcPr>
-                    <a:solidFill>
-                      <a:srgbClr val="F2F2F2"/>
-                    </a:solidFill>
-                  </a:tcPr>
-                </a:tc>
-                <a:tc>
-                  <a:txBody>
-                    <a:bodyPr/>
-                    <a:lstStyle/>
-                    <a:p/>
-                  </a:txBody>
-                  <a:tcPr>
-                    <a:solidFill>
-                      <a:srgbClr val="F2F2F2"/>
-                    </a:solidFill>
-                  </a:tcPr>
-                </a:tc>
-                <a:tc>
-                  <a:txBody>
-                    <a:bodyPr/>
-                    <a:lstStyle/>
-                    <a:p>
-                      <a:r>
-                        <a:rPr sz="1000"/>
-                        <a:t>Marc De Urreiztieta (G08, OT)</a:t>
-                      </a:r>
-                    </a:p>
-                    <a:p>
-                      <a:r>
-                        <a:rPr sz="1000"/>
-                        <a:t>Principal (Petroleum Geosciences), Technical Assurance, Technical Assurance &amp; Capability, Exploration, PCSB, Upstream Business</a:t>
-                      </a:r>
-                    </a:p>
-                    <a:p>
-                      <a:r>
-                        <a:rPr sz="1000"/>
-                        <a:t>Retire: 06/08/2026,   Age: 53</a:t>
-                      </a:r>
-                    </a:p>
-                    <a:p>
-                      <a:r>
-                        <a:rPr sz="1000"/>
-                        <a:t>PPA: 3S, 3H, 2, 2, 3H</a:t>
-                      </a:r>
-                    </a:p>
-                  </a:txBody>
-                  <a:tcPr>
-                    <a:solidFill>
-                      <a:srgbClr val="F2F2F2"/>
-                    </a:solidFill>
-                  </a:tcPr>
-                </a:tc>
-              </a:tr>
-              <a:tr h="146304">
-                <a:tc>
-                  <a:txBody>
-                    <a:bodyPr/>
-                    <a:lstStyle/>
-                    <a:p/>
-                  </a:txBody>
-                  <a:tcPr>
-                    <a:solidFill>
-                      <a:srgbClr val="F2F2F2"/>
-                    </a:solidFill>
-                  </a:tcPr>
-                </a:tc>
-                <a:tc>
-                  <a:txBody>
-                    <a:bodyPr/>
-                    <a:lstStyle/>
-                    <a:p>
-                      <a:r>
-                        <a:rPr sz="1000"/>
-                        <a:t>Liau Min Hoe (G10, CT)</a:t>
-                      </a:r>
-                    </a:p>
-                    <a:p>
-                      <a:r>
-                        <a:rPr sz="1000"/>
-                        <a:t>Head (Myanmar), Myanmar, International Assets, PCSB, Upstream Business</a:t>
-                      </a:r>
-                    </a:p>
-                    <a:p>
-                      <a:r>
-                        <a:rPr sz="1000"/>
-                        <a:t>Retire: 04/03/2036,   Age: 43</a:t>
-                      </a:r>
-                    </a:p>
-                    <a:p>
-                      <a:r>
-                        <a:rPr sz="1000"/>
-                        <a:t>PPA: 3H, 3H, 2, 3H, 1</a:t>
-                      </a:r>
-                    </a:p>
-                  </a:txBody>
-                  <a:tcPr>
-                    <a:solidFill>
-                      <a:srgbClr val="F2F2F2"/>
-                    </a:solidFill>
-                  </a:tcPr>
-                </a:tc>
-                <a:tc>
-                  <a:txBody>
-                    <a:bodyPr/>
-                    <a:lstStyle/>
-                    <a:p/>
-                  </a:txBody>
-                  <a:tcPr>
-                    <a:solidFill>
-                      <a:srgbClr val="F2F2F2"/>
-                    </a:solidFill>
-                  </a:tcPr>
-                </a:tc>
-                <a:tc>
-                  <a:txBody>
-                    <a:bodyPr/>
-                    <a:lstStyle/>
-                    <a:p>
-                      <a:r>
-                        <a:rPr sz="1000"/>
-                        <a:t>Christian Brinzer (G08, OT)</a:t>
-                      </a:r>
-                    </a:p>
-                    <a:p>
-                      <a:r>
-                        <a:rPr sz="1000"/>
-                        <a:t>Head (Exploration), Mexico Ventures, International Ventures, Exploration, PCSB, Upstream Business</a:t>
-                      </a:r>
-                    </a:p>
-                    <a:p>
-                      <a:r>
-                        <a:rPr sz="1000"/>
-                        <a:t>Retire: 29/03/2033,   Age: 46</a:t>
-                      </a:r>
-                    </a:p>
-                    <a:p>
-                      <a:r>
-                        <a:rPr sz="1000"/>
-                        <a:t>PPA: 2, 3H, 2, 3H, -</a:t>
-                      </a:r>
-                    </a:p>
-                  </a:txBody>
-                  <a:tcPr>
-                    <a:solidFill>
-                      <a:srgbClr val="F2F2F2"/>
-                    </a:solidFill>
-                  </a:tcPr>
-                </a:tc>
-                <a:tc>
-                  <a:txBody>
-                    <a:bodyPr/>
-                    <a:lstStyle/>
-                    <a:p/>
-                  </a:txBody>
-                  <a:tcPr>
-                    <a:solidFill>
-                      <a:srgbClr val="F2F2F2"/>
-                    </a:solidFill>
-                  </a:tcPr>
-                </a:tc>
-                <a:tc>
-                  <a:txBody>
-                    <a:bodyPr/>
-                    <a:lstStyle/>
-                    <a:p>
-                      <a:r>
-                        <a:rPr sz="1000"/>
-                        <a:t>Brianne Gillian Tracey Alleyne (EXPAT, OT)</a:t>
-                      </a:r>
-                    </a:p>
-                    <a:p>
-                      <a:r>
-                        <a:rPr sz="1000"/>
-                        <a:t>Staff (Petroleum Geosciences), Asia Pacific Basin, Basin &amp; Petroleum System, Exploration, PCSB, Upstream Business</a:t>
-                      </a:r>
-                    </a:p>
-                    <a:p>
-                      <a:r>
-                        <a:rPr sz="1000"/>
-                        <a:t>Retire: 15/08/2020,   Age: 39</a:t>
-                      </a:r>
-                    </a:p>
-                    <a:p>
-                      <a:r>
-                        <a:rPr sz="1000"/>
-                        <a:t>PPA: 3H, 2, 2, 3H, 3S</a:t>
-                      </a:r>
-                    </a:p>
-                  </a:txBody>
-                  <a:tcPr>
-                    <a:solidFill>
-                      <a:srgbClr val="F2F2F2"/>
-                    </a:solidFill>
-                  </a:tcPr>
-                </a:tc>
-              </a:tr>
-              <a:tr h="146304">
-                <a:tc>
-                  <a:txBody>
-                    <a:bodyPr/>
-                    <a:lstStyle/>
-                    <a:p/>
-                  </a:txBody>
-                  <a:tcPr>
-                    <a:solidFill>
-                      <a:srgbClr val="F2F2F2"/>
-                    </a:solidFill>
-                  </a:tcPr>
-                </a:tc>
-                <a:tc>
-                  <a:txBody>
-                    <a:bodyPr/>
-                    <a:lstStyle/>
-                    <a:p>
-                      <a:r>
-                        <a:rPr sz="1000"/>
-                        <a:t>Suhaileen binti Shahar (G10, BT)</a:t>
-                      </a:r>
-                    </a:p>
-                    <a:p>
-                      <a:r>
-                        <a:rPr sz="1000"/>
-                        <a:t>Head (Basin &amp; Petroleum System), Basin &amp; Petroleum System, Exploration, PCSB, Upstream Business</a:t>
-                      </a:r>
-                    </a:p>
-                    <a:p>
-                      <a:r>
-                        <a:rPr sz="1000"/>
-                        <a:t>Retire: 13/05/2034,   Age: 45</a:t>
-                      </a:r>
-                    </a:p>
-                    <a:p>
-                      <a:r>
-                        <a:rPr sz="1000"/>
-                        <a:t>PPA: 3H, 1, 3H, 2, 2</a:t>
-                      </a:r>
-                    </a:p>
-                  </a:txBody>
-                  <a:tcPr>
-                    <a:solidFill>
-                      <a:srgbClr val="F2F2F2"/>
-                    </a:solidFill>
-                  </a:tcPr>
-                </a:tc>
-                <a:tc>
-                  <a:txBody>
-                    <a:bodyPr/>
-                    <a:lstStyle/>
-                    <a:p/>
-                  </a:txBody>
-                  <a:tcPr>
-                    <a:solidFill>
-                      <a:srgbClr val="F2F2F2"/>
-                    </a:solidFill>
-                  </a:tcPr>
-                </a:tc>
-                <a:tc>
-                  <a:txBody>
-                    <a:bodyPr/>
-                    <a:lstStyle/>
-                    <a:p>
-                      <a:r>
-                        <a:rPr sz="1000"/>
-                        <a:t>Sandeep Kumar Chandola (G10, OT)</a:t>
-                      </a:r>
-                    </a:p>
-                    <a:p>
-                      <a:r>
-                        <a:rPr sz="1000"/>
-                        <a:t>Custodian (Acquisition), Technical Assurance &amp; Capability, Exploration, PCSB, Upstream Business</a:t>
-                      </a:r>
-                    </a:p>
-                    <a:p>
-                      <a:r>
-                        <a:rPr sz="1000"/>
-                        <a:t>Retire: 16/08/2025,   Age: 54</a:t>
-                      </a:r>
-                    </a:p>
-                    <a:p>
-                      <a:r>
-                        <a:rPr sz="1000"/>
-                        <a:t>PPA: 2, 2, 2, 2, 2</a:t>
-                      </a:r>
-                    </a:p>
-                  </a:txBody>
-                  <a:tcPr>
-                    <a:solidFill>
-                      <a:srgbClr val="F2F2F2"/>
-                    </a:solidFill>
-                  </a:tcPr>
-                </a:tc>
-                <a:tc>
-                  <a:txBody>
-                    <a:bodyPr/>
-                    <a:lstStyle/>
-                    <a:p/>
-                  </a:txBody>
-                  <a:tcPr>
-                    <a:solidFill>
-                      <a:srgbClr val="F2F2F2"/>
-                    </a:solidFill>
-                  </a:tcPr>
-                </a:tc>
-                <a:tc>
-                  <a:txBody>
-                    <a:bodyPr/>
-                    <a:lstStyle/>
-                    <a:p>
-                      <a:r>
-                        <a:rPr sz="1000"/>
-                        <a:t>Muhamad Amar bin Amir (G05, OT)</a:t>
-                      </a:r>
-                    </a:p>
-                    <a:p>
-                      <a:r>
-                        <a:rPr sz="1000"/>
-                        <a:t>Manager (Geoscience), Myanmar Ventures, Asia Pacific Ventures, International Ventures, Exploration, PCSB, Upstream Business</a:t>
-                      </a:r>
-                    </a:p>
-                    <a:p>
-                      <a:r>
-                        <a:rPr sz="1000"/>
-                        <a:t>Retire: 17/07/2047,   Age: 32</a:t>
-                      </a:r>
-                    </a:p>
-                    <a:p>
-                      <a:r>
-                        <a:rPr sz="1000"/>
-                        <a:t>PPA: 2, 2, 2, 2, 2</a:t>
-                      </a:r>
-                    </a:p>
-                  </a:txBody>
-                  <a:tcPr>
-                    <a:solidFill>
-                      <a:srgbClr val="F2F2F2"/>
-                    </a:solidFill>
-                  </a:tcPr>
-                </a:tc>
-              </a:tr>
-              <a:tr h="146304">
-                <a:tc>
-                  <a:txBody>
-                    <a:bodyPr/>
-                    <a:lstStyle/>
-                    <a:p/>
-                  </a:txBody>
-                  <a:tcPr>
-                    <a:solidFill>
-                      <a:srgbClr val="F2F2F2"/>
-                    </a:solidFill>
-                  </a:tcPr>
-                </a:tc>
-                <a:tc>
-                  <a:txBody>
-                    <a:bodyPr/>
-                    <a:lstStyle/>
-                    <a:p/>
-                  </a:txBody>
-                  <a:tcPr>
-                    <a:solidFill>
-                      <a:srgbClr val="F2F2F2"/>
-                    </a:solidFill>
-                  </a:tcPr>
-                </a:tc>
-                <a:tc>
-                  <a:txBody>
-                    <a:bodyPr/>
-                    <a:lstStyle/>
-                    <a:p/>
-                  </a:txBody>
-                  <a:tcPr>
-                    <a:solidFill>
-                      <a:srgbClr val="F2F2F2"/>
-                    </a:solidFill>
-                  </a:tcPr>
-                </a:tc>
-                <a:tc>
-                  <a:txBody>
-                    <a:bodyPr/>
-                    <a:lstStyle/>
-                    <a:p/>
-                  </a:txBody>
-                  <a:tcPr>
-                    <a:solidFill>
-                      <a:srgbClr val="F2F2F2"/>
-                    </a:solidFill>
-                  </a:tcPr>
-                </a:tc>
-                <a:tc>
-                  <a:txBody>
-                    <a:bodyPr/>
-                    <a:lstStyle/>
-                    <a:p/>
-                  </a:txBody>
-                  <a:tcPr>
-                    <a:solidFill>
-                      <a:srgbClr val="F2F2F2"/>
-                    </a:solidFill>
-                  </a:tcPr>
-                </a:tc>
-                <a:tc>
-                  <a:txBody>
-                    <a:bodyPr/>
-                    <a:lstStyle/>
-                    <a:p>
-                      <a:r>
-                        <a:rPr sz="1000"/>
-                        <a:t>Ong Swee Keong (G07, BT)</a:t>
-                      </a:r>
-                    </a:p>
-                    <a:p>
-                      <a:r>
-                        <a:rPr sz="1000"/>
-                        <a:t>Principal (Petroleum Geosciences), Technical Assurance, Technical Assurance &amp; Capability, Exploration, PCSB, Upstream Business</a:t>
-                      </a:r>
-                    </a:p>
-                    <a:p>
-                      <a:r>
-                        <a:rPr sz="1000"/>
-                        <a:t>Retire: 20/04/2041,   Age: 38</a:t>
-                      </a:r>
-                    </a:p>
-                    <a:p>
-                      <a:r>
-                        <a:rPr sz="1000"/>
-                        <a:t>PPA: 2, 3H, 2, 2, 2</a:t>
-                      </a:r>
-                    </a:p>
-                  </a:txBody>
-                  <a:tcPr>
-                    <a:solidFill>
-                      <a:srgbClr val="F2F2F2"/>
-                    </a:solidFill>
-                  </a:tcPr>
-                </a:tc>
-              </a:tr>
-            </a:tbl>
-          </a:graphicData>
-        </a:graphic>
-      </p:graphicFrame>
-      <p:pic>
-        <p:nvPicPr>
-          <p:cNvPr id="5" name="Picture 4" descr="image.jpg"/>
-          <p:cNvPicPr>
-            <a:picLocks noChangeAspect="1"/>
-          </p:cNvPicPr>
-          <p:nvPr/>
-        </p:nvPicPr>
-        <p:blipFill>
-          <a:blip r:embed="rId2"/>
-          <a:stretch>
-            <a:fillRect/>
-          </a:stretch>
-        </p:blipFill>
-        <p:spPr>
-          <a:xfrm>
-            <a:off x="914400" y="914400"/>
-            <a:ext cx="1905000" cy="1905000"/>
-          </a:xfrm>
-          <a:prstGeom prst="rect">
-            <a:avLst/>
-          </a:prstGeom>
-        </p:spPr>
-      </p:pic>
     </p:spTree>
   </p:cSld>
   <p:clrMapOvr>
@@ -7460,7 +8262,7 @@
 </file>
 
 <file path=ppt/slides/slide8.xml><?xml version="1.0" encoding="utf-8"?>
-<p:sld xmlns:a="http://schemas.openxmlformats.org/drawingml/2006/main" xmlns:p="http://schemas.openxmlformats.org/presentationml/2006/main" xmlns:r="http://schemas.openxmlformats.org/officeDocument/2006/relationships">
+<p:sld xmlns:a="http://schemas.openxmlformats.org/drawingml/2006/main" xmlns:r="http://schemas.openxmlformats.org/officeDocument/2006/relationships" xmlns:p="http://schemas.openxmlformats.org/presentationml/2006/main">
   <p:cSld>
     <p:spTree>
       <p:nvGrpSpPr>
@@ -7468,7 +8270,14 @@
         <p:cNvGrpSpPr/>
         <p:nvPr/>
       </p:nvGrpSpPr>
-      <p:grpSpPr/>
+      <p:grpSpPr>
+        <a:xfrm>
+          <a:off x="0" y="0"/>
+          <a:ext cx="0" cy="0"/>
+          <a:chOff x="0" y="0"/>
+          <a:chExt cx="0" cy="0"/>
+        </a:xfrm>
+      </p:grpSpPr>
       <p:sp>
         <p:nvSpPr>
           <p:cNvPr id="2" name="Title 1"/>
@@ -7504,7 +8313,9 @@
         <p:txBody>
           <a:bodyPr/>
           <a:lstStyle/>
-          <a:p/>
+          <a:p>
+            <a:endParaRPr/>
+          </a:p>
         </p:txBody>
       </p:sp>
     </p:spTree>

--- a/createsp.pptx
+++ b/createsp.pptx
@@ -5,16 +5,16 @@
     <p:sldMasterId id="2147483648" r:id="rId1"/>
   </p:sldMasterIdLst>
   <p:sldIdLst>
-    <p:sldId id="256" r:id="rId2"/>
-    <p:sldId id="257" r:id="rId3"/>
-    <p:sldId id="258" r:id="rId4"/>
-    <p:sldId id="259" r:id="rId5"/>
-    <p:sldId id="260" r:id="rId6"/>
-    <p:sldId id="261" r:id="rId7"/>
-    <p:sldId id="262" r:id="rId8"/>
-    <p:sldId id="263" r:id="rId9"/>
+    <p:sldId id="256" r:id="rId7"/>
+    <p:sldId id="257" r:id="rId8"/>
+    <p:sldId id="258" r:id="rId9"/>
+    <p:sldId id="259" r:id="rId10"/>
+    <p:sldId id="260" r:id="rId11"/>
+    <p:sldId id="261" r:id="rId12"/>
+    <p:sldId id="262" r:id="rId13"/>
+    <p:sldId id="263" r:id="rId14"/>
   </p:sldIdLst>
-  <p:sldSz cx="11887200" cy="6686550"/>
+  <p:sldSz cx="11887200" cy="6686550" type="screen4x3"/>
   <p:notesSz cx="6858000" cy="9144000"/>
   <p:defaultTextStyle>
     <a:defPPr>
@@ -111,22 +111,6 @@
       </a:defRPr>
     </a:lvl9pPr>
   </p:defaultTextStyle>
-  <p:extLst>
-    <p:ext uri="{EFAFB233-063F-42B5-8137-9DF3F51BA10A}">
-      <p15:sldGuideLst xmlns:p15="http://schemas.microsoft.com/office/powerpoint/2012/main">
-        <p15:guide id="1" orient="horz" pos="2160">
-          <p15:clr>
-            <a:srgbClr val="A4A3A4"/>
-          </p15:clr>
-        </p15:guide>
-        <p15:guide id="2" pos="2880">
-          <p15:clr>
-            <a:srgbClr val="A4A3A4"/>
-          </p15:clr>
-        </p15:guide>
-      </p15:sldGuideLst>
-    </p:ext>
-  </p:extLst>
 </p:presentation>
 </file>
 
@@ -168,9 +152,10 @@
           <a:lstStyle/>
           <a:p>
             <a:r>
-              <a:rPr lang="en-US"/>
+              <a:rPr lang="en-US" smtClean="0"/>
               <a:t>Click to edit Master title style</a:t>
             </a:r>
+            <a:endParaRPr lang="en-US"/>
           </a:p>
         </p:txBody>
       </p:sp>
@@ -286,9 +271,10 @@
           </a:lstStyle>
           <a:p>
             <a:r>
-              <a:rPr lang="en-US"/>
+              <a:rPr lang="en-US" smtClean="0"/>
               <a:t>Click to edit Master subtitle style</a:t>
             </a:r>
+            <a:endParaRPr lang="en-US"/>
           </a:p>
         </p:txBody>
       </p:sp>
@@ -309,7 +295,7 @@
           <a:p>
             <a:fld id="{5BCAD085-E8A6-8845-BD4E-CB4CCA059FC4}" type="datetimeFigureOut">
               <a:rPr lang="en-US" smtClean="0"/>
-              <a:t>3/24/2020</a:t>
+              <a:t>1/27/13</a:t>
             </a:fld>
             <a:endParaRPr lang="en-US"/>
           </a:p>
@@ -403,9 +389,10 @@
           <a:lstStyle/>
           <a:p>
             <a:r>
-              <a:rPr lang="en-US"/>
+              <a:rPr lang="en-US" smtClean="0"/>
               <a:t>Click to edit Master title style</a:t>
             </a:r>
+            <a:endParaRPr lang="en-US"/>
           </a:p>
         </p:txBody>
       </p:sp>
@@ -426,37 +413,38 @@
           <a:p>
             <a:pPr lvl="0"/>
             <a:r>
-              <a:rPr lang="en-US"/>
+              <a:rPr lang="en-US" smtClean="0"/>
               <a:t>Click to edit Master text styles</a:t>
             </a:r>
           </a:p>
           <a:p>
             <a:pPr lvl="1"/>
             <a:r>
-              <a:rPr lang="en-US"/>
+              <a:rPr lang="en-US" smtClean="0"/>
               <a:t>Second level</a:t>
             </a:r>
           </a:p>
           <a:p>
             <a:pPr lvl="2"/>
             <a:r>
-              <a:rPr lang="en-US"/>
+              <a:rPr lang="en-US" smtClean="0"/>
               <a:t>Third level</a:t>
             </a:r>
           </a:p>
           <a:p>
             <a:pPr lvl="3"/>
             <a:r>
-              <a:rPr lang="en-US"/>
+              <a:rPr lang="en-US" smtClean="0"/>
               <a:t>Fourth level</a:t>
             </a:r>
           </a:p>
           <a:p>
             <a:pPr lvl="4"/>
             <a:r>
-              <a:rPr lang="en-US"/>
+              <a:rPr lang="en-US" smtClean="0"/>
               <a:t>Fifth level</a:t>
             </a:r>
+            <a:endParaRPr lang="en-US"/>
           </a:p>
         </p:txBody>
       </p:sp>
@@ -477,7 +465,7 @@
           <a:p>
             <a:fld id="{5BCAD085-E8A6-8845-BD4E-CB4CCA059FC4}" type="datetimeFigureOut">
               <a:rPr lang="en-US" smtClean="0"/>
-              <a:t>3/24/2020</a:t>
+              <a:t>1/27/13</a:t>
             </a:fld>
             <a:endParaRPr lang="en-US"/>
           </a:p>
@@ -576,9 +564,10 @@
           <a:lstStyle/>
           <a:p>
             <a:r>
-              <a:rPr lang="en-US"/>
+              <a:rPr lang="en-US" smtClean="0"/>
               <a:t>Click to edit Master title style</a:t>
             </a:r>
+            <a:endParaRPr lang="en-US"/>
           </a:p>
         </p:txBody>
       </p:sp>
@@ -604,37 +593,38 @@
           <a:p>
             <a:pPr lvl="0"/>
             <a:r>
-              <a:rPr lang="en-US"/>
+              <a:rPr lang="en-US" smtClean="0"/>
               <a:t>Click to edit Master text styles</a:t>
             </a:r>
           </a:p>
           <a:p>
             <a:pPr lvl="1"/>
             <a:r>
-              <a:rPr lang="en-US"/>
+              <a:rPr lang="en-US" smtClean="0"/>
               <a:t>Second level</a:t>
             </a:r>
           </a:p>
           <a:p>
             <a:pPr lvl="2"/>
             <a:r>
-              <a:rPr lang="en-US"/>
+              <a:rPr lang="en-US" smtClean="0"/>
               <a:t>Third level</a:t>
             </a:r>
           </a:p>
           <a:p>
             <a:pPr lvl="3"/>
             <a:r>
-              <a:rPr lang="en-US"/>
+              <a:rPr lang="en-US" smtClean="0"/>
               <a:t>Fourth level</a:t>
             </a:r>
           </a:p>
           <a:p>
             <a:pPr lvl="4"/>
             <a:r>
-              <a:rPr lang="en-US"/>
+              <a:rPr lang="en-US" smtClean="0"/>
               <a:t>Fifth level</a:t>
             </a:r>
+            <a:endParaRPr lang="en-US"/>
           </a:p>
         </p:txBody>
       </p:sp>
@@ -655,7 +645,7 @@
           <a:p>
             <a:fld id="{5BCAD085-E8A6-8845-BD4E-CB4CCA059FC4}" type="datetimeFigureOut">
               <a:rPr lang="en-US" smtClean="0"/>
-              <a:t>3/24/2020</a:t>
+              <a:t>1/27/13</a:t>
             </a:fld>
             <a:endParaRPr lang="en-US"/>
           </a:p>
@@ -749,9 +739,10 @@
           <a:lstStyle/>
           <a:p>
             <a:r>
-              <a:rPr lang="en-US"/>
+              <a:rPr lang="en-US" smtClean="0"/>
               <a:t>Click to edit Master title style</a:t>
             </a:r>
+            <a:endParaRPr lang="en-US"/>
           </a:p>
         </p:txBody>
       </p:sp>
@@ -772,37 +763,38 @@
           <a:p>
             <a:pPr lvl="0"/>
             <a:r>
-              <a:rPr lang="en-US"/>
+              <a:rPr lang="en-US" smtClean="0"/>
               <a:t>Click to edit Master text styles</a:t>
             </a:r>
           </a:p>
           <a:p>
             <a:pPr lvl="1"/>
             <a:r>
-              <a:rPr lang="en-US"/>
+              <a:rPr lang="en-US" smtClean="0"/>
               <a:t>Second level</a:t>
             </a:r>
           </a:p>
           <a:p>
             <a:pPr lvl="2"/>
             <a:r>
-              <a:rPr lang="en-US"/>
+              <a:rPr lang="en-US" smtClean="0"/>
               <a:t>Third level</a:t>
             </a:r>
           </a:p>
           <a:p>
             <a:pPr lvl="3"/>
             <a:r>
-              <a:rPr lang="en-US"/>
+              <a:rPr lang="en-US" smtClean="0"/>
               <a:t>Fourth level</a:t>
             </a:r>
           </a:p>
           <a:p>
             <a:pPr lvl="4"/>
             <a:r>
-              <a:rPr lang="en-US"/>
+              <a:rPr lang="en-US" smtClean="0"/>
               <a:t>Fifth level</a:t>
             </a:r>
+            <a:endParaRPr lang="en-US"/>
           </a:p>
         </p:txBody>
       </p:sp>
@@ -823,7 +815,7 @@
           <a:p>
             <a:fld id="{5BCAD085-E8A6-8845-BD4E-CB4CCA059FC4}" type="datetimeFigureOut">
               <a:rPr lang="en-US" smtClean="0"/>
-              <a:t>3/24/2020</a:t>
+              <a:t>1/27/13</a:t>
             </a:fld>
             <a:endParaRPr lang="en-US"/>
           </a:p>
@@ -926,9 +918,10 @@
           </a:lstStyle>
           <a:p>
             <a:r>
-              <a:rPr lang="en-US"/>
+              <a:rPr lang="en-US" smtClean="0"/>
               <a:t>Click to edit Master title style</a:t>
             </a:r>
+            <a:endParaRPr lang="en-US"/>
           </a:p>
         </p:txBody>
       </p:sp>
@@ -1045,7 +1038,7 @@
           <a:p>
             <a:pPr lvl="0"/>
             <a:r>
-              <a:rPr lang="en-US"/>
+              <a:rPr lang="en-US" smtClean="0"/>
               <a:t>Click to edit Master text styles</a:t>
             </a:r>
           </a:p>
@@ -1068,7 +1061,7 @@
           <a:p>
             <a:fld id="{5BCAD085-E8A6-8845-BD4E-CB4CCA059FC4}" type="datetimeFigureOut">
               <a:rPr lang="en-US" smtClean="0"/>
-              <a:t>3/24/2020</a:t>
+              <a:t>1/27/13</a:t>
             </a:fld>
             <a:endParaRPr lang="en-US"/>
           </a:p>
@@ -1162,9 +1155,10 @@
           <a:lstStyle/>
           <a:p>
             <a:r>
-              <a:rPr lang="en-US"/>
+              <a:rPr lang="en-US" smtClean="0"/>
               <a:t>Click to edit Master title style</a:t>
             </a:r>
+            <a:endParaRPr lang="en-US"/>
           </a:p>
         </p:txBody>
       </p:sp>
@@ -1218,37 +1212,38 @@
           <a:p>
             <a:pPr lvl="0"/>
             <a:r>
-              <a:rPr lang="en-US"/>
+              <a:rPr lang="en-US" smtClean="0"/>
               <a:t>Click to edit Master text styles</a:t>
             </a:r>
           </a:p>
           <a:p>
             <a:pPr lvl="1"/>
             <a:r>
-              <a:rPr lang="en-US"/>
+              <a:rPr lang="en-US" smtClean="0"/>
               <a:t>Second level</a:t>
             </a:r>
           </a:p>
           <a:p>
             <a:pPr lvl="2"/>
             <a:r>
-              <a:rPr lang="en-US"/>
+              <a:rPr lang="en-US" smtClean="0"/>
               <a:t>Third level</a:t>
             </a:r>
           </a:p>
           <a:p>
             <a:pPr lvl="3"/>
             <a:r>
-              <a:rPr lang="en-US"/>
+              <a:rPr lang="en-US" smtClean="0"/>
               <a:t>Fourth level</a:t>
             </a:r>
           </a:p>
           <a:p>
             <a:pPr lvl="4"/>
             <a:r>
-              <a:rPr lang="en-US"/>
+              <a:rPr lang="en-US" smtClean="0"/>
               <a:t>Fifth level</a:t>
             </a:r>
+            <a:endParaRPr lang="en-US"/>
           </a:p>
         </p:txBody>
       </p:sp>
@@ -1302,37 +1297,38 @@
           <a:p>
             <a:pPr lvl="0"/>
             <a:r>
-              <a:rPr lang="en-US"/>
+              <a:rPr lang="en-US" smtClean="0"/>
               <a:t>Click to edit Master text styles</a:t>
             </a:r>
           </a:p>
           <a:p>
             <a:pPr lvl="1"/>
             <a:r>
-              <a:rPr lang="en-US"/>
+              <a:rPr lang="en-US" smtClean="0"/>
               <a:t>Second level</a:t>
             </a:r>
           </a:p>
           <a:p>
             <a:pPr lvl="2"/>
             <a:r>
-              <a:rPr lang="en-US"/>
+              <a:rPr lang="en-US" smtClean="0"/>
               <a:t>Third level</a:t>
             </a:r>
           </a:p>
           <a:p>
             <a:pPr lvl="3"/>
             <a:r>
-              <a:rPr lang="en-US"/>
+              <a:rPr lang="en-US" smtClean="0"/>
               <a:t>Fourth level</a:t>
             </a:r>
           </a:p>
           <a:p>
             <a:pPr lvl="4"/>
             <a:r>
-              <a:rPr lang="en-US"/>
+              <a:rPr lang="en-US" smtClean="0"/>
               <a:t>Fifth level</a:t>
             </a:r>
+            <a:endParaRPr lang="en-US"/>
           </a:p>
         </p:txBody>
       </p:sp>
@@ -1353,7 +1349,7 @@
           <a:p>
             <a:fld id="{5BCAD085-E8A6-8845-BD4E-CB4CCA059FC4}" type="datetimeFigureOut">
               <a:rPr lang="en-US" smtClean="0"/>
-              <a:t>3/24/2020</a:t>
+              <a:t>1/27/13</a:t>
             </a:fld>
             <a:endParaRPr lang="en-US"/>
           </a:p>
@@ -1451,9 +1447,10 @@
           </a:lstStyle>
           <a:p>
             <a:r>
-              <a:rPr lang="en-US"/>
+              <a:rPr lang="en-US" smtClean="0"/>
               <a:t>Click to edit Master title style</a:t>
             </a:r>
+            <a:endParaRPr lang="en-US"/>
           </a:p>
         </p:txBody>
       </p:sp>
@@ -1516,7 +1513,7 @@
           <a:p>
             <a:pPr lvl="0"/>
             <a:r>
-              <a:rPr lang="en-US"/>
+              <a:rPr lang="en-US" smtClean="0"/>
               <a:t>Click to edit Master text styles</a:t>
             </a:r>
           </a:p>
@@ -1572,37 +1569,38 @@
           <a:p>
             <a:pPr lvl="0"/>
             <a:r>
-              <a:rPr lang="en-US"/>
+              <a:rPr lang="en-US" smtClean="0"/>
               <a:t>Click to edit Master text styles</a:t>
             </a:r>
           </a:p>
           <a:p>
             <a:pPr lvl="1"/>
             <a:r>
-              <a:rPr lang="en-US"/>
+              <a:rPr lang="en-US" smtClean="0"/>
               <a:t>Second level</a:t>
             </a:r>
           </a:p>
           <a:p>
             <a:pPr lvl="2"/>
             <a:r>
-              <a:rPr lang="en-US"/>
+              <a:rPr lang="en-US" smtClean="0"/>
               <a:t>Third level</a:t>
             </a:r>
           </a:p>
           <a:p>
             <a:pPr lvl="3"/>
             <a:r>
-              <a:rPr lang="en-US"/>
+              <a:rPr lang="en-US" smtClean="0"/>
               <a:t>Fourth level</a:t>
             </a:r>
           </a:p>
           <a:p>
             <a:pPr lvl="4"/>
             <a:r>
-              <a:rPr lang="en-US"/>
+              <a:rPr lang="en-US" smtClean="0"/>
               <a:t>Fifth level</a:t>
             </a:r>
+            <a:endParaRPr lang="en-US"/>
           </a:p>
         </p:txBody>
       </p:sp>
@@ -1665,7 +1663,7 @@
           <a:p>
             <a:pPr lvl="0"/>
             <a:r>
-              <a:rPr lang="en-US"/>
+              <a:rPr lang="en-US" smtClean="0"/>
               <a:t>Click to edit Master text styles</a:t>
             </a:r>
           </a:p>
@@ -1721,37 +1719,38 @@
           <a:p>
             <a:pPr lvl="0"/>
             <a:r>
-              <a:rPr lang="en-US"/>
+              <a:rPr lang="en-US" smtClean="0"/>
               <a:t>Click to edit Master text styles</a:t>
             </a:r>
           </a:p>
           <a:p>
             <a:pPr lvl="1"/>
             <a:r>
-              <a:rPr lang="en-US"/>
+              <a:rPr lang="en-US" smtClean="0"/>
               <a:t>Second level</a:t>
             </a:r>
           </a:p>
           <a:p>
             <a:pPr lvl="2"/>
             <a:r>
-              <a:rPr lang="en-US"/>
+              <a:rPr lang="en-US" smtClean="0"/>
               <a:t>Third level</a:t>
             </a:r>
           </a:p>
           <a:p>
             <a:pPr lvl="3"/>
             <a:r>
-              <a:rPr lang="en-US"/>
+              <a:rPr lang="en-US" smtClean="0"/>
               <a:t>Fourth level</a:t>
             </a:r>
           </a:p>
           <a:p>
             <a:pPr lvl="4"/>
             <a:r>
-              <a:rPr lang="en-US"/>
+              <a:rPr lang="en-US" smtClean="0"/>
               <a:t>Fifth level</a:t>
             </a:r>
+            <a:endParaRPr lang="en-US"/>
           </a:p>
         </p:txBody>
       </p:sp>
@@ -1772,7 +1771,7 @@
           <a:p>
             <a:fld id="{5BCAD085-E8A6-8845-BD4E-CB4CCA059FC4}" type="datetimeFigureOut">
               <a:rPr lang="en-US" smtClean="0"/>
-              <a:t>3/24/2020</a:t>
+              <a:t>1/27/13</a:t>
             </a:fld>
             <a:endParaRPr lang="en-US"/>
           </a:p>
@@ -1866,9 +1865,10 @@
           <a:lstStyle/>
           <a:p>
             <a:r>
-              <a:rPr lang="en-US"/>
+              <a:rPr lang="en-US" smtClean="0"/>
               <a:t>Click to edit Master title style</a:t>
             </a:r>
+            <a:endParaRPr lang="en-US"/>
           </a:p>
         </p:txBody>
       </p:sp>
@@ -1889,7 +1889,7 @@
           <a:p>
             <a:fld id="{5BCAD085-E8A6-8845-BD4E-CB4CCA059FC4}" type="datetimeFigureOut">
               <a:rPr lang="en-US" smtClean="0"/>
-              <a:t>3/24/2020</a:t>
+              <a:t>1/27/13</a:t>
             </a:fld>
             <a:endParaRPr lang="en-US"/>
           </a:p>
@@ -1984,7 +1984,7 @@
           <a:p>
             <a:fld id="{5BCAD085-E8A6-8845-BD4E-CB4CCA059FC4}" type="datetimeFigureOut">
               <a:rPr lang="en-US" smtClean="0"/>
-              <a:t>3/24/2020</a:t>
+              <a:t>1/27/13</a:t>
             </a:fld>
             <a:endParaRPr lang="en-US"/>
           </a:p>
@@ -2087,9 +2087,10 @@
           </a:lstStyle>
           <a:p>
             <a:r>
-              <a:rPr lang="en-US"/>
+              <a:rPr lang="en-US" smtClean="0"/>
               <a:t>Click to edit Master title style</a:t>
             </a:r>
+            <a:endParaRPr lang="en-US"/>
           </a:p>
         </p:txBody>
       </p:sp>
@@ -2143,37 +2144,38 @@
           <a:p>
             <a:pPr lvl="0"/>
             <a:r>
-              <a:rPr lang="en-US"/>
+              <a:rPr lang="en-US" smtClean="0"/>
               <a:t>Click to edit Master text styles</a:t>
             </a:r>
           </a:p>
           <a:p>
             <a:pPr lvl="1"/>
             <a:r>
-              <a:rPr lang="en-US"/>
+              <a:rPr lang="en-US" smtClean="0"/>
               <a:t>Second level</a:t>
             </a:r>
           </a:p>
           <a:p>
             <a:pPr lvl="2"/>
             <a:r>
-              <a:rPr lang="en-US"/>
+              <a:rPr lang="en-US" smtClean="0"/>
               <a:t>Third level</a:t>
             </a:r>
           </a:p>
           <a:p>
             <a:pPr lvl="3"/>
             <a:r>
-              <a:rPr lang="en-US"/>
+              <a:rPr lang="en-US" smtClean="0"/>
               <a:t>Fourth level</a:t>
             </a:r>
           </a:p>
           <a:p>
             <a:pPr lvl="4"/>
             <a:r>
-              <a:rPr lang="en-US"/>
+              <a:rPr lang="en-US" smtClean="0"/>
               <a:t>Fifth level</a:t>
             </a:r>
+            <a:endParaRPr lang="en-US"/>
           </a:p>
         </p:txBody>
       </p:sp>
@@ -2236,7 +2238,7 @@
           <a:p>
             <a:pPr lvl="0"/>
             <a:r>
-              <a:rPr lang="en-US"/>
+              <a:rPr lang="en-US" smtClean="0"/>
               <a:t>Click to edit Master text styles</a:t>
             </a:r>
           </a:p>
@@ -2259,7 +2261,7 @@
           <a:p>
             <a:fld id="{5BCAD085-E8A6-8845-BD4E-CB4CCA059FC4}" type="datetimeFigureOut">
               <a:rPr lang="en-US" smtClean="0"/>
-              <a:t>3/24/2020</a:t>
+              <a:t>1/27/13</a:t>
             </a:fld>
             <a:endParaRPr lang="en-US"/>
           </a:p>
@@ -2362,9 +2364,10 @@
           </a:lstStyle>
           <a:p>
             <a:r>
-              <a:rPr lang="en-US"/>
+              <a:rPr lang="en-US" smtClean="0"/>
               <a:t>Click to edit Master title style</a:t>
             </a:r>
+            <a:endParaRPr lang="en-US"/>
           </a:p>
         </p:txBody>
       </p:sp>
@@ -2488,7 +2491,7 @@
           <a:p>
             <a:pPr lvl="0"/>
             <a:r>
-              <a:rPr lang="en-US"/>
+              <a:rPr lang="en-US" smtClean="0"/>
               <a:t>Click to edit Master text styles</a:t>
             </a:r>
           </a:p>
@@ -2511,7 +2514,7 @@
           <a:p>
             <a:fld id="{5BCAD085-E8A6-8845-BD4E-CB4CCA059FC4}" type="datetimeFigureOut">
               <a:rPr lang="en-US" smtClean="0"/>
-              <a:t>3/24/2020</a:t>
+              <a:t>1/27/13</a:t>
             </a:fld>
             <a:endParaRPr lang="en-US"/>
           </a:p>
@@ -2620,9 +2623,10 @@
           <a:lstStyle/>
           <a:p>
             <a:r>
-              <a:rPr lang="en-US"/>
+              <a:rPr lang="en-US" smtClean="0"/>
               <a:t>Click to edit Master title style</a:t>
             </a:r>
+            <a:endParaRPr lang="en-US"/>
           </a:p>
         </p:txBody>
       </p:sp>
@@ -2653,37 +2657,38 @@
           <a:p>
             <a:pPr lvl="0"/>
             <a:r>
-              <a:rPr lang="en-US"/>
+              <a:rPr lang="en-US" smtClean="0"/>
               <a:t>Click to edit Master text styles</a:t>
             </a:r>
           </a:p>
           <a:p>
             <a:pPr lvl="1"/>
             <a:r>
-              <a:rPr lang="en-US"/>
+              <a:rPr lang="en-US" smtClean="0"/>
               <a:t>Second level</a:t>
             </a:r>
           </a:p>
           <a:p>
             <a:pPr lvl="2"/>
             <a:r>
-              <a:rPr lang="en-US"/>
+              <a:rPr lang="en-US" smtClean="0"/>
               <a:t>Third level</a:t>
             </a:r>
           </a:p>
           <a:p>
             <a:pPr lvl="3"/>
             <a:r>
-              <a:rPr lang="en-US"/>
+              <a:rPr lang="en-US" smtClean="0"/>
               <a:t>Fourth level</a:t>
             </a:r>
           </a:p>
           <a:p>
             <a:pPr lvl="4"/>
             <a:r>
-              <a:rPr lang="en-US"/>
+              <a:rPr lang="en-US" smtClean="0"/>
               <a:t>Fifth level</a:t>
             </a:r>
+            <a:endParaRPr lang="en-US"/>
           </a:p>
         </p:txBody>
       </p:sp>
@@ -2722,7 +2727,7 @@
           <a:p>
             <a:fld id="{5BCAD085-E8A6-8845-BD4E-CB4CCA059FC4}" type="datetimeFigureOut">
               <a:rPr lang="en-US" smtClean="0"/>
-              <a:t>3/24/2020</a:t>
+              <a:t>1/27/13</a:t>
             </a:fld>
             <a:endParaRPr lang="en-US"/>
           </a:p>
@@ -3081,7 +3086,7 @@
 </file>
 
 <file path=ppt/slides/slide1.xml><?xml version="1.0" encoding="utf-8"?>
-<p:sld xmlns:a="http://schemas.openxmlformats.org/drawingml/2006/main" xmlns:r="http://schemas.openxmlformats.org/officeDocument/2006/relationships" xmlns:p="http://schemas.openxmlformats.org/presentationml/2006/main">
+<p:sld xmlns:a="http://schemas.openxmlformats.org/drawingml/2006/main" xmlns:p="http://schemas.openxmlformats.org/presentationml/2006/main" xmlns:r="http://schemas.openxmlformats.org/officeDocument/2006/relationships">
   <p:cSld>
     <p:spTree>
       <p:nvGrpSpPr>
@@ -3089,14 +3094,7 @@
         <p:cNvGrpSpPr/>
         <p:nvPr/>
       </p:nvGrpSpPr>
-      <p:grpSpPr>
-        <a:xfrm>
-          <a:off x="0" y="0"/>
-          <a:ext cx="0" cy="0"/>
-          <a:chOff x="0" y="0"/>
-          <a:chExt cx="0" cy="0"/>
-        </a:xfrm>
-      </p:grpSpPr>
+      <p:grpSpPr/>
       <p:sp>
         <p:nvSpPr>
           <p:cNvPr id="2" name="Title 1"/>
@@ -3132,9 +3130,7 @@
         <p:txBody>
           <a:bodyPr/>
           <a:lstStyle/>
-          <a:p>
-            <a:endParaRPr/>
-          </a:p>
+          <a:p/>
         </p:txBody>
       </p:sp>
     </p:spTree>
@@ -3146,7 +3142,7 @@
 </file>
 
 <file path=ppt/slides/slide2.xml><?xml version="1.0" encoding="utf-8"?>
-<p:sld xmlns:a="http://schemas.openxmlformats.org/drawingml/2006/main" xmlns:r="http://schemas.openxmlformats.org/officeDocument/2006/relationships" xmlns:p="http://schemas.openxmlformats.org/presentationml/2006/main">
+<p:sld xmlns:a="http://schemas.openxmlformats.org/drawingml/2006/main" xmlns:p="http://schemas.openxmlformats.org/presentationml/2006/main" xmlns:r="http://schemas.openxmlformats.org/officeDocument/2006/relationships">
   <p:cSld>
     <p:spTree>
       <p:nvGrpSpPr>
@@ -3154,14 +3150,7 @@
         <p:cNvGrpSpPr/>
         <p:nvPr/>
       </p:nvGrpSpPr>
-      <p:grpSpPr>
-        <a:xfrm>
-          <a:off x="0" y="0"/>
-          <a:ext cx="0" cy="0"/>
-          <a:chOff x="0" y="0"/>
-          <a:chExt cx="0" cy="0"/>
-        </a:xfrm>
-      </p:grpSpPr>
+      <p:grpSpPr/>
       <p:sp>
         <p:nvSpPr>
           <p:cNvPr id="2" name="Title 1"/>
@@ -3216,7 +3205,7 @@
         </p:nvGraphicFramePr>
         <p:xfrm>
           <a:off x="137160" y="1371600"/>
-          <a:ext cx="11704320" cy="4480560"/>
+          <a:ext cx="11704320" cy="731520"/>
         </p:xfrm>
         <a:graphic>
           <a:graphicData uri="http://schemas.openxmlformats.org/drawingml/2006/table">
@@ -3225,62 +3214,14 @@
                 <a:tableStyleId>{5C22544A-7EE6-4342-B048-85BDC9FD1C3A}</a:tableStyleId>
               </a:tblPr>
               <a:tblGrid>
-                <a:gridCol w="914400">
-                  <a:extLst>
-                    <a:ext uri="{9D8B030D-6E8A-4147-A177-3AD203B41FA5}">
-                      <a16:colId xmlns:a16="http://schemas.microsoft.com/office/drawing/2014/main" val="20000"/>
-                    </a:ext>
-                  </a:extLst>
-                </a:gridCol>
-                <a:gridCol w="2011680">
-                  <a:extLst>
-                    <a:ext uri="{9D8B030D-6E8A-4147-A177-3AD203B41FA5}">
-                      <a16:colId xmlns:a16="http://schemas.microsoft.com/office/drawing/2014/main" val="20001"/>
-                    </a:ext>
-                  </a:extLst>
-                </a:gridCol>
-                <a:gridCol w="914400">
-                  <a:extLst>
-                    <a:ext uri="{9D8B030D-6E8A-4147-A177-3AD203B41FA5}">
-                      <a16:colId xmlns:a16="http://schemas.microsoft.com/office/drawing/2014/main" val="20002"/>
-                    </a:ext>
-                  </a:extLst>
-                </a:gridCol>
-                <a:gridCol w="2011680">
-                  <a:extLst>
-                    <a:ext uri="{9D8B030D-6E8A-4147-A177-3AD203B41FA5}">
-                      <a16:colId xmlns:a16="http://schemas.microsoft.com/office/drawing/2014/main" val="20003"/>
-                    </a:ext>
-                  </a:extLst>
-                </a:gridCol>
-                <a:gridCol w="914400">
-                  <a:extLst>
-                    <a:ext uri="{9D8B030D-6E8A-4147-A177-3AD203B41FA5}">
-                      <a16:colId xmlns:a16="http://schemas.microsoft.com/office/drawing/2014/main" val="20004"/>
-                    </a:ext>
-                  </a:extLst>
-                </a:gridCol>
-                <a:gridCol w="2011680">
-                  <a:extLst>
-                    <a:ext uri="{9D8B030D-6E8A-4147-A177-3AD203B41FA5}">
-                      <a16:colId xmlns:a16="http://schemas.microsoft.com/office/drawing/2014/main" val="20005"/>
-                    </a:ext>
-                  </a:extLst>
-                </a:gridCol>
-                <a:gridCol w="914400">
-                  <a:extLst>
-                    <a:ext uri="{9D8B030D-6E8A-4147-A177-3AD203B41FA5}">
-                      <a16:colId xmlns:a16="http://schemas.microsoft.com/office/drawing/2014/main" val="20006"/>
-                    </a:ext>
-                  </a:extLst>
-                </a:gridCol>
-                <a:gridCol w="2011680">
-                  <a:extLst>
-                    <a:ext uri="{9D8B030D-6E8A-4147-A177-3AD203B41FA5}">
-                      <a16:colId xmlns:a16="http://schemas.microsoft.com/office/drawing/2014/main" val="20007"/>
-                    </a:ext>
-                  </a:extLst>
-                </a:gridCol>
+                <a:gridCol w="914400"/>
+                <a:gridCol w="2011680"/>
+                <a:gridCol w="914400"/>
+                <a:gridCol w="2011680"/>
+                <a:gridCol w="914400"/>
+                <a:gridCol w="2011680"/>
+                <a:gridCol w="914400"/>
+                <a:gridCol w="2011680"/>
               </a:tblGrid>
               <a:tr h="182880">
                 <a:tc gridSpan="2">
@@ -3304,9 +3245,7 @@
                   <a:txBody>
                     <a:bodyPr/>
                     <a:lstStyle/>
-                    <a:p>
-                      <a:endParaRPr/>
-                    </a:p>
+                    <a:p/>
                   </a:txBody>
                   <a:tcPr>
                     <a:solidFill>
@@ -3335,9 +3274,7 @@
                   <a:txBody>
                     <a:bodyPr/>
                     <a:lstStyle/>
-                    <a:p>
-                      <a:endParaRPr/>
-                    </a:p>
+                    <a:p/>
                   </a:txBody>
                   <a:tcPr>
                     <a:solidFill>
@@ -3366,9 +3303,7 @@
                   <a:txBody>
                     <a:bodyPr/>
                     <a:lstStyle/>
-                    <a:p>
-                      <a:endParaRPr/>
-                    </a:p>
+                    <a:p/>
                   </a:txBody>
                   <a:tcPr>
                     <a:solidFill>
@@ -3397,30 +3332,21 @@
                   <a:txBody>
                     <a:bodyPr/>
                     <a:lstStyle/>
-                    <a:p>
-                      <a:endParaRPr/>
-                    </a:p>
-                  </a:txBody>
-                  <a:tcPr>
-                    <a:solidFill>
-                      <a:srgbClr val="F2F2F2"/>
-                    </a:solidFill>
-                  </a:tcPr>
-                </a:tc>
-                <a:extLst>
-                  <a:ext uri="{0D108BD9-81ED-4DB2-BD59-A6C34878D82A}">
-                    <a16:rowId xmlns:a16="http://schemas.microsoft.com/office/drawing/2014/main" val="10000"/>
-                  </a:ext>
-                </a:extLst>
+                    <a:p/>
+                  </a:txBody>
+                  <a:tcPr>
+                    <a:solidFill>
+                      <a:srgbClr val="F2F2F2"/>
+                    </a:solidFill>
+                  </a:tcPr>
+                </a:tc>
               </a:tr>
               <a:tr h="182880">
                 <a:tc>
                   <a:txBody>
                     <a:bodyPr/>
                     <a:lstStyle/>
-                    <a:p>
-                      <a:endParaRPr/>
-                    </a:p>
+                    <a:p/>
                   </a:txBody>
                   <a:tcPr>
                     <a:solidFill>
@@ -3467,9 +3393,7 @@
                   <a:txBody>
                     <a:bodyPr/>
                     <a:lstStyle/>
-                    <a:p>
-                      <a:endParaRPr/>
-                    </a:p>
+                    <a:p/>
                   </a:txBody>
                   <a:tcPr>
                     <a:solidFill>
@@ -3516,9 +3440,7 @@
                   <a:txBody>
                     <a:bodyPr/>
                     <a:lstStyle/>
-                    <a:p>
-                      <a:endParaRPr/>
-                    </a:p>
+                    <a:p/>
                   </a:txBody>
                   <a:tcPr>
                     <a:solidFill>
@@ -3565,9 +3487,7 @@
                   <a:txBody>
                     <a:bodyPr/>
                     <a:lstStyle/>
-                    <a:p>
-                      <a:endParaRPr/>
-                    </a:p>
+                    <a:p/>
                   </a:txBody>
                   <a:tcPr>
                     <a:solidFill>
@@ -3610,20 +3530,13 @@
                     </a:solidFill>
                   </a:tcPr>
                 </a:tc>
-                <a:extLst>
-                  <a:ext uri="{0D108BD9-81ED-4DB2-BD59-A6C34878D82A}">
-                    <a16:rowId xmlns:a16="http://schemas.microsoft.com/office/drawing/2014/main" val="10001"/>
-                  </a:ext>
-                </a:extLst>
               </a:tr>
               <a:tr h="182880">
                 <a:tc>
                   <a:txBody>
                     <a:bodyPr/>
                     <a:lstStyle/>
-                    <a:p>
-                      <a:endParaRPr/>
-                    </a:p>
+                    <a:p/>
                   </a:txBody>
                   <a:tcPr>
                     <a:solidFill>
@@ -3670,9 +3583,7 @@
                   <a:txBody>
                     <a:bodyPr/>
                     <a:lstStyle/>
-                    <a:p>
-                      <a:endParaRPr/>
-                    </a:p>
+                    <a:p/>
                   </a:txBody>
                   <a:tcPr>
                     <a:solidFill>
@@ -3719,9 +3630,7 @@
                   <a:txBody>
                     <a:bodyPr/>
                     <a:lstStyle/>
-                    <a:p>
-                      <a:endParaRPr/>
-                    </a:p>
+                    <a:p/>
                   </a:txBody>
                   <a:tcPr>
                     <a:solidFill>
@@ -3768,9 +3677,7 @@
                   <a:txBody>
                     <a:bodyPr/>
                     <a:lstStyle/>
-                    <a:p>
-                      <a:endParaRPr/>
-                    </a:p>
+                    <a:p/>
                   </a:txBody>
                   <a:tcPr>
                     <a:solidFill>
@@ -3813,20 +3720,13 @@
                     </a:solidFill>
                   </a:tcPr>
                 </a:tc>
-                <a:extLst>
-                  <a:ext uri="{0D108BD9-81ED-4DB2-BD59-A6C34878D82A}">
-                    <a16:rowId xmlns:a16="http://schemas.microsoft.com/office/drawing/2014/main" val="10002"/>
-                  </a:ext>
-                </a:extLst>
               </a:tr>
               <a:tr h="182880">
                 <a:tc>
                   <a:txBody>
                     <a:bodyPr/>
                     <a:lstStyle/>
-                    <a:p>
-                      <a:endParaRPr/>
-                    </a:p>
+                    <a:p/>
                   </a:txBody>
                   <a:tcPr>
                     <a:solidFill>
@@ -3873,9 +3773,7 @@
                   <a:txBody>
                     <a:bodyPr/>
                     <a:lstStyle/>
-                    <a:p>
-                      <a:endParaRPr/>
-                    </a:p>
+                    <a:p/>
                   </a:txBody>
                   <a:tcPr>
                     <a:solidFill>
@@ -3922,9 +3820,7 @@
                   <a:txBody>
                     <a:bodyPr/>
                     <a:lstStyle/>
-                    <a:p>
-                      <a:endParaRPr/>
-                    </a:p>
+                    <a:p/>
                   </a:txBody>
                   <a:tcPr>
                     <a:solidFill>
@@ -3971,9 +3867,7 @@
                   <a:txBody>
                     <a:bodyPr/>
                     <a:lstStyle/>
-                    <a:p>
-                      <a:endParaRPr/>
-                    </a:p>
+                    <a:p/>
                   </a:txBody>
                   <a:tcPr>
                     <a:solidFill>
@@ -4016,11 +3910,6 @@
                     </a:solidFill>
                   </a:tcPr>
                 </a:tc>
-                <a:extLst>
-                  <a:ext uri="{0D108BD9-81ED-4DB2-BD59-A6C34878D82A}">
-                    <a16:rowId xmlns:a16="http://schemas.microsoft.com/office/drawing/2014/main" val="10003"/>
-                  </a:ext>
-                </a:extLst>
               </a:tr>
             </a:tbl>
           </a:graphicData>
@@ -4042,7 +3931,7 @@
         </p:blipFill>
         <p:spPr>
           <a:xfrm>
-            <a:off x="137160" y="1874838"/>
+            <a:off x="914400" y="1828800"/>
             <a:ext cx="914400" cy="914400"/>
           </a:xfrm>
           <a:prstGeom prst="rect">
@@ -4066,7 +3955,7 @@
         </p:blipFill>
         <p:spPr>
           <a:xfrm>
-            <a:off x="137160" y="3246438"/>
+            <a:off x="914400" y="2743200"/>
             <a:ext cx="914400" cy="914400"/>
           </a:xfrm>
           <a:prstGeom prst="rect">
@@ -4090,7 +3979,7 @@
         </p:blipFill>
         <p:spPr>
           <a:xfrm>
-            <a:off x="137160" y="4617562"/>
+            <a:off x="914400" y="3657600"/>
             <a:ext cx="914400" cy="914400"/>
           </a:xfrm>
           <a:prstGeom prst="rect">
@@ -4114,7 +4003,7 @@
         </p:blipFill>
         <p:spPr>
           <a:xfrm>
-            <a:off x="3063240" y="1900238"/>
+            <a:off x="1828800" y="1828800"/>
             <a:ext cx="914400" cy="914400"/>
           </a:xfrm>
           <a:prstGeom prst="rect">
@@ -4138,7 +4027,7 @@
         </p:blipFill>
         <p:spPr>
           <a:xfrm>
-            <a:off x="3063240" y="3343275"/>
+            <a:off x="1828800" y="2743200"/>
             <a:ext cx="914400" cy="914400"/>
           </a:xfrm>
           <a:prstGeom prst="rect">
@@ -4162,7 +4051,7 @@
         </p:blipFill>
         <p:spPr>
           <a:xfrm>
-            <a:off x="3074886" y="4617562"/>
+            <a:off x="1828800" y="3657600"/>
             <a:ext cx="914400" cy="914400"/>
           </a:xfrm>
           <a:prstGeom prst="rect">
@@ -4186,7 +4075,7 @@
         </p:blipFill>
         <p:spPr>
           <a:xfrm>
-            <a:off x="5989320" y="1900238"/>
+            <a:off x="2743200" y="1828800"/>
             <a:ext cx="914400" cy="914400"/>
           </a:xfrm>
           <a:prstGeom prst="rect">
@@ -4210,7 +4099,7 @@
         </p:blipFill>
         <p:spPr>
           <a:xfrm>
-            <a:off x="5989320" y="3343275"/>
+            <a:off x="2743200" y="2743200"/>
             <a:ext cx="914400" cy="914400"/>
           </a:xfrm>
           <a:prstGeom prst="rect">
@@ -4234,7 +4123,7 @@
         </p:blipFill>
         <p:spPr>
           <a:xfrm>
-            <a:off x="5989320" y="4597717"/>
+            <a:off x="2743200" y="3657600"/>
             <a:ext cx="914400" cy="914400"/>
           </a:xfrm>
           <a:prstGeom prst="rect">
@@ -4258,7 +4147,7 @@
         </p:blipFill>
         <p:spPr>
           <a:xfrm>
-            <a:off x="8892540" y="1900238"/>
+            <a:off x="3657600" y="1828800"/>
             <a:ext cx="914400" cy="914400"/>
           </a:xfrm>
           <a:prstGeom prst="rect">
@@ -4282,7 +4171,7 @@
         </p:blipFill>
         <p:spPr>
           <a:xfrm>
-            <a:off x="8892540" y="3343275"/>
+            <a:off x="3657600" y="2743200"/>
             <a:ext cx="914400" cy="914400"/>
           </a:xfrm>
           <a:prstGeom prst="rect">
@@ -4306,7 +4195,7 @@
         </p:blipFill>
         <p:spPr>
           <a:xfrm>
-            <a:off x="8892540" y="4617562"/>
+            <a:off x="3657600" y="3657600"/>
             <a:ext cx="914400" cy="914400"/>
           </a:xfrm>
           <a:prstGeom prst="rect">
@@ -4323,7 +4212,7 @@
 </file>
 
 <file path=ppt/slides/slide3.xml><?xml version="1.0" encoding="utf-8"?>
-<p:sld xmlns:a="http://schemas.openxmlformats.org/drawingml/2006/main" xmlns:r="http://schemas.openxmlformats.org/officeDocument/2006/relationships" xmlns:p="http://schemas.openxmlformats.org/presentationml/2006/main">
+<p:sld xmlns:a="http://schemas.openxmlformats.org/drawingml/2006/main" xmlns:p="http://schemas.openxmlformats.org/presentationml/2006/main" xmlns:r="http://schemas.openxmlformats.org/officeDocument/2006/relationships">
   <p:cSld>
     <p:spTree>
       <p:nvGrpSpPr>
@@ -4331,14 +4220,7 @@
         <p:cNvGrpSpPr/>
         <p:nvPr/>
       </p:nvGrpSpPr>
-      <p:grpSpPr>
-        <a:xfrm>
-          <a:off x="0" y="0"/>
-          <a:ext cx="0" cy="0"/>
-          <a:chOff x="0" y="0"/>
-          <a:chExt cx="0" cy="0"/>
-        </a:xfrm>
-      </p:grpSpPr>
+      <p:grpSpPr/>
       <p:sp>
         <p:nvSpPr>
           <p:cNvPr id="2" name="Title 1"/>
@@ -4393,7 +4275,7 @@
         </p:nvGraphicFramePr>
         <p:xfrm>
           <a:off x="137160" y="1371600"/>
-          <a:ext cx="8778240" cy="4480560"/>
+          <a:ext cx="8778240" cy="731520"/>
         </p:xfrm>
         <a:graphic>
           <a:graphicData uri="http://schemas.openxmlformats.org/drawingml/2006/table">
@@ -4402,48 +4284,12 @@
                 <a:tableStyleId>{5C22544A-7EE6-4342-B048-85BDC9FD1C3A}</a:tableStyleId>
               </a:tblPr>
               <a:tblGrid>
-                <a:gridCol w="914400">
-                  <a:extLst>
-                    <a:ext uri="{9D8B030D-6E8A-4147-A177-3AD203B41FA5}">
-                      <a16:colId xmlns:a16="http://schemas.microsoft.com/office/drawing/2014/main" val="20000"/>
-                    </a:ext>
-                  </a:extLst>
-                </a:gridCol>
-                <a:gridCol w="2011680">
-                  <a:extLst>
-                    <a:ext uri="{9D8B030D-6E8A-4147-A177-3AD203B41FA5}">
-                      <a16:colId xmlns:a16="http://schemas.microsoft.com/office/drawing/2014/main" val="20001"/>
-                    </a:ext>
-                  </a:extLst>
-                </a:gridCol>
-                <a:gridCol w="914400">
-                  <a:extLst>
-                    <a:ext uri="{9D8B030D-6E8A-4147-A177-3AD203B41FA5}">
-                      <a16:colId xmlns:a16="http://schemas.microsoft.com/office/drawing/2014/main" val="20002"/>
-                    </a:ext>
-                  </a:extLst>
-                </a:gridCol>
-                <a:gridCol w="2011680">
-                  <a:extLst>
-                    <a:ext uri="{9D8B030D-6E8A-4147-A177-3AD203B41FA5}">
-                      <a16:colId xmlns:a16="http://schemas.microsoft.com/office/drawing/2014/main" val="20003"/>
-                    </a:ext>
-                  </a:extLst>
-                </a:gridCol>
-                <a:gridCol w="914400">
-                  <a:extLst>
-                    <a:ext uri="{9D8B030D-6E8A-4147-A177-3AD203B41FA5}">
-                      <a16:colId xmlns:a16="http://schemas.microsoft.com/office/drawing/2014/main" val="20004"/>
-                    </a:ext>
-                  </a:extLst>
-                </a:gridCol>
-                <a:gridCol w="2011680">
-                  <a:extLst>
-                    <a:ext uri="{9D8B030D-6E8A-4147-A177-3AD203B41FA5}">
-                      <a16:colId xmlns:a16="http://schemas.microsoft.com/office/drawing/2014/main" val="20005"/>
-                    </a:ext>
-                  </a:extLst>
-                </a:gridCol>
+                <a:gridCol w="914400"/>
+                <a:gridCol w="2011680"/>
+                <a:gridCol w="914400"/>
+                <a:gridCol w="2011680"/>
+                <a:gridCol w="914400"/>
+                <a:gridCol w="2011680"/>
               </a:tblGrid>
               <a:tr h="182880">
                 <a:tc gridSpan="2">
@@ -4467,9 +4313,7 @@
                   <a:txBody>
                     <a:bodyPr/>
                     <a:lstStyle/>
-                    <a:p>
-                      <a:endParaRPr/>
-                    </a:p>
+                    <a:p/>
                   </a:txBody>
                   <a:tcPr>
                     <a:solidFill>
@@ -4498,9 +4342,7 @@
                   <a:txBody>
                     <a:bodyPr/>
                     <a:lstStyle/>
-                    <a:p>
-                      <a:endParaRPr/>
-                    </a:p>
+                    <a:p/>
                   </a:txBody>
                   <a:tcPr>
                     <a:solidFill>
@@ -4529,30 +4371,21 @@
                   <a:txBody>
                     <a:bodyPr/>
                     <a:lstStyle/>
-                    <a:p>
-                      <a:endParaRPr/>
-                    </a:p>
-                  </a:txBody>
-                  <a:tcPr>
-                    <a:solidFill>
-                      <a:srgbClr val="F2F2F2"/>
-                    </a:solidFill>
-                  </a:tcPr>
-                </a:tc>
-                <a:extLst>
-                  <a:ext uri="{0D108BD9-81ED-4DB2-BD59-A6C34878D82A}">
-                    <a16:rowId xmlns:a16="http://schemas.microsoft.com/office/drawing/2014/main" val="10000"/>
-                  </a:ext>
-                </a:extLst>
+                    <a:p/>
+                  </a:txBody>
+                  <a:tcPr>
+                    <a:solidFill>
+                      <a:srgbClr val="F2F2F2"/>
+                    </a:solidFill>
+                  </a:tcPr>
+                </a:tc>
               </a:tr>
               <a:tr h="182880">
                 <a:tc>
                   <a:txBody>
                     <a:bodyPr/>
                     <a:lstStyle/>
-                    <a:p>
-                      <a:endParaRPr/>
-                    </a:p>
+                    <a:p/>
                   </a:txBody>
                   <a:tcPr>
                     <a:solidFill>
@@ -4599,9 +4432,7 @@
                   <a:txBody>
                     <a:bodyPr/>
                     <a:lstStyle/>
-                    <a:p>
-                      <a:endParaRPr/>
-                    </a:p>
+                    <a:p/>
                   </a:txBody>
                   <a:tcPr>
                     <a:solidFill>
@@ -4648,9 +4479,7 @@
                   <a:txBody>
                     <a:bodyPr/>
                     <a:lstStyle/>
-                    <a:p>
-                      <a:endParaRPr/>
-                    </a:p>
+                    <a:p/>
                   </a:txBody>
                   <a:tcPr>
                     <a:solidFill>
@@ -4693,20 +4522,13 @@
                     </a:solidFill>
                   </a:tcPr>
                 </a:tc>
-                <a:extLst>
-                  <a:ext uri="{0D108BD9-81ED-4DB2-BD59-A6C34878D82A}">
-                    <a16:rowId xmlns:a16="http://schemas.microsoft.com/office/drawing/2014/main" val="10001"/>
-                  </a:ext>
-                </a:extLst>
               </a:tr>
               <a:tr h="182880">
                 <a:tc>
                   <a:txBody>
                     <a:bodyPr/>
                     <a:lstStyle/>
-                    <a:p>
-                      <a:endParaRPr/>
-                    </a:p>
+                    <a:p/>
                   </a:txBody>
                   <a:tcPr>
                     <a:solidFill>
@@ -4753,9 +4575,7 @@
                   <a:txBody>
                     <a:bodyPr/>
                     <a:lstStyle/>
-                    <a:p>
-                      <a:endParaRPr/>
-                    </a:p>
+                    <a:p/>
                   </a:txBody>
                   <a:tcPr>
                     <a:solidFill>
@@ -4802,9 +4622,7 @@
                   <a:txBody>
                     <a:bodyPr/>
                     <a:lstStyle/>
-                    <a:p>
-                      <a:endParaRPr/>
-                    </a:p>
+                    <a:p/>
                   </a:txBody>
                   <a:tcPr>
                     <a:solidFill>
@@ -4847,48 +4665,37 @@
                     </a:solidFill>
                   </a:tcPr>
                 </a:tc>
-                <a:extLst>
-                  <a:ext uri="{0D108BD9-81ED-4DB2-BD59-A6C34878D82A}">
-                    <a16:rowId xmlns:a16="http://schemas.microsoft.com/office/drawing/2014/main" val="10002"/>
-                  </a:ext>
-                </a:extLst>
               </a:tr>
               <a:tr h="182880">
                 <a:tc>
                   <a:txBody>
                     <a:bodyPr/>
                     <a:lstStyle/>
-                    <a:p>
-                      <a:endParaRPr/>
-                    </a:p>
-                  </a:txBody>
-                  <a:tcPr>
-                    <a:solidFill>
-                      <a:srgbClr val="F2F2F2"/>
-                    </a:solidFill>
-                  </a:tcPr>
-                </a:tc>
-                <a:tc>
-                  <a:txBody>
-                    <a:bodyPr/>
-                    <a:lstStyle/>
-                    <a:p>
-                      <a:endParaRPr/>
-                    </a:p>
-                  </a:txBody>
-                  <a:tcPr>
-                    <a:solidFill>
-                      <a:srgbClr val="F2F2F2"/>
-                    </a:solidFill>
-                  </a:tcPr>
-                </a:tc>
-                <a:tc>
-                  <a:txBody>
-                    <a:bodyPr/>
-                    <a:lstStyle/>
-                    <a:p>
-                      <a:endParaRPr/>
-                    </a:p>
+                    <a:p/>
+                  </a:txBody>
+                  <a:tcPr>
+                    <a:solidFill>
+                      <a:srgbClr val="F2F2F2"/>
+                    </a:solidFill>
+                  </a:tcPr>
+                </a:tc>
+                <a:tc>
+                  <a:txBody>
+                    <a:bodyPr/>
+                    <a:lstStyle/>
+                    <a:p/>
+                  </a:txBody>
+                  <a:tcPr>
+                    <a:solidFill>
+                      <a:srgbClr val="F2F2F2"/>
+                    </a:solidFill>
+                  </a:tcPr>
+                </a:tc>
+                <a:tc>
+                  <a:txBody>
+                    <a:bodyPr/>
+                    <a:lstStyle/>
+                    <a:p/>
                   </a:txBody>
                   <a:tcPr>
                     <a:solidFill>
@@ -4935,9 +4742,7 @@
                   <a:txBody>
                     <a:bodyPr/>
                     <a:lstStyle/>
-                    <a:p>
-                      <a:endParaRPr/>
-                    </a:p>
+                    <a:p/>
                   </a:txBody>
                   <a:tcPr>
                     <a:solidFill>
@@ -4980,11 +4785,6 @@
                     </a:solidFill>
                   </a:tcPr>
                 </a:tc>
-                <a:extLst>
-                  <a:ext uri="{0D108BD9-81ED-4DB2-BD59-A6C34878D82A}">
-                    <a16:rowId xmlns:a16="http://schemas.microsoft.com/office/drawing/2014/main" val="10003"/>
-                  </a:ext>
-                </a:extLst>
               </a:tr>
             </a:tbl>
           </a:graphicData>
@@ -5006,7 +4806,7 @@
         </p:blipFill>
         <p:spPr>
           <a:xfrm>
-            <a:off x="914400" y="914400"/>
+            <a:off x="914400" y="1828800"/>
             <a:ext cx="914400" cy="914400"/>
           </a:xfrm>
           <a:prstGeom prst="rect">
@@ -5030,7 +4830,7 @@
         </p:blipFill>
         <p:spPr>
           <a:xfrm>
-            <a:off x="2743200" y="1828800"/>
+            <a:off x="2743200" y="2743200"/>
             <a:ext cx="914400" cy="914400"/>
           </a:xfrm>
           <a:prstGeom prst="rect">
@@ -5047,7 +4847,7 @@
 </file>
 
 <file path=ppt/slides/slide4.xml><?xml version="1.0" encoding="utf-8"?>
-<p:sld xmlns:a="http://schemas.openxmlformats.org/drawingml/2006/main" xmlns:r="http://schemas.openxmlformats.org/officeDocument/2006/relationships" xmlns:p="http://schemas.openxmlformats.org/presentationml/2006/main">
+<p:sld xmlns:a="http://schemas.openxmlformats.org/drawingml/2006/main" xmlns:p="http://schemas.openxmlformats.org/presentationml/2006/main" xmlns:r="http://schemas.openxmlformats.org/officeDocument/2006/relationships">
   <p:cSld>
     <p:spTree>
       <p:nvGrpSpPr>
@@ -5055,14 +4855,7 @@
         <p:cNvGrpSpPr/>
         <p:nvPr/>
       </p:nvGrpSpPr>
-      <p:grpSpPr>
-        <a:xfrm>
-          <a:off x="0" y="0"/>
-          <a:ext cx="0" cy="0"/>
-          <a:chOff x="0" y="0"/>
-          <a:chExt cx="0" cy="0"/>
-        </a:xfrm>
-      </p:grpSpPr>
+      <p:grpSpPr/>
       <p:sp>
         <p:nvSpPr>
           <p:cNvPr id="2" name="Title 1"/>
@@ -5126,48 +4919,12 @@
                 <a:tableStyleId>{5C22544A-7EE6-4342-B048-85BDC9FD1C3A}</a:tableStyleId>
               </a:tblPr>
               <a:tblGrid>
-                <a:gridCol w="914400">
-                  <a:extLst>
-                    <a:ext uri="{9D8B030D-6E8A-4147-A177-3AD203B41FA5}">
-                      <a16:colId xmlns:a16="http://schemas.microsoft.com/office/drawing/2014/main" val="20000"/>
-                    </a:ext>
-                  </a:extLst>
-                </a:gridCol>
-                <a:gridCol w="2011680">
-                  <a:extLst>
-                    <a:ext uri="{9D8B030D-6E8A-4147-A177-3AD203B41FA5}">
-                      <a16:colId xmlns:a16="http://schemas.microsoft.com/office/drawing/2014/main" val="20001"/>
-                    </a:ext>
-                  </a:extLst>
-                </a:gridCol>
-                <a:gridCol w="914400">
-                  <a:extLst>
-                    <a:ext uri="{9D8B030D-6E8A-4147-A177-3AD203B41FA5}">
-                      <a16:colId xmlns:a16="http://schemas.microsoft.com/office/drawing/2014/main" val="20002"/>
-                    </a:ext>
-                  </a:extLst>
-                </a:gridCol>
-                <a:gridCol w="2011680">
-                  <a:extLst>
-                    <a:ext uri="{9D8B030D-6E8A-4147-A177-3AD203B41FA5}">
-                      <a16:colId xmlns:a16="http://schemas.microsoft.com/office/drawing/2014/main" val="20003"/>
-                    </a:ext>
-                  </a:extLst>
-                </a:gridCol>
-                <a:gridCol w="914400">
-                  <a:extLst>
-                    <a:ext uri="{9D8B030D-6E8A-4147-A177-3AD203B41FA5}">
-                      <a16:colId xmlns:a16="http://schemas.microsoft.com/office/drawing/2014/main" val="20004"/>
-                    </a:ext>
-                  </a:extLst>
-                </a:gridCol>
-                <a:gridCol w="2011680">
-                  <a:extLst>
-                    <a:ext uri="{9D8B030D-6E8A-4147-A177-3AD203B41FA5}">
-                      <a16:colId xmlns:a16="http://schemas.microsoft.com/office/drawing/2014/main" val="20005"/>
-                    </a:ext>
-                  </a:extLst>
-                </a:gridCol>
+                <a:gridCol w="914400"/>
+                <a:gridCol w="2011680"/>
+                <a:gridCol w="914400"/>
+                <a:gridCol w="2011680"/>
+                <a:gridCol w="914400"/>
+                <a:gridCol w="2011680"/>
               </a:tblGrid>
               <a:tr h="146304">
                 <a:tc gridSpan="2">
@@ -5191,9 +4948,7 @@
                   <a:txBody>
                     <a:bodyPr/>
                     <a:lstStyle/>
-                    <a:p>
-                      <a:endParaRPr/>
-                    </a:p>
+                    <a:p/>
                   </a:txBody>
                   <a:tcPr>
                     <a:solidFill>
@@ -5222,9 +4977,7 @@
                   <a:txBody>
                     <a:bodyPr/>
                     <a:lstStyle/>
-                    <a:p>
-                      <a:endParaRPr/>
-                    </a:p>
+                    <a:p/>
                   </a:txBody>
                   <a:tcPr>
                     <a:solidFill>
@@ -5253,30 +5006,21 @@
                   <a:txBody>
                     <a:bodyPr/>
                     <a:lstStyle/>
-                    <a:p>
-                      <a:endParaRPr/>
-                    </a:p>
-                  </a:txBody>
-                  <a:tcPr>
-                    <a:solidFill>
-                      <a:srgbClr val="F2F2F2"/>
-                    </a:solidFill>
-                  </a:tcPr>
-                </a:tc>
-                <a:extLst>
-                  <a:ext uri="{0D108BD9-81ED-4DB2-BD59-A6C34878D82A}">
-                    <a16:rowId xmlns:a16="http://schemas.microsoft.com/office/drawing/2014/main" val="10000"/>
-                  </a:ext>
-                </a:extLst>
+                    <a:p/>
+                  </a:txBody>
+                  <a:tcPr>
+                    <a:solidFill>
+                      <a:srgbClr val="F2F2F2"/>
+                    </a:solidFill>
+                  </a:tcPr>
+                </a:tc>
               </a:tr>
               <a:tr h="146304">
                 <a:tc>
                   <a:txBody>
                     <a:bodyPr/>
                     <a:lstStyle/>
-                    <a:p>
-                      <a:endParaRPr/>
-                    </a:p>
+                    <a:p/>
                   </a:txBody>
                   <a:tcPr>
                     <a:solidFill>
@@ -5323,9 +5067,7 @@
                   <a:txBody>
                     <a:bodyPr/>
                     <a:lstStyle/>
-                    <a:p>
-                      <a:endParaRPr/>
-                    </a:p>
+                    <a:p/>
                   </a:txBody>
                   <a:tcPr>
                     <a:solidFill>
@@ -5372,9 +5114,7 @@
                   <a:txBody>
                     <a:bodyPr/>
                     <a:lstStyle/>
-                    <a:p>
-                      <a:endParaRPr/>
-                    </a:p>
+                    <a:p/>
                   </a:txBody>
                   <a:tcPr>
                     <a:solidFill>
@@ -5417,20 +5157,13 @@
                     </a:solidFill>
                   </a:tcPr>
                 </a:tc>
-                <a:extLst>
-                  <a:ext uri="{0D108BD9-81ED-4DB2-BD59-A6C34878D82A}">
-                    <a16:rowId xmlns:a16="http://schemas.microsoft.com/office/drawing/2014/main" val="10001"/>
-                  </a:ext>
-                </a:extLst>
               </a:tr>
               <a:tr h="146304">
                 <a:tc>
                   <a:txBody>
                     <a:bodyPr/>
                     <a:lstStyle/>
-                    <a:p>
-                      <a:endParaRPr/>
-                    </a:p>
+                    <a:p/>
                   </a:txBody>
                   <a:tcPr>
                     <a:solidFill>
@@ -5477,9 +5210,7 @@
                   <a:txBody>
                     <a:bodyPr/>
                     <a:lstStyle/>
-                    <a:p>
-                      <a:endParaRPr/>
-                    </a:p>
+                    <a:p/>
                   </a:txBody>
                   <a:tcPr>
                     <a:solidFill>
@@ -5526,9 +5257,7 @@
                   <a:txBody>
                     <a:bodyPr/>
                     <a:lstStyle/>
-                    <a:p>
-                      <a:endParaRPr/>
-                    </a:p>
+                    <a:p/>
                   </a:txBody>
                   <a:tcPr>
                     <a:solidFill>
@@ -5571,20 +5300,13 @@
                     </a:solidFill>
                   </a:tcPr>
                 </a:tc>
-                <a:extLst>
-                  <a:ext uri="{0D108BD9-81ED-4DB2-BD59-A6C34878D82A}">
-                    <a16:rowId xmlns:a16="http://schemas.microsoft.com/office/drawing/2014/main" val="10002"/>
-                  </a:ext>
-                </a:extLst>
               </a:tr>
               <a:tr h="146304">
                 <a:tc>
                   <a:txBody>
                     <a:bodyPr/>
                     <a:lstStyle/>
-                    <a:p>
-                      <a:endParaRPr/>
-                    </a:p>
+                    <a:p/>
                   </a:txBody>
                   <a:tcPr>
                     <a:solidFill>
@@ -5631,37 +5353,31 @@
                   <a:txBody>
                     <a:bodyPr/>
                     <a:lstStyle/>
-                    <a:p>
-                      <a:endParaRPr/>
-                    </a:p>
-                  </a:txBody>
-                  <a:tcPr>
-                    <a:solidFill>
-                      <a:srgbClr val="F2F2F2"/>
-                    </a:solidFill>
-                  </a:tcPr>
-                </a:tc>
-                <a:tc>
-                  <a:txBody>
-                    <a:bodyPr/>
-                    <a:lstStyle/>
-                    <a:p>
-                      <a:endParaRPr/>
-                    </a:p>
-                  </a:txBody>
-                  <a:tcPr>
-                    <a:solidFill>
-                      <a:srgbClr val="F2F2F2"/>
-                    </a:solidFill>
-                  </a:tcPr>
-                </a:tc>
-                <a:tc>
-                  <a:txBody>
-                    <a:bodyPr/>
-                    <a:lstStyle/>
-                    <a:p>
-                      <a:endParaRPr/>
-                    </a:p>
+                    <a:p/>
+                  </a:txBody>
+                  <a:tcPr>
+                    <a:solidFill>
+                      <a:srgbClr val="F2F2F2"/>
+                    </a:solidFill>
+                  </a:tcPr>
+                </a:tc>
+                <a:tc>
+                  <a:txBody>
+                    <a:bodyPr/>
+                    <a:lstStyle/>
+                    <a:p/>
+                  </a:txBody>
+                  <a:tcPr>
+                    <a:solidFill>
+                      <a:srgbClr val="F2F2F2"/>
+                    </a:solidFill>
+                  </a:tcPr>
+                </a:tc>
+                <a:tc>
+                  <a:txBody>
+                    <a:bodyPr/>
+                    <a:lstStyle/>
+                    <a:p/>
                   </a:txBody>
                   <a:tcPr>
                     <a:solidFill>
@@ -5704,76 +5420,61 @@
                     </a:solidFill>
                   </a:tcPr>
                 </a:tc>
-                <a:extLst>
-                  <a:ext uri="{0D108BD9-81ED-4DB2-BD59-A6C34878D82A}">
-                    <a16:rowId xmlns:a16="http://schemas.microsoft.com/office/drawing/2014/main" val="10003"/>
-                  </a:ext>
-                </a:extLst>
               </a:tr>
               <a:tr h="146304">
                 <a:tc>
                   <a:txBody>
                     <a:bodyPr/>
                     <a:lstStyle/>
-                    <a:p>
-                      <a:endParaRPr/>
-                    </a:p>
-                  </a:txBody>
-                  <a:tcPr>
-                    <a:solidFill>
-                      <a:srgbClr val="F2F2F2"/>
-                    </a:solidFill>
-                  </a:tcPr>
-                </a:tc>
-                <a:tc>
-                  <a:txBody>
-                    <a:bodyPr/>
-                    <a:lstStyle/>
-                    <a:p>
-                      <a:endParaRPr/>
-                    </a:p>
-                  </a:txBody>
-                  <a:tcPr>
-                    <a:solidFill>
-                      <a:srgbClr val="F2F2F2"/>
-                    </a:solidFill>
-                  </a:tcPr>
-                </a:tc>
-                <a:tc>
-                  <a:txBody>
-                    <a:bodyPr/>
-                    <a:lstStyle/>
-                    <a:p>
-                      <a:endParaRPr/>
-                    </a:p>
-                  </a:txBody>
-                  <a:tcPr>
-                    <a:solidFill>
-                      <a:srgbClr val="F2F2F2"/>
-                    </a:solidFill>
-                  </a:tcPr>
-                </a:tc>
-                <a:tc>
-                  <a:txBody>
-                    <a:bodyPr/>
-                    <a:lstStyle/>
-                    <a:p>
-                      <a:endParaRPr/>
-                    </a:p>
-                  </a:txBody>
-                  <a:tcPr>
-                    <a:solidFill>
-                      <a:srgbClr val="F2F2F2"/>
-                    </a:solidFill>
-                  </a:tcPr>
-                </a:tc>
-                <a:tc>
-                  <a:txBody>
-                    <a:bodyPr/>
-                    <a:lstStyle/>
-                    <a:p>
-                      <a:endParaRPr/>
-                    </a:p>
+                    <a:p/>
+                  </a:txBody>
+                  <a:tcPr>
+                    <a:solidFill>
+                      <a:srgbClr val="F2F2F2"/>
+                    </a:solidFill>
+                  </a:tcPr>
+                </a:tc>
+                <a:tc>
+                  <a:txBody>
+                    <a:bodyPr/>
+                    <a:lstStyle/>
+                    <a:p/>
+                  </a:txBody>
+                  <a:tcPr>
+                    <a:solidFill>
+                      <a:srgbClr val="F2F2F2"/>
+                    </a:solidFill>
+                  </a:tcPr>
+                </a:tc>
+                <a:tc>
+                  <a:txBody>
+                    <a:bodyPr/>
+                    <a:lstStyle/>
+                    <a:p/>
+                  </a:txBody>
+                  <a:tcPr>
+                    <a:solidFill>
+                      <a:srgbClr val="F2F2F2"/>
+                    </a:solidFill>
+                  </a:tcPr>
+                </a:tc>
+                <a:tc>
+                  <a:txBody>
+                    <a:bodyPr/>
+                    <a:lstStyle/>
+                    <a:p/>
+                  </a:txBody>
+                  <a:tcPr>
+                    <a:solidFill>
+                      <a:srgbClr val="F2F2F2"/>
+                    </a:solidFill>
+                  </a:tcPr>
+                </a:tc>
+                <a:tc>
+                  <a:txBody>
+                    <a:bodyPr/>
+                    <a:lstStyle/>
+                    <a:p/>
                   </a:txBody>
                   <a:tcPr>
                     <a:solidFill>
@@ -5816,11 +5517,6 @@
                     </a:solidFill>
                   </a:tcPr>
                 </a:tc>
-                <a:extLst>
-                  <a:ext uri="{0D108BD9-81ED-4DB2-BD59-A6C34878D82A}">
-                    <a16:rowId xmlns:a16="http://schemas.microsoft.com/office/drawing/2014/main" val="10004"/>
-                  </a:ext>
-                </a:extLst>
               </a:tr>
             </a:tbl>
           </a:graphicData>
@@ -5835,7 +5531,7 @@
 </file>
 
 <file path=ppt/slides/slide5.xml><?xml version="1.0" encoding="utf-8"?>
-<p:sld xmlns:a="http://schemas.openxmlformats.org/drawingml/2006/main" xmlns:r="http://schemas.openxmlformats.org/officeDocument/2006/relationships" xmlns:p="http://schemas.openxmlformats.org/presentationml/2006/main">
+<p:sld xmlns:a="http://schemas.openxmlformats.org/drawingml/2006/main" xmlns:p="http://schemas.openxmlformats.org/presentationml/2006/main" xmlns:r="http://schemas.openxmlformats.org/officeDocument/2006/relationships">
   <p:cSld>
     <p:spTree>
       <p:nvGrpSpPr>
@@ -5843,14 +5539,7 @@
         <p:cNvGrpSpPr/>
         <p:nvPr/>
       </p:nvGrpSpPr>
-      <p:grpSpPr>
-        <a:xfrm>
-          <a:off x="0" y="0"/>
-          <a:ext cx="0" cy="0"/>
-          <a:chOff x="0" y="0"/>
-          <a:chExt cx="0" cy="0"/>
-        </a:xfrm>
-      </p:grpSpPr>
+      <p:grpSpPr/>
       <p:sp>
         <p:nvSpPr>
           <p:cNvPr id="2" name="Title 1"/>
@@ -5914,48 +5603,12 @@
                 <a:tableStyleId>{5C22544A-7EE6-4342-B048-85BDC9FD1C3A}</a:tableStyleId>
               </a:tblPr>
               <a:tblGrid>
-                <a:gridCol w="914400">
-                  <a:extLst>
-                    <a:ext uri="{9D8B030D-6E8A-4147-A177-3AD203B41FA5}">
-                      <a16:colId xmlns:a16="http://schemas.microsoft.com/office/drawing/2014/main" val="20000"/>
-                    </a:ext>
-                  </a:extLst>
-                </a:gridCol>
-                <a:gridCol w="2011680">
-                  <a:extLst>
-                    <a:ext uri="{9D8B030D-6E8A-4147-A177-3AD203B41FA5}">
-                      <a16:colId xmlns:a16="http://schemas.microsoft.com/office/drawing/2014/main" val="20001"/>
-                    </a:ext>
-                  </a:extLst>
-                </a:gridCol>
-                <a:gridCol w="914400">
-                  <a:extLst>
-                    <a:ext uri="{9D8B030D-6E8A-4147-A177-3AD203B41FA5}">
-                      <a16:colId xmlns:a16="http://schemas.microsoft.com/office/drawing/2014/main" val="20002"/>
-                    </a:ext>
-                  </a:extLst>
-                </a:gridCol>
-                <a:gridCol w="2011680">
-                  <a:extLst>
-                    <a:ext uri="{9D8B030D-6E8A-4147-A177-3AD203B41FA5}">
-                      <a16:colId xmlns:a16="http://schemas.microsoft.com/office/drawing/2014/main" val="20003"/>
-                    </a:ext>
-                  </a:extLst>
-                </a:gridCol>
-                <a:gridCol w="914400">
-                  <a:extLst>
-                    <a:ext uri="{9D8B030D-6E8A-4147-A177-3AD203B41FA5}">
-                      <a16:colId xmlns:a16="http://schemas.microsoft.com/office/drawing/2014/main" val="20004"/>
-                    </a:ext>
-                  </a:extLst>
-                </a:gridCol>
-                <a:gridCol w="2011680">
-                  <a:extLst>
-                    <a:ext uri="{9D8B030D-6E8A-4147-A177-3AD203B41FA5}">
-                      <a16:colId xmlns:a16="http://schemas.microsoft.com/office/drawing/2014/main" val="20005"/>
-                    </a:ext>
-                  </a:extLst>
-                </a:gridCol>
+                <a:gridCol w="914400"/>
+                <a:gridCol w="2011680"/>
+                <a:gridCol w="914400"/>
+                <a:gridCol w="2011680"/>
+                <a:gridCol w="914400"/>
+                <a:gridCol w="2011680"/>
               </a:tblGrid>
               <a:tr h="146304">
                 <a:tc gridSpan="2">
@@ -5979,9 +5632,7 @@
                   <a:txBody>
                     <a:bodyPr/>
                     <a:lstStyle/>
-                    <a:p>
-                      <a:endParaRPr/>
-                    </a:p>
+                    <a:p/>
                   </a:txBody>
                   <a:tcPr>
                     <a:solidFill>
@@ -6010,9 +5661,7 @@
                   <a:txBody>
                     <a:bodyPr/>
                     <a:lstStyle/>
-                    <a:p>
-                      <a:endParaRPr/>
-                    </a:p>
+                    <a:p/>
                   </a:txBody>
                   <a:tcPr>
                     <a:solidFill>
@@ -6041,30 +5690,21 @@
                   <a:txBody>
                     <a:bodyPr/>
                     <a:lstStyle/>
-                    <a:p>
-                      <a:endParaRPr/>
-                    </a:p>
-                  </a:txBody>
-                  <a:tcPr>
-                    <a:solidFill>
-                      <a:srgbClr val="F2F2F2"/>
-                    </a:solidFill>
-                  </a:tcPr>
-                </a:tc>
-                <a:extLst>
-                  <a:ext uri="{0D108BD9-81ED-4DB2-BD59-A6C34878D82A}">
-                    <a16:rowId xmlns:a16="http://schemas.microsoft.com/office/drawing/2014/main" val="10000"/>
-                  </a:ext>
-                </a:extLst>
+                    <a:p/>
+                  </a:txBody>
+                  <a:tcPr>
+                    <a:solidFill>
+                      <a:srgbClr val="F2F2F2"/>
+                    </a:solidFill>
+                  </a:tcPr>
+                </a:tc>
               </a:tr>
               <a:tr h="146304">
                 <a:tc>
                   <a:txBody>
                     <a:bodyPr/>
                     <a:lstStyle/>
-                    <a:p>
-                      <a:endParaRPr/>
-                    </a:p>
+                    <a:p/>
                   </a:txBody>
                   <a:tcPr>
                     <a:solidFill>
@@ -6111,9 +5751,7 @@
                   <a:txBody>
                     <a:bodyPr/>
                     <a:lstStyle/>
-                    <a:p>
-                      <a:endParaRPr/>
-                    </a:p>
+                    <a:p/>
                   </a:txBody>
                   <a:tcPr>
                     <a:solidFill>
@@ -6160,9 +5798,7 @@
                   <a:txBody>
                     <a:bodyPr/>
                     <a:lstStyle/>
-                    <a:p>
-                      <a:endParaRPr/>
-                    </a:p>
+                    <a:p/>
                   </a:txBody>
                   <a:tcPr>
                     <a:solidFill>
@@ -6205,20 +5841,13 @@
                     </a:solidFill>
                   </a:tcPr>
                 </a:tc>
-                <a:extLst>
-                  <a:ext uri="{0D108BD9-81ED-4DB2-BD59-A6C34878D82A}">
-                    <a16:rowId xmlns:a16="http://schemas.microsoft.com/office/drawing/2014/main" val="10001"/>
-                  </a:ext>
-                </a:extLst>
               </a:tr>
               <a:tr h="146304">
                 <a:tc>
                   <a:txBody>
                     <a:bodyPr/>
                     <a:lstStyle/>
-                    <a:p>
-                      <a:endParaRPr/>
-                    </a:p>
+                    <a:p/>
                   </a:txBody>
                   <a:tcPr>
                     <a:solidFill>
@@ -6265,9 +5894,7 @@
                   <a:txBody>
                     <a:bodyPr/>
                     <a:lstStyle/>
-                    <a:p>
-                      <a:endParaRPr/>
-                    </a:p>
+                    <a:p/>
                   </a:txBody>
                   <a:tcPr>
                     <a:solidFill>
@@ -6314,9 +5941,7 @@
                   <a:txBody>
                     <a:bodyPr/>
                     <a:lstStyle/>
-                    <a:p>
-                      <a:endParaRPr/>
-                    </a:p>
+                    <a:p/>
                   </a:txBody>
                   <a:tcPr>
                     <a:solidFill>
@@ -6359,20 +5984,13 @@
                     </a:solidFill>
                   </a:tcPr>
                 </a:tc>
-                <a:extLst>
-                  <a:ext uri="{0D108BD9-81ED-4DB2-BD59-A6C34878D82A}">
-                    <a16:rowId xmlns:a16="http://schemas.microsoft.com/office/drawing/2014/main" val="10002"/>
-                  </a:ext>
-                </a:extLst>
               </a:tr>
               <a:tr h="146304">
                 <a:tc>
                   <a:txBody>
                     <a:bodyPr/>
                     <a:lstStyle/>
-                    <a:p>
-                      <a:endParaRPr/>
-                    </a:p>
+                    <a:p/>
                   </a:txBody>
                   <a:tcPr>
                     <a:solidFill>
@@ -6419,9 +6037,7 @@
                   <a:txBody>
                     <a:bodyPr/>
                     <a:lstStyle/>
-                    <a:p>
-                      <a:endParaRPr/>
-                    </a:p>
+                    <a:p/>
                   </a:txBody>
                   <a:tcPr>
                     <a:solidFill>
@@ -6468,9 +6084,7 @@
                   <a:txBody>
                     <a:bodyPr/>
                     <a:lstStyle/>
-                    <a:p>
-                      <a:endParaRPr/>
-                    </a:p>
+                    <a:p/>
                   </a:txBody>
                   <a:tcPr>
                     <a:solidFill>
@@ -6513,76 +6127,61 @@
                     </a:solidFill>
                   </a:tcPr>
                 </a:tc>
-                <a:extLst>
-                  <a:ext uri="{0D108BD9-81ED-4DB2-BD59-A6C34878D82A}">
-                    <a16:rowId xmlns:a16="http://schemas.microsoft.com/office/drawing/2014/main" val="10003"/>
-                  </a:ext>
-                </a:extLst>
               </a:tr>
               <a:tr h="146304">
                 <a:tc>
                   <a:txBody>
                     <a:bodyPr/>
                     <a:lstStyle/>
-                    <a:p>
-                      <a:endParaRPr/>
-                    </a:p>
-                  </a:txBody>
-                  <a:tcPr>
-                    <a:solidFill>
-                      <a:srgbClr val="F2F2F2"/>
-                    </a:solidFill>
-                  </a:tcPr>
-                </a:tc>
-                <a:tc>
-                  <a:txBody>
-                    <a:bodyPr/>
-                    <a:lstStyle/>
-                    <a:p>
-                      <a:endParaRPr/>
-                    </a:p>
-                  </a:txBody>
-                  <a:tcPr>
-                    <a:solidFill>
-                      <a:srgbClr val="F2F2F2"/>
-                    </a:solidFill>
-                  </a:tcPr>
-                </a:tc>
-                <a:tc>
-                  <a:txBody>
-                    <a:bodyPr/>
-                    <a:lstStyle/>
-                    <a:p>
-                      <a:endParaRPr/>
-                    </a:p>
-                  </a:txBody>
-                  <a:tcPr>
-                    <a:solidFill>
-                      <a:srgbClr val="F2F2F2"/>
-                    </a:solidFill>
-                  </a:tcPr>
-                </a:tc>
-                <a:tc>
-                  <a:txBody>
-                    <a:bodyPr/>
-                    <a:lstStyle/>
-                    <a:p>
-                      <a:endParaRPr/>
-                    </a:p>
-                  </a:txBody>
-                  <a:tcPr>
-                    <a:solidFill>
-                      <a:srgbClr val="F2F2F2"/>
-                    </a:solidFill>
-                  </a:tcPr>
-                </a:tc>
-                <a:tc>
-                  <a:txBody>
-                    <a:bodyPr/>
-                    <a:lstStyle/>
-                    <a:p>
-                      <a:endParaRPr/>
-                    </a:p>
+                    <a:p/>
+                  </a:txBody>
+                  <a:tcPr>
+                    <a:solidFill>
+                      <a:srgbClr val="F2F2F2"/>
+                    </a:solidFill>
+                  </a:tcPr>
+                </a:tc>
+                <a:tc>
+                  <a:txBody>
+                    <a:bodyPr/>
+                    <a:lstStyle/>
+                    <a:p/>
+                  </a:txBody>
+                  <a:tcPr>
+                    <a:solidFill>
+                      <a:srgbClr val="F2F2F2"/>
+                    </a:solidFill>
+                  </a:tcPr>
+                </a:tc>
+                <a:tc>
+                  <a:txBody>
+                    <a:bodyPr/>
+                    <a:lstStyle/>
+                    <a:p/>
+                  </a:txBody>
+                  <a:tcPr>
+                    <a:solidFill>
+                      <a:srgbClr val="F2F2F2"/>
+                    </a:solidFill>
+                  </a:tcPr>
+                </a:tc>
+                <a:tc>
+                  <a:txBody>
+                    <a:bodyPr/>
+                    <a:lstStyle/>
+                    <a:p/>
+                  </a:txBody>
+                  <a:tcPr>
+                    <a:solidFill>
+                      <a:srgbClr val="F2F2F2"/>
+                    </a:solidFill>
+                  </a:tcPr>
+                </a:tc>
+                <a:tc>
+                  <a:txBody>
+                    <a:bodyPr/>
+                    <a:lstStyle/>
+                    <a:p/>
                   </a:txBody>
                   <a:tcPr>
                     <a:solidFill>
@@ -6625,11 +6224,6 @@
                     </a:solidFill>
                   </a:tcPr>
                 </a:tc>
-                <a:extLst>
-                  <a:ext uri="{0D108BD9-81ED-4DB2-BD59-A6C34878D82A}">
-                    <a16:rowId xmlns:a16="http://schemas.microsoft.com/office/drawing/2014/main" val="10004"/>
-                  </a:ext>
-                </a:extLst>
               </a:tr>
             </a:tbl>
           </a:graphicData>
@@ -6644,7 +6238,7 @@
 </file>
 
 <file path=ppt/slides/slide6.xml><?xml version="1.0" encoding="utf-8"?>
-<p:sld xmlns:a="http://schemas.openxmlformats.org/drawingml/2006/main" xmlns:r="http://schemas.openxmlformats.org/officeDocument/2006/relationships" xmlns:p="http://schemas.openxmlformats.org/presentationml/2006/main">
+<p:sld xmlns:a="http://schemas.openxmlformats.org/drawingml/2006/main" xmlns:p="http://schemas.openxmlformats.org/presentationml/2006/main" xmlns:r="http://schemas.openxmlformats.org/officeDocument/2006/relationships">
   <p:cSld>
     <p:spTree>
       <p:nvGrpSpPr>
@@ -6652,14 +6246,7 @@
         <p:cNvGrpSpPr/>
         <p:nvPr/>
       </p:nvGrpSpPr>
-      <p:grpSpPr>
-        <a:xfrm>
-          <a:off x="0" y="0"/>
-          <a:ext cx="0" cy="0"/>
-          <a:chOff x="0" y="0"/>
-          <a:chExt cx="0" cy="0"/>
-        </a:xfrm>
-      </p:grpSpPr>
+      <p:grpSpPr/>
       <p:sp>
         <p:nvSpPr>
           <p:cNvPr id="2" name="Title 1"/>
@@ -6723,48 +6310,12 @@
                 <a:tableStyleId>{5C22544A-7EE6-4342-B048-85BDC9FD1C3A}</a:tableStyleId>
               </a:tblPr>
               <a:tblGrid>
-                <a:gridCol w="914400">
-                  <a:extLst>
-                    <a:ext uri="{9D8B030D-6E8A-4147-A177-3AD203B41FA5}">
-                      <a16:colId xmlns:a16="http://schemas.microsoft.com/office/drawing/2014/main" val="20000"/>
-                    </a:ext>
-                  </a:extLst>
-                </a:gridCol>
-                <a:gridCol w="2011680">
-                  <a:extLst>
-                    <a:ext uri="{9D8B030D-6E8A-4147-A177-3AD203B41FA5}">
-                      <a16:colId xmlns:a16="http://schemas.microsoft.com/office/drawing/2014/main" val="20001"/>
-                    </a:ext>
-                  </a:extLst>
-                </a:gridCol>
-                <a:gridCol w="914400">
-                  <a:extLst>
-                    <a:ext uri="{9D8B030D-6E8A-4147-A177-3AD203B41FA5}">
-                      <a16:colId xmlns:a16="http://schemas.microsoft.com/office/drawing/2014/main" val="20002"/>
-                    </a:ext>
-                  </a:extLst>
-                </a:gridCol>
-                <a:gridCol w="2011680">
-                  <a:extLst>
-                    <a:ext uri="{9D8B030D-6E8A-4147-A177-3AD203B41FA5}">
-                      <a16:colId xmlns:a16="http://schemas.microsoft.com/office/drawing/2014/main" val="20003"/>
-                    </a:ext>
-                  </a:extLst>
-                </a:gridCol>
-                <a:gridCol w="914400">
-                  <a:extLst>
-                    <a:ext uri="{9D8B030D-6E8A-4147-A177-3AD203B41FA5}">
-                      <a16:colId xmlns:a16="http://schemas.microsoft.com/office/drawing/2014/main" val="20004"/>
-                    </a:ext>
-                  </a:extLst>
-                </a:gridCol>
-                <a:gridCol w="2011680">
-                  <a:extLst>
-                    <a:ext uri="{9D8B030D-6E8A-4147-A177-3AD203B41FA5}">
-                      <a16:colId xmlns:a16="http://schemas.microsoft.com/office/drawing/2014/main" val="20005"/>
-                    </a:ext>
-                  </a:extLst>
-                </a:gridCol>
+                <a:gridCol w="914400"/>
+                <a:gridCol w="2011680"/>
+                <a:gridCol w="914400"/>
+                <a:gridCol w="2011680"/>
+                <a:gridCol w="914400"/>
+                <a:gridCol w="2011680"/>
               </a:tblGrid>
               <a:tr h="146304">
                 <a:tc gridSpan="2">
@@ -6788,9 +6339,7 @@
                   <a:txBody>
                     <a:bodyPr/>
                     <a:lstStyle/>
-                    <a:p>
-                      <a:endParaRPr/>
-                    </a:p>
+                    <a:p/>
                   </a:txBody>
                   <a:tcPr>
                     <a:solidFill>
@@ -6819,9 +6368,7 @@
                   <a:txBody>
                     <a:bodyPr/>
                     <a:lstStyle/>
-                    <a:p>
-                      <a:endParaRPr/>
-                    </a:p>
+                    <a:p/>
                   </a:txBody>
                   <a:tcPr>
                     <a:solidFill>
@@ -6850,30 +6397,21 @@
                   <a:txBody>
                     <a:bodyPr/>
                     <a:lstStyle/>
-                    <a:p>
-                      <a:endParaRPr/>
-                    </a:p>
-                  </a:txBody>
-                  <a:tcPr>
-                    <a:solidFill>
-                      <a:srgbClr val="F2F2F2"/>
-                    </a:solidFill>
-                  </a:tcPr>
-                </a:tc>
-                <a:extLst>
-                  <a:ext uri="{0D108BD9-81ED-4DB2-BD59-A6C34878D82A}">
-                    <a16:rowId xmlns:a16="http://schemas.microsoft.com/office/drawing/2014/main" val="10000"/>
-                  </a:ext>
-                </a:extLst>
+                    <a:p/>
+                  </a:txBody>
+                  <a:tcPr>
+                    <a:solidFill>
+                      <a:srgbClr val="F2F2F2"/>
+                    </a:solidFill>
+                  </a:tcPr>
+                </a:tc>
               </a:tr>
               <a:tr h="146304">
                 <a:tc>
                   <a:txBody>
                     <a:bodyPr/>
                     <a:lstStyle/>
-                    <a:p>
-                      <a:endParaRPr/>
-                    </a:p>
+                    <a:p/>
                   </a:txBody>
                   <a:tcPr>
                     <a:solidFill>
@@ -6920,9 +6458,7 @@
                   <a:txBody>
                     <a:bodyPr/>
                     <a:lstStyle/>
-                    <a:p>
-                      <a:endParaRPr/>
-                    </a:p>
+                    <a:p/>
                   </a:txBody>
                   <a:tcPr>
                     <a:solidFill>
@@ -6969,9 +6505,7 @@
                   <a:txBody>
                     <a:bodyPr/>
                     <a:lstStyle/>
-                    <a:p>
-                      <a:endParaRPr/>
-                    </a:p>
+                    <a:p/>
                   </a:txBody>
                   <a:tcPr>
                     <a:solidFill>
@@ -7014,20 +6548,13 @@
                     </a:solidFill>
                   </a:tcPr>
                 </a:tc>
-                <a:extLst>
-                  <a:ext uri="{0D108BD9-81ED-4DB2-BD59-A6C34878D82A}">
-                    <a16:rowId xmlns:a16="http://schemas.microsoft.com/office/drawing/2014/main" val="10001"/>
-                  </a:ext>
-                </a:extLst>
               </a:tr>
               <a:tr h="146304">
                 <a:tc>
                   <a:txBody>
                     <a:bodyPr/>
                     <a:lstStyle/>
-                    <a:p>
-                      <a:endParaRPr/>
-                    </a:p>
+                    <a:p/>
                   </a:txBody>
                   <a:tcPr>
                     <a:solidFill>
@@ -7074,9 +6601,7 @@
                   <a:txBody>
                     <a:bodyPr/>
                     <a:lstStyle/>
-                    <a:p>
-                      <a:endParaRPr/>
-                    </a:p>
+                    <a:p/>
                   </a:txBody>
                   <a:tcPr>
                     <a:solidFill>
@@ -7123,9 +6648,7 @@
                   <a:txBody>
                     <a:bodyPr/>
                     <a:lstStyle/>
-                    <a:p>
-                      <a:endParaRPr/>
-                    </a:p>
+                    <a:p/>
                   </a:txBody>
                   <a:tcPr>
                     <a:solidFill>
@@ -7168,20 +6691,13 @@
                     </a:solidFill>
                   </a:tcPr>
                 </a:tc>
-                <a:extLst>
-                  <a:ext uri="{0D108BD9-81ED-4DB2-BD59-A6C34878D82A}">
-                    <a16:rowId xmlns:a16="http://schemas.microsoft.com/office/drawing/2014/main" val="10002"/>
-                  </a:ext>
-                </a:extLst>
               </a:tr>
               <a:tr h="146304">
                 <a:tc>
                   <a:txBody>
                     <a:bodyPr/>
                     <a:lstStyle/>
-                    <a:p>
-                      <a:endParaRPr/>
-                    </a:p>
+                    <a:p/>
                   </a:txBody>
                   <a:tcPr>
                     <a:solidFill>
@@ -7228,9 +6744,7 @@
                   <a:txBody>
                     <a:bodyPr/>
                     <a:lstStyle/>
-                    <a:p>
-                      <a:endParaRPr/>
-                    </a:p>
+                    <a:p/>
                   </a:txBody>
                   <a:tcPr>
                     <a:solidFill>
@@ -7277,9 +6791,7 @@
                   <a:txBody>
                     <a:bodyPr/>
                     <a:lstStyle/>
-                    <a:p>
-                      <a:endParaRPr/>
-                    </a:p>
+                    <a:p/>
                   </a:txBody>
                   <a:tcPr>
                     <a:solidFill>
@@ -7322,76 +6834,61 @@
                     </a:solidFill>
                   </a:tcPr>
                 </a:tc>
-                <a:extLst>
-                  <a:ext uri="{0D108BD9-81ED-4DB2-BD59-A6C34878D82A}">
-                    <a16:rowId xmlns:a16="http://schemas.microsoft.com/office/drawing/2014/main" val="10003"/>
-                  </a:ext>
-                </a:extLst>
               </a:tr>
               <a:tr h="146304">
                 <a:tc>
                   <a:txBody>
                     <a:bodyPr/>
                     <a:lstStyle/>
-                    <a:p>
-                      <a:endParaRPr/>
-                    </a:p>
-                  </a:txBody>
-                  <a:tcPr>
-                    <a:solidFill>
-                      <a:srgbClr val="F2F2F2"/>
-                    </a:solidFill>
-                  </a:tcPr>
-                </a:tc>
-                <a:tc>
-                  <a:txBody>
-                    <a:bodyPr/>
-                    <a:lstStyle/>
-                    <a:p>
-                      <a:endParaRPr/>
-                    </a:p>
-                  </a:txBody>
-                  <a:tcPr>
-                    <a:solidFill>
-                      <a:srgbClr val="F2F2F2"/>
-                    </a:solidFill>
-                  </a:tcPr>
-                </a:tc>
-                <a:tc>
-                  <a:txBody>
-                    <a:bodyPr/>
-                    <a:lstStyle/>
-                    <a:p>
-                      <a:endParaRPr/>
-                    </a:p>
-                  </a:txBody>
-                  <a:tcPr>
-                    <a:solidFill>
-                      <a:srgbClr val="F2F2F2"/>
-                    </a:solidFill>
-                  </a:tcPr>
-                </a:tc>
-                <a:tc>
-                  <a:txBody>
-                    <a:bodyPr/>
-                    <a:lstStyle/>
-                    <a:p>
-                      <a:endParaRPr/>
-                    </a:p>
-                  </a:txBody>
-                  <a:tcPr>
-                    <a:solidFill>
-                      <a:srgbClr val="F2F2F2"/>
-                    </a:solidFill>
-                  </a:tcPr>
-                </a:tc>
-                <a:tc>
-                  <a:txBody>
-                    <a:bodyPr/>
-                    <a:lstStyle/>
-                    <a:p>
-                      <a:endParaRPr/>
-                    </a:p>
+                    <a:p/>
+                  </a:txBody>
+                  <a:tcPr>
+                    <a:solidFill>
+                      <a:srgbClr val="F2F2F2"/>
+                    </a:solidFill>
+                  </a:tcPr>
+                </a:tc>
+                <a:tc>
+                  <a:txBody>
+                    <a:bodyPr/>
+                    <a:lstStyle/>
+                    <a:p/>
+                  </a:txBody>
+                  <a:tcPr>
+                    <a:solidFill>
+                      <a:srgbClr val="F2F2F2"/>
+                    </a:solidFill>
+                  </a:tcPr>
+                </a:tc>
+                <a:tc>
+                  <a:txBody>
+                    <a:bodyPr/>
+                    <a:lstStyle/>
+                    <a:p/>
+                  </a:txBody>
+                  <a:tcPr>
+                    <a:solidFill>
+                      <a:srgbClr val="F2F2F2"/>
+                    </a:solidFill>
+                  </a:tcPr>
+                </a:tc>
+                <a:tc>
+                  <a:txBody>
+                    <a:bodyPr/>
+                    <a:lstStyle/>
+                    <a:p/>
+                  </a:txBody>
+                  <a:tcPr>
+                    <a:solidFill>
+                      <a:srgbClr val="F2F2F2"/>
+                    </a:solidFill>
+                  </a:tcPr>
+                </a:tc>
+                <a:tc>
+                  <a:txBody>
+                    <a:bodyPr/>
+                    <a:lstStyle/>
+                    <a:p/>
                   </a:txBody>
                   <a:tcPr>
                     <a:solidFill>
@@ -7434,11 +6931,6 @@
                     </a:solidFill>
                   </a:tcPr>
                 </a:tc>
-                <a:extLst>
-                  <a:ext uri="{0D108BD9-81ED-4DB2-BD59-A6C34878D82A}">
-                    <a16:rowId xmlns:a16="http://schemas.microsoft.com/office/drawing/2014/main" val="10004"/>
-                  </a:ext>
-                </a:extLst>
               </a:tr>
             </a:tbl>
           </a:graphicData>
@@ -7453,7 +6945,7 @@
 </file>
 
 <file path=ppt/slides/slide7.xml><?xml version="1.0" encoding="utf-8"?>
-<p:sld xmlns:a="http://schemas.openxmlformats.org/drawingml/2006/main" xmlns:r="http://schemas.openxmlformats.org/officeDocument/2006/relationships" xmlns:p="http://schemas.openxmlformats.org/presentationml/2006/main">
+<p:sld xmlns:a="http://schemas.openxmlformats.org/drawingml/2006/main" xmlns:p="http://schemas.openxmlformats.org/presentationml/2006/main" xmlns:r="http://schemas.openxmlformats.org/officeDocument/2006/relationships">
   <p:cSld>
     <p:spTree>
       <p:nvGrpSpPr>
@@ -7461,14 +6953,7 @@
         <p:cNvGrpSpPr/>
         <p:nvPr/>
       </p:nvGrpSpPr>
-      <p:grpSpPr>
-        <a:xfrm>
-          <a:off x="0" y="0"/>
-          <a:ext cx="0" cy="0"/>
-          <a:chOff x="0" y="0"/>
-          <a:chExt cx="0" cy="0"/>
-        </a:xfrm>
-      </p:grpSpPr>
+      <p:grpSpPr/>
       <p:sp>
         <p:nvSpPr>
           <p:cNvPr id="2" name="Title 1"/>
@@ -7532,48 +7017,12 @@
                 <a:tableStyleId>{5C22544A-7EE6-4342-B048-85BDC9FD1C3A}</a:tableStyleId>
               </a:tblPr>
               <a:tblGrid>
-                <a:gridCol w="914400">
-                  <a:extLst>
-                    <a:ext uri="{9D8B030D-6E8A-4147-A177-3AD203B41FA5}">
-                      <a16:colId xmlns:a16="http://schemas.microsoft.com/office/drawing/2014/main" val="20000"/>
-                    </a:ext>
-                  </a:extLst>
-                </a:gridCol>
-                <a:gridCol w="2011680">
-                  <a:extLst>
-                    <a:ext uri="{9D8B030D-6E8A-4147-A177-3AD203B41FA5}">
-                      <a16:colId xmlns:a16="http://schemas.microsoft.com/office/drawing/2014/main" val="20001"/>
-                    </a:ext>
-                  </a:extLst>
-                </a:gridCol>
-                <a:gridCol w="914400">
-                  <a:extLst>
-                    <a:ext uri="{9D8B030D-6E8A-4147-A177-3AD203B41FA5}">
-                      <a16:colId xmlns:a16="http://schemas.microsoft.com/office/drawing/2014/main" val="20002"/>
-                    </a:ext>
-                  </a:extLst>
-                </a:gridCol>
-                <a:gridCol w="2011680">
-                  <a:extLst>
-                    <a:ext uri="{9D8B030D-6E8A-4147-A177-3AD203B41FA5}">
-                      <a16:colId xmlns:a16="http://schemas.microsoft.com/office/drawing/2014/main" val="20003"/>
-                    </a:ext>
-                  </a:extLst>
-                </a:gridCol>
-                <a:gridCol w="914400">
-                  <a:extLst>
-                    <a:ext uri="{9D8B030D-6E8A-4147-A177-3AD203B41FA5}">
-                      <a16:colId xmlns:a16="http://schemas.microsoft.com/office/drawing/2014/main" val="20004"/>
-                    </a:ext>
-                  </a:extLst>
-                </a:gridCol>
-                <a:gridCol w="2011680">
-                  <a:extLst>
-                    <a:ext uri="{9D8B030D-6E8A-4147-A177-3AD203B41FA5}">
-                      <a16:colId xmlns:a16="http://schemas.microsoft.com/office/drawing/2014/main" val="20005"/>
-                    </a:ext>
-                  </a:extLst>
-                </a:gridCol>
+                <a:gridCol w="914400"/>
+                <a:gridCol w="2011680"/>
+                <a:gridCol w="914400"/>
+                <a:gridCol w="2011680"/>
+                <a:gridCol w="914400"/>
+                <a:gridCol w="2011680"/>
               </a:tblGrid>
               <a:tr h="146304">
                 <a:tc gridSpan="2">
@@ -7597,9 +7046,7 @@
                   <a:txBody>
                     <a:bodyPr/>
                     <a:lstStyle/>
-                    <a:p>
-                      <a:endParaRPr/>
-                    </a:p>
+                    <a:p/>
                   </a:txBody>
                   <a:tcPr>
                     <a:solidFill>
@@ -7628,9 +7075,7 @@
                   <a:txBody>
                     <a:bodyPr/>
                     <a:lstStyle/>
-                    <a:p>
-                      <a:endParaRPr/>
-                    </a:p>
+                    <a:p/>
                   </a:txBody>
                   <a:tcPr>
                     <a:solidFill>
@@ -7659,30 +7104,21 @@
                   <a:txBody>
                     <a:bodyPr/>
                     <a:lstStyle/>
-                    <a:p>
-                      <a:endParaRPr/>
-                    </a:p>
-                  </a:txBody>
-                  <a:tcPr>
-                    <a:solidFill>
-                      <a:srgbClr val="F2F2F2"/>
-                    </a:solidFill>
-                  </a:tcPr>
-                </a:tc>
-                <a:extLst>
-                  <a:ext uri="{0D108BD9-81ED-4DB2-BD59-A6C34878D82A}">
-                    <a16:rowId xmlns:a16="http://schemas.microsoft.com/office/drawing/2014/main" val="10000"/>
-                  </a:ext>
-                </a:extLst>
+                    <a:p/>
+                  </a:txBody>
+                  <a:tcPr>
+                    <a:solidFill>
+                      <a:srgbClr val="F2F2F2"/>
+                    </a:solidFill>
+                  </a:tcPr>
+                </a:tc>
               </a:tr>
               <a:tr h="146304">
                 <a:tc>
                   <a:txBody>
                     <a:bodyPr/>
                     <a:lstStyle/>
-                    <a:p>
-                      <a:endParaRPr/>
-                    </a:p>
+                    <a:p/>
                   </a:txBody>
                   <a:tcPr>
                     <a:solidFill>
@@ -7729,9 +7165,7 @@
                   <a:txBody>
                     <a:bodyPr/>
                     <a:lstStyle/>
-                    <a:p>
-                      <a:endParaRPr/>
-                    </a:p>
+                    <a:p/>
                   </a:txBody>
                   <a:tcPr>
                     <a:solidFill>
@@ -7778,9 +7212,7 @@
                   <a:txBody>
                     <a:bodyPr/>
                     <a:lstStyle/>
-                    <a:p>
-                      <a:endParaRPr/>
-                    </a:p>
+                    <a:p/>
                   </a:txBody>
                   <a:tcPr>
                     <a:solidFill>
@@ -7823,20 +7255,13 @@
                     </a:solidFill>
                   </a:tcPr>
                 </a:tc>
-                <a:extLst>
-                  <a:ext uri="{0D108BD9-81ED-4DB2-BD59-A6C34878D82A}">
-                    <a16:rowId xmlns:a16="http://schemas.microsoft.com/office/drawing/2014/main" val="10001"/>
-                  </a:ext>
-                </a:extLst>
               </a:tr>
               <a:tr h="146304">
                 <a:tc>
                   <a:txBody>
                     <a:bodyPr/>
                     <a:lstStyle/>
-                    <a:p>
-                      <a:endParaRPr/>
-                    </a:p>
+                    <a:p/>
                   </a:txBody>
                   <a:tcPr>
                     <a:solidFill>
@@ -7883,9 +7308,7 @@
                   <a:txBody>
                     <a:bodyPr/>
                     <a:lstStyle/>
-                    <a:p>
-                      <a:endParaRPr/>
-                    </a:p>
+                    <a:p/>
                   </a:txBody>
                   <a:tcPr>
                     <a:solidFill>
@@ -7932,9 +7355,7 @@
                   <a:txBody>
                     <a:bodyPr/>
                     <a:lstStyle/>
-                    <a:p>
-                      <a:endParaRPr/>
-                    </a:p>
+                    <a:p/>
                   </a:txBody>
                   <a:tcPr>
                     <a:solidFill>
@@ -7977,20 +7398,13 @@
                     </a:solidFill>
                   </a:tcPr>
                 </a:tc>
-                <a:extLst>
-                  <a:ext uri="{0D108BD9-81ED-4DB2-BD59-A6C34878D82A}">
-                    <a16:rowId xmlns:a16="http://schemas.microsoft.com/office/drawing/2014/main" val="10002"/>
-                  </a:ext>
-                </a:extLst>
               </a:tr>
               <a:tr h="146304">
                 <a:tc>
                   <a:txBody>
                     <a:bodyPr/>
                     <a:lstStyle/>
-                    <a:p>
-                      <a:endParaRPr/>
-                    </a:p>
+                    <a:p/>
                   </a:txBody>
                   <a:tcPr>
                     <a:solidFill>
@@ -8037,9 +7451,7 @@
                   <a:txBody>
                     <a:bodyPr/>
                     <a:lstStyle/>
-                    <a:p>
-                      <a:endParaRPr/>
-                    </a:p>
+                    <a:p/>
                   </a:txBody>
                   <a:tcPr>
                     <a:solidFill>
@@ -8086,9 +7498,7 @@
                   <a:txBody>
                     <a:bodyPr/>
                     <a:lstStyle/>
-                    <a:p>
-                      <a:endParaRPr/>
-                    </a:p>
+                    <a:p/>
                   </a:txBody>
                   <a:tcPr>
                     <a:solidFill>
@@ -8131,76 +7541,61 @@
                     </a:solidFill>
                   </a:tcPr>
                 </a:tc>
-                <a:extLst>
-                  <a:ext uri="{0D108BD9-81ED-4DB2-BD59-A6C34878D82A}">
-                    <a16:rowId xmlns:a16="http://schemas.microsoft.com/office/drawing/2014/main" val="10003"/>
-                  </a:ext>
-                </a:extLst>
               </a:tr>
               <a:tr h="146304">
                 <a:tc>
                   <a:txBody>
                     <a:bodyPr/>
                     <a:lstStyle/>
-                    <a:p>
-                      <a:endParaRPr/>
-                    </a:p>
-                  </a:txBody>
-                  <a:tcPr>
-                    <a:solidFill>
-                      <a:srgbClr val="F2F2F2"/>
-                    </a:solidFill>
-                  </a:tcPr>
-                </a:tc>
-                <a:tc>
-                  <a:txBody>
-                    <a:bodyPr/>
-                    <a:lstStyle/>
-                    <a:p>
-                      <a:endParaRPr/>
-                    </a:p>
-                  </a:txBody>
-                  <a:tcPr>
-                    <a:solidFill>
-                      <a:srgbClr val="F2F2F2"/>
-                    </a:solidFill>
-                  </a:tcPr>
-                </a:tc>
-                <a:tc>
-                  <a:txBody>
-                    <a:bodyPr/>
-                    <a:lstStyle/>
-                    <a:p>
-                      <a:endParaRPr/>
-                    </a:p>
-                  </a:txBody>
-                  <a:tcPr>
-                    <a:solidFill>
-                      <a:srgbClr val="F2F2F2"/>
-                    </a:solidFill>
-                  </a:tcPr>
-                </a:tc>
-                <a:tc>
-                  <a:txBody>
-                    <a:bodyPr/>
-                    <a:lstStyle/>
-                    <a:p>
-                      <a:endParaRPr/>
-                    </a:p>
-                  </a:txBody>
-                  <a:tcPr>
-                    <a:solidFill>
-                      <a:srgbClr val="F2F2F2"/>
-                    </a:solidFill>
-                  </a:tcPr>
-                </a:tc>
-                <a:tc>
-                  <a:txBody>
-                    <a:bodyPr/>
-                    <a:lstStyle/>
-                    <a:p>
-                      <a:endParaRPr/>
-                    </a:p>
+                    <a:p/>
+                  </a:txBody>
+                  <a:tcPr>
+                    <a:solidFill>
+                      <a:srgbClr val="F2F2F2"/>
+                    </a:solidFill>
+                  </a:tcPr>
+                </a:tc>
+                <a:tc>
+                  <a:txBody>
+                    <a:bodyPr/>
+                    <a:lstStyle/>
+                    <a:p/>
+                  </a:txBody>
+                  <a:tcPr>
+                    <a:solidFill>
+                      <a:srgbClr val="F2F2F2"/>
+                    </a:solidFill>
+                  </a:tcPr>
+                </a:tc>
+                <a:tc>
+                  <a:txBody>
+                    <a:bodyPr/>
+                    <a:lstStyle/>
+                    <a:p/>
+                  </a:txBody>
+                  <a:tcPr>
+                    <a:solidFill>
+                      <a:srgbClr val="F2F2F2"/>
+                    </a:solidFill>
+                  </a:tcPr>
+                </a:tc>
+                <a:tc>
+                  <a:txBody>
+                    <a:bodyPr/>
+                    <a:lstStyle/>
+                    <a:p/>
+                  </a:txBody>
+                  <a:tcPr>
+                    <a:solidFill>
+                      <a:srgbClr val="F2F2F2"/>
+                    </a:solidFill>
+                  </a:tcPr>
+                </a:tc>
+                <a:tc>
+                  <a:txBody>
+                    <a:bodyPr/>
+                    <a:lstStyle/>
+                    <a:p/>
                   </a:txBody>
                   <a:tcPr>
                     <a:solidFill>
@@ -8243,11 +7638,6 @@
                     </a:solidFill>
                   </a:tcPr>
                 </a:tc>
-                <a:extLst>
-                  <a:ext uri="{0D108BD9-81ED-4DB2-BD59-A6C34878D82A}">
-                    <a16:rowId xmlns:a16="http://schemas.microsoft.com/office/drawing/2014/main" val="10004"/>
-                  </a:ext>
-                </a:extLst>
               </a:tr>
             </a:tbl>
           </a:graphicData>
@@ -8262,7 +7652,7 @@
 </file>
 
 <file path=ppt/slides/slide8.xml><?xml version="1.0" encoding="utf-8"?>
-<p:sld xmlns:a="http://schemas.openxmlformats.org/drawingml/2006/main" xmlns:r="http://schemas.openxmlformats.org/officeDocument/2006/relationships" xmlns:p="http://schemas.openxmlformats.org/presentationml/2006/main">
+<p:sld xmlns:a="http://schemas.openxmlformats.org/drawingml/2006/main" xmlns:p="http://schemas.openxmlformats.org/presentationml/2006/main" xmlns:r="http://schemas.openxmlformats.org/officeDocument/2006/relationships">
   <p:cSld>
     <p:spTree>
       <p:nvGrpSpPr>
@@ -8270,14 +7660,7 @@
         <p:cNvGrpSpPr/>
         <p:nvPr/>
       </p:nvGrpSpPr>
-      <p:grpSpPr>
-        <a:xfrm>
-          <a:off x="0" y="0"/>
-          <a:ext cx="0" cy="0"/>
-          <a:chOff x="0" y="0"/>
-          <a:chExt cx="0" cy="0"/>
-        </a:xfrm>
-      </p:grpSpPr>
+      <p:grpSpPr/>
       <p:sp>
         <p:nvSpPr>
           <p:cNvPr id="2" name="Title 1"/>
@@ -8313,9 +7696,7 @@
         <p:txBody>
           <a:bodyPr/>
           <a:lstStyle/>
-          <a:p>
-            <a:endParaRPr/>
-          </a:p>
+          <a:p/>
         </p:txBody>
       </p:sp>
     </p:spTree>
